--- a/docs/diagrams/PinUnpinSequenceDiagram.pptx
+++ b/docs/diagrams/PinUnpinSequenceDiagram.pptx
@@ -8,7 +8,7 @@
     <p:notesMasterId r:id="rId3"/>
   </p:notesMasterIdLst>
   <p:sldIdLst>
-    <p:sldId id="267" r:id="rId2"/>
+    <p:sldId id="268" r:id="rId2"/>
   </p:sldIdLst>
   <p:sldSz cx="9144000" cy="6858000" type="screen4x3"/>
   <p:notesSz cx="6858000" cy="9144000"/>
@@ -197,7 +197,7 @@
           <a:p>
             <a:fld id="{F5CC4B3F-88C1-4FFA-B1B6-F41C21DC6924}" type="datetimeFigureOut">
               <a:rPr lang="en-US" smtClean="0"/>
-              <a:t>4/2/19</a:t>
+              <a:t>4/15/19</a:t>
             </a:fld>
             <a:endParaRPr lang="en-US"/>
           </a:p>
@@ -643,7 +643,7 @@
           <a:p>
             <a:fld id="{78C97017-6FC3-485B-9764-EAC9E56C1D49}" type="datetimeFigureOut">
               <a:rPr lang="en-US" smtClean="0"/>
-              <a:t>4/2/19</a:t>
+              <a:t>4/15/19</a:t>
             </a:fld>
             <a:endParaRPr lang="en-US"/>
           </a:p>
@@ -811,7 +811,7 @@
           <a:p>
             <a:fld id="{78C97017-6FC3-485B-9764-EAC9E56C1D49}" type="datetimeFigureOut">
               <a:rPr lang="en-US" smtClean="0"/>
-              <a:t>4/2/19</a:t>
+              <a:t>4/15/19</a:t>
             </a:fld>
             <a:endParaRPr lang="en-US"/>
           </a:p>
@@ -989,7 +989,7 @@
           <a:p>
             <a:fld id="{78C97017-6FC3-485B-9764-EAC9E56C1D49}" type="datetimeFigureOut">
               <a:rPr lang="en-US" smtClean="0"/>
-              <a:t>4/2/19</a:t>
+              <a:t>4/15/19</a:t>
             </a:fld>
             <a:endParaRPr lang="en-US"/>
           </a:p>
@@ -1157,7 +1157,7 @@
           <a:p>
             <a:fld id="{78C97017-6FC3-485B-9764-EAC9E56C1D49}" type="datetimeFigureOut">
               <a:rPr lang="en-US" smtClean="0"/>
-              <a:t>4/2/19</a:t>
+              <a:t>4/15/19</a:t>
             </a:fld>
             <a:endParaRPr lang="en-US"/>
           </a:p>
@@ -1402,7 +1402,7 @@
           <a:p>
             <a:fld id="{78C97017-6FC3-485B-9764-EAC9E56C1D49}" type="datetimeFigureOut">
               <a:rPr lang="en-US" smtClean="0"/>
-              <a:t>4/2/19</a:t>
+              <a:t>4/15/19</a:t>
             </a:fld>
             <a:endParaRPr lang="en-US"/>
           </a:p>
@@ -1687,7 +1687,7 @@
           <a:p>
             <a:fld id="{78C97017-6FC3-485B-9764-EAC9E56C1D49}" type="datetimeFigureOut">
               <a:rPr lang="en-US" smtClean="0"/>
-              <a:t>4/2/19</a:t>
+              <a:t>4/15/19</a:t>
             </a:fld>
             <a:endParaRPr lang="en-US"/>
           </a:p>
@@ -2106,7 +2106,7 @@
           <a:p>
             <a:fld id="{78C97017-6FC3-485B-9764-EAC9E56C1D49}" type="datetimeFigureOut">
               <a:rPr lang="en-US" smtClean="0"/>
-              <a:t>4/2/19</a:t>
+              <a:t>4/15/19</a:t>
             </a:fld>
             <a:endParaRPr lang="en-US"/>
           </a:p>
@@ -2223,7 +2223,7 @@
           <a:p>
             <a:fld id="{78C97017-6FC3-485B-9764-EAC9E56C1D49}" type="datetimeFigureOut">
               <a:rPr lang="en-US" smtClean="0"/>
-              <a:t>4/2/19</a:t>
+              <a:t>4/15/19</a:t>
             </a:fld>
             <a:endParaRPr lang="en-US"/>
           </a:p>
@@ -2318,7 +2318,7 @@
           <a:p>
             <a:fld id="{78C97017-6FC3-485B-9764-EAC9E56C1D49}" type="datetimeFigureOut">
               <a:rPr lang="en-US" smtClean="0"/>
-              <a:t>4/2/19</a:t>
+              <a:t>4/15/19</a:t>
             </a:fld>
             <a:endParaRPr lang="en-US"/>
           </a:p>
@@ -2593,7 +2593,7 @@
           <a:p>
             <a:fld id="{78C97017-6FC3-485B-9764-EAC9E56C1D49}" type="datetimeFigureOut">
               <a:rPr lang="en-US" smtClean="0"/>
-              <a:t>4/2/19</a:t>
+              <a:t>4/15/19</a:t>
             </a:fld>
             <a:endParaRPr lang="en-US"/>
           </a:p>
@@ -2845,7 +2845,7 @@
           <a:p>
             <a:fld id="{78C97017-6FC3-485B-9764-EAC9E56C1D49}" type="datetimeFigureOut">
               <a:rPr lang="en-US" smtClean="0"/>
-              <a:t>4/2/19</a:t>
+              <a:t>4/15/19</a:t>
             </a:fld>
             <a:endParaRPr lang="en-US"/>
           </a:p>
@@ -3056,7 +3056,7 @@
           <a:p>
             <a:fld id="{78C97017-6FC3-485B-9764-EAC9E56C1D49}" type="datetimeFigureOut">
               <a:rPr lang="en-US" smtClean="0"/>
-              <a:t>4/2/19</a:t>
+              <a:t>4/15/19</a:t>
             </a:fld>
             <a:endParaRPr lang="en-US"/>
           </a:p>
@@ -3431,12 +3431,4745 @@
           <a:chExt cx="0" cy="0"/>
         </a:xfrm>
       </p:grpSpPr>
+      <p:sp>
+        <p:nvSpPr>
+          <p:cNvPr id="4" name="Rectangle 65">
+            <a:extLst>
+              <a:ext uri="{FF2B5EF4-FFF2-40B4-BE49-F238E27FC236}">
+                <a16:creationId xmlns:a16="http://schemas.microsoft.com/office/drawing/2014/main" id="{CCF6FE37-31C8-8C40-8E11-8F40FE2FDA94}"/>
+              </a:ext>
+            </a:extLst>
+          </p:cNvPr>
+          <p:cNvSpPr/>
+          <p:nvPr/>
+        </p:nvSpPr>
+        <p:spPr>
+          <a:xfrm>
+            <a:off x="7105290" y="-549439"/>
+            <a:ext cx="4889291" cy="7950707"/>
+          </a:xfrm>
+          <a:prstGeom prst="roundRect">
+            <a:avLst>
+              <a:gd name="adj" fmla="val 3484"/>
+            </a:avLst>
+          </a:prstGeom>
+          <a:solidFill>
+            <a:schemeClr val="accent4">
+              <a:lumMod val="20000"/>
+              <a:lumOff val="80000"/>
+            </a:schemeClr>
+          </a:solidFill>
+          <a:ln w="19050">
+            <a:noFill/>
+          </a:ln>
+          <a:effectLst/>
+        </p:spPr>
+        <p:style>
+          <a:lnRef idx="1">
+            <a:schemeClr val="accent2"/>
+          </a:lnRef>
+          <a:fillRef idx="2">
+            <a:schemeClr val="accent2"/>
+          </a:fillRef>
+          <a:effectRef idx="1">
+            <a:schemeClr val="accent2"/>
+          </a:effectRef>
+          <a:fontRef idx="minor">
+            <a:schemeClr val="dk1"/>
+          </a:fontRef>
+        </p:style>
+        <p:txBody>
+          <a:bodyPr rtlCol="0" anchor="t"/>
+          <a:lstStyle>
+            <a:defPPr>
+              <a:defRPr lang="en-US"/>
+            </a:defPPr>
+            <a:lvl1pPr marL="0" algn="l" defTabSz="914400" rtl="0" eaLnBrk="1" latinLnBrk="0" hangingPunct="1">
+              <a:defRPr sz="1800" kern="1200">
+                <a:solidFill>
+                  <a:schemeClr val="dk1"/>
+                </a:solidFill>
+                <a:latin typeface="+mn-lt"/>
+                <a:ea typeface="+mn-ea"/>
+                <a:cs typeface="+mn-cs"/>
+              </a:defRPr>
+            </a:lvl1pPr>
+            <a:lvl2pPr marL="457200" algn="l" defTabSz="914400" rtl="0" eaLnBrk="1" latinLnBrk="0" hangingPunct="1">
+              <a:defRPr sz="1800" kern="1200">
+                <a:solidFill>
+                  <a:schemeClr val="dk1"/>
+                </a:solidFill>
+                <a:latin typeface="+mn-lt"/>
+                <a:ea typeface="+mn-ea"/>
+                <a:cs typeface="+mn-cs"/>
+              </a:defRPr>
+            </a:lvl2pPr>
+            <a:lvl3pPr marL="914400" algn="l" defTabSz="914400" rtl="0" eaLnBrk="1" latinLnBrk="0" hangingPunct="1">
+              <a:defRPr sz="1800" kern="1200">
+                <a:solidFill>
+                  <a:schemeClr val="dk1"/>
+                </a:solidFill>
+                <a:latin typeface="+mn-lt"/>
+                <a:ea typeface="+mn-ea"/>
+                <a:cs typeface="+mn-cs"/>
+              </a:defRPr>
+            </a:lvl3pPr>
+            <a:lvl4pPr marL="1371600" algn="l" defTabSz="914400" rtl="0" eaLnBrk="1" latinLnBrk="0" hangingPunct="1">
+              <a:defRPr sz="1800" kern="1200">
+                <a:solidFill>
+                  <a:schemeClr val="dk1"/>
+                </a:solidFill>
+                <a:latin typeface="+mn-lt"/>
+                <a:ea typeface="+mn-ea"/>
+                <a:cs typeface="+mn-cs"/>
+              </a:defRPr>
+            </a:lvl4pPr>
+            <a:lvl5pPr marL="1828800" algn="l" defTabSz="914400" rtl="0" eaLnBrk="1" latinLnBrk="0" hangingPunct="1">
+              <a:defRPr sz="1800" kern="1200">
+                <a:solidFill>
+                  <a:schemeClr val="dk1"/>
+                </a:solidFill>
+                <a:latin typeface="+mn-lt"/>
+                <a:ea typeface="+mn-ea"/>
+                <a:cs typeface="+mn-cs"/>
+              </a:defRPr>
+            </a:lvl5pPr>
+            <a:lvl6pPr marL="2286000" algn="l" defTabSz="914400" rtl="0" eaLnBrk="1" latinLnBrk="0" hangingPunct="1">
+              <a:defRPr sz="1800" kern="1200">
+                <a:solidFill>
+                  <a:schemeClr val="dk1"/>
+                </a:solidFill>
+                <a:latin typeface="+mn-lt"/>
+                <a:ea typeface="+mn-ea"/>
+                <a:cs typeface="+mn-cs"/>
+              </a:defRPr>
+            </a:lvl6pPr>
+            <a:lvl7pPr marL="2743200" algn="l" defTabSz="914400" rtl="0" eaLnBrk="1" latinLnBrk="0" hangingPunct="1">
+              <a:defRPr sz="1800" kern="1200">
+                <a:solidFill>
+                  <a:schemeClr val="dk1"/>
+                </a:solidFill>
+                <a:latin typeface="+mn-lt"/>
+                <a:ea typeface="+mn-ea"/>
+                <a:cs typeface="+mn-cs"/>
+              </a:defRPr>
+            </a:lvl7pPr>
+            <a:lvl8pPr marL="3200400" algn="l" defTabSz="914400" rtl="0" eaLnBrk="1" latinLnBrk="0" hangingPunct="1">
+              <a:defRPr sz="1800" kern="1200">
+                <a:solidFill>
+                  <a:schemeClr val="dk1"/>
+                </a:solidFill>
+                <a:latin typeface="+mn-lt"/>
+                <a:ea typeface="+mn-ea"/>
+                <a:cs typeface="+mn-cs"/>
+              </a:defRPr>
+            </a:lvl8pPr>
+            <a:lvl9pPr marL="3657600" algn="l" defTabSz="914400" rtl="0" eaLnBrk="1" latinLnBrk="0" hangingPunct="1">
+              <a:defRPr sz="1800" kern="1200">
+                <a:solidFill>
+                  <a:schemeClr val="dk1"/>
+                </a:solidFill>
+                <a:latin typeface="+mn-lt"/>
+                <a:ea typeface="+mn-ea"/>
+                <a:cs typeface="+mn-cs"/>
+              </a:defRPr>
+            </a:lvl9pPr>
+          </a:lstStyle>
+          <a:p>
+            <a:r>
+              <a:rPr lang="en-US" sz="1200" b="1" dirty="0">
+                <a:solidFill>
+                  <a:srgbClr val="7030A0"/>
+                </a:solidFill>
+              </a:rPr>
+              <a:t>Model</a:t>
+            </a:r>
+            <a:endParaRPr lang="en-SG" sz="1200" b="1" dirty="0">
+              <a:solidFill>
+                <a:srgbClr val="7030A0"/>
+              </a:solidFill>
+            </a:endParaRPr>
+          </a:p>
+        </p:txBody>
+      </p:sp>
+      <p:sp>
+        <p:nvSpPr>
+          <p:cNvPr id="5" name="Rectangle 65">
+            <a:extLst>
+              <a:ext uri="{FF2B5EF4-FFF2-40B4-BE49-F238E27FC236}">
+                <a16:creationId xmlns:a16="http://schemas.microsoft.com/office/drawing/2014/main" id="{62ACCFFE-3E35-754E-98D6-C102877A9F19}"/>
+              </a:ext>
+            </a:extLst>
+          </p:cNvPr>
+          <p:cNvSpPr/>
+          <p:nvPr/>
+        </p:nvSpPr>
+        <p:spPr>
+          <a:xfrm>
+            <a:off x="-2164786" y="-549438"/>
+            <a:ext cx="9232473" cy="7950707"/>
+          </a:xfrm>
+          <a:prstGeom prst="roundRect">
+            <a:avLst>
+              <a:gd name="adj" fmla="val 3484"/>
+            </a:avLst>
+          </a:prstGeom>
+          <a:solidFill>
+            <a:schemeClr val="accent1">
+              <a:lumMod val="20000"/>
+              <a:lumOff val="80000"/>
+            </a:schemeClr>
+          </a:solidFill>
+          <a:ln w="19050">
+            <a:noFill/>
+          </a:ln>
+          <a:effectLst/>
+        </p:spPr>
+        <p:style>
+          <a:lnRef idx="1">
+            <a:schemeClr val="accent2"/>
+          </a:lnRef>
+          <a:fillRef idx="2">
+            <a:schemeClr val="accent2"/>
+          </a:fillRef>
+          <a:effectRef idx="1">
+            <a:schemeClr val="accent2"/>
+          </a:effectRef>
+          <a:fontRef idx="minor">
+            <a:schemeClr val="dk1"/>
+          </a:fontRef>
+        </p:style>
+        <p:txBody>
+          <a:bodyPr rtlCol="0" anchor="t"/>
+          <a:lstStyle>
+            <a:defPPr>
+              <a:defRPr lang="en-US"/>
+            </a:defPPr>
+            <a:lvl1pPr marL="0" algn="l" defTabSz="914400" rtl="0" eaLnBrk="1" latinLnBrk="0" hangingPunct="1">
+              <a:defRPr sz="1800" kern="1200">
+                <a:solidFill>
+                  <a:schemeClr val="dk1"/>
+                </a:solidFill>
+                <a:latin typeface="+mn-lt"/>
+                <a:ea typeface="+mn-ea"/>
+                <a:cs typeface="+mn-cs"/>
+              </a:defRPr>
+            </a:lvl1pPr>
+            <a:lvl2pPr marL="457200" algn="l" defTabSz="914400" rtl="0" eaLnBrk="1" latinLnBrk="0" hangingPunct="1">
+              <a:defRPr sz="1800" kern="1200">
+                <a:solidFill>
+                  <a:schemeClr val="dk1"/>
+                </a:solidFill>
+                <a:latin typeface="+mn-lt"/>
+                <a:ea typeface="+mn-ea"/>
+                <a:cs typeface="+mn-cs"/>
+              </a:defRPr>
+            </a:lvl2pPr>
+            <a:lvl3pPr marL="914400" algn="l" defTabSz="914400" rtl="0" eaLnBrk="1" latinLnBrk="0" hangingPunct="1">
+              <a:defRPr sz="1800" kern="1200">
+                <a:solidFill>
+                  <a:schemeClr val="dk1"/>
+                </a:solidFill>
+                <a:latin typeface="+mn-lt"/>
+                <a:ea typeface="+mn-ea"/>
+                <a:cs typeface="+mn-cs"/>
+              </a:defRPr>
+            </a:lvl3pPr>
+            <a:lvl4pPr marL="1371600" algn="l" defTabSz="914400" rtl="0" eaLnBrk="1" latinLnBrk="0" hangingPunct="1">
+              <a:defRPr sz="1800" kern="1200">
+                <a:solidFill>
+                  <a:schemeClr val="dk1"/>
+                </a:solidFill>
+                <a:latin typeface="+mn-lt"/>
+                <a:ea typeface="+mn-ea"/>
+                <a:cs typeface="+mn-cs"/>
+              </a:defRPr>
+            </a:lvl4pPr>
+            <a:lvl5pPr marL="1828800" algn="l" defTabSz="914400" rtl="0" eaLnBrk="1" latinLnBrk="0" hangingPunct="1">
+              <a:defRPr sz="1800" kern="1200">
+                <a:solidFill>
+                  <a:schemeClr val="dk1"/>
+                </a:solidFill>
+                <a:latin typeface="+mn-lt"/>
+                <a:ea typeface="+mn-ea"/>
+                <a:cs typeface="+mn-cs"/>
+              </a:defRPr>
+            </a:lvl5pPr>
+            <a:lvl6pPr marL="2286000" algn="l" defTabSz="914400" rtl="0" eaLnBrk="1" latinLnBrk="0" hangingPunct="1">
+              <a:defRPr sz="1800" kern="1200">
+                <a:solidFill>
+                  <a:schemeClr val="dk1"/>
+                </a:solidFill>
+                <a:latin typeface="+mn-lt"/>
+                <a:ea typeface="+mn-ea"/>
+                <a:cs typeface="+mn-cs"/>
+              </a:defRPr>
+            </a:lvl6pPr>
+            <a:lvl7pPr marL="2743200" algn="l" defTabSz="914400" rtl="0" eaLnBrk="1" latinLnBrk="0" hangingPunct="1">
+              <a:defRPr sz="1800" kern="1200">
+                <a:solidFill>
+                  <a:schemeClr val="dk1"/>
+                </a:solidFill>
+                <a:latin typeface="+mn-lt"/>
+                <a:ea typeface="+mn-ea"/>
+                <a:cs typeface="+mn-cs"/>
+              </a:defRPr>
+            </a:lvl7pPr>
+            <a:lvl8pPr marL="3200400" algn="l" defTabSz="914400" rtl="0" eaLnBrk="1" latinLnBrk="0" hangingPunct="1">
+              <a:defRPr sz="1800" kern="1200">
+                <a:solidFill>
+                  <a:schemeClr val="dk1"/>
+                </a:solidFill>
+                <a:latin typeface="+mn-lt"/>
+                <a:ea typeface="+mn-ea"/>
+                <a:cs typeface="+mn-cs"/>
+              </a:defRPr>
+            </a:lvl8pPr>
+            <a:lvl9pPr marL="3657600" algn="l" defTabSz="914400" rtl="0" eaLnBrk="1" latinLnBrk="0" hangingPunct="1">
+              <a:defRPr sz="1800" kern="1200">
+                <a:solidFill>
+                  <a:schemeClr val="dk1"/>
+                </a:solidFill>
+                <a:latin typeface="+mn-lt"/>
+                <a:ea typeface="+mn-ea"/>
+                <a:cs typeface="+mn-cs"/>
+              </a:defRPr>
+            </a:lvl9pPr>
+          </a:lstStyle>
+          <a:p>
+            <a:r>
+              <a:rPr lang="en-US" sz="1200" b="1" dirty="0">
+                <a:solidFill>
+                  <a:srgbClr val="0070C0"/>
+                </a:solidFill>
+              </a:rPr>
+              <a:t>Logic</a:t>
+            </a:r>
+            <a:endParaRPr lang="en-SG" sz="1200" b="1" dirty="0">
+              <a:solidFill>
+                <a:srgbClr val="0070C0"/>
+              </a:solidFill>
+            </a:endParaRPr>
+          </a:p>
+        </p:txBody>
+      </p:sp>
+      <p:sp>
+        <p:nvSpPr>
+          <p:cNvPr id="6" name="Rectangle 5">
+            <a:extLst>
+              <a:ext uri="{FF2B5EF4-FFF2-40B4-BE49-F238E27FC236}">
+                <a16:creationId xmlns:a16="http://schemas.microsoft.com/office/drawing/2014/main" id="{D29BD711-2364-0647-9061-CF97AA55335D}"/>
+              </a:ext>
+            </a:extLst>
+          </p:cNvPr>
+          <p:cNvSpPr/>
+          <p:nvPr/>
+        </p:nvSpPr>
+        <p:spPr>
+          <a:xfrm>
+            <a:off x="-1797414" y="-168509"/>
+            <a:ext cx="1455629" cy="346760"/>
+          </a:xfrm>
+          <a:prstGeom prst="rect">
+            <a:avLst/>
+          </a:prstGeom>
+          <a:solidFill>
+            <a:srgbClr val="0070C0"/>
+          </a:solidFill>
+          <a:ln w="19050">
+            <a:solidFill>
+              <a:srgbClr val="0070C0"/>
+            </a:solidFill>
+          </a:ln>
+          <a:effectLst/>
+        </p:spPr>
+        <p:style>
+          <a:lnRef idx="1">
+            <a:schemeClr val="accent2"/>
+          </a:lnRef>
+          <a:fillRef idx="2">
+            <a:schemeClr val="accent2"/>
+          </a:fillRef>
+          <a:effectRef idx="1">
+            <a:schemeClr val="accent2"/>
+          </a:effectRef>
+          <a:fontRef idx="minor">
+            <a:schemeClr val="dk1"/>
+          </a:fontRef>
+        </p:style>
+        <p:txBody>
+          <a:bodyPr rtlCol="0" anchor="ctr"/>
+          <a:lstStyle>
+            <a:defPPr>
+              <a:defRPr lang="en-US"/>
+            </a:defPPr>
+            <a:lvl1pPr marL="0" algn="l" defTabSz="914400" rtl="0" eaLnBrk="1" latinLnBrk="0" hangingPunct="1">
+              <a:defRPr sz="1800" kern="1200">
+                <a:solidFill>
+                  <a:schemeClr val="dk1"/>
+                </a:solidFill>
+                <a:latin typeface="+mn-lt"/>
+                <a:ea typeface="+mn-ea"/>
+                <a:cs typeface="+mn-cs"/>
+              </a:defRPr>
+            </a:lvl1pPr>
+            <a:lvl2pPr marL="457200" algn="l" defTabSz="914400" rtl="0" eaLnBrk="1" latinLnBrk="0" hangingPunct="1">
+              <a:defRPr sz="1800" kern="1200">
+                <a:solidFill>
+                  <a:schemeClr val="dk1"/>
+                </a:solidFill>
+                <a:latin typeface="+mn-lt"/>
+                <a:ea typeface="+mn-ea"/>
+                <a:cs typeface="+mn-cs"/>
+              </a:defRPr>
+            </a:lvl2pPr>
+            <a:lvl3pPr marL="914400" algn="l" defTabSz="914400" rtl="0" eaLnBrk="1" latinLnBrk="0" hangingPunct="1">
+              <a:defRPr sz="1800" kern="1200">
+                <a:solidFill>
+                  <a:schemeClr val="dk1"/>
+                </a:solidFill>
+                <a:latin typeface="+mn-lt"/>
+                <a:ea typeface="+mn-ea"/>
+                <a:cs typeface="+mn-cs"/>
+              </a:defRPr>
+            </a:lvl3pPr>
+            <a:lvl4pPr marL="1371600" algn="l" defTabSz="914400" rtl="0" eaLnBrk="1" latinLnBrk="0" hangingPunct="1">
+              <a:defRPr sz="1800" kern="1200">
+                <a:solidFill>
+                  <a:schemeClr val="dk1"/>
+                </a:solidFill>
+                <a:latin typeface="+mn-lt"/>
+                <a:ea typeface="+mn-ea"/>
+                <a:cs typeface="+mn-cs"/>
+              </a:defRPr>
+            </a:lvl4pPr>
+            <a:lvl5pPr marL="1828800" algn="l" defTabSz="914400" rtl="0" eaLnBrk="1" latinLnBrk="0" hangingPunct="1">
+              <a:defRPr sz="1800" kern="1200">
+                <a:solidFill>
+                  <a:schemeClr val="dk1"/>
+                </a:solidFill>
+                <a:latin typeface="+mn-lt"/>
+                <a:ea typeface="+mn-ea"/>
+                <a:cs typeface="+mn-cs"/>
+              </a:defRPr>
+            </a:lvl5pPr>
+            <a:lvl6pPr marL="2286000" algn="l" defTabSz="914400" rtl="0" eaLnBrk="1" latinLnBrk="0" hangingPunct="1">
+              <a:defRPr sz="1800" kern="1200">
+                <a:solidFill>
+                  <a:schemeClr val="dk1"/>
+                </a:solidFill>
+                <a:latin typeface="+mn-lt"/>
+                <a:ea typeface="+mn-ea"/>
+                <a:cs typeface="+mn-cs"/>
+              </a:defRPr>
+            </a:lvl6pPr>
+            <a:lvl7pPr marL="2743200" algn="l" defTabSz="914400" rtl="0" eaLnBrk="1" latinLnBrk="0" hangingPunct="1">
+              <a:defRPr sz="1800" kern="1200">
+                <a:solidFill>
+                  <a:schemeClr val="dk1"/>
+                </a:solidFill>
+                <a:latin typeface="+mn-lt"/>
+                <a:ea typeface="+mn-ea"/>
+                <a:cs typeface="+mn-cs"/>
+              </a:defRPr>
+            </a:lvl7pPr>
+            <a:lvl8pPr marL="3200400" algn="l" defTabSz="914400" rtl="0" eaLnBrk="1" latinLnBrk="0" hangingPunct="1">
+              <a:defRPr sz="1800" kern="1200">
+                <a:solidFill>
+                  <a:schemeClr val="dk1"/>
+                </a:solidFill>
+                <a:latin typeface="+mn-lt"/>
+                <a:ea typeface="+mn-ea"/>
+                <a:cs typeface="+mn-cs"/>
+              </a:defRPr>
+            </a:lvl8pPr>
+            <a:lvl9pPr marL="3657600" algn="l" defTabSz="914400" rtl="0" eaLnBrk="1" latinLnBrk="0" hangingPunct="1">
+              <a:defRPr sz="1800" kern="1200">
+                <a:solidFill>
+                  <a:schemeClr val="dk1"/>
+                </a:solidFill>
+                <a:latin typeface="+mn-lt"/>
+                <a:ea typeface="+mn-ea"/>
+                <a:cs typeface="+mn-cs"/>
+              </a:defRPr>
+            </a:lvl9pPr>
+          </a:lstStyle>
+          <a:p>
+            <a:pPr algn="ctr"/>
+            <a:r>
+              <a:rPr lang="en-US" sz="1600" dirty="0">
+                <a:solidFill>
+                  <a:schemeClr val="bg1"/>
+                </a:solidFill>
+              </a:rPr>
+              <a:t>:</a:t>
+            </a:r>
+            <a:r>
+              <a:rPr lang="en-US" sz="1600" dirty="0" err="1">
+                <a:solidFill>
+                  <a:schemeClr val="bg1"/>
+                </a:solidFill>
+              </a:rPr>
+              <a:t>LogicManager</a:t>
+            </a:r>
+            <a:endParaRPr lang="en-SG" sz="1600" dirty="0">
+              <a:solidFill>
+                <a:schemeClr val="bg1"/>
+              </a:solidFill>
+            </a:endParaRPr>
+          </a:p>
+        </p:txBody>
+      </p:sp>
+      <p:cxnSp>
+        <p:nvCxnSpPr>
+          <p:cNvPr id="7" name="Straight Connector 6">
+            <a:extLst>
+              <a:ext uri="{FF2B5EF4-FFF2-40B4-BE49-F238E27FC236}">
+                <a16:creationId xmlns:a16="http://schemas.microsoft.com/office/drawing/2014/main" id="{30F5154A-D33A-D848-BA2E-50081F169CFA}"/>
+              </a:ext>
+            </a:extLst>
+          </p:cNvPr>
+          <p:cNvCxnSpPr>
+            <a:cxnSpLocks/>
+          </p:cNvCxnSpPr>
+          <p:nvPr/>
+        </p:nvCxnSpPr>
+        <p:spPr>
+          <a:xfrm>
+            <a:off x="-1069601" y="195163"/>
+            <a:ext cx="0" cy="7206105"/>
+          </a:xfrm>
+          <a:prstGeom prst="line">
+            <a:avLst/>
+          </a:prstGeom>
+          <a:ln w="19050">
+            <a:solidFill>
+              <a:srgbClr val="0070C0"/>
+            </a:solidFill>
+            <a:prstDash val="sysDash"/>
+          </a:ln>
+          <a:effectLst/>
+        </p:spPr>
+        <p:style>
+          <a:lnRef idx="1">
+            <a:schemeClr val="accent1"/>
+          </a:lnRef>
+          <a:fillRef idx="2">
+            <a:schemeClr val="accent1"/>
+          </a:fillRef>
+          <a:effectRef idx="1">
+            <a:schemeClr val="accent1"/>
+          </a:effectRef>
+          <a:fontRef idx="minor">
+            <a:schemeClr val="dk1"/>
+          </a:fontRef>
+        </p:style>
+      </p:cxnSp>
+      <p:sp>
+        <p:nvSpPr>
+          <p:cNvPr id="8" name="Rectangle 7">
+            <a:extLst>
+              <a:ext uri="{FF2B5EF4-FFF2-40B4-BE49-F238E27FC236}">
+                <a16:creationId xmlns:a16="http://schemas.microsoft.com/office/drawing/2014/main" id="{03F95AC9-8A6B-7645-8520-0B87343891CC}"/>
+              </a:ext>
+            </a:extLst>
+          </p:cNvPr>
+          <p:cNvSpPr/>
+          <p:nvPr/>
+        </p:nvSpPr>
+        <p:spPr>
+          <a:xfrm>
+            <a:off x="-1141610" y="545857"/>
+            <a:ext cx="185503" cy="6564288"/>
+          </a:xfrm>
+          <a:prstGeom prst="rect">
+            <a:avLst/>
+          </a:prstGeom>
+          <a:solidFill>
+            <a:srgbClr val="0070C0"/>
+          </a:solidFill>
+          <a:ln>
+            <a:solidFill>
+              <a:srgbClr val="0070C0"/>
+            </a:solidFill>
+          </a:ln>
+          <a:effectLst/>
+        </p:spPr>
+        <p:style>
+          <a:lnRef idx="1">
+            <a:schemeClr val="accent3"/>
+          </a:lnRef>
+          <a:fillRef idx="2">
+            <a:schemeClr val="accent3"/>
+          </a:fillRef>
+          <a:effectRef idx="1">
+            <a:schemeClr val="accent3"/>
+          </a:effectRef>
+          <a:fontRef idx="minor">
+            <a:schemeClr val="dk1"/>
+          </a:fontRef>
+        </p:style>
+        <p:txBody>
+          <a:bodyPr rtlCol="0" anchor="ctr"/>
+          <a:lstStyle>
+            <a:defPPr>
+              <a:defRPr lang="en-US"/>
+            </a:defPPr>
+            <a:lvl1pPr marL="0" algn="l" defTabSz="914400" rtl="0" eaLnBrk="1" latinLnBrk="0" hangingPunct="1">
+              <a:defRPr sz="1800" kern="1200">
+                <a:solidFill>
+                  <a:schemeClr val="dk1"/>
+                </a:solidFill>
+                <a:latin typeface="+mn-lt"/>
+                <a:ea typeface="+mn-ea"/>
+                <a:cs typeface="+mn-cs"/>
+              </a:defRPr>
+            </a:lvl1pPr>
+            <a:lvl2pPr marL="457200" algn="l" defTabSz="914400" rtl="0" eaLnBrk="1" latinLnBrk="0" hangingPunct="1">
+              <a:defRPr sz="1800" kern="1200">
+                <a:solidFill>
+                  <a:schemeClr val="dk1"/>
+                </a:solidFill>
+                <a:latin typeface="+mn-lt"/>
+                <a:ea typeface="+mn-ea"/>
+                <a:cs typeface="+mn-cs"/>
+              </a:defRPr>
+            </a:lvl2pPr>
+            <a:lvl3pPr marL="914400" algn="l" defTabSz="914400" rtl="0" eaLnBrk="1" latinLnBrk="0" hangingPunct="1">
+              <a:defRPr sz="1800" kern="1200">
+                <a:solidFill>
+                  <a:schemeClr val="dk1"/>
+                </a:solidFill>
+                <a:latin typeface="+mn-lt"/>
+                <a:ea typeface="+mn-ea"/>
+                <a:cs typeface="+mn-cs"/>
+              </a:defRPr>
+            </a:lvl3pPr>
+            <a:lvl4pPr marL="1371600" algn="l" defTabSz="914400" rtl="0" eaLnBrk="1" latinLnBrk="0" hangingPunct="1">
+              <a:defRPr sz="1800" kern="1200">
+                <a:solidFill>
+                  <a:schemeClr val="dk1"/>
+                </a:solidFill>
+                <a:latin typeface="+mn-lt"/>
+                <a:ea typeface="+mn-ea"/>
+                <a:cs typeface="+mn-cs"/>
+              </a:defRPr>
+            </a:lvl4pPr>
+            <a:lvl5pPr marL="1828800" algn="l" defTabSz="914400" rtl="0" eaLnBrk="1" latinLnBrk="0" hangingPunct="1">
+              <a:defRPr sz="1800" kern="1200">
+                <a:solidFill>
+                  <a:schemeClr val="dk1"/>
+                </a:solidFill>
+                <a:latin typeface="+mn-lt"/>
+                <a:ea typeface="+mn-ea"/>
+                <a:cs typeface="+mn-cs"/>
+              </a:defRPr>
+            </a:lvl5pPr>
+            <a:lvl6pPr marL="2286000" algn="l" defTabSz="914400" rtl="0" eaLnBrk="1" latinLnBrk="0" hangingPunct="1">
+              <a:defRPr sz="1800" kern="1200">
+                <a:solidFill>
+                  <a:schemeClr val="dk1"/>
+                </a:solidFill>
+                <a:latin typeface="+mn-lt"/>
+                <a:ea typeface="+mn-ea"/>
+                <a:cs typeface="+mn-cs"/>
+              </a:defRPr>
+            </a:lvl6pPr>
+            <a:lvl7pPr marL="2743200" algn="l" defTabSz="914400" rtl="0" eaLnBrk="1" latinLnBrk="0" hangingPunct="1">
+              <a:defRPr sz="1800" kern="1200">
+                <a:solidFill>
+                  <a:schemeClr val="dk1"/>
+                </a:solidFill>
+                <a:latin typeface="+mn-lt"/>
+                <a:ea typeface="+mn-ea"/>
+                <a:cs typeface="+mn-cs"/>
+              </a:defRPr>
+            </a:lvl7pPr>
+            <a:lvl8pPr marL="3200400" algn="l" defTabSz="914400" rtl="0" eaLnBrk="1" latinLnBrk="0" hangingPunct="1">
+              <a:defRPr sz="1800" kern="1200">
+                <a:solidFill>
+                  <a:schemeClr val="dk1"/>
+                </a:solidFill>
+                <a:latin typeface="+mn-lt"/>
+                <a:ea typeface="+mn-ea"/>
+                <a:cs typeface="+mn-cs"/>
+              </a:defRPr>
+            </a:lvl8pPr>
+            <a:lvl9pPr marL="3657600" algn="l" defTabSz="914400" rtl="0" eaLnBrk="1" latinLnBrk="0" hangingPunct="1">
+              <a:defRPr sz="1800" kern="1200">
+                <a:solidFill>
+                  <a:schemeClr val="dk1"/>
+                </a:solidFill>
+                <a:latin typeface="+mn-lt"/>
+                <a:ea typeface="+mn-ea"/>
+                <a:cs typeface="+mn-cs"/>
+              </a:defRPr>
+            </a:lvl9pPr>
+          </a:lstStyle>
+          <a:p>
+            <a:pPr algn="ctr"/>
+            <a:endParaRPr lang="en-SG" sz="1400"/>
+          </a:p>
+        </p:txBody>
+      </p:sp>
+      <p:sp>
+        <p:nvSpPr>
+          <p:cNvPr id="9" name="Rectangle 8">
+            <a:extLst>
+              <a:ext uri="{FF2B5EF4-FFF2-40B4-BE49-F238E27FC236}">
+                <a16:creationId xmlns:a16="http://schemas.microsoft.com/office/drawing/2014/main" id="{774848D9-26E5-E64C-B7DF-46CE4FCB2FC7}"/>
+              </a:ext>
+            </a:extLst>
+          </p:cNvPr>
+          <p:cNvSpPr/>
+          <p:nvPr/>
+        </p:nvSpPr>
+        <p:spPr>
+          <a:xfrm>
+            <a:off x="756628" y="-289433"/>
+            <a:ext cx="1219200" cy="467684"/>
+          </a:xfrm>
+          <a:prstGeom prst="rect">
+            <a:avLst/>
+          </a:prstGeom>
+          <a:solidFill>
+            <a:srgbClr val="0070C0"/>
+          </a:solidFill>
+          <a:ln w="19050">
+            <a:solidFill>
+              <a:srgbClr val="0070C0"/>
+            </a:solidFill>
+          </a:ln>
+          <a:effectLst/>
+        </p:spPr>
+        <p:style>
+          <a:lnRef idx="1">
+            <a:schemeClr val="accent2"/>
+          </a:lnRef>
+          <a:fillRef idx="2">
+            <a:schemeClr val="accent2"/>
+          </a:fillRef>
+          <a:effectRef idx="1">
+            <a:schemeClr val="accent2"/>
+          </a:effectRef>
+          <a:fontRef idx="minor">
+            <a:schemeClr val="dk1"/>
+          </a:fontRef>
+        </p:style>
+        <p:txBody>
+          <a:bodyPr rtlCol="0" anchor="ctr"/>
+          <a:lstStyle>
+            <a:defPPr>
+              <a:defRPr lang="en-US"/>
+            </a:defPPr>
+            <a:lvl1pPr marL="0" algn="l" defTabSz="914400" rtl="0" eaLnBrk="1" latinLnBrk="0" hangingPunct="1">
+              <a:defRPr sz="1800" kern="1200">
+                <a:solidFill>
+                  <a:schemeClr val="dk1"/>
+                </a:solidFill>
+                <a:latin typeface="+mn-lt"/>
+                <a:ea typeface="+mn-ea"/>
+                <a:cs typeface="+mn-cs"/>
+              </a:defRPr>
+            </a:lvl1pPr>
+            <a:lvl2pPr marL="457200" algn="l" defTabSz="914400" rtl="0" eaLnBrk="1" latinLnBrk="0" hangingPunct="1">
+              <a:defRPr sz="1800" kern="1200">
+                <a:solidFill>
+                  <a:schemeClr val="dk1"/>
+                </a:solidFill>
+                <a:latin typeface="+mn-lt"/>
+                <a:ea typeface="+mn-ea"/>
+                <a:cs typeface="+mn-cs"/>
+              </a:defRPr>
+            </a:lvl2pPr>
+            <a:lvl3pPr marL="914400" algn="l" defTabSz="914400" rtl="0" eaLnBrk="1" latinLnBrk="0" hangingPunct="1">
+              <a:defRPr sz="1800" kern="1200">
+                <a:solidFill>
+                  <a:schemeClr val="dk1"/>
+                </a:solidFill>
+                <a:latin typeface="+mn-lt"/>
+                <a:ea typeface="+mn-ea"/>
+                <a:cs typeface="+mn-cs"/>
+              </a:defRPr>
+            </a:lvl3pPr>
+            <a:lvl4pPr marL="1371600" algn="l" defTabSz="914400" rtl="0" eaLnBrk="1" latinLnBrk="0" hangingPunct="1">
+              <a:defRPr sz="1800" kern="1200">
+                <a:solidFill>
+                  <a:schemeClr val="dk1"/>
+                </a:solidFill>
+                <a:latin typeface="+mn-lt"/>
+                <a:ea typeface="+mn-ea"/>
+                <a:cs typeface="+mn-cs"/>
+              </a:defRPr>
+            </a:lvl4pPr>
+            <a:lvl5pPr marL="1828800" algn="l" defTabSz="914400" rtl="0" eaLnBrk="1" latinLnBrk="0" hangingPunct="1">
+              <a:defRPr sz="1800" kern="1200">
+                <a:solidFill>
+                  <a:schemeClr val="dk1"/>
+                </a:solidFill>
+                <a:latin typeface="+mn-lt"/>
+                <a:ea typeface="+mn-ea"/>
+                <a:cs typeface="+mn-cs"/>
+              </a:defRPr>
+            </a:lvl5pPr>
+            <a:lvl6pPr marL="2286000" algn="l" defTabSz="914400" rtl="0" eaLnBrk="1" latinLnBrk="0" hangingPunct="1">
+              <a:defRPr sz="1800" kern="1200">
+                <a:solidFill>
+                  <a:schemeClr val="dk1"/>
+                </a:solidFill>
+                <a:latin typeface="+mn-lt"/>
+                <a:ea typeface="+mn-ea"/>
+                <a:cs typeface="+mn-cs"/>
+              </a:defRPr>
+            </a:lvl6pPr>
+            <a:lvl7pPr marL="2743200" algn="l" defTabSz="914400" rtl="0" eaLnBrk="1" latinLnBrk="0" hangingPunct="1">
+              <a:defRPr sz="1800" kern="1200">
+                <a:solidFill>
+                  <a:schemeClr val="dk1"/>
+                </a:solidFill>
+                <a:latin typeface="+mn-lt"/>
+                <a:ea typeface="+mn-ea"/>
+                <a:cs typeface="+mn-cs"/>
+              </a:defRPr>
+            </a:lvl7pPr>
+            <a:lvl8pPr marL="3200400" algn="l" defTabSz="914400" rtl="0" eaLnBrk="1" latinLnBrk="0" hangingPunct="1">
+              <a:defRPr sz="1800" kern="1200">
+                <a:solidFill>
+                  <a:schemeClr val="dk1"/>
+                </a:solidFill>
+                <a:latin typeface="+mn-lt"/>
+                <a:ea typeface="+mn-ea"/>
+                <a:cs typeface="+mn-cs"/>
+              </a:defRPr>
+            </a:lvl8pPr>
+            <a:lvl9pPr marL="3657600" algn="l" defTabSz="914400" rtl="0" eaLnBrk="1" latinLnBrk="0" hangingPunct="1">
+              <a:defRPr sz="1800" kern="1200">
+                <a:solidFill>
+                  <a:schemeClr val="dk1"/>
+                </a:solidFill>
+                <a:latin typeface="+mn-lt"/>
+                <a:ea typeface="+mn-ea"/>
+                <a:cs typeface="+mn-cs"/>
+              </a:defRPr>
+            </a:lvl9pPr>
+          </a:lstStyle>
+          <a:p>
+            <a:pPr algn="ctr"/>
+            <a:r>
+              <a:rPr lang="en-US" sz="1600" dirty="0">
+                <a:solidFill>
+                  <a:schemeClr val="bg1"/>
+                </a:solidFill>
+              </a:rPr>
+              <a:t>:Address</a:t>
+            </a:r>
+          </a:p>
+          <a:p>
+            <a:pPr algn="ctr"/>
+            <a:r>
+              <a:rPr lang="en-US" sz="1600" dirty="0" err="1">
+                <a:solidFill>
+                  <a:schemeClr val="bg1"/>
+                </a:solidFill>
+              </a:rPr>
+              <a:t>BookParser</a:t>
+            </a:r>
+            <a:endParaRPr lang="en-SG" sz="1600" dirty="0">
+              <a:solidFill>
+                <a:schemeClr val="bg1"/>
+              </a:solidFill>
+            </a:endParaRPr>
+          </a:p>
+        </p:txBody>
+      </p:sp>
+      <p:cxnSp>
+        <p:nvCxnSpPr>
+          <p:cNvPr id="10" name="Straight Connector 9">
+            <a:extLst>
+              <a:ext uri="{FF2B5EF4-FFF2-40B4-BE49-F238E27FC236}">
+                <a16:creationId xmlns:a16="http://schemas.microsoft.com/office/drawing/2014/main" id="{9662E4C5-06C3-D94A-AA5E-F861C28B286E}"/>
+              </a:ext>
+            </a:extLst>
+          </p:cNvPr>
+          <p:cNvCxnSpPr>
+            <a:cxnSpLocks/>
+          </p:cNvCxnSpPr>
+          <p:nvPr/>
+        </p:nvCxnSpPr>
+        <p:spPr>
+          <a:xfrm>
+            <a:off x="1370027" y="195162"/>
+            <a:ext cx="0" cy="2067727"/>
+          </a:xfrm>
+          <a:prstGeom prst="line">
+            <a:avLst/>
+          </a:prstGeom>
+          <a:ln w="19050">
+            <a:solidFill>
+              <a:srgbClr val="0070C0"/>
+            </a:solidFill>
+            <a:prstDash val="sysDash"/>
+          </a:ln>
+          <a:effectLst/>
+        </p:spPr>
+        <p:style>
+          <a:lnRef idx="1">
+            <a:schemeClr val="accent1"/>
+          </a:lnRef>
+          <a:fillRef idx="2">
+            <a:schemeClr val="accent1"/>
+          </a:fillRef>
+          <a:effectRef idx="1">
+            <a:schemeClr val="accent1"/>
+          </a:effectRef>
+          <a:fontRef idx="minor">
+            <a:schemeClr val="dk1"/>
+          </a:fontRef>
+        </p:style>
+      </p:cxnSp>
+      <p:sp>
+        <p:nvSpPr>
+          <p:cNvPr id="11" name="Rectangle 10">
+            <a:extLst>
+              <a:ext uri="{FF2B5EF4-FFF2-40B4-BE49-F238E27FC236}">
+                <a16:creationId xmlns:a16="http://schemas.microsoft.com/office/drawing/2014/main" id="{12A28337-CEE9-4F47-BF3F-637379635D16}"/>
+              </a:ext>
+            </a:extLst>
+          </p:cNvPr>
+          <p:cNvSpPr/>
+          <p:nvPr/>
+        </p:nvSpPr>
+        <p:spPr>
+          <a:xfrm>
+            <a:off x="1305130" y="644467"/>
+            <a:ext cx="119283" cy="1433677"/>
+          </a:xfrm>
+          <a:prstGeom prst="rect">
+            <a:avLst/>
+          </a:prstGeom>
+          <a:solidFill>
+            <a:srgbClr val="0070C0"/>
+          </a:solidFill>
+          <a:ln>
+            <a:solidFill>
+              <a:srgbClr val="0070C0"/>
+            </a:solidFill>
+          </a:ln>
+          <a:effectLst/>
+        </p:spPr>
+        <p:style>
+          <a:lnRef idx="1">
+            <a:schemeClr val="accent3"/>
+          </a:lnRef>
+          <a:fillRef idx="2">
+            <a:schemeClr val="accent3"/>
+          </a:fillRef>
+          <a:effectRef idx="1">
+            <a:schemeClr val="accent3"/>
+          </a:effectRef>
+          <a:fontRef idx="minor">
+            <a:schemeClr val="dk1"/>
+          </a:fontRef>
+        </p:style>
+        <p:txBody>
+          <a:bodyPr rtlCol="0" anchor="ctr"/>
+          <a:lstStyle>
+            <a:defPPr>
+              <a:defRPr lang="en-US"/>
+            </a:defPPr>
+            <a:lvl1pPr marL="0" algn="l" defTabSz="914400" rtl="0" eaLnBrk="1" latinLnBrk="0" hangingPunct="1">
+              <a:defRPr sz="1800" kern="1200">
+                <a:solidFill>
+                  <a:schemeClr val="dk1"/>
+                </a:solidFill>
+                <a:latin typeface="+mn-lt"/>
+                <a:ea typeface="+mn-ea"/>
+                <a:cs typeface="+mn-cs"/>
+              </a:defRPr>
+            </a:lvl1pPr>
+            <a:lvl2pPr marL="457200" algn="l" defTabSz="914400" rtl="0" eaLnBrk="1" latinLnBrk="0" hangingPunct="1">
+              <a:defRPr sz="1800" kern="1200">
+                <a:solidFill>
+                  <a:schemeClr val="dk1"/>
+                </a:solidFill>
+                <a:latin typeface="+mn-lt"/>
+                <a:ea typeface="+mn-ea"/>
+                <a:cs typeface="+mn-cs"/>
+              </a:defRPr>
+            </a:lvl2pPr>
+            <a:lvl3pPr marL="914400" algn="l" defTabSz="914400" rtl="0" eaLnBrk="1" latinLnBrk="0" hangingPunct="1">
+              <a:defRPr sz="1800" kern="1200">
+                <a:solidFill>
+                  <a:schemeClr val="dk1"/>
+                </a:solidFill>
+                <a:latin typeface="+mn-lt"/>
+                <a:ea typeface="+mn-ea"/>
+                <a:cs typeface="+mn-cs"/>
+              </a:defRPr>
+            </a:lvl3pPr>
+            <a:lvl4pPr marL="1371600" algn="l" defTabSz="914400" rtl="0" eaLnBrk="1" latinLnBrk="0" hangingPunct="1">
+              <a:defRPr sz="1800" kern="1200">
+                <a:solidFill>
+                  <a:schemeClr val="dk1"/>
+                </a:solidFill>
+                <a:latin typeface="+mn-lt"/>
+                <a:ea typeface="+mn-ea"/>
+                <a:cs typeface="+mn-cs"/>
+              </a:defRPr>
+            </a:lvl4pPr>
+            <a:lvl5pPr marL="1828800" algn="l" defTabSz="914400" rtl="0" eaLnBrk="1" latinLnBrk="0" hangingPunct="1">
+              <a:defRPr sz="1800" kern="1200">
+                <a:solidFill>
+                  <a:schemeClr val="dk1"/>
+                </a:solidFill>
+                <a:latin typeface="+mn-lt"/>
+                <a:ea typeface="+mn-ea"/>
+                <a:cs typeface="+mn-cs"/>
+              </a:defRPr>
+            </a:lvl5pPr>
+            <a:lvl6pPr marL="2286000" algn="l" defTabSz="914400" rtl="0" eaLnBrk="1" latinLnBrk="0" hangingPunct="1">
+              <a:defRPr sz="1800" kern="1200">
+                <a:solidFill>
+                  <a:schemeClr val="dk1"/>
+                </a:solidFill>
+                <a:latin typeface="+mn-lt"/>
+                <a:ea typeface="+mn-ea"/>
+                <a:cs typeface="+mn-cs"/>
+              </a:defRPr>
+            </a:lvl6pPr>
+            <a:lvl7pPr marL="2743200" algn="l" defTabSz="914400" rtl="0" eaLnBrk="1" latinLnBrk="0" hangingPunct="1">
+              <a:defRPr sz="1800" kern="1200">
+                <a:solidFill>
+                  <a:schemeClr val="dk1"/>
+                </a:solidFill>
+                <a:latin typeface="+mn-lt"/>
+                <a:ea typeface="+mn-ea"/>
+                <a:cs typeface="+mn-cs"/>
+              </a:defRPr>
+            </a:lvl7pPr>
+            <a:lvl8pPr marL="3200400" algn="l" defTabSz="914400" rtl="0" eaLnBrk="1" latinLnBrk="0" hangingPunct="1">
+              <a:defRPr sz="1800" kern="1200">
+                <a:solidFill>
+                  <a:schemeClr val="dk1"/>
+                </a:solidFill>
+                <a:latin typeface="+mn-lt"/>
+                <a:ea typeface="+mn-ea"/>
+                <a:cs typeface="+mn-cs"/>
+              </a:defRPr>
+            </a:lvl8pPr>
+            <a:lvl9pPr marL="3657600" algn="l" defTabSz="914400" rtl="0" eaLnBrk="1" latinLnBrk="0" hangingPunct="1">
+              <a:defRPr sz="1800" kern="1200">
+                <a:solidFill>
+                  <a:schemeClr val="dk1"/>
+                </a:solidFill>
+                <a:latin typeface="+mn-lt"/>
+                <a:ea typeface="+mn-ea"/>
+                <a:cs typeface="+mn-cs"/>
+              </a:defRPr>
+            </a:lvl9pPr>
+          </a:lstStyle>
+          <a:p>
+            <a:pPr algn="ctr"/>
+            <a:endParaRPr lang="en-SG" sz="1400"/>
+          </a:p>
+        </p:txBody>
+      </p:sp>
+      <p:cxnSp>
+        <p:nvCxnSpPr>
+          <p:cNvPr id="12" name="Straight Connector 11">
+            <a:extLst>
+              <a:ext uri="{FF2B5EF4-FFF2-40B4-BE49-F238E27FC236}">
+                <a16:creationId xmlns:a16="http://schemas.microsoft.com/office/drawing/2014/main" id="{84E526FA-E881-EF4B-9ADD-7689E0023C48}"/>
+              </a:ext>
+            </a:extLst>
+          </p:cNvPr>
+          <p:cNvCxnSpPr>
+            <a:cxnSpLocks/>
+            <a:stCxn id="13" idx="0"/>
+          </p:cNvCxnSpPr>
+          <p:nvPr/>
+        </p:nvCxnSpPr>
+        <p:spPr>
+          <a:xfrm>
+            <a:off x="4891381" y="1512406"/>
+            <a:ext cx="20103" cy="5444991"/>
+          </a:xfrm>
+          <a:prstGeom prst="line">
+            <a:avLst/>
+          </a:prstGeom>
+          <a:ln w="19050">
+            <a:solidFill>
+              <a:srgbClr val="0070C0"/>
+            </a:solidFill>
+            <a:prstDash val="sysDash"/>
+          </a:ln>
+          <a:effectLst/>
+        </p:spPr>
+        <p:style>
+          <a:lnRef idx="1">
+            <a:schemeClr val="accent1"/>
+          </a:lnRef>
+          <a:fillRef idx="2">
+            <a:schemeClr val="accent1"/>
+          </a:fillRef>
+          <a:effectRef idx="1">
+            <a:schemeClr val="accent1"/>
+          </a:effectRef>
+          <a:fontRef idx="minor">
+            <a:schemeClr val="dk1"/>
+          </a:fontRef>
+        </p:style>
+      </p:cxnSp>
+      <p:sp>
+        <p:nvSpPr>
+          <p:cNvPr id="13" name="Rectangle 12">
+            <a:extLst>
+              <a:ext uri="{FF2B5EF4-FFF2-40B4-BE49-F238E27FC236}">
+                <a16:creationId xmlns:a16="http://schemas.microsoft.com/office/drawing/2014/main" id="{5AFE2241-ACFC-E643-A539-E6CBA45EAE8B}"/>
+              </a:ext>
+            </a:extLst>
+          </p:cNvPr>
+          <p:cNvSpPr/>
+          <p:nvPr/>
+        </p:nvSpPr>
+        <p:spPr>
+          <a:xfrm>
+            <a:off x="4815181" y="1512406"/>
+            <a:ext cx="152400" cy="276003"/>
+          </a:xfrm>
+          <a:prstGeom prst="rect">
+            <a:avLst/>
+          </a:prstGeom>
+          <a:solidFill>
+            <a:srgbClr val="0070C0"/>
+          </a:solidFill>
+          <a:ln>
+            <a:solidFill>
+              <a:srgbClr val="0070C0"/>
+            </a:solidFill>
+          </a:ln>
+          <a:effectLst/>
+        </p:spPr>
+        <p:style>
+          <a:lnRef idx="1">
+            <a:schemeClr val="accent3"/>
+          </a:lnRef>
+          <a:fillRef idx="2">
+            <a:schemeClr val="accent3"/>
+          </a:fillRef>
+          <a:effectRef idx="1">
+            <a:schemeClr val="accent3"/>
+          </a:effectRef>
+          <a:fontRef idx="minor">
+            <a:schemeClr val="dk1"/>
+          </a:fontRef>
+        </p:style>
+        <p:txBody>
+          <a:bodyPr rtlCol="0" anchor="ctr"/>
+          <a:lstStyle>
+            <a:defPPr>
+              <a:defRPr lang="en-US"/>
+            </a:defPPr>
+            <a:lvl1pPr marL="0" algn="l" defTabSz="914400" rtl="0" eaLnBrk="1" latinLnBrk="0" hangingPunct="1">
+              <a:defRPr sz="1800" kern="1200">
+                <a:solidFill>
+                  <a:schemeClr val="dk1"/>
+                </a:solidFill>
+                <a:latin typeface="+mn-lt"/>
+                <a:ea typeface="+mn-ea"/>
+                <a:cs typeface="+mn-cs"/>
+              </a:defRPr>
+            </a:lvl1pPr>
+            <a:lvl2pPr marL="457200" algn="l" defTabSz="914400" rtl="0" eaLnBrk="1" latinLnBrk="0" hangingPunct="1">
+              <a:defRPr sz="1800" kern="1200">
+                <a:solidFill>
+                  <a:schemeClr val="dk1"/>
+                </a:solidFill>
+                <a:latin typeface="+mn-lt"/>
+                <a:ea typeface="+mn-ea"/>
+                <a:cs typeface="+mn-cs"/>
+              </a:defRPr>
+            </a:lvl2pPr>
+            <a:lvl3pPr marL="914400" algn="l" defTabSz="914400" rtl="0" eaLnBrk="1" latinLnBrk="0" hangingPunct="1">
+              <a:defRPr sz="1800" kern="1200">
+                <a:solidFill>
+                  <a:schemeClr val="dk1"/>
+                </a:solidFill>
+                <a:latin typeface="+mn-lt"/>
+                <a:ea typeface="+mn-ea"/>
+                <a:cs typeface="+mn-cs"/>
+              </a:defRPr>
+            </a:lvl3pPr>
+            <a:lvl4pPr marL="1371600" algn="l" defTabSz="914400" rtl="0" eaLnBrk="1" latinLnBrk="0" hangingPunct="1">
+              <a:defRPr sz="1800" kern="1200">
+                <a:solidFill>
+                  <a:schemeClr val="dk1"/>
+                </a:solidFill>
+                <a:latin typeface="+mn-lt"/>
+                <a:ea typeface="+mn-ea"/>
+                <a:cs typeface="+mn-cs"/>
+              </a:defRPr>
+            </a:lvl4pPr>
+            <a:lvl5pPr marL="1828800" algn="l" defTabSz="914400" rtl="0" eaLnBrk="1" latinLnBrk="0" hangingPunct="1">
+              <a:defRPr sz="1800" kern="1200">
+                <a:solidFill>
+                  <a:schemeClr val="dk1"/>
+                </a:solidFill>
+                <a:latin typeface="+mn-lt"/>
+                <a:ea typeface="+mn-ea"/>
+                <a:cs typeface="+mn-cs"/>
+              </a:defRPr>
+            </a:lvl5pPr>
+            <a:lvl6pPr marL="2286000" algn="l" defTabSz="914400" rtl="0" eaLnBrk="1" latinLnBrk="0" hangingPunct="1">
+              <a:defRPr sz="1800" kern="1200">
+                <a:solidFill>
+                  <a:schemeClr val="dk1"/>
+                </a:solidFill>
+                <a:latin typeface="+mn-lt"/>
+                <a:ea typeface="+mn-ea"/>
+                <a:cs typeface="+mn-cs"/>
+              </a:defRPr>
+            </a:lvl6pPr>
+            <a:lvl7pPr marL="2743200" algn="l" defTabSz="914400" rtl="0" eaLnBrk="1" latinLnBrk="0" hangingPunct="1">
+              <a:defRPr sz="1800" kern="1200">
+                <a:solidFill>
+                  <a:schemeClr val="dk1"/>
+                </a:solidFill>
+                <a:latin typeface="+mn-lt"/>
+                <a:ea typeface="+mn-ea"/>
+                <a:cs typeface="+mn-cs"/>
+              </a:defRPr>
+            </a:lvl7pPr>
+            <a:lvl8pPr marL="3200400" algn="l" defTabSz="914400" rtl="0" eaLnBrk="1" latinLnBrk="0" hangingPunct="1">
+              <a:defRPr sz="1800" kern="1200">
+                <a:solidFill>
+                  <a:schemeClr val="dk1"/>
+                </a:solidFill>
+                <a:latin typeface="+mn-lt"/>
+                <a:ea typeface="+mn-ea"/>
+                <a:cs typeface="+mn-cs"/>
+              </a:defRPr>
+            </a:lvl8pPr>
+            <a:lvl9pPr marL="3657600" algn="l" defTabSz="914400" rtl="0" eaLnBrk="1" latinLnBrk="0" hangingPunct="1">
+              <a:defRPr sz="1800" kern="1200">
+                <a:solidFill>
+                  <a:schemeClr val="dk1"/>
+                </a:solidFill>
+                <a:latin typeface="+mn-lt"/>
+                <a:ea typeface="+mn-ea"/>
+                <a:cs typeface="+mn-cs"/>
+              </a:defRPr>
+            </a:lvl9pPr>
+          </a:lstStyle>
+          <a:p>
+            <a:pPr algn="ctr"/>
+            <a:endParaRPr lang="en-SG" sz="1400"/>
+          </a:p>
+        </p:txBody>
+      </p:sp>
+      <p:cxnSp>
+        <p:nvCxnSpPr>
+          <p:cNvPr id="14" name="Straight Arrow Connector 13">
+            <a:extLst>
+              <a:ext uri="{FF2B5EF4-FFF2-40B4-BE49-F238E27FC236}">
+                <a16:creationId xmlns:a16="http://schemas.microsoft.com/office/drawing/2014/main" id="{A492E5C7-E855-4E48-B17D-DACE0A32366F}"/>
+              </a:ext>
+            </a:extLst>
+          </p:cNvPr>
+          <p:cNvCxnSpPr/>
+          <p:nvPr/>
+        </p:nvCxnSpPr>
+        <p:spPr>
+          <a:xfrm>
+            <a:off x="-2261459" y="549544"/>
+            <a:ext cx="1119851" cy="0"/>
+          </a:xfrm>
+          <a:prstGeom prst="straightConnector1">
+            <a:avLst/>
+          </a:prstGeom>
+          <a:ln w="19050">
+            <a:solidFill>
+              <a:srgbClr val="00B050"/>
+            </a:solidFill>
+            <a:tailEnd type="arrow"/>
+          </a:ln>
+        </p:spPr>
+        <p:style>
+          <a:lnRef idx="1">
+            <a:schemeClr val="accent1"/>
+          </a:lnRef>
+          <a:fillRef idx="0">
+            <a:schemeClr val="accent1"/>
+          </a:fillRef>
+          <a:effectRef idx="0">
+            <a:schemeClr val="accent1"/>
+          </a:effectRef>
+          <a:fontRef idx="minor">
+            <a:schemeClr val="tx1"/>
+          </a:fontRef>
+        </p:style>
+      </p:cxnSp>
+      <p:sp>
+        <p:nvSpPr>
+          <p:cNvPr id="15" name="TextBox 25">
+            <a:extLst>
+              <a:ext uri="{FF2B5EF4-FFF2-40B4-BE49-F238E27FC236}">
+                <a16:creationId xmlns:a16="http://schemas.microsoft.com/office/drawing/2014/main" id="{5F80EFF9-E6C3-E340-BB34-D09A17EF8D81}"/>
+              </a:ext>
+            </a:extLst>
+          </p:cNvPr>
+          <p:cNvSpPr txBox="1"/>
+          <p:nvPr/>
+        </p:nvSpPr>
+        <p:spPr>
+          <a:xfrm>
+            <a:off x="-2850580" y="278145"/>
+            <a:ext cx="1632966" cy="215444"/>
+          </a:xfrm>
+          <a:prstGeom prst="rect">
+            <a:avLst/>
+          </a:prstGeom>
+          <a:noFill/>
+        </p:spPr>
+        <p:txBody>
+          <a:bodyPr wrap="square" lIns="0" tIns="0" rIns="0" bIns="0" rtlCol="0">
+            <a:spAutoFit/>
+          </a:bodyPr>
+          <a:lstStyle>
+            <a:defPPr>
+              <a:defRPr lang="en-US"/>
+            </a:defPPr>
+            <a:lvl1pPr marL="0" algn="l" defTabSz="914400" rtl="0" eaLnBrk="1" latinLnBrk="0" hangingPunct="1">
+              <a:defRPr sz="1800" kern="1200">
+                <a:solidFill>
+                  <a:schemeClr val="tx1"/>
+                </a:solidFill>
+                <a:latin typeface="+mn-lt"/>
+                <a:ea typeface="+mn-ea"/>
+                <a:cs typeface="+mn-cs"/>
+              </a:defRPr>
+            </a:lvl1pPr>
+            <a:lvl2pPr marL="457200" algn="l" defTabSz="914400" rtl="0" eaLnBrk="1" latinLnBrk="0" hangingPunct="1">
+              <a:defRPr sz="1800" kern="1200">
+                <a:solidFill>
+                  <a:schemeClr val="tx1"/>
+                </a:solidFill>
+                <a:latin typeface="+mn-lt"/>
+                <a:ea typeface="+mn-ea"/>
+                <a:cs typeface="+mn-cs"/>
+              </a:defRPr>
+            </a:lvl2pPr>
+            <a:lvl3pPr marL="914400" algn="l" defTabSz="914400" rtl="0" eaLnBrk="1" latinLnBrk="0" hangingPunct="1">
+              <a:defRPr sz="1800" kern="1200">
+                <a:solidFill>
+                  <a:schemeClr val="tx1"/>
+                </a:solidFill>
+                <a:latin typeface="+mn-lt"/>
+                <a:ea typeface="+mn-ea"/>
+                <a:cs typeface="+mn-cs"/>
+              </a:defRPr>
+            </a:lvl3pPr>
+            <a:lvl4pPr marL="1371600" algn="l" defTabSz="914400" rtl="0" eaLnBrk="1" latinLnBrk="0" hangingPunct="1">
+              <a:defRPr sz="1800" kern="1200">
+                <a:solidFill>
+                  <a:schemeClr val="tx1"/>
+                </a:solidFill>
+                <a:latin typeface="+mn-lt"/>
+                <a:ea typeface="+mn-ea"/>
+                <a:cs typeface="+mn-cs"/>
+              </a:defRPr>
+            </a:lvl4pPr>
+            <a:lvl5pPr marL="1828800" algn="l" defTabSz="914400" rtl="0" eaLnBrk="1" latinLnBrk="0" hangingPunct="1">
+              <a:defRPr sz="1800" kern="1200">
+                <a:solidFill>
+                  <a:schemeClr val="tx1"/>
+                </a:solidFill>
+                <a:latin typeface="+mn-lt"/>
+                <a:ea typeface="+mn-ea"/>
+                <a:cs typeface="+mn-cs"/>
+              </a:defRPr>
+            </a:lvl5pPr>
+            <a:lvl6pPr marL="2286000" algn="l" defTabSz="914400" rtl="0" eaLnBrk="1" latinLnBrk="0" hangingPunct="1">
+              <a:defRPr sz="1800" kern="1200">
+                <a:solidFill>
+                  <a:schemeClr val="tx1"/>
+                </a:solidFill>
+                <a:latin typeface="+mn-lt"/>
+                <a:ea typeface="+mn-ea"/>
+                <a:cs typeface="+mn-cs"/>
+              </a:defRPr>
+            </a:lvl6pPr>
+            <a:lvl7pPr marL="2743200" algn="l" defTabSz="914400" rtl="0" eaLnBrk="1" latinLnBrk="0" hangingPunct="1">
+              <a:defRPr sz="1800" kern="1200">
+                <a:solidFill>
+                  <a:schemeClr val="tx1"/>
+                </a:solidFill>
+                <a:latin typeface="+mn-lt"/>
+                <a:ea typeface="+mn-ea"/>
+                <a:cs typeface="+mn-cs"/>
+              </a:defRPr>
+            </a:lvl7pPr>
+            <a:lvl8pPr marL="3200400" algn="l" defTabSz="914400" rtl="0" eaLnBrk="1" latinLnBrk="0" hangingPunct="1">
+              <a:defRPr sz="1800" kern="1200">
+                <a:solidFill>
+                  <a:schemeClr val="tx1"/>
+                </a:solidFill>
+                <a:latin typeface="+mn-lt"/>
+                <a:ea typeface="+mn-ea"/>
+                <a:cs typeface="+mn-cs"/>
+              </a:defRPr>
+            </a:lvl8pPr>
+            <a:lvl9pPr marL="3657600" algn="l" defTabSz="914400" rtl="0" eaLnBrk="1" latinLnBrk="0" hangingPunct="1">
+              <a:defRPr sz="1800" kern="1200">
+                <a:solidFill>
+                  <a:schemeClr val="tx1"/>
+                </a:solidFill>
+                <a:latin typeface="+mn-lt"/>
+                <a:ea typeface="+mn-ea"/>
+                <a:cs typeface="+mn-cs"/>
+              </a:defRPr>
+            </a:lvl9pPr>
+          </a:lstStyle>
+          <a:p>
+            <a:pPr algn="r"/>
+            <a:r>
+              <a:rPr lang="en-US" sz="1400" dirty="0">
+                <a:solidFill>
+                  <a:srgbClr val="0070C0"/>
+                </a:solidFill>
+              </a:rPr>
+              <a:t>execute(“pin 2”)</a:t>
+            </a:r>
+          </a:p>
+        </p:txBody>
+      </p:sp>
+      <p:cxnSp>
+        <p:nvCxnSpPr>
+          <p:cNvPr id="16" name="Straight Arrow Connector 15">
+            <a:extLst>
+              <a:ext uri="{FF2B5EF4-FFF2-40B4-BE49-F238E27FC236}">
+                <a16:creationId xmlns:a16="http://schemas.microsoft.com/office/drawing/2014/main" id="{410ADC97-53AC-CF4E-B32F-87CFFD0678BB}"/>
+              </a:ext>
+            </a:extLst>
+          </p:cNvPr>
+          <p:cNvCxnSpPr>
+            <a:cxnSpLocks/>
+            <a:endCxn id="43" idx="1"/>
+          </p:cNvCxnSpPr>
+          <p:nvPr/>
+        </p:nvCxnSpPr>
+        <p:spPr>
+          <a:xfrm flipV="1">
+            <a:off x="1434925" y="762488"/>
+            <a:ext cx="828405" cy="2"/>
+          </a:xfrm>
+          <a:prstGeom prst="straightConnector1">
+            <a:avLst/>
+          </a:prstGeom>
+          <a:ln w="19050">
+            <a:solidFill>
+              <a:srgbClr val="0070C0"/>
+            </a:solidFill>
+            <a:tailEnd type="arrow"/>
+          </a:ln>
+        </p:spPr>
+        <p:style>
+          <a:lnRef idx="1">
+            <a:schemeClr val="accent1"/>
+          </a:lnRef>
+          <a:fillRef idx="0">
+            <a:schemeClr val="accent1"/>
+          </a:fillRef>
+          <a:effectRef idx="0">
+            <a:schemeClr val="accent1"/>
+          </a:effectRef>
+          <a:fontRef idx="minor">
+            <a:schemeClr val="tx1"/>
+          </a:fontRef>
+        </p:style>
+      </p:cxnSp>
+      <p:sp>
+        <p:nvSpPr>
+          <p:cNvPr id="17" name="TextBox 28">
+            <a:extLst>
+              <a:ext uri="{FF2B5EF4-FFF2-40B4-BE49-F238E27FC236}">
+                <a16:creationId xmlns:a16="http://schemas.microsoft.com/office/drawing/2014/main" id="{D3BF3C6B-2422-FD49-885D-46491E991F65}"/>
+              </a:ext>
+            </a:extLst>
+          </p:cNvPr>
+          <p:cNvSpPr txBox="1"/>
+          <p:nvPr/>
+        </p:nvSpPr>
+        <p:spPr>
+          <a:xfrm>
+            <a:off x="562862" y="2376666"/>
+            <a:ext cx="961128" cy="276999"/>
+          </a:xfrm>
+          <a:prstGeom prst="rect">
+            <a:avLst/>
+          </a:prstGeom>
+          <a:noFill/>
+        </p:spPr>
+        <p:txBody>
+          <a:bodyPr wrap="square" lIns="0" tIns="0" rIns="0" bIns="0" rtlCol="0">
+            <a:spAutoFit/>
+          </a:bodyPr>
+          <a:lstStyle>
+            <a:defPPr>
+              <a:defRPr lang="en-US"/>
+            </a:defPPr>
+            <a:lvl1pPr marL="0" algn="l" defTabSz="914400" rtl="0" eaLnBrk="1" latinLnBrk="0" hangingPunct="1">
+              <a:defRPr sz="1800" kern="1200">
+                <a:solidFill>
+                  <a:schemeClr val="tx1"/>
+                </a:solidFill>
+                <a:latin typeface="+mn-lt"/>
+                <a:ea typeface="+mn-ea"/>
+                <a:cs typeface="+mn-cs"/>
+              </a:defRPr>
+            </a:lvl1pPr>
+            <a:lvl2pPr marL="457200" algn="l" defTabSz="914400" rtl="0" eaLnBrk="1" latinLnBrk="0" hangingPunct="1">
+              <a:defRPr sz="1800" kern="1200">
+                <a:solidFill>
+                  <a:schemeClr val="tx1"/>
+                </a:solidFill>
+                <a:latin typeface="+mn-lt"/>
+                <a:ea typeface="+mn-ea"/>
+                <a:cs typeface="+mn-cs"/>
+              </a:defRPr>
+            </a:lvl2pPr>
+            <a:lvl3pPr marL="914400" algn="l" defTabSz="914400" rtl="0" eaLnBrk="1" latinLnBrk="0" hangingPunct="1">
+              <a:defRPr sz="1800" kern="1200">
+                <a:solidFill>
+                  <a:schemeClr val="tx1"/>
+                </a:solidFill>
+                <a:latin typeface="+mn-lt"/>
+                <a:ea typeface="+mn-ea"/>
+                <a:cs typeface="+mn-cs"/>
+              </a:defRPr>
+            </a:lvl3pPr>
+            <a:lvl4pPr marL="1371600" algn="l" defTabSz="914400" rtl="0" eaLnBrk="1" latinLnBrk="0" hangingPunct="1">
+              <a:defRPr sz="1800" kern="1200">
+                <a:solidFill>
+                  <a:schemeClr val="tx1"/>
+                </a:solidFill>
+                <a:latin typeface="+mn-lt"/>
+                <a:ea typeface="+mn-ea"/>
+                <a:cs typeface="+mn-cs"/>
+              </a:defRPr>
+            </a:lvl4pPr>
+            <a:lvl5pPr marL="1828800" algn="l" defTabSz="914400" rtl="0" eaLnBrk="1" latinLnBrk="0" hangingPunct="1">
+              <a:defRPr sz="1800" kern="1200">
+                <a:solidFill>
+                  <a:schemeClr val="tx1"/>
+                </a:solidFill>
+                <a:latin typeface="+mn-lt"/>
+                <a:ea typeface="+mn-ea"/>
+                <a:cs typeface="+mn-cs"/>
+              </a:defRPr>
+            </a:lvl5pPr>
+            <a:lvl6pPr marL="2286000" algn="l" defTabSz="914400" rtl="0" eaLnBrk="1" latinLnBrk="0" hangingPunct="1">
+              <a:defRPr sz="1800" kern="1200">
+                <a:solidFill>
+                  <a:schemeClr val="tx1"/>
+                </a:solidFill>
+                <a:latin typeface="+mn-lt"/>
+                <a:ea typeface="+mn-ea"/>
+                <a:cs typeface="+mn-cs"/>
+              </a:defRPr>
+            </a:lvl6pPr>
+            <a:lvl7pPr marL="2743200" algn="l" defTabSz="914400" rtl="0" eaLnBrk="1" latinLnBrk="0" hangingPunct="1">
+              <a:defRPr sz="1800" kern="1200">
+                <a:solidFill>
+                  <a:schemeClr val="tx1"/>
+                </a:solidFill>
+                <a:latin typeface="+mn-lt"/>
+                <a:ea typeface="+mn-ea"/>
+                <a:cs typeface="+mn-cs"/>
+              </a:defRPr>
+            </a:lvl7pPr>
+            <a:lvl8pPr marL="3200400" algn="l" defTabSz="914400" rtl="0" eaLnBrk="1" latinLnBrk="0" hangingPunct="1">
+              <a:defRPr sz="1800" kern="1200">
+                <a:solidFill>
+                  <a:schemeClr val="tx1"/>
+                </a:solidFill>
+                <a:latin typeface="+mn-lt"/>
+                <a:ea typeface="+mn-ea"/>
+                <a:cs typeface="+mn-cs"/>
+              </a:defRPr>
+            </a:lvl8pPr>
+            <a:lvl9pPr marL="3657600" algn="l" defTabSz="914400" rtl="0" eaLnBrk="1" latinLnBrk="0" hangingPunct="1">
+              <a:defRPr sz="1800" kern="1200">
+                <a:solidFill>
+                  <a:schemeClr val="tx1"/>
+                </a:solidFill>
+                <a:latin typeface="+mn-lt"/>
+                <a:ea typeface="+mn-ea"/>
+                <a:cs typeface="+mn-cs"/>
+              </a:defRPr>
+            </a:lvl9pPr>
+          </a:lstStyle>
+          <a:p>
+            <a:r>
+              <a:rPr lang="en-US" dirty="0"/>
+              <a:t>execute()</a:t>
+            </a:r>
+          </a:p>
+        </p:txBody>
+      </p:sp>
+      <p:cxnSp>
+        <p:nvCxnSpPr>
+          <p:cNvPr id="18" name="Straight Arrow Connector 17">
+            <a:extLst>
+              <a:ext uri="{FF2B5EF4-FFF2-40B4-BE49-F238E27FC236}">
+                <a16:creationId xmlns:a16="http://schemas.microsoft.com/office/drawing/2014/main" id="{4E89C6BB-4716-1045-BD5C-44C5E0ECD587}"/>
+              </a:ext>
+            </a:extLst>
+          </p:cNvPr>
+          <p:cNvCxnSpPr>
+            <a:cxnSpLocks/>
+            <a:endCxn id="42" idx="2"/>
+          </p:cNvCxnSpPr>
+          <p:nvPr/>
+        </p:nvCxnSpPr>
+        <p:spPr>
+          <a:xfrm flipV="1">
+            <a:off x="1418671" y="1161088"/>
+            <a:ext cx="1703483" cy="6524"/>
+          </a:xfrm>
+          <a:prstGeom prst="straightConnector1">
+            <a:avLst/>
+          </a:prstGeom>
+          <a:ln w="19050">
+            <a:solidFill>
+              <a:srgbClr val="0070C0"/>
+            </a:solidFill>
+            <a:prstDash val="sysDash"/>
+            <a:headEnd type="arrow" w="med" len="med"/>
+            <a:tailEnd type="none" w="med" len="med"/>
+          </a:ln>
+        </p:spPr>
+        <p:style>
+          <a:lnRef idx="1">
+            <a:schemeClr val="accent1"/>
+          </a:lnRef>
+          <a:fillRef idx="0">
+            <a:schemeClr val="accent1"/>
+          </a:fillRef>
+          <a:effectRef idx="0">
+            <a:schemeClr val="accent1"/>
+          </a:effectRef>
+          <a:fontRef idx="minor">
+            <a:schemeClr val="tx1"/>
+          </a:fontRef>
+        </p:style>
+      </p:cxnSp>
+      <p:cxnSp>
+        <p:nvCxnSpPr>
+          <p:cNvPr id="19" name="Straight Arrow Connector 18">
+            <a:extLst>
+              <a:ext uri="{FF2B5EF4-FFF2-40B4-BE49-F238E27FC236}">
+                <a16:creationId xmlns:a16="http://schemas.microsoft.com/office/drawing/2014/main" id="{5952D8ED-5C03-2345-A128-666F24790E9A}"/>
+              </a:ext>
+            </a:extLst>
+          </p:cNvPr>
+          <p:cNvCxnSpPr>
+            <a:cxnSpLocks/>
+            <a:endCxn id="11" idx="2"/>
+          </p:cNvCxnSpPr>
+          <p:nvPr/>
+        </p:nvCxnSpPr>
+        <p:spPr>
+          <a:xfrm>
+            <a:off x="-989208" y="2073440"/>
+            <a:ext cx="2353980" cy="4704"/>
+          </a:xfrm>
+          <a:prstGeom prst="straightConnector1">
+            <a:avLst/>
+          </a:prstGeom>
+          <a:ln w="19050">
+            <a:solidFill>
+              <a:srgbClr val="0070C0"/>
+            </a:solidFill>
+            <a:prstDash val="sysDash"/>
+            <a:headEnd type="arrow" w="med" len="med"/>
+            <a:tailEnd type="none" w="med" len="med"/>
+          </a:ln>
+        </p:spPr>
+        <p:style>
+          <a:lnRef idx="1">
+            <a:schemeClr val="accent1"/>
+          </a:lnRef>
+          <a:fillRef idx="0">
+            <a:schemeClr val="accent1"/>
+          </a:fillRef>
+          <a:effectRef idx="0">
+            <a:schemeClr val="accent1"/>
+          </a:effectRef>
+          <a:fontRef idx="minor">
+            <a:schemeClr val="tx1"/>
+          </a:fontRef>
+        </p:style>
+      </p:cxnSp>
+      <p:cxnSp>
+        <p:nvCxnSpPr>
+          <p:cNvPr id="20" name="Straight Arrow Connector 19">
+            <a:extLst>
+              <a:ext uri="{FF2B5EF4-FFF2-40B4-BE49-F238E27FC236}">
+                <a16:creationId xmlns:a16="http://schemas.microsoft.com/office/drawing/2014/main" id="{2212E44F-3A89-734D-AFE4-8D7F17840CEC}"/>
+              </a:ext>
+            </a:extLst>
+          </p:cNvPr>
+          <p:cNvCxnSpPr/>
+          <p:nvPr/>
+        </p:nvCxnSpPr>
+        <p:spPr>
+          <a:xfrm>
+            <a:off x="-2299560" y="7102640"/>
+            <a:ext cx="1196051" cy="0"/>
+          </a:xfrm>
+          <a:prstGeom prst="straightConnector1">
+            <a:avLst/>
+          </a:prstGeom>
+          <a:ln w="19050">
+            <a:solidFill>
+              <a:schemeClr val="accent1"/>
+            </a:solidFill>
+            <a:prstDash val="sysDash"/>
+            <a:headEnd type="arrow" w="med" len="med"/>
+            <a:tailEnd type="none" w="med" len="med"/>
+          </a:ln>
+        </p:spPr>
+        <p:style>
+          <a:lnRef idx="1">
+            <a:schemeClr val="accent1"/>
+          </a:lnRef>
+          <a:fillRef idx="0">
+            <a:schemeClr val="accent1"/>
+          </a:fillRef>
+          <a:effectRef idx="0">
+            <a:schemeClr val="accent1"/>
+          </a:effectRef>
+          <a:fontRef idx="minor">
+            <a:schemeClr val="tx1"/>
+          </a:fontRef>
+        </p:style>
+      </p:cxnSp>
+      <p:sp>
+        <p:nvSpPr>
+          <p:cNvPr id="21" name="Rectangle 20">
+            <a:extLst>
+              <a:ext uri="{FF2B5EF4-FFF2-40B4-BE49-F238E27FC236}">
+                <a16:creationId xmlns:a16="http://schemas.microsoft.com/office/drawing/2014/main" id="{99315EAC-E269-3A47-804D-576125810C8A}"/>
+              </a:ext>
+            </a:extLst>
+          </p:cNvPr>
+          <p:cNvSpPr/>
+          <p:nvPr/>
+        </p:nvSpPr>
+        <p:spPr>
+          <a:xfrm>
+            <a:off x="4815786" y="2625538"/>
+            <a:ext cx="176585" cy="3950406"/>
+          </a:xfrm>
+          <a:prstGeom prst="rect">
+            <a:avLst/>
+          </a:prstGeom>
+          <a:solidFill>
+            <a:srgbClr val="0070C0"/>
+          </a:solidFill>
+          <a:ln>
+            <a:solidFill>
+              <a:srgbClr val="0070C0"/>
+            </a:solidFill>
+          </a:ln>
+          <a:effectLst/>
+        </p:spPr>
+        <p:style>
+          <a:lnRef idx="1">
+            <a:schemeClr val="accent3"/>
+          </a:lnRef>
+          <a:fillRef idx="2">
+            <a:schemeClr val="accent3"/>
+          </a:fillRef>
+          <a:effectRef idx="1">
+            <a:schemeClr val="accent3"/>
+          </a:effectRef>
+          <a:fontRef idx="minor">
+            <a:schemeClr val="dk1"/>
+          </a:fontRef>
+        </p:style>
+        <p:txBody>
+          <a:bodyPr rtlCol="0" anchor="ctr"/>
+          <a:lstStyle>
+            <a:defPPr>
+              <a:defRPr lang="en-US"/>
+            </a:defPPr>
+            <a:lvl1pPr marL="0" algn="l" defTabSz="914400" rtl="0" eaLnBrk="1" latinLnBrk="0" hangingPunct="1">
+              <a:defRPr sz="1800" kern="1200">
+                <a:solidFill>
+                  <a:schemeClr val="dk1"/>
+                </a:solidFill>
+                <a:latin typeface="+mn-lt"/>
+                <a:ea typeface="+mn-ea"/>
+                <a:cs typeface="+mn-cs"/>
+              </a:defRPr>
+            </a:lvl1pPr>
+            <a:lvl2pPr marL="457200" algn="l" defTabSz="914400" rtl="0" eaLnBrk="1" latinLnBrk="0" hangingPunct="1">
+              <a:defRPr sz="1800" kern="1200">
+                <a:solidFill>
+                  <a:schemeClr val="dk1"/>
+                </a:solidFill>
+                <a:latin typeface="+mn-lt"/>
+                <a:ea typeface="+mn-ea"/>
+                <a:cs typeface="+mn-cs"/>
+              </a:defRPr>
+            </a:lvl2pPr>
+            <a:lvl3pPr marL="914400" algn="l" defTabSz="914400" rtl="0" eaLnBrk="1" latinLnBrk="0" hangingPunct="1">
+              <a:defRPr sz="1800" kern="1200">
+                <a:solidFill>
+                  <a:schemeClr val="dk1"/>
+                </a:solidFill>
+                <a:latin typeface="+mn-lt"/>
+                <a:ea typeface="+mn-ea"/>
+                <a:cs typeface="+mn-cs"/>
+              </a:defRPr>
+            </a:lvl3pPr>
+            <a:lvl4pPr marL="1371600" algn="l" defTabSz="914400" rtl="0" eaLnBrk="1" latinLnBrk="0" hangingPunct="1">
+              <a:defRPr sz="1800" kern="1200">
+                <a:solidFill>
+                  <a:schemeClr val="dk1"/>
+                </a:solidFill>
+                <a:latin typeface="+mn-lt"/>
+                <a:ea typeface="+mn-ea"/>
+                <a:cs typeface="+mn-cs"/>
+              </a:defRPr>
+            </a:lvl4pPr>
+            <a:lvl5pPr marL="1828800" algn="l" defTabSz="914400" rtl="0" eaLnBrk="1" latinLnBrk="0" hangingPunct="1">
+              <a:defRPr sz="1800" kern="1200">
+                <a:solidFill>
+                  <a:schemeClr val="dk1"/>
+                </a:solidFill>
+                <a:latin typeface="+mn-lt"/>
+                <a:ea typeface="+mn-ea"/>
+                <a:cs typeface="+mn-cs"/>
+              </a:defRPr>
+            </a:lvl5pPr>
+            <a:lvl6pPr marL="2286000" algn="l" defTabSz="914400" rtl="0" eaLnBrk="1" latinLnBrk="0" hangingPunct="1">
+              <a:defRPr sz="1800" kern="1200">
+                <a:solidFill>
+                  <a:schemeClr val="dk1"/>
+                </a:solidFill>
+                <a:latin typeface="+mn-lt"/>
+                <a:ea typeface="+mn-ea"/>
+                <a:cs typeface="+mn-cs"/>
+              </a:defRPr>
+            </a:lvl6pPr>
+            <a:lvl7pPr marL="2743200" algn="l" defTabSz="914400" rtl="0" eaLnBrk="1" latinLnBrk="0" hangingPunct="1">
+              <a:defRPr sz="1800" kern="1200">
+                <a:solidFill>
+                  <a:schemeClr val="dk1"/>
+                </a:solidFill>
+                <a:latin typeface="+mn-lt"/>
+                <a:ea typeface="+mn-ea"/>
+                <a:cs typeface="+mn-cs"/>
+              </a:defRPr>
+            </a:lvl7pPr>
+            <a:lvl8pPr marL="3200400" algn="l" defTabSz="914400" rtl="0" eaLnBrk="1" latinLnBrk="0" hangingPunct="1">
+              <a:defRPr sz="1800" kern="1200">
+                <a:solidFill>
+                  <a:schemeClr val="dk1"/>
+                </a:solidFill>
+                <a:latin typeface="+mn-lt"/>
+                <a:ea typeface="+mn-ea"/>
+                <a:cs typeface="+mn-cs"/>
+              </a:defRPr>
+            </a:lvl8pPr>
+            <a:lvl9pPr marL="3657600" algn="l" defTabSz="914400" rtl="0" eaLnBrk="1" latinLnBrk="0" hangingPunct="1">
+              <a:defRPr sz="1800" kern="1200">
+                <a:solidFill>
+                  <a:schemeClr val="dk1"/>
+                </a:solidFill>
+                <a:latin typeface="+mn-lt"/>
+                <a:ea typeface="+mn-ea"/>
+                <a:cs typeface="+mn-cs"/>
+              </a:defRPr>
+            </a:lvl9pPr>
+          </a:lstStyle>
+          <a:p>
+            <a:pPr algn="ctr"/>
+            <a:endParaRPr lang="en-SG" sz="1400"/>
+          </a:p>
+        </p:txBody>
+      </p:sp>
+      <p:sp>
+        <p:nvSpPr>
+          <p:cNvPr id="22" name="TextBox 78">
+            <a:extLst>
+              <a:ext uri="{FF2B5EF4-FFF2-40B4-BE49-F238E27FC236}">
+                <a16:creationId xmlns:a16="http://schemas.microsoft.com/office/drawing/2014/main" id="{21DE1614-C195-4A42-8C2F-7AA51CC8BE51}"/>
+              </a:ext>
+            </a:extLst>
+          </p:cNvPr>
+          <p:cNvSpPr txBox="1"/>
+          <p:nvPr/>
+        </p:nvSpPr>
+        <p:spPr>
+          <a:xfrm>
+            <a:off x="5452542" y="2590800"/>
+            <a:ext cx="1298078" cy="276999"/>
+          </a:xfrm>
+          <a:prstGeom prst="rect">
+            <a:avLst/>
+          </a:prstGeom>
+          <a:noFill/>
+        </p:spPr>
+        <p:txBody>
+          <a:bodyPr wrap="square" lIns="0" tIns="0" rIns="0" bIns="0" rtlCol="0">
+            <a:spAutoFit/>
+          </a:bodyPr>
+          <a:lstStyle>
+            <a:defPPr>
+              <a:defRPr lang="en-US"/>
+            </a:defPPr>
+            <a:lvl1pPr marL="0" algn="l" defTabSz="914400" rtl="0" eaLnBrk="1" latinLnBrk="0" hangingPunct="1">
+              <a:defRPr sz="1800" kern="1200">
+                <a:solidFill>
+                  <a:schemeClr val="tx1"/>
+                </a:solidFill>
+                <a:latin typeface="+mn-lt"/>
+                <a:ea typeface="+mn-ea"/>
+                <a:cs typeface="+mn-cs"/>
+              </a:defRPr>
+            </a:lvl1pPr>
+            <a:lvl2pPr marL="457200" algn="l" defTabSz="914400" rtl="0" eaLnBrk="1" latinLnBrk="0" hangingPunct="1">
+              <a:defRPr sz="1800" kern="1200">
+                <a:solidFill>
+                  <a:schemeClr val="tx1"/>
+                </a:solidFill>
+                <a:latin typeface="+mn-lt"/>
+                <a:ea typeface="+mn-ea"/>
+                <a:cs typeface="+mn-cs"/>
+              </a:defRPr>
+            </a:lvl2pPr>
+            <a:lvl3pPr marL="914400" algn="l" defTabSz="914400" rtl="0" eaLnBrk="1" latinLnBrk="0" hangingPunct="1">
+              <a:defRPr sz="1800" kern="1200">
+                <a:solidFill>
+                  <a:schemeClr val="tx1"/>
+                </a:solidFill>
+                <a:latin typeface="+mn-lt"/>
+                <a:ea typeface="+mn-ea"/>
+                <a:cs typeface="+mn-cs"/>
+              </a:defRPr>
+            </a:lvl3pPr>
+            <a:lvl4pPr marL="1371600" algn="l" defTabSz="914400" rtl="0" eaLnBrk="1" latinLnBrk="0" hangingPunct="1">
+              <a:defRPr sz="1800" kern="1200">
+                <a:solidFill>
+                  <a:schemeClr val="tx1"/>
+                </a:solidFill>
+                <a:latin typeface="+mn-lt"/>
+                <a:ea typeface="+mn-ea"/>
+                <a:cs typeface="+mn-cs"/>
+              </a:defRPr>
+            </a:lvl4pPr>
+            <a:lvl5pPr marL="1828800" algn="l" defTabSz="914400" rtl="0" eaLnBrk="1" latinLnBrk="0" hangingPunct="1">
+              <a:defRPr sz="1800" kern="1200">
+                <a:solidFill>
+                  <a:schemeClr val="tx1"/>
+                </a:solidFill>
+                <a:latin typeface="+mn-lt"/>
+                <a:ea typeface="+mn-ea"/>
+                <a:cs typeface="+mn-cs"/>
+              </a:defRPr>
+            </a:lvl5pPr>
+            <a:lvl6pPr marL="2286000" algn="l" defTabSz="914400" rtl="0" eaLnBrk="1" latinLnBrk="0" hangingPunct="1">
+              <a:defRPr sz="1800" kern="1200">
+                <a:solidFill>
+                  <a:schemeClr val="tx1"/>
+                </a:solidFill>
+                <a:latin typeface="+mn-lt"/>
+                <a:ea typeface="+mn-ea"/>
+                <a:cs typeface="+mn-cs"/>
+              </a:defRPr>
+            </a:lvl6pPr>
+            <a:lvl7pPr marL="2743200" algn="l" defTabSz="914400" rtl="0" eaLnBrk="1" latinLnBrk="0" hangingPunct="1">
+              <a:defRPr sz="1800" kern="1200">
+                <a:solidFill>
+                  <a:schemeClr val="tx1"/>
+                </a:solidFill>
+                <a:latin typeface="+mn-lt"/>
+                <a:ea typeface="+mn-ea"/>
+                <a:cs typeface="+mn-cs"/>
+              </a:defRPr>
+            </a:lvl7pPr>
+            <a:lvl8pPr marL="3200400" algn="l" defTabSz="914400" rtl="0" eaLnBrk="1" latinLnBrk="0" hangingPunct="1">
+              <a:defRPr sz="1800" kern="1200">
+                <a:solidFill>
+                  <a:schemeClr val="tx1"/>
+                </a:solidFill>
+                <a:latin typeface="+mn-lt"/>
+                <a:ea typeface="+mn-ea"/>
+                <a:cs typeface="+mn-cs"/>
+              </a:defRPr>
+            </a:lvl8pPr>
+            <a:lvl9pPr marL="3657600" algn="l" defTabSz="914400" rtl="0" eaLnBrk="1" latinLnBrk="0" hangingPunct="1">
+              <a:defRPr sz="1800" kern="1200">
+                <a:solidFill>
+                  <a:schemeClr val="tx1"/>
+                </a:solidFill>
+                <a:latin typeface="+mn-lt"/>
+                <a:ea typeface="+mn-ea"/>
+                <a:cs typeface="+mn-cs"/>
+              </a:defRPr>
+            </a:lvl9pPr>
+          </a:lstStyle>
+          <a:p>
+            <a:r>
+              <a:rPr lang="en-US" dirty="0" err="1">
+                <a:solidFill>
+                  <a:schemeClr val="accent4">
+                    <a:lumMod val="75000"/>
+                  </a:schemeClr>
+                </a:solidFill>
+              </a:rPr>
+              <a:t>pinPerson</a:t>
+            </a:r>
+            <a:r>
+              <a:rPr lang="en-US" dirty="0">
+                <a:solidFill>
+                  <a:srgbClr val="7030A0"/>
+                </a:solidFill>
+              </a:rPr>
+              <a:t>(p)</a:t>
+            </a:r>
+            <a:endParaRPr lang="en-US" dirty="0"/>
+          </a:p>
+        </p:txBody>
+      </p:sp>
+      <p:sp>
+        <p:nvSpPr>
+          <p:cNvPr id="23" name="TextBox 79">
+            <a:extLst>
+              <a:ext uri="{FF2B5EF4-FFF2-40B4-BE49-F238E27FC236}">
+                <a16:creationId xmlns:a16="http://schemas.microsoft.com/office/drawing/2014/main" id="{B03EA1CB-88AC-F742-BFEC-039CD341E616}"/>
+              </a:ext>
+            </a:extLst>
+          </p:cNvPr>
+          <p:cNvSpPr txBox="1"/>
+          <p:nvPr/>
+        </p:nvSpPr>
+        <p:spPr>
+          <a:xfrm>
+            <a:off x="-914400" y="393695"/>
+            <a:ext cx="2280917" cy="276999"/>
+          </a:xfrm>
+          <a:prstGeom prst="rect">
+            <a:avLst/>
+          </a:prstGeom>
+          <a:noFill/>
+        </p:spPr>
+        <p:txBody>
+          <a:bodyPr wrap="square" lIns="0" tIns="0" rIns="0" bIns="0" rtlCol="0">
+            <a:spAutoFit/>
+          </a:bodyPr>
+          <a:lstStyle>
+            <a:defPPr>
+              <a:defRPr lang="en-US"/>
+            </a:defPPr>
+            <a:lvl1pPr marL="0" algn="l" defTabSz="914400" rtl="0" eaLnBrk="1" latinLnBrk="0" hangingPunct="1">
+              <a:defRPr sz="1800" kern="1200">
+                <a:solidFill>
+                  <a:schemeClr val="tx1"/>
+                </a:solidFill>
+                <a:latin typeface="+mn-lt"/>
+                <a:ea typeface="+mn-ea"/>
+                <a:cs typeface="+mn-cs"/>
+              </a:defRPr>
+            </a:lvl1pPr>
+            <a:lvl2pPr marL="457200" algn="l" defTabSz="914400" rtl="0" eaLnBrk="1" latinLnBrk="0" hangingPunct="1">
+              <a:defRPr sz="1800" kern="1200">
+                <a:solidFill>
+                  <a:schemeClr val="tx1"/>
+                </a:solidFill>
+                <a:latin typeface="+mn-lt"/>
+                <a:ea typeface="+mn-ea"/>
+                <a:cs typeface="+mn-cs"/>
+              </a:defRPr>
+            </a:lvl2pPr>
+            <a:lvl3pPr marL="914400" algn="l" defTabSz="914400" rtl="0" eaLnBrk="1" latinLnBrk="0" hangingPunct="1">
+              <a:defRPr sz="1800" kern="1200">
+                <a:solidFill>
+                  <a:schemeClr val="tx1"/>
+                </a:solidFill>
+                <a:latin typeface="+mn-lt"/>
+                <a:ea typeface="+mn-ea"/>
+                <a:cs typeface="+mn-cs"/>
+              </a:defRPr>
+            </a:lvl3pPr>
+            <a:lvl4pPr marL="1371600" algn="l" defTabSz="914400" rtl="0" eaLnBrk="1" latinLnBrk="0" hangingPunct="1">
+              <a:defRPr sz="1800" kern="1200">
+                <a:solidFill>
+                  <a:schemeClr val="tx1"/>
+                </a:solidFill>
+                <a:latin typeface="+mn-lt"/>
+                <a:ea typeface="+mn-ea"/>
+                <a:cs typeface="+mn-cs"/>
+              </a:defRPr>
+            </a:lvl4pPr>
+            <a:lvl5pPr marL="1828800" algn="l" defTabSz="914400" rtl="0" eaLnBrk="1" latinLnBrk="0" hangingPunct="1">
+              <a:defRPr sz="1800" kern="1200">
+                <a:solidFill>
+                  <a:schemeClr val="tx1"/>
+                </a:solidFill>
+                <a:latin typeface="+mn-lt"/>
+                <a:ea typeface="+mn-ea"/>
+                <a:cs typeface="+mn-cs"/>
+              </a:defRPr>
+            </a:lvl5pPr>
+            <a:lvl6pPr marL="2286000" algn="l" defTabSz="914400" rtl="0" eaLnBrk="1" latinLnBrk="0" hangingPunct="1">
+              <a:defRPr sz="1800" kern="1200">
+                <a:solidFill>
+                  <a:schemeClr val="tx1"/>
+                </a:solidFill>
+                <a:latin typeface="+mn-lt"/>
+                <a:ea typeface="+mn-ea"/>
+                <a:cs typeface="+mn-cs"/>
+              </a:defRPr>
+            </a:lvl6pPr>
+            <a:lvl7pPr marL="2743200" algn="l" defTabSz="914400" rtl="0" eaLnBrk="1" latinLnBrk="0" hangingPunct="1">
+              <a:defRPr sz="1800" kern="1200">
+                <a:solidFill>
+                  <a:schemeClr val="tx1"/>
+                </a:solidFill>
+                <a:latin typeface="+mn-lt"/>
+                <a:ea typeface="+mn-ea"/>
+                <a:cs typeface="+mn-cs"/>
+              </a:defRPr>
+            </a:lvl7pPr>
+            <a:lvl8pPr marL="3200400" algn="l" defTabSz="914400" rtl="0" eaLnBrk="1" latinLnBrk="0" hangingPunct="1">
+              <a:defRPr sz="1800" kern="1200">
+                <a:solidFill>
+                  <a:schemeClr val="tx1"/>
+                </a:solidFill>
+                <a:latin typeface="+mn-lt"/>
+                <a:ea typeface="+mn-ea"/>
+                <a:cs typeface="+mn-cs"/>
+              </a:defRPr>
+            </a:lvl8pPr>
+            <a:lvl9pPr marL="3657600" algn="l" defTabSz="914400" rtl="0" eaLnBrk="1" latinLnBrk="0" hangingPunct="1">
+              <a:defRPr sz="1800" kern="1200">
+                <a:solidFill>
+                  <a:schemeClr val="tx1"/>
+                </a:solidFill>
+                <a:latin typeface="+mn-lt"/>
+                <a:ea typeface="+mn-ea"/>
+                <a:cs typeface="+mn-cs"/>
+              </a:defRPr>
+            </a:lvl9pPr>
+          </a:lstStyle>
+          <a:p>
+            <a:r>
+              <a:rPr lang="en-US" dirty="0" err="1"/>
+              <a:t>parseCommand</a:t>
+            </a:r>
+            <a:r>
+              <a:rPr lang="en-US" dirty="0"/>
+              <a:t>(“pin 2”)</a:t>
+            </a:r>
+          </a:p>
+        </p:txBody>
+      </p:sp>
+      <p:sp>
+        <p:nvSpPr>
+          <p:cNvPr id="24" name="TextBox 81">
+            <a:extLst>
+              <a:ext uri="{FF2B5EF4-FFF2-40B4-BE49-F238E27FC236}">
+                <a16:creationId xmlns:a16="http://schemas.microsoft.com/office/drawing/2014/main" id="{94FF4DAD-78D6-9349-906A-4A943D5A568E}"/>
+              </a:ext>
+            </a:extLst>
+          </p:cNvPr>
+          <p:cNvSpPr txBox="1"/>
+          <p:nvPr/>
+        </p:nvSpPr>
+        <p:spPr>
+          <a:xfrm>
+            <a:off x="592195" y="6352245"/>
+            <a:ext cx="621216" cy="215444"/>
+          </a:xfrm>
+          <a:prstGeom prst="rect">
+            <a:avLst/>
+          </a:prstGeom>
+          <a:noFill/>
+        </p:spPr>
+        <p:txBody>
+          <a:bodyPr wrap="square" lIns="0" tIns="0" rIns="0" bIns="0" rtlCol="0">
+            <a:spAutoFit/>
+          </a:bodyPr>
+          <a:lstStyle>
+            <a:defPPr>
+              <a:defRPr lang="en-US"/>
+            </a:defPPr>
+            <a:lvl1pPr marL="0" algn="l" defTabSz="914400" rtl="0" eaLnBrk="1" latinLnBrk="0" hangingPunct="1">
+              <a:defRPr sz="1800" kern="1200">
+                <a:solidFill>
+                  <a:schemeClr val="tx1"/>
+                </a:solidFill>
+                <a:latin typeface="+mn-lt"/>
+                <a:ea typeface="+mn-ea"/>
+                <a:cs typeface="+mn-cs"/>
+              </a:defRPr>
+            </a:lvl1pPr>
+            <a:lvl2pPr marL="457200" algn="l" defTabSz="914400" rtl="0" eaLnBrk="1" latinLnBrk="0" hangingPunct="1">
+              <a:defRPr sz="1800" kern="1200">
+                <a:solidFill>
+                  <a:schemeClr val="tx1"/>
+                </a:solidFill>
+                <a:latin typeface="+mn-lt"/>
+                <a:ea typeface="+mn-ea"/>
+                <a:cs typeface="+mn-cs"/>
+              </a:defRPr>
+            </a:lvl2pPr>
+            <a:lvl3pPr marL="914400" algn="l" defTabSz="914400" rtl="0" eaLnBrk="1" latinLnBrk="0" hangingPunct="1">
+              <a:defRPr sz="1800" kern="1200">
+                <a:solidFill>
+                  <a:schemeClr val="tx1"/>
+                </a:solidFill>
+                <a:latin typeface="+mn-lt"/>
+                <a:ea typeface="+mn-ea"/>
+                <a:cs typeface="+mn-cs"/>
+              </a:defRPr>
+            </a:lvl3pPr>
+            <a:lvl4pPr marL="1371600" algn="l" defTabSz="914400" rtl="0" eaLnBrk="1" latinLnBrk="0" hangingPunct="1">
+              <a:defRPr sz="1800" kern="1200">
+                <a:solidFill>
+                  <a:schemeClr val="tx1"/>
+                </a:solidFill>
+                <a:latin typeface="+mn-lt"/>
+                <a:ea typeface="+mn-ea"/>
+                <a:cs typeface="+mn-cs"/>
+              </a:defRPr>
+            </a:lvl4pPr>
+            <a:lvl5pPr marL="1828800" algn="l" defTabSz="914400" rtl="0" eaLnBrk="1" latinLnBrk="0" hangingPunct="1">
+              <a:defRPr sz="1800" kern="1200">
+                <a:solidFill>
+                  <a:schemeClr val="tx1"/>
+                </a:solidFill>
+                <a:latin typeface="+mn-lt"/>
+                <a:ea typeface="+mn-ea"/>
+                <a:cs typeface="+mn-cs"/>
+              </a:defRPr>
+            </a:lvl5pPr>
+            <a:lvl6pPr marL="2286000" algn="l" defTabSz="914400" rtl="0" eaLnBrk="1" latinLnBrk="0" hangingPunct="1">
+              <a:defRPr sz="1800" kern="1200">
+                <a:solidFill>
+                  <a:schemeClr val="tx1"/>
+                </a:solidFill>
+                <a:latin typeface="+mn-lt"/>
+                <a:ea typeface="+mn-ea"/>
+                <a:cs typeface="+mn-cs"/>
+              </a:defRPr>
+            </a:lvl6pPr>
+            <a:lvl7pPr marL="2743200" algn="l" defTabSz="914400" rtl="0" eaLnBrk="1" latinLnBrk="0" hangingPunct="1">
+              <a:defRPr sz="1800" kern="1200">
+                <a:solidFill>
+                  <a:schemeClr val="tx1"/>
+                </a:solidFill>
+                <a:latin typeface="+mn-lt"/>
+                <a:ea typeface="+mn-ea"/>
+                <a:cs typeface="+mn-cs"/>
+              </a:defRPr>
+            </a:lvl7pPr>
+            <a:lvl8pPr marL="3200400" algn="l" defTabSz="914400" rtl="0" eaLnBrk="1" latinLnBrk="0" hangingPunct="1">
+              <a:defRPr sz="1800" kern="1200">
+                <a:solidFill>
+                  <a:schemeClr val="tx1"/>
+                </a:solidFill>
+                <a:latin typeface="+mn-lt"/>
+                <a:ea typeface="+mn-ea"/>
+                <a:cs typeface="+mn-cs"/>
+              </a:defRPr>
+            </a:lvl8pPr>
+            <a:lvl9pPr marL="3657600" algn="l" defTabSz="914400" rtl="0" eaLnBrk="1" latinLnBrk="0" hangingPunct="1">
+              <a:defRPr sz="1800" kern="1200">
+                <a:solidFill>
+                  <a:schemeClr val="tx1"/>
+                </a:solidFill>
+                <a:latin typeface="+mn-lt"/>
+                <a:ea typeface="+mn-ea"/>
+                <a:cs typeface="+mn-cs"/>
+              </a:defRPr>
+            </a:lvl9pPr>
+          </a:lstStyle>
+          <a:p>
+            <a:r>
+              <a:rPr lang="en-US" dirty="0"/>
+              <a:t>result</a:t>
+            </a:r>
+          </a:p>
+        </p:txBody>
+      </p:sp>
+      <p:sp>
+        <p:nvSpPr>
+          <p:cNvPr id="25" name="TextBox 82">
+            <a:extLst>
+              <a:ext uri="{FF2B5EF4-FFF2-40B4-BE49-F238E27FC236}">
+                <a16:creationId xmlns:a16="http://schemas.microsoft.com/office/drawing/2014/main" id="{6979F368-8F0F-1745-8BE7-3C940B717DCE}"/>
+              </a:ext>
+            </a:extLst>
+          </p:cNvPr>
+          <p:cNvSpPr txBox="1"/>
+          <p:nvPr/>
+        </p:nvSpPr>
+        <p:spPr>
+          <a:xfrm>
+            <a:off x="-2035290" y="6857541"/>
+            <a:ext cx="762000" cy="215444"/>
+          </a:xfrm>
+          <a:prstGeom prst="rect">
+            <a:avLst/>
+          </a:prstGeom>
+          <a:noFill/>
+        </p:spPr>
+        <p:txBody>
+          <a:bodyPr wrap="square" lIns="0" tIns="0" rIns="0" bIns="0" rtlCol="0">
+            <a:spAutoFit/>
+          </a:bodyPr>
+          <a:lstStyle>
+            <a:defPPr>
+              <a:defRPr lang="en-US"/>
+            </a:defPPr>
+            <a:lvl1pPr marL="0" algn="l" defTabSz="914400" rtl="0" eaLnBrk="1" latinLnBrk="0" hangingPunct="1">
+              <a:defRPr sz="1800" kern="1200">
+                <a:solidFill>
+                  <a:schemeClr val="tx1"/>
+                </a:solidFill>
+                <a:latin typeface="+mn-lt"/>
+                <a:ea typeface="+mn-ea"/>
+                <a:cs typeface="+mn-cs"/>
+              </a:defRPr>
+            </a:lvl1pPr>
+            <a:lvl2pPr marL="457200" algn="l" defTabSz="914400" rtl="0" eaLnBrk="1" latinLnBrk="0" hangingPunct="1">
+              <a:defRPr sz="1800" kern="1200">
+                <a:solidFill>
+                  <a:schemeClr val="tx1"/>
+                </a:solidFill>
+                <a:latin typeface="+mn-lt"/>
+                <a:ea typeface="+mn-ea"/>
+                <a:cs typeface="+mn-cs"/>
+              </a:defRPr>
+            </a:lvl2pPr>
+            <a:lvl3pPr marL="914400" algn="l" defTabSz="914400" rtl="0" eaLnBrk="1" latinLnBrk="0" hangingPunct="1">
+              <a:defRPr sz="1800" kern="1200">
+                <a:solidFill>
+                  <a:schemeClr val="tx1"/>
+                </a:solidFill>
+                <a:latin typeface="+mn-lt"/>
+                <a:ea typeface="+mn-ea"/>
+                <a:cs typeface="+mn-cs"/>
+              </a:defRPr>
+            </a:lvl3pPr>
+            <a:lvl4pPr marL="1371600" algn="l" defTabSz="914400" rtl="0" eaLnBrk="1" latinLnBrk="0" hangingPunct="1">
+              <a:defRPr sz="1800" kern="1200">
+                <a:solidFill>
+                  <a:schemeClr val="tx1"/>
+                </a:solidFill>
+                <a:latin typeface="+mn-lt"/>
+                <a:ea typeface="+mn-ea"/>
+                <a:cs typeface="+mn-cs"/>
+              </a:defRPr>
+            </a:lvl4pPr>
+            <a:lvl5pPr marL="1828800" algn="l" defTabSz="914400" rtl="0" eaLnBrk="1" latinLnBrk="0" hangingPunct="1">
+              <a:defRPr sz="1800" kern="1200">
+                <a:solidFill>
+                  <a:schemeClr val="tx1"/>
+                </a:solidFill>
+                <a:latin typeface="+mn-lt"/>
+                <a:ea typeface="+mn-ea"/>
+                <a:cs typeface="+mn-cs"/>
+              </a:defRPr>
+            </a:lvl5pPr>
+            <a:lvl6pPr marL="2286000" algn="l" defTabSz="914400" rtl="0" eaLnBrk="1" latinLnBrk="0" hangingPunct="1">
+              <a:defRPr sz="1800" kern="1200">
+                <a:solidFill>
+                  <a:schemeClr val="tx1"/>
+                </a:solidFill>
+                <a:latin typeface="+mn-lt"/>
+                <a:ea typeface="+mn-ea"/>
+                <a:cs typeface="+mn-cs"/>
+              </a:defRPr>
+            </a:lvl6pPr>
+            <a:lvl7pPr marL="2743200" algn="l" defTabSz="914400" rtl="0" eaLnBrk="1" latinLnBrk="0" hangingPunct="1">
+              <a:defRPr sz="1800" kern="1200">
+                <a:solidFill>
+                  <a:schemeClr val="tx1"/>
+                </a:solidFill>
+                <a:latin typeface="+mn-lt"/>
+                <a:ea typeface="+mn-ea"/>
+                <a:cs typeface="+mn-cs"/>
+              </a:defRPr>
+            </a:lvl7pPr>
+            <a:lvl8pPr marL="3200400" algn="l" defTabSz="914400" rtl="0" eaLnBrk="1" latinLnBrk="0" hangingPunct="1">
+              <a:defRPr sz="1800" kern="1200">
+                <a:solidFill>
+                  <a:schemeClr val="tx1"/>
+                </a:solidFill>
+                <a:latin typeface="+mn-lt"/>
+                <a:ea typeface="+mn-ea"/>
+                <a:cs typeface="+mn-cs"/>
+              </a:defRPr>
+            </a:lvl8pPr>
+            <a:lvl9pPr marL="3657600" algn="l" defTabSz="914400" rtl="0" eaLnBrk="1" latinLnBrk="0" hangingPunct="1">
+              <a:defRPr sz="1800" kern="1200">
+                <a:solidFill>
+                  <a:schemeClr val="tx1"/>
+                </a:solidFill>
+                <a:latin typeface="+mn-lt"/>
+                <a:ea typeface="+mn-ea"/>
+                <a:cs typeface="+mn-cs"/>
+              </a:defRPr>
+            </a:lvl9pPr>
+          </a:lstStyle>
+          <a:p>
+            <a:r>
+              <a:rPr lang="en-US" dirty="0"/>
+              <a:t>result</a:t>
+            </a:r>
+          </a:p>
+        </p:txBody>
+      </p:sp>
+      <p:sp>
+        <p:nvSpPr>
+          <p:cNvPr id="26" name="Rectangle 25">
+            <a:extLst>
+              <a:ext uri="{FF2B5EF4-FFF2-40B4-BE49-F238E27FC236}">
+                <a16:creationId xmlns:a16="http://schemas.microsoft.com/office/drawing/2014/main" id="{B615C0FC-D887-DD49-A505-F0E98B081F86}"/>
+              </a:ext>
+            </a:extLst>
+          </p:cNvPr>
+          <p:cNvSpPr/>
+          <p:nvPr/>
+        </p:nvSpPr>
+        <p:spPr>
+          <a:xfrm>
+            <a:off x="8074038" y="2320581"/>
+            <a:ext cx="2181777" cy="477678"/>
+          </a:xfrm>
+          <a:prstGeom prst="rect">
+            <a:avLst/>
+          </a:prstGeom>
+          <a:solidFill>
+            <a:srgbClr val="7030A0"/>
+          </a:solidFill>
+          <a:ln w="19050">
+            <a:solidFill>
+              <a:srgbClr val="7030A0"/>
+            </a:solidFill>
+          </a:ln>
+          <a:effectLst/>
+        </p:spPr>
+        <p:style>
+          <a:lnRef idx="1">
+            <a:schemeClr val="accent2"/>
+          </a:lnRef>
+          <a:fillRef idx="2">
+            <a:schemeClr val="accent2"/>
+          </a:fillRef>
+          <a:effectRef idx="1">
+            <a:schemeClr val="accent2"/>
+          </a:effectRef>
+          <a:fontRef idx="minor">
+            <a:schemeClr val="dk1"/>
+          </a:fontRef>
+        </p:style>
+        <p:txBody>
+          <a:bodyPr rtlCol="0" anchor="ctr"/>
+          <a:lstStyle>
+            <a:defPPr>
+              <a:defRPr lang="en-US"/>
+            </a:defPPr>
+            <a:lvl1pPr marL="0" algn="l" defTabSz="914400" rtl="0" eaLnBrk="1" latinLnBrk="0" hangingPunct="1">
+              <a:defRPr sz="1800" kern="1200">
+                <a:solidFill>
+                  <a:schemeClr val="dk1"/>
+                </a:solidFill>
+                <a:latin typeface="+mn-lt"/>
+                <a:ea typeface="+mn-ea"/>
+                <a:cs typeface="+mn-cs"/>
+              </a:defRPr>
+            </a:lvl1pPr>
+            <a:lvl2pPr marL="457200" algn="l" defTabSz="914400" rtl="0" eaLnBrk="1" latinLnBrk="0" hangingPunct="1">
+              <a:defRPr sz="1800" kern="1200">
+                <a:solidFill>
+                  <a:schemeClr val="dk1"/>
+                </a:solidFill>
+                <a:latin typeface="+mn-lt"/>
+                <a:ea typeface="+mn-ea"/>
+                <a:cs typeface="+mn-cs"/>
+              </a:defRPr>
+            </a:lvl2pPr>
+            <a:lvl3pPr marL="914400" algn="l" defTabSz="914400" rtl="0" eaLnBrk="1" latinLnBrk="0" hangingPunct="1">
+              <a:defRPr sz="1800" kern="1200">
+                <a:solidFill>
+                  <a:schemeClr val="dk1"/>
+                </a:solidFill>
+                <a:latin typeface="+mn-lt"/>
+                <a:ea typeface="+mn-ea"/>
+                <a:cs typeface="+mn-cs"/>
+              </a:defRPr>
+            </a:lvl3pPr>
+            <a:lvl4pPr marL="1371600" algn="l" defTabSz="914400" rtl="0" eaLnBrk="1" latinLnBrk="0" hangingPunct="1">
+              <a:defRPr sz="1800" kern="1200">
+                <a:solidFill>
+                  <a:schemeClr val="dk1"/>
+                </a:solidFill>
+                <a:latin typeface="+mn-lt"/>
+                <a:ea typeface="+mn-ea"/>
+                <a:cs typeface="+mn-cs"/>
+              </a:defRPr>
+            </a:lvl4pPr>
+            <a:lvl5pPr marL="1828800" algn="l" defTabSz="914400" rtl="0" eaLnBrk="1" latinLnBrk="0" hangingPunct="1">
+              <a:defRPr sz="1800" kern="1200">
+                <a:solidFill>
+                  <a:schemeClr val="dk1"/>
+                </a:solidFill>
+                <a:latin typeface="+mn-lt"/>
+                <a:ea typeface="+mn-ea"/>
+                <a:cs typeface="+mn-cs"/>
+              </a:defRPr>
+            </a:lvl5pPr>
+            <a:lvl6pPr marL="2286000" algn="l" defTabSz="914400" rtl="0" eaLnBrk="1" latinLnBrk="0" hangingPunct="1">
+              <a:defRPr sz="1800" kern="1200">
+                <a:solidFill>
+                  <a:schemeClr val="dk1"/>
+                </a:solidFill>
+                <a:latin typeface="+mn-lt"/>
+                <a:ea typeface="+mn-ea"/>
+                <a:cs typeface="+mn-cs"/>
+              </a:defRPr>
+            </a:lvl6pPr>
+            <a:lvl7pPr marL="2743200" algn="l" defTabSz="914400" rtl="0" eaLnBrk="1" latinLnBrk="0" hangingPunct="1">
+              <a:defRPr sz="1800" kern="1200">
+                <a:solidFill>
+                  <a:schemeClr val="dk1"/>
+                </a:solidFill>
+                <a:latin typeface="+mn-lt"/>
+                <a:ea typeface="+mn-ea"/>
+                <a:cs typeface="+mn-cs"/>
+              </a:defRPr>
+            </a:lvl7pPr>
+            <a:lvl8pPr marL="3200400" algn="l" defTabSz="914400" rtl="0" eaLnBrk="1" latinLnBrk="0" hangingPunct="1">
+              <a:defRPr sz="1800" kern="1200">
+                <a:solidFill>
+                  <a:schemeClr val="dk1"/>
+                </a:solidFill>
+                <a:latin typeface="+mn-lt"/>
+                <a:ea typeface="+mn-ea"/>
+                <a:cs typeface="+mn-cs"/>
+              </a:defRPr>
+            </a:lvl8pPr>
+            <a:lvl9pPr marL="3657600" algn="l" defTabSz="914400" rtl="0" eaLnBrk="1" latinLnBrk="0" hangingPunct="1">
+              <a:defRPr sz="1800" kern="1200">
+                <a:solidFill>
+                  <a:schemeClr val="dk1"/>
+                </a:solidFill>
+                <a:latin typeface="+mn-lt"/>
+                <a:ea typeface="+mn-ea"/>
+                <a:cs typeface="+mn-cs"/>
+              </a:defRPr>
+            </a:lvl9pPr>
+          </a:lstStyle>
+          <a:p>
+            <a:pPr algn="ctr"/>
+            <a:r>
+              <a:rPr lang="en-US" sz="1600" dirty="0" err="1">
+                <a:solidFill>
+                  <a:schemeClr val="bg1"/>
+                </a:solidFill>
+              </a:rPr>
+              <a:t>versionedPinBook</a:t>
+            </a:r>
+            <a:r>
+              <a:rPr lang="en-US" sz="1600" dirty="0">
+                <a:solidFill>
+                  <a:schemeClr val="bg1"/>
+                </a:solidFill>
+              </a:rPr>
+              <a:t>:</a:t>
+            </a:r>
+          </a:p>
+          <a:p>
+            <a:pPr algn="ctr"/>
+            <a:r>
+              <a:rPr lang="en-US" sz="1600" dirty="0" err="1">
+                <a:solidFill>
+                  <a:schemeClr val="bg1"/>
+                </a:solidFill>
+              </a:rPr>
+              <a:t>VersionedAddressBook</a:t>
+            </a:r>
+            <a:endParaRPr lang="en-SG" sz="1600" dirty="0">
+              <a:solidFill>
+                <a:schemeClr val="bg1"/>
+              </a:solidFill>
+            </a:endParaRPr>
+          </a:p>
+        </p:txBody>
+      </p:sp>
+      <p:sp>
+        <p:nvSpPr>
+          <p:cNvPr id="27" name="Rectangle 26">
+            <a:extLst>
+              <a:ext uri="{FF2B5EF4-FFF2-40B4-BE49-F238E27FC236}">
+                <a16:creationId xmlns:a16="http://schemas.microsoft.com/office/drawing/2014/main" id="{081BB491-B0FA-FC46-A52D-F794899F3DDD}"/>
+              </a:ext>
+            </a:extLst>
+          </p:cNvPr>
+          <p:cNvSpPr/>
+          <p:nvPr/>
+        </p:nvSpPr>
+        <p:spPr>
+          <a:xfrm>
+            <a:off x="9091090" y="3077064"/>
+            <a:ext cx="129933" cy="398562"/>
+          </a:xfrm>
+          <a:prstGeom prst="rect">
+            <a:avLst/>
+          </a:prstGeom>
+          <a:solidFill>
+            <a:srgbClr val="7030A0"/>
+          </a:solidFill>
+          <a:ln>
+            <a:solidFill>
+              <a:srgbClr val="7030A0"/>
+            </a:solidFill>
+          </a:ln>
+          <a:effectLst/>
+        </p:spPr>
+        <p:style>
+          <a:lnRef idx="1">
+            <a:schemeClr val="accent3"/>
+          </a:lnRef>
+          <a:fillRef idx="2">
+            <a:schemeClr val="accent3"/>
+          </a:fillRef>
+          <a:effectRef idx="1">
+            <a:schemeClr val="accent3"/>
+          </a:effectRef>
+          <a:fontRef idx="minor">
+            <a:schemeClr val="dk1"/>
+          </a:fontRef>
+        </p:style>
+        <p:txBody>
+          <a:bodyPr rtlCol="0" anchor="ctr"/>
+          <a:lstStyle>
+            <a:defPPr>
+              <a:defRPr lang="en-US"/>
+            </a:defPPr>
+            <a:lvl1pPr marL="0" algn="l" defTabSz="914400" rtl="0" eaLnBrk="1" latinLnBrk="0" hangingPunct="1">
+              <a:defRPr sz="1800" kern="1200">
+                <a:solidFill>
+                  <a:schemeClr val="dk1"/>
+                </a:solidFill>
+                <a:latin typeface="+mn-lt"/>
+                <a:ea typeface="+mn-ea"/>
+                <a:cs typeface="+mn-cs"/>
+              </a:defRPr>
+            </a:lvl1pPr>
+            <a:lvl2pPr marL="457200" algn="l" defTabSz="914400" rtl="0" eaLnBrk="1" latinLnBrk="0" hangingPunct="1">
+              <a:defRPr sz="1800" kern="1200">
+                <a:solidFill>
+                  <a:schemeClr val="dk1"/>
+                </a:solidFill>
+                <a:latin typeface="+mn-lt"/>
+                <a:ea typeface="+mn-ea"/>
+                <a:cs typeface="+mn-cs"/>
+              </a:defRPr>
+            </a:lvl2pPr>
+            <a:lvl3pPr marL="914400" algn="l" defTabSz="914400" rtl="0" eaLnBrk="1" latinLnBrk="0" hangingPunct="1">
+              <a:defRPr sz="1800" kern="1200">
+                <a:solidFill>
+                  <a:schemeClr val="dk1"/>
+                </a:solidFill>
+                <a:latin typeface="+mn-lt"/>
+                <a:ea typeface="+mn-ea"/>
+                <a:cs typeface="+mn-cs"/>
+              </a:defRPr>
+            </a:lvl3pPr>
+            <a:lvl4pPr marL="1371600" algn="l" defTabSz="914400" rtl="0" eaLnBrk="1" latinLnBrk="0" hangingPunct="1">
+              <a:defRPr sz="1800" kern="1200">
+                <a:solidFill>
+                  <a:schemeClr val="dk1"/>
+                </a:solidFill>
+                <a:latin typeface="+mn-lt"/>
+                <a:ea typeface="+mn-ea"/>
+                <a:cs typeface="+mn-cs"/>
+              </a:defRPr>
+            </a:lvl4pPr>
+            <a:lvl5pPr marL="1828800" algn="l" defTabSz="914400" rtl="0" eaLnBrk="1" latinLnBrk="0" hangingPunct="1">
+              <a:defRPr sz="1800" kern="1200">
+                <a:solidFill>
+                  <a:schemeClr val="dk1"/>
+                </a:solidFill>
+                <a:latin typeface="+mn-lt"/>
+                <a:ea typeface="+mn-ea"/>
+                <a:cs typeface="+mn-cs"/>
+              </a:defRPr>
+            </a:lvl5pPr>
+            <a:lvl6pPr marL="2286000" algn="l" defTabSz="914400" rtl="0" eaLnBrk="1" latinLnBrk="0" hangingPunct="1">
+              <a:defRPr sz="1800" kern="1200">
+                <a:solidFill>
+                  <a:schemeClr val="dk1"/>
+                </a:solidFill>
+                <a:latin typeface="+mn-lt"/>
+                <a:ea typeface="+mn-ea"/>
+                <a:cs typeface="+mn-cs"/>
+              </a:defRPr>
+            </a:lvl6pPr>
+            <a:lvl7pPr marL="2743200" algn="l" defTabSz="914400" rtl="0" eaLnBrk="1" latinLnBrk="0" hangingPunct="1">
+              <a:defRPr sz="1800" kern="1200">
+                <a:solidFill>
+                  <a:schemeClr val="dk1"/>
+                </a:solidFill>
+                <a:latin typeface="+mn-lt"/>
+                <a:ea typeface="+mn-ea"/>
+                <a:cs typeface="+mn-cs"/>
+              </a:defRPr>
+            </a:lvl7pPr>
+            <a:lvl8pPr marL="3200400" algn="l" defTabSz="914400" rtl="0" eaLnBrk="1" latinLnBrk="0" hangingPunct="1">
+              <a:defRPr sz="1800" kern="1200">
+                <a:solidFill>
+                  <a:schemeClr val="dk1"/>
+                </a:solidFill>
+                <a:latin typeface="+mn-lt"/>
+                <a:ea typeface="+mn-ea"/>
+                <a:cs typeface="+mn-cs"/>
+              </a:defRPr>
+            </a:lvl8pPr>
+            <a:lvl9pPr marL="3657600" algn="l" defTabSz="914400" rtl="0" eaLnBrk="1" latinLnBrk="0" hangingPunct="1">
+              <a:defRPr sz="1800" kern="1200">
+                <a:solidFill>
+                  <a:schemeClr val="dk1"/>
+                </a:solidFill>
+                <a:latin typeface="+mn-lt"/>
+                <a:ea typeface="+mn-ea"/>
+                <a:cs typeface="+mn-cs"/>
+              </a:defRPr>
+            </a:lvl9pPr>
+          </a:lstStyle>
+          <a:p>
+            <a:pPr algn="ctr"/>
+            <a:endParaRPr lang="en-SG" sz="1400"/>
+          </a:p>
+        </p:txBody>
+      </p:sp>
+      <p:sp>
+        <p:nvSpPr>
+          <p:cNvPr id="28" name="TextBox 92">
+            <a:extLst>
+              <a:ext uri="{FF2B5EF4-FFF2-40B4-BE49-F238E27FC236}">
+                <a16:creationId xmlns:a16="http://schemas.microsoft.com/office/drawing/2014/main" id="{4FD2A083-68A9-8C41-8C9F-D448221B6586}"/>
+              </a:ext>
+            </a:extLst>
+          </p:cNvPr>
+          <p:cNvSpPr txBox="1"/>
+          <p:nvPr/>
+        </p:nvSpPr>
+        <p:spPr>
+          <a:xfrm>
+            <a:off x="44233" y="1845633"/>
+            <a:ext cx="220343" cy="215444"/>
+          </a:xfrm>
+          <a:prstGeom prst="rect">
+            <a:avLst/>
+          </a:prstGeom>
+          <a:noFill/>
+        </p:spPr>
+        <p:txBody>
+          <a:bodyPr wrap="square" lIns="0" tIns="0" rIns="0" bIns="0" rtlCol="0">
+            <a:spAutoFit/>
+          </a:bodyPr>
+          <a:lstStyle>
+            <a:defPPr>
+              <a:defRPr lang="en-US"/>
+            </a:defPPr>
+            <a:lvl1pPr marL="0" algn="l" defTabSz="914400" rtl="0" eaLnBrk="1" latinLnBrk="0" hangingPunct="1">
+              <a:defRPr sz="1800" kern="1200">
+                <a:solidFill>
+                  <a:schemeClr val="tx1"/>
+                </a:solidFill>
+                <a:latin typeface="+mn-lt"/>
+                <a:ea typeface="+mn-ea"/>
+                <a:cs typeface="+mn-cs"/>
+              </a:defRPr>
+            </a:lvl1pPr>
+            <a:lvl2pPr marL="457200" algn="l" defTabSz="914400" rtl="0" eaLnBrk="1" latinLnBrk="0" hangingPunct="1">
+              <a:defRPr sz="1800" kern="1200">
+                <a:solidFill>
+                  <a:schemeClr val="tx1"/>
+                </a:solidFill>
+                <a:latin typeface="+mn-lt"/>
+                <a:ea typeface="+mn-ea"/>
+                <a:cs typeface="+mn-cs"/>
+              </a:defRPr>
+            </a:lvl2pPr>
+            <a:lvl3pPr marL="914400" algn="l" defTabSz="914400" rtl="0" eaLnBrk="1" latinLnBrk="0" hangingPunct="1">
+              <a:defRPr sz="1800" kern="1200">
+                <a:solidFill>
+                  <a:schemeClr val="tx1"/>
+                </a:solidFill>
+                <a:latin typeface="+mn-lt"/>
+                <a:ea typeface="+mn-ea"/>
+                <a:cs typeface="+mn-cs"/>
+              </a:defRPr>
+            </a:lvl3pPr>
+            <a:lvl4pPr marL="1371600" algn="l" defTabSz="914400" rtl="0" eaLnBrk="1" latinLnBrk="0" hangingPunct="1">
+              <a:defRPr sz="1800" kern="1200">
+                <a:solidFill>
+                  <a:schemeClr val="tx1"/>
+                </a:solidFill>
+                <a:latin typeface="+mn-lt"/>
+                <a:ea typeface="+mn-ea"/>
+                <a:cs typeface="+mn-cs"/>
+              </a:defRPr>
+            </a:lvl4pPr>
+            <a:lvl5pPr marL="1828800" algn="l" defTabSz="914400" rtl="0" eaLnBrk="1" latinLnBrk="0" hangingPunct="1">
+              <a:defRPr sz="1800" kern="1200">
+                <a:solidFill>
+                  <a:schemeClr val="tx1"/>
+                </a:solidFill>
+                <a:latin typeface="+mn-lt"/>
+                <a:ea typeface="+mn-ea"/>
+                <a:cs typeface="+mn-cs"/>
+              </a:defRPr>
+            </a:lvl5pPr>
+            <a:lvl6pPr marL="2286000" algn="l" defTabSz="914400" rtl="0" eaLnBrk="1" latinLnBrk="0" hangingPunct="1">
+              <a:defRPr sz="1800" kern="1200">
+                <a:solidFill>
+                  <a:schemeClr val="tx1"/>
+                </a:solidFill>
+                <a:latin typeface="+mn-lt"/>
+                <a:ea typeface="+mn-ea"/>
+                <a:cs typeface="+mn-cs"/>
+              </a:defRPr>
+            </a:lvl6pPr>
+            <a:lvl7pPr marL="2743200" algn="l" defTabSz="914400" rtl="0" eaLnBrk="1" latinLnBrk="0" hangingPunct="1">
+              <a:defRPr sz="1800" kern="1200">
+                <a:solidFill>
+                  <a:schemeClr val="tx1"/>
+                </a:solidFill>
+                <a:latin typeface="+mn-lt"/>
+                <a:ea typeface="+mn-ea"/>
+                <a:cs typeface="+mn-cs"/>
+              </a:defRPr>
+            </a:lvl7pPr>
+            <a:lvl8pPr marL="3200400" algn="l" defTabSz="914400" rtl="0" eaLnBrk="1" latinLnBrk="0" hangingPunct="1">
+              <a:defRPr sz="1800" kern="1200">
+                <a:solidFill>
+                  <a:schemeClr val="tx1"/>
+                </a:solidFill>
+                <a:latin typeface="+mn-lt"/>
+                <a:ea typeface="+mn-ea"/>
+                <a:cs typeface="+mn-cs"/>
+              </a:defRPr>
+            </a:lvl8pPr>
+            <a:lvl9pPr marL="3657600" algn="l" defTabSz="914400" rtl="0" eaLnBrk="1" latinLnBrk="0" hangingPunct="1">
+              <a:defRPr sz="1800" kern="1200">
+                <a:solidFill>
+                  <a:schemeClr val="tx1"/>
+                </a:solidFill>
+                <a:latin typeface="+mn-lt"/>
+                <a:ea typeface="+mn-ea"/>
+                <a:cs typeface="+mn-cs"/>
+              </a:defRPr>
+            </a:lvl9pPr>
+          </a:lstStyle>
+          <a:p>
+            <a:r>
+              <a:rPr lang="en-US" dirty="0"/>
+              <a:t>u</a:t>
+            </a:r>
+          </a:p>
+        </p:txBody>
+      </p:sp>
+      <p:sp>
+        <p:nvSpPr>
+          <p:cNvPr id="29" name="Rectangle 28">
+            <a:extLst>
+              <a:ext uri="{FF2B5EF4-FFF2-40B4-BE49-F238E27FC236}">
+                <a16:creationId xmlns:a16="http://schemas.microsoft.com/office/drawing/2014/main" id="{A7836E60-581B-7348-B4D0-416E77E7BC5B}"/>
+              </a:ext>
+            </a:extLst>
+          </p:cNvPr>
+          <p:cNvSpPr/>
+          <p:nvPr/>
+        </p:nvSpPr>
+        <p:spPr>
+          <a:xfrm>
+            <a:off x="6750620" y="1935437"/>
+            <a:ext cx="1587739" cy="268191"/>
+          </a:xfrm>
+          <a:prstGeom prst="rect">
+            <a:avLst/>
+          </a:prstGeom>
+          <a:solidFill>
+            <a:srgbClr val="7030A0"/>
+          </a:solidFill>
+          <a:ln w="19050">
+            <a:solidFill>
+              <a:srgbClr val="7030A0"/>
+            </a:solidFill>
+          </a:ln>
+          <a:effectLst/>
+        </p:spPr>
+        <p:style>
+          <a:lnRef idx="1">
+            <a:schemeClr val="accent2"/>
+          </a:lnRef>
+          <a:fillRef idx="2">
+            <a:schemeClr val="accent2"/>
+          </a:fillRef>
+          <a:effectRef idx="1">
+            <a:schemeClr val="accent2"/>
+          </a:effectRef>
+          <a:fontRef idx="minor">
+            <a:schemeClr val="dk1"/>
+          </a:fontRef>
+        </p:style>
+        <p:txBody>
+          <a:bodyPr rtlCol="0" anchor="ctr"/>
+          <a:lstStyle>
+            <a:defPPr>
+              <a:defRPr lang="en-US"/>
+            </a:defPPr>
+            <a:lvl1pPr marL="0" algn="l" defTabSz="914400" rtl="0" eaLnBrk="1" latinLnBrk="0" hangingPunct="1">
+              <a:defRPr sz="1800" kern="1200">
+                <a:solidFill>
+                  <a:schemeClr val="dk1"/>
+                </a:solidFill>
+                <a:latin typeface="+mn-lt"/>
+                <a:ea typeface="+mn-ea"/>
+                <a:cs typeface="+mn-cs"/>
+              </a:defRPr>
+            </a:lvl1pPr>
+            <a:lvl2pPr marL="457200" algn="l" defTabSz="914400" rtl="0" eaLnBrk="1" latinLnBrk="0" hangingPunct="1">
+              <a:defRPr sz="1800" kern="1200">
+                <a:solidFill>
+                  <a:schemeClr val="dk1"/>
+                </a:solidFill>
+                <a:latin typeface="+mn-lt"/>
+                <a:ea typeface="+mn-ea"/>
+                <a:cs typeface="+mn-cs"/>
+              </a:defRPr>
+            </a:lvl2pPr>
+            <a:lvl3pPr marL="914400" algn="l" defTabSz="914400" rtl="0" eaLnBrk="1" latinLnBrk="0" hangingPunct="1">
+              <a:defRPr sz="1800" kern="1200">
+                <a:solidFill>
+                  <a:schemeClr val="dk1"/>
+                </a:solidFill>
+                <a:latin typeface="+mn-lt"/>
+                <a:ea typeface="+mn-ea"/>
+                <a:cs typeface="+mn-cs"/>
+              </a:defRPr>
+            </a:lvl3pPr>
+            <a:lvl4pPr marL="1371600" algn="l" defTabSz="914400" rtl="0" eaLnBrk="1" latinLnBrk="0" hangingPunct="1">
+              <a:defRPr sz="1800" kern="1200">
+                <a:solidFill>
+                  <a:schemeClr val="dk1"/>
+                </a:solidFill>
+                <a:latin typeface="+mn-lt"/>
+                <a:ea typeface="+mn-ea"/>
+                <a:cs typeface="+mn-cs"/>
+              </a:defRPr>
+            </a:lvl4pPr>
+            <a:lvl5pPr marL="1828800" algn="l" defTabSz="914400" rtl="0" eaLnBrk="1" latinLnBrk="0" hangingPunct="1">
+              <a:defRPr sz="1800" kern="1200">
+                <a:solidFill>
+                  <a:schemeClr val="dk1"/>
+                </a:solidFill>
+                <a:latin typeface="+mn-lt"/>
+                <a:ea typeface="+mn-ea"/>
+                <a:cs typeface="+mn-cs"/>
+              </a:defRPr>
+            </a:lvl5pPr>
+            <a:lvl6pPr marL="2286000" algn="l" defTabSz="914400" rtl="0" eaLnBrk="1" latinLnBrk="0" hangingPunct="1">
+              <a:defRPr sz="1800" kern="1200">
+                <a:solidFill>
+                  <a:schemeClr val="dk1"/>
+                </a:solidFill>
+                <a:latin typeface="+mn-lt"/>
+                <a:ea typeface="+mn-ea"/>
+                <a:cs typeface="+mn-cs"/>
+              </a:defRPr>
+            </a:lvl6pPr>
+            <a:lvl7pPr marL="2743200" algn="l" defTabSz="914400" rtl="0" eaLnBrk="1" latinLnBrk="0" hangingPunct="1">
+              <a:defRPr sz="1800" kern="1200">
+                <a:solidFill>
+                  <a:schemeClr val="dk1"/>
+                </a:solidFill>
+                <a:latin typeface="+mn-lt"/>
+                <a:ea typeface="+mn-ea"/>
+                <a:cs typeface="+mn-cs"/>
+              </a:defRPr>
+            </a:lvl7pPr>
+            <a:lvl8pPr marL="3200400" algn="l" defTabSz="914400" rtl="0" eaLnBrk="1" latinLnBrk="0" hangingPunct="1">
+              <a:defRPr sz="1800" kern="1200">
+                <a:solidFill>
+                  <a:schemeClr val="dk1"/>
+                </a:solidFill>
+                <a:latin typeface="+mn-lt"/>
+                <a:ea typeface="+mn-ea"/>
+                <a:cs typeface="+mn-cs"/>
+              </a:defRPr>
+            </a:lvl8pPr>
+            <a:lvl9pPr marL="3657600" algn="l" defTabSz="914400" rtl="0" eaLnBrk="1" latinLnBrk="0" hangingPunct="1">
+              <a:defRPr sz="1800" kern="1200">
+                <a:solidFill>
+                  <a:schemeClr val="dk1"/>
+                </a:solidFill>
+                <a:latin typeface="+mn-lt"/>
+                <a:ea typeface="+mn-ea"/>
+                <a:cs typeface="+mn-cs"/>
+              </a:defRPr>
+            </a:lvl9pPr>
+          </a:lstStyle>
+          <a:p>
+            <a:pPr algn="ctr"/>
+            <a:r>
+              <a:rPr lang="en-US" sz="1600" dirty="0">
+                <a:solidFill>
+                  <a:schemeClr val="bg1"/>
+                </a:solidFill>
+              </a:rPr>
+              <a:t>: </a:t>
+            </a:r>
+            <a:r>
+              <a:rPr lang="en-US" sz="1600" dirty="0" err="1">
+                <a:solidFill>
+                  <a:schemeClr val="bg1"/>
+                </a:solidFill>
+              </a:rPr>
+              <a:t>ModelManager</a:t>
+            </a:r>
+            <a:endParaRPr lang="en-SG" sz="1600" dirty="0">
+              <a:solidFill>
+                <a:schemeClr val="bg1"/>
+              </a:solidFill>
+            </a:endParaRPr>
+          </a:p>
+        </p:txBody>
+      </p:sp>
+      <p:cxnSp>
+        <p:nvCxnSpPr>
+          <p:cNvPr id="30" name="Straight Connector 29">
+            <a:extLst>
+              <a:ext uri="{FF2B5EF4-FFF2-40B4-BE49-F238E27FC236}">
+                <a16:creationId xmlns:a16="http://schemas.microsoft.com/office/drawing/2014/main" id="{4A9E9AFC-A7A0-C247-83EF-F63A425BC97A}"/>
+              </a:ext>
+            </a:extLst>
+          </p:cNvPr>
+          <p:cNvCxnSpPr>
+            <a:cxnSpLocks/>
+          </p:cNvCxnSpPr>
+          <p:nvPr/>
+        </p:nvCxnSpPr>
+        <p:spPr>
+          <a:xfrm flipH="1">
+            <a:off x="7535481" y="2221220"/>
+            <a:ext cx="8994" cy="5180053"/>
+          </a:xfrm>
+          <a:prstGeom prst="line">
+            <a:avLst/>
+          </a:prstGeom>
+          <a:ln w="19050">
+            <a:solidFill>
+              <a:srgbClr val="7030A0"/>
+            </a:solidFill>
+            <a:prstDash val="sysDash"/>
+          </a:ln>
+          <a:effectLst/>
+        </p:spPr>
+        <p:style>
+          <a:lnRef idx="1">
+            <a:schemeClr val="accent1"/>
+          </a:lnRef>
+          <a:fillRef idx="2">
+            <a:schemeClr val="accent1"/>
+          </a:fillRef>
+          <a:effectRef idx="1">
+            <a:schemeClr val="accent1"/>
+          </a:effectRef>
+          <a:fontRef idx="minor">
+            <a:schemeClr val="dk1"/>
+          </a:fontRef>
+        </p:style>
+      </p:cxnSp>
+      <p:sp>
+        <p:nvSpPr>
+          <p:cNvPr id="31" name="Rectangle 30">
+            <a:extLst>
+              <a:ext uri="{FF2B5EF4-FFF2-40B4-BE49-F238E27FC236}">
+                <a16:creationId xmlns:a16="http://schemas.microsoft.com/office/drawing/2014/main" id="{2081A10D-7DD0-7341-9328-CCC9EED6DA08}"/>
+              </a:ext>
+            </a:extLst>
+          </p:cNvPr>
+          <p:cNvSpPr/>
+          <p:nvPr/>
+        </p:nvSpPr>
+        <p:spPr>
+          <a:xfrm>
+            <a:off x="7464410" y="2852331"/>
+            <a:ext cx="129934" cy="1322983"/>
+          </a:xfrm>
+          <a:prstGeom prst="rect">
+            <a:avLst/>
+          </a:prstGeom>
+          <a:solidFill>
+            <a:srgbClr val="7030A0"/>
+          </a:solidFill>
+          <a:ln>
+            <a:solidFill>
+              <a:srgbClr val="7030A0"/>
+            </a:solidFill>
+          </a:ln>
+          <a:effectLst/>
+        </p:spPr>
+        <p:style>
+          <a:lnRef idx="1">
+            <a:schemeClr val="accent3"/>
+          </a:lnRef>
+          <a:fillRef idx="2">
+            <a:schemeClr val="accent3"/>
+          </a:fillRef>
+          <a:effectRef idx="1">
+            <a:schemeClr val="accent3"/>
+          </a:effectRef>
+          <a:fontRef idx="minor">
+            <a:schemeClr val="dk1"/>
+          </a:fontRef>
+        </p:style>
+        <p:txBody>
+          <a:bodyPr rtlCol="0" anchor="ctr"/>
+          <a:lstStyle>
+            <a:defPPr>
+              <a:defRPr lang="en-US"/>
+            </a:defPPr>
+            <a:lvl1pPr marL="0" algn="l" defTabSz="914400" rtl="0" eaLnBrk="1" latinLnBrk="0" hangingPunct="1">
+              <a:defRPr sz="1800" kern="1200">
+                <a:solidFill>
+                  <a:schemeClr val="dk1"/>
+                </a:solidFill>
+                <a:latin typeface="+mn-lt"/>
+                <a:ea typeface="+mn-ea"/>
+                <a:cs typeface="+mn-cs"/>
+              </a:defRPr>
+            </a:lvl1pPr>
+            <a:lvl2pPr marL="457200" algn="l" defTabSz="914400" rtl="0" eaLnBrk="1" latinLnBrk="0" hangingPunct="1">
+              <a:defRPr sz="1800" kern="1200">
+                <a:solidFill>
+                  <a:schemeClr val="dk1"/>
+                </a:solidFill>
+                <a:latin typeface="+mn-lt"/>
+                <a:ea typeface="+mn-ea"/>
+                <a:cs typeface="+mn-cs"/>
+              </a:defRPr>
+            </a:lvl2pPr>
+            <a:lvl3pPr marL="914400" algn="l" defTabSz="914400" rtl="0" eaLnBrk="1" latinLnBrk="0" hangingPunct="1">
+              <a:defRPr sz="1800" kern="1200">
+                <a:solidFill>
+                  <a:schemeClr val="dk1"/>
+                </a:solidFill>
+                <a:latin typeface="+mn-lt"/>
+                <a:ea typeface="+mn-ea"/>
+                <a:cs typeface="+mn-cs"/>
+              </a:defRPr>
+            </a:lvl3pPr>
+            <a:lvl4pPr marL="1371600" algn="l" defTabSz="914400" rtl="0" eaLnBrk="1" latinLnBrk="0" hangingPunct="1">
+              <a:defRPr sz="1800" kern="1200">
+                <a:solidFill>
+                  <a:schemeClr val="dk1"/>
+                </a:solidFill>
+                <a:latin typeface="+mn-lt"/>
+                <a:ea typeface="+mn-ea"/>
+                <a:cs typeface="+mn-cs"/>
+              </a:defRPr>
+            </a:lvl4pPr>
+            <a:lvl5pPr marL="1828800" algn="l" defTabSz="914400" rtl="0" eaLnBrk="1" latinLnBrk="0" hangingPunct="1">
+              <a:defRPr sz="1800" kern="1200">
+                <a:solidFill>
+                  <a:schemeClr val="dk1"/>
+                </a:solidFill>
+                <a:latin typeface="+mn-lt"/>
+                <a:ea typeface="+mn-ea"/>
+                <a:cs typeface="+mn-cs"/>
+              </a:defRPr>
+            </a:lvl5pPr>
+            <a:lvl6pPr marL="2286000" algn="l" defTabSz="914400" rtl="0" eaLnBrk="1" latinLnBrk="0" hangingPunct="1">
+              <a:defRPr sz="1800" kern="1200">
+                <a:solidFill>
+                  <a:schemeClr val="dk1"/>
+                </a:solidFill>
+                <a:latin typeface="+mn-lt"/>
+                <a:ea typeface="+mn-ea"/>
+                <a:cs typeface="+mn-cs"/>
+              </a:defRPr>
+            </a:lvl6pPr>
+            <a:lvl7pPr marL="2743200" algn="l" defTabSz="914400" rtl="0" eaLnBrk="1" latinLnBrk="0" hangingPunct="1">
+              <a:defRPr sz="1800" kern="1200">
+                <a:solidFill>
+                  <a:schemeClr val="dk1"/>
+                </a:solidFill>
+                <a:latin typeface="+mn-lt"/>
+                <a:ea typeface="+mn-ea"/>
+                <a:cs typeface="+mn-cs"/>
+              </a:defRPr>
+            </a:lvl7pPr>
+            <a:lvl8pPr marL="3200400" algn="l" defTabSz="914400" rtl="0" eaLnBrk="1" latinLnBrk="0" hangingPunct="1">
+              <a:defRPr sz="1800" kern="1200">
+                <a:solidFill>
+                  <a:schemeClr val="dk1"/>
+                </a:solidFill>
+                <a:latin typeface="+mn-lt"/>
+                <a:ea typeface="+mn-ea"/>
+                <a:cs typeface="+mn-cs"/>
+              </a:defRPr>
+            </a:lvl8pPr>
+            <a:lvl9pPr marL="3657600" algn="l" defTabSz="914400" rtl="0" eaLnBrk="1" latinLnBrk="0" hangingPunct="1">
+              <a:defRPr sz="1800" kern="1200">
+                <a:solidFill>
+                  <a:schemeClr val="dk1"/>
+                </a:solidFill>
+                <a:latin typeface="+mn-lt"/>
+                <a:ea typeface="+mn-ea"/>
+                <a:cs typeface="+mn-cs"/>
+              </a:defRPr>
+            </a:lvl9pPr>
+          </a:lstStyle>
+          <a:p>
+            <a:pPr algn="ctr"/>
+            <a:endParaRPr lang="en-SG" sz="1400"/>
+          </a:p>
+        </p:txBody>
+      </p:sp>
+      <p:cxnSp>
+        <p:nvCxnSpPr>
+          <p:cNvPr id="32" name="Straight Arrow Connector 31">
+            <a:extLst>
+              <a:ext uri="{FF2B5EF4-FFF2-40B4-BE49-F238E27FC236}">
+                <a16:creationId xmlns:a16="http://schemas.microsoft.com/office/drawing/2014/main" id="{F5669376-3685-3541-95C2-A83AF257E92C}"/>
+              </a:ext>
+            </a:extLst>
+          </p:cNvPr>
+          <p:cNvCxnSpPr>
+            <a:cxnSpLocks/>
+          </p:cNvCxnSpPr>
+          <p:nvPr/>
+        </p:nvCxnSpPr>
+        <p:spPr>
+          <a:xfrm flipV="1">
+            <a:off x="4975055" y="2852331"/>
+            <a:ext cx="2489355" cy="17237"/>
+          </a:xfrm>
+          <a:prstGeom prst="straightConnector1">
+            <a:avLst/>
+          </a:prstGeom>
+          <a:ln w="19050">
+            <a:solidFill>
+              <a:srgbClr val="0070C0"/>
+            </a:solidFill>
+            <a:tailEnd type="arrow"/>
+          </a:ln>
+        </p:spPr>
+        <p:style>
+          <a:lnRef idx="1">
+            <a:schemeClr val="accent1"/>
+          </a:lnRef>
+          <a:fillRef idx="0">
+            <a:schemeClr val="accent1"/>
+          </a:fillRef>
+          <a:effectRef idx="0">
+            <a:schemeClr val="accent1"/>
+          </a:effectRef>
+          <a:fontRef idx="minor">
+            <a:schemeClr val="tx1"/>
+          </a:fontRef>
+        </p:style>
+      </p:cxnSp>
+      <p:sp>
+        <p:nvSpPr>
+          <p:cNvPr id="33" name="Rectangle 32">
+            <a:extLst>
+              <a:ext uri="{FF2B5EF4-FFF2-40B4-BE49-F238E27FC236}">
+                <a16:creationId xmlns:a16="http://schemas.microsoft.com/office/drawing/2014/main" id="{F747ECCF-AAC4-CE40-8A9E-83F165C78293}"/>
+              </a:ext>
+            </a:extLst>
+          </p:cNvPr>
+          <p:cNvSpPr/>
+          <p:nvPr/>
+        </p:nvSpPr>
+        <p:spPr>
+          <a:xfrm>
+            <a:off x="4325276" y="1159040"/>
+            <a:ext cx="1093635" cy="461538"/>
+          </a:xfrm>
+          <a:prstGeom prst="rect">
+            <a:avLst/>
+          </a:prstGeom>
+          <a:solidFill>
+            <a:srgbClr val="0070C0"/>
+          </a:solidFill>
+          <a:ln w="19050">
+            <a:solidFill>
+              <a:srgbClr val="0070C0"/>
+            </a:solidFill>
+          </a:ln>
+          <a:effectLst/>
+        </p:spPr>
+        <p:style>
+          <a:lnRef idx="1">
+            <a:schemeClr val="accent2"/>
+          </a:lnRef>
+          <a:fillRef idx="2">
+            <a:schemeClr val="accent2"/>
+          </a:fillRef>
+          <a:effectRef idx="1">
+            <a:schemeClr val="accent2"/>
+          </a:effectRef>
+          <a:fontRef idx="minor">
+            <a:schemeClr val="dk1"/>
+          </a:fontRef>
+        </p:style>
+        <p:txBody>
+          <a:bodyPr rtlCol="0" anchor="ctr"/>
+          <a:lstStyle>
+            <a:defPPr>
+              <a:defRPr lang="en-US"/>
+            </a:defPPr>
+            <a:lvl1pPr marL="0" algn="l" defTabSz="914400" rtl="0" eaLnBrk="1" latinLnBrk="0" hangingPunct="1">
+              <a:defRPr sz="1800" kern="1200">
+                <a:solidFill>
+                  <a:schemeClr val="dk1"/>
+                </a:solidFill>
+                <a:latin typeface="+mn-lt"/>
+                <a:ea typeface="+mn-ea"/>
+                <a:cs typeface="+mn-cs"/>
+              </a:defRPr>
+            </a:lvl1pPr>
+            <a:lvl2pPr marL="457200" algn="l" defTabSz="914400" rtl="0" eaLnBrk="1" latinLnBrk="0" hangingPunct="1">
+              <a:defRPr sz="1800" kern="1200">
+                <a:solidFill>
+                  <a:schemeClr val="dk1"/>
+                </a:solidFill>
+                <a:latin typeface="+mn-lt"/>
+                <a:ea typeface="+mn-ea"/>
+                <a:cs typeface="+mn-cs"/>
+              </a:defRPr>
+            </a:lvl2pPr>
+            <a:lvl3pPr marL="914400" algn="l" defTabSz="914400" rtl="0" eaLnBrk="1" latinLnBrk="0" hangingPunct="1">
+              <a:defRPr sz="1800" kern="1200">
+                <a:solidFill>
+                  <a:schemeClr val="dk1"/>
+                </a:solidFill>
+                <a:latin typeface="+mn-lt"/>
+                <a:ea typeface="+mn-ea"/>
+                <a:cs typeface="+mn-cs"/>
+              </a:defRPr>
+            </a:lvl3pPr>
+            <a:lvl4pPr marL="1371600" algn="l" defTabSz="914400" rtl="0" eaLnBrk="1" latinLnBrk="0" hangingPunct="1">
+              <a:defRPr sz="1800" kern="1200">
+                <a:solidFill>
+                  <a:schemeClr val="dk1"/>
+                </a:solidFill>
+                <a:latin typeface="+mn-lt"/>
+                <a:ea typeface="+mn-ea"/>
+                <a:cs typeface="+mn-cs"/>
+              </a:defRPr>
+            </a:lvl4pPr>
+            <a:lvl5pPr marL="1828800" algn="l" defTabSz="914400" rtl="0" eaLnBrk="1" latinLnBrk="0" hangingPunct="1">
+              <a:defRPr sz="1800" kern="1200">
+                <a:solidFill>
+                  <a:schemeClr val="dk1"/>
+                </a:solidFill>
+                <a:latin typeface="+mn-lt"/>
+                <a:ea typeface="+mn-ea"/>
+                <a:cs typeface="+mn-cs"/>
+              </a:defRPr>
+            </a:lvl5pPr>
+            <a:lvl6pPr marL="2286000" algn="l" defTabSz="914400" rtl="0" eaLnBrk="1" latinLnBrk="0" hangingPunct="1">
+              <a:defRPr sz="1800" kern="1200">
+                <a:solidFill>
+                  <a:schemeClr val="dk1"/>
+                </a:solidFill>
+                <a:latin typeface="+mn-lt"/>
+                <a:ea typeface="+mn-ea"/>
+                <a:cs typeface="+mn-cs"/>
+              </a:defRPr>
+            </a:lvl6pPr>
+            <a:lvl7pPr marL="2743200" algn="l" defTabSz="914400" rtl="0" eaLnBrk="1" latinLnBrk="0" hangingPunct="1">
+              <a:defRPr sz="1800" kern="1200">
+                <a:solidFill>
+                  <a:schemeClr val="dk1"/>
+                </a:solidFill>
+                <a:latin typeface="+mn-lt"/>
+                <a:ea typeface="+mn-ea"/>
+                <a:cs typeface="+mn-cs"/>
+              </a:defRPr>
+            </a:lvl7pPr>
+            <a:lvl8pPr marL="3200400" algn="l" defTabSz="914400" rtl="0" eaLnBrk="1" latinLnBrk="0" hangingPunct="1">
+              <a:defRPr sz="1800" kern="1200">
+                <a:solidFill>
+                  <a:schemeClr val="dk1"/>
+                </a:solidFill>
+                <a:latin typeface="+mn-lt"/>
+                <a:ea typeface="+mn-ea"/>
+                <a:cs typeface="+mn-cs"/>
+              </a:defRPr>
+            </a:lvl8pPr>
+            <a:lvl9pPr marL="3657600" algn="l" defTabSz="914400" rtl="0" eaLnBrk="1" latinLnBrk="0" hangingPunct="1">
+              <a:defRPr sz="1800" kern="1200">
+                <a:solidFill>
+                  <a:schemeClr val="dk1"/>
+                </a:solidFill>
+                <a:latin typeface="+mn-lt"/>
+                <a:ea typeface="+mn-ea"/>
+                <a:cs typeface="+mn-cs"/>
+              </a:defRPr>
+            </a:lvl9pPr>
+          </a:lstStyle>
+          <a:p>
+            <a:pPr algn="ctr"/>
+            <a:r>
+              <a:rPr lang="en-US" sz="1600" dirty="0" err="1">
+                <a:solidFill>
+                  <a:schemeClr val="bg1"/>
+                </a:solidFill>
+              </a:rPr>
+              <a:t>a:Pin</a:t>
+            </a:r>
+            <a:br>
+              <a:rPr lang="en-US" sz="1600" dirty="0">
+                <a:solidFill>
+                  <a:schemeClr val="bg1"/>
+                </a:solidFill>
+              </a:rPr>
+            </a:br>
+            <a:r>
+              <a:rPr lang="en-US" sz="1600" dirty="0">
+                <a:solidFill>
+                  <a:schemeClr val="bg1"/>
+                </a:solidFill>
+              </a:rPr>
+              <a:t>Command</a:t>
+            </a:r>
+            <a:endParaRPr lang="en-SG" sz="1600" dirty="0">
+              <a:solidFill>
+                <a:schemeClr val="bg1"/>
+              </a:solidFill>
+            </a:endParaRPr>
+          </a:p>
+        </p:txBody>
+      </p:sp>
+      <p:cxnSp>
+        <p:nvCxnSpPr>
+          <p:cNvPr id="34" name="Straight Arrow Connector 33">
+            <a:extLst>
+              <a:ext uri="{FF2B5EF4-FFF2-40B4-BE49-F238E27FC236}">
+                <a16:creationId xmlns:a16="http://schemas.microsoft.com/office/drawing/2014/main" id="{39916E2E-195A-4DC8-B025-B05FA87E6796}"/>
+              </a:ext>
+            </a:extLst>
+          </p:cNvPr>
+          <p:cNvCxnSpPr>
+            <a:cxnSpLocks/>
+          </p:cNvCxnSpPr>
+          <p:nvPr/>
+        </p:nvCxnSpPr>
+        <p:spPr>
+          <a:xfrm>
+            <a:off x="-972314" y="2623626"/>
+            <a:ext cx="5817929" cy="14285"/>
+          </a:xfrm>
+          <a:prstGeom prst="straightConnector1">
+            <a:avLst/>
+          </a:prstGeom>
+          <a:ln w="19050">
+            <a:solidFill>
+              <a:srgbClr val="0070C0"/>
+            </a:solidFill>
+            <a:tailEnd type="arrow"/>
+          </a:ln>
+        </p:spPr>
+        <p:style>
+          <a:lnRef idx="1">
+            <a:schemeClr val="accent1"/>
+          </a:lnRef>
+          <a:fillRef idx="0">
+            <a:schemeClr val="accent1"/>
+          </a:fillRef>
+          <a:effectRef idx="0">
+            <a:schemeClr val="accent1"/>
+          </a:effectRef>
+          <a:fontRef idx="minor">
+            <a:schemeClr val="tx1"/>
+          </a:fontRef>
+        </p:style>
+      </p:cxnSp>
+      <p:cxnSp>
+        <p:nvCxnSpPr>
+          <p:cNvPr id="35" name="Straight Arrow Connector 34">
+            <a:extLst>
+              <a:ext uri="{FF2B5EF4-FFF2-40B4-BE49-F238E27FC236}">
+                <a16:creationId xmlns:a16="http://schemas.microsoft.com/office/drawing/2014/main" id="{D881596E-177C-4FDC-8E60-CAB90B3D5FAB}"/>
+              </a:ext>
+            </a:extLst>
+          </p:cNvPr>
+          <p:cNvCxnSpPr>
+            <a:cxnSpLocks/>
+          </p:cNvCxnSpPr>
+          <p:nvPr/>
+        </p:nvCxnSpPr>
+        <p:spPr>
+          <a:xfrm>
+            <a:off x="-972314" y="651464"/>
+            <a:ext cx="2259089" cy="1"/>
+          </a:xfrm>
+          <a:prstGeom prst="straightConnector1">
+            <a:avLst/>
+          </a:prstGeom>
+          <a:ln w="19050">
+            <a:solidFill>
+              <a:srgbClr val="0070C0"/>
+            </a:solidFill>
+            <a:tailEnd type="arrow"/>
+          </a:ln>
+        </p:spPr>
+        <p:style>
+          <a:lnRef idx="1">
+            <a:schemeClr val="accent1"/>
+          </a:lnRef>
+          <a:fillRef idx="0">
+            <a:schemeClr val="accent1"/>
+          </a:fillRef>
+          <a:effectRef idx="0">
+            <a:schemeClr val="accent1"/>
+          </a:effectRef>
+          <a:fontRef idx="minor">
+            <a:schemeClr val="tx1"/>
+          </a:fontRef>
+        </p:style>
+      </p:cxnSp>
+      <p:cxnSp>
+        <p:nvCxnSpPr>
+          <p:cNvPr id="36" name="Straight Arrow Connector 35">
+            <a:extLst>
+              <a:ext uri="{FF2B5EF4-FFF2-40B4-BE49-F238E27FC236}">
+                <a16:creationId xmlns:a16="http://schemas.microsoft.com/office/drawing/2014/main" id="{7C9F21BC-13A9-471F-825A-2621FD36355F}"/>
+              </a:ext>
+            </a:extLst>
+          </p:cNvPr>
+          <p:cNvCxnSpPr>
+            <a:cxnSpLocks/>
+          </p:cNvCxnSpPr>
+          <p:nvPr/>
+        </p:nvCxnSpPr>
+        <p:spPr>
+          <a:xfrm>
+            <a:off x="-988561" y="6597631"/>
+            <a:ext cx="5885009" cy="2192"/>
+          </a:xfrm>
+          <a:prstGeom prst="straightConnector1">
+            <a:avLst/>
+          </a:prstGeom>
+          <a:ln w="19050">
+            <a:solidFill>
+              <a:srgbClr val="0070C0"/>
+            </a:solidFill>
+            <a:prstDash val="sysDash"/>
+            <a:headEnd type="arrow" w="med" len="med"/>
+            <a:tailEnd type="none" w="med" len="med"/>
+          </a:ln>
+        </p:spPr>
+        <p:style>
+          <a:lnRef idx="1">
+            <a:schemeClr val="accent1"/>
+          </a:lnRef>
+          <a:fillRef idx="0">
+            <a:schemeClr val="accent1"/>
+          </a:fillRef>
+          <a:effectRef idx="0">
+            <a:schemeClr val="accent1"/>
+          </a:effectRef>
+          <a:fontRef idx="minor">
+            <a:schemeClr val="tx1"/>
+          </a:fontRef>
+        </p:style>
+      </p:cxnSp>
+      <p:cxnSp>
+        <p:nvCxnSpPr>
+          <p:cNvPr id="37" name="Straight Connector 36">
+            <a:extLst>
+              <a:ext uri="{FF2B5EF4-FFF2-40B4-BE49-F238E27FC236}">
+                <a16:creationId xmlns:a16="http://schemas.microsoft.com/office/drawing/2014/main" id="{E4E1C8CA-49DF-45D8-80A5-D5C8282EE927}"/>
+              </a:ext>
+            </a:extLst>
+          </p:cNvPr>
+          <p:cNvCxnSpPr>
+            <a:cxnSpLocks/>
+          </p:cNvCxnSpPr>
+          <p:nvPr/>
+        </p:nvCxnSpPr>
+        <p:spPr>
+          <a:xfrm>
+            <a:off x="9164925" y="2765579"/>
+            <a:ext cx="51844" cy="4641861"/>
+          </a:xfrm>
+          <a:prstGeom prst="line">
+            <a:avLst/>
+          </a:prstGeom>
+          <a:ln w="19050">
+            <a:solidFill>
+              <a:srgbClr val="7030A0"/>
+            </a:solidFill>
+            <a:prstDash val="sysDash"/>
+          </a:ln>
+          <a:effectLst/>
+        </p:spPr>
+        <p:style>
+          <a:lnRef idx="1">
+            <a:schemeClr val="accent1"/>
+          </a:lnRef>
+          <a:fillRef idx="2">
+            <a:schemeClr val="accent1"/>
+          </a:fillRef>
+          <a:effectRef idx="1">
+            <a:schemeClr val="accent1"/>
+          </a:effectRef>
+          <a:fontRef idx="minor">
+            <a:schemeClr val="dk1"/>
+          </a:fontRef>
+        </p:style>
+      </p:cxnSp>
+      <p:sp>
+        <p:nvSpPr>
+          <p:cNvPr id="38" name="TextBox 40">
+            <a:extLst>
+              <a:ext uri="{FF2B5EF4-FFF2-40B4-BE49-F238E27FC236}">
+                <a16:creationId xmlns:a16="http://schemas.microsoft.com/office/drawing/2014/main" id="{A572A7C8-99A4-5742-B02D-68B48177A672}"/>
+              </a:ext>
+            </a:extLst>
+          </p:cNvPr>
+          <p:cNvSpPr txBox="1"/>
+          <p:nvPr/>
+        </p:nvSpPr>
+        <p:spPr>
+          <a:xfrm>
+            <a:off x="7731084" y="2847201"/>
+            <a:ext cx="1247232" cy="276999"/>
+          </a:xfrm>
+          <a:prstGeom prst="rect">
+            <a:avLst/>
+          </a:prstGeom>
+          <a:noFill/>
+          <a:ln>
+            <a:noFill/>
+          </a:ln>
+        </p:spPr>
+        <p:txBody>
+          <a:bodyPr wrap="square" lIns="0" tIns="0" rIns="0" bIns="0" rtlCol="0">
+            <a:spAutoFit/>
+          </a:bodyPr>
+          <a:lstStyle>
+            <a:defPPr>
+              <a:defRPr lang="en-US"/>
+            </a:defPPr>
+            <a:lvl1pPr marL="0" algn="l" defTabSz="914400" rtl="0" eaLnBrk="1" latinLnBrk="0" hangingPunct="1">
+              <a:defRPr sz="1800" kern="1200">
+                <a:solidFill>
+                  <a:schemeClr val="tx1"/>
+                </a:solidFill>
+                <a:latin typeface="+mn-lt"/>
+                <a:ea typeface="+mn-ea"/>
+                <a:cs typeface="+mn-cs"/>
+              </a:defRPr>
+            </a:lvl1pPr>
+            <a:lvl2pPr marL="457200" algn="l" defTabSz="914400" rtl="0" eaLnBrk="1" latinLnBrk="0" hangingPunct="1">
+              <a:defRPr sz="1800" kern="1200">
+                <a:solidFill>
+                  <a:schemeClr val="tx1"/>
+                </a:solidFill>
+                <a:latin typeface="+mn-lt"/>
+                <a:ea typeface="+mn-ea"/>
+                <a:cs typeface="+mn-cs"/>
+              </a:defRPr>
+            </a:lvl2pPr>
+            <a:lvl3pPr marL="914400" algn="l" defTabSz="914400" rtl="0" eaLnBrk="1" latinLnBrk="0" hangingPunct="1">
+              <a:defRPr sz="1800" kern="1200">
+                <a:solidFill>
+                  <a:schemeClr val="tx1"/>
+                </a:solidFill>
+                <a:latin typeface="+mn-lt"/>
+                <a:ea typeface="+mn-ea"/>
+                <a:cs typeface="+mn-cs"/>
+              </a:defRPr>
+            </a:lvl3pPr>
+            <a:lvl4pPr marL="1371600" algn="l" defTabSz="914400" rtl="0" eaLnBrk="1" latinLnBrk="0" hangingPunct="1">
+              <a:defRPr sz="1800" kern="1200">
+                <a:solidFill>
+                  <a:schemeClr val="tx1"/>
+                </a:solidFill>
+                <a:latin typeface="+mn-lt"/>
+                <a:ea typeface="+mn-ea"/>
+                <a:cs typeface="+mn-cs"/>
+              </a:defRPr>
+            </a:lvl4pPr>
+            <a:lvl5pPr marL="1828800" algn="l" defTabSz="914400" rtl="0" eaLnBrk="1" latinLnBrk="0" hangingPunct="1">
+              <a:defRPr sz="1800" kern="1200">
+                <a:solidFill>
+                  <a:schemeClr val="tx1"/>
+                </a:solidFill>
+                <a:latin typeface="+mn-lt"/>
+                <a:ea typeface="+mn-ea"/>
+                <a:cs typeface="+mn-cs"/>
+              </a:defRPr>
+            </a:lvl5pPr>
+            <a:lvl6pPr marL="2286000" algn="l" defTabSz="914400" rtl="0" eaLnBrk="1" latinLnBrk="0" hangingPunct="1">
+              <a:defRPr sz="1800" kern="1200">
+                <a:solidFill>
+                  <a:schemeClr val="tx1"/>
+                </a:solidFill>
+                <a:latin typeface="+mn-lt"/>
+                <a:ea typeface="+mn-ea"/>
+                <a:cs typeface="+mn-cs"/>
+              </a:defRPr>
+            </a:lvl6pPr>
+            <a:lvl7pPr marL="2743200" algn="l" defTabSz="914400" rtl="0" eaLnBrk="1" latinLnBrk="0" hangingPunct="1">
+              <a:defRPr sz="1800" kern="1200">
+                <a:solidFill>
+                  <a:schemeClr val="tx1"/>
+                </a:solidFill>
+                <a:latin typeface="+mn-lt"/>
+                <a:ea typeface="+mn-ea"/>
+                <a:cs typeface="+mn-cs"/>
+              </a:defRPr>
+            </a:lvl7pPr>
+            <a:lvl8pPr marL="3200400" algn="l" defTabSz="914400" rtl="0" eaLnBrk="1" latinLnBrk="0" hangingPunct="1">
+              <a:defRPr sz="1800" kern="1200">
+                <a:solidFill>
+                  <a:schemeClr val="tx1"/>
+                </a:solidFill>
+                <a:latin typeface="+mn-lt"/>
+                <a:ea typeface="+mn-ea"/>
+                <a:cs typeface="+mn-cs"/>
+              </a:defRPr>
+            </a:lvl8pPr>
+            <a:lvl9pPr marL="3657600" algn="l" defTabSz="914400" rtl="0" eaLnBrk="1" latinLnBrk="0" hangingPunct="1">
+              <a:defRPr sz="1800" kern="1200">
+                <a:solidFill>
+                  <a:schemeClr val="tx1"/>
+                </a:solidFill>
+                <a:latin typeface="+mn-lt"/>
+                <a:ea typeface="+mn-ea"/>
+                <a:cs typeface="+mn-cs"/>
+              </a:defRPr>
+            </a:lvl9pPr>
+          </a:lstStyle>
+          <a:p>
+            <a:r>
+              <a:rPr lang="en-US" dirty="0" err="1">
+                <a:solidFill>
+                  <a:srgbClr val="7030A0"/>
+                </a:solidFill>
+              </a:rPr>
+              <a:t>addPerson</a:t>
+            </a:r>
+            <a:r>
+              <a:rPr lang="en-US" dirty="0">
+                <a:solidFill>
+                  <a:schemeClr val="accent4">
+                    <a:lumMod val="75000"/>
+                  </a:schemeClr>
+                </a:solidFill>
+              </a:rPr>
+              <a:t>(p)</a:t>
+            </a:r>
+          </a:p>
+        </p:txBody>
+      </p:sp>
+      <p:cxnSp>
+        <p:nvCxnSpPr>
+          <p:cNvPr id="39" name="Straight Arrow Connector 38">
+            <a:extLst>
+              <a:ext uri="{FF2B5EF4-FFF2-40B4-BE49-F238E27FC236}">
+                <a16:creationId xmlns:a16="http://schemas.microsoft.com/office/drawing/2014/main" id="{45A4BA9C-18BD-BC4C-BED1-5DCBD4524845}"/>
+              </a:ext>
+            </a:extLst>
+          </p:cNvPr>
+          <p:cNvCxnSpPr>
+            <a:cxnSpLocks/>
+          </p:cNvCxnSpPr>
+          <p:nvPr/>
+        </p:nvCxnSpPr>
+        <p:spPr>
+          <a:xfrm>
+            <a:off x="7620873" y="3077063"/>
+            <a:ext cx="1470216" cy="0"/>
+          </a:xfrm>
+          <a:prstGeom prst="straightConnector1">
+            <a:avLst/>
+          </a:prstGeom>
+          <a:ln w="19050">
+            <a:solidFill>
+              <a:srgbClr val="7030A0"/>
+            </a:solidFill>
+            <a:tailEnd type="arrow"/>
+          </a:ln>
+        </p:spPr>
+        <p:style>
+          <a:lnRef idx="1">
+            <a:schemeClr val="accent1"/>
+          </a:lnRef>
+          <a:fillRef idx="0">
+            <a:schemeClr val="accent1"/>
+          </a:fillRef>
+          <a:effectRef idx="0">
+            <a:schemeClr val="accent1"/>
+          </a:effectRef>
+          <a:fontRef idx="minor">
+            <a:schemeClr val="tx1"/>
+          </a:fontRef>
+        </p:style>
+      </p:cxnSp>
+      <p:cxnSp>
+        <p:nvCxnSpPr>
+          <p:cNvPr id="40" name="Straight Arrow Connector 39">
+            <a:extLst>
+              <a:ext uri="{FF2B5EF4-FFF2-40B4-BE49-F238E27FC236}">
+                <a16:creationId xmlns:a16="http://schemas.microsoft.com/office/drawing/2014/main" id="{7C9F21BC-13A9-471F-825A-2621FD36355F}"/>
+              </a:ext>
+            </a:extLst>
+          </p:cNvPr>
+          <p:cNvCxnSpPr>
+            <a:cxnSpLocks/>
+          </p:cNvCxnSpPr>
+          <p:nvPr/>
+        </p:nvCxnSpPr>
+        <p:spPr>
+          <a:xfrm flipV="1">
+            <a:off x="7620873" y="3459139"/>
+            <a:ext cx="1470216" cy="6325"/>
+          </a:xfrm>
+          <a:prstGeom prst="straightConnector1">
+            <a:avLst/>
+          </a:prstGeom>
+          <a:ln w="19050">
+            <a:solidFill>
+              <a:srgbClr val="7030A0"/>
+            </a:solidFill>
+            <a:prstDash val="sysDash"/>
+            <a:headEnd type="arrow" w="med" len="med"/>
+            <a:tailEnd type="none" w="med" len="med"/>
+          </a:ln>
+        </p:spPr>
+        <p:style>
+          <a:lnRef idx="1">
+            <a:schemeClr val="accent1"/>
+          </a:lnRef>
+          <a:fillRef idx="0">
+            <a:schemeClr val="accent1"/>
+          </a:fillRef>
+          <a:effectRef idx="0">
+            <a:schemeClr val="accent1"/>
+          </a:effectRef>
+          <a:fontRef idx="minor">
+            <a:schemeClr val="tx1"/>
+          </a:fontRef>
+        </p:style>
+      </p:cxnSp>
+      <p:cxnSp>
+        <p:nvCxnSpPr>
+          <p:cNvPr id="41" name="Straight Arrow Connector 40">
+            <a:extLst>
+              <a:ext uri="{FF2B5EF4-FFF2-40B4-BE49-F238E27FC236}">
+                <a16:creationId xmlns:a16="http://schemas.microsoft.com/office/drawing/2014/main" id="{7C9F21BC-13A9-471F-825A-2621FD36355F}"/>
+              </a:ext>
+            </a:extLst>
+          </p:cNvPr>
+          <p:cNvCxnSpPr>
+            <a:cxnSpLocks/>
+            <a:endCxn id="31" idx="2"/>
+          </p:cNvCxnSpPr>
+          <p:nvPr/>
+        </p:nvCxnSpPr>
+        <p:spPr>
+          <a:xfrm>
+            <a:off x="5021550" y="4175314"/>
+            <a:ext cx="2507827" cy="0"/>
+          </a:xfrm>
+          <a:prstGeom prst="straightConnector1">
+            <a:avLst/>
+          </a:prstGeom>
+          <a:ln w="19050">
+            <a:solidFill>
+              <a:srgbClr val="7030A0"/>
+            </a:solidFill>
+            <a:prstDash val="sysDash"/>
+            <a:headEnd type="arrow" w="med" len="med"/>
+            <a:tailEnd type="none" w="med" len="med"/>
+          </a:ln>
+        </p:spPr>
+        <p:style>
+          <a:lnRef idx="1">
+            <a:schemeClr val="accent1"/>
+          </a:lnRef>
+          <a:fillRef idx="0">
+            <a:schemeClr val="accent1"/>
+          </a:fillRef>
+          <a:effectRef idx="0">
+            <a:schemeClr val="accent1"/>
+          </a:effectRef>
+          <a:fontRef idx="minor">
+            <a:schemeClr val="tx1"/>
+          </a:fontRef>
+        </p:style>
+      </p:cxnSp>
+      <p:sp>
+        <p:nvSpPr>
+          <p:cNvPr id="42" name="Rectangle 41">
+            <a:extLst>
+              <a:ext uri="{FF2B5EF4-FFF2-40B4-BE49-F238E27FC236}">
+                <a16:creationId xmlns:a16="http://schemas.microsoft.com/office/drawing/2014/main" id="{19E1408D-F53D-41A3-9E35-7185D8700AF1}"/>
+              </a:ext>
+            </a:extLst>
+          </p:cNvPr>
+          <p:cNvSpPr/>
+          <p:nvPr/>
+        </p:nvSpPr>
+        <p:spPr>
+          <a:xfrm>
+            <a:off x="3045954" y="885085"/>
+            <a:ext cx="152400" cy="276003"/>
+          </a:xfrm>
+          <a:prstGeom prst="rect">
+            <a:avLst/>
+          </a:prstGeom>
+          <a:solidFill>
+            <a:srgbClr val="0070C0"/>
+          </a:solidFill>
+          <a:ln>
+            <a:solidFill>
+              <a:srgbClr val="0070C0"/>
+            </a:solidFill>
+          </a:ln>
+          <a:effectLst/>
+        </p:spPr>
+        <p:style>
+          <a:lnRef idx="1">
+            <a:schemeClr val="accent3"/>
+          </a:lnRef>
+          <a:fillRef idx="2">
+            <a:schemeClr val="accent3"/>
+          </a:fillRef>
+          <a:effectRef idx="1">
+            <a:schemeClr val="accent3"/>
+          </a:effectRef>
+          <a:fontRef idx="minor">
+            <a:schemeClr val="dk1"/>
+          </a:fontRef>
+        </p:style>
+        <p:txBody>
+          <a:bodyPr rtlCol="0" anchor="ctr"/>
+          <a:lstStyle>
+            <a:defPPr>
+              <a:defRPr lang="en-US"/>
+            </a:defPPr>
+            <a:lvl1pPr marL="0" algn="l" defTabSz="914400" rtl="0" eaLnBrk="1" latinLnBrk="0" hangingPunct="1">
+              <a:defRPr sz="1800" kern="1200">
+                <a:solidFill>
+                  <a:schemeClr val="dk1"/>
+                </a:solidFill>
+                <a:latin typeface="+mn-lt"/>
+                <a:ea typeface="+mn-ea"/>
+                <a:cs typeface="+mn-cs"/>
+              </a:defRPr>
+            </a:lvl1pPr>
+            <a:lvl2pPr marL="457200" algn="l" defTabSz="914400" rtl="0" eaLnBrk="1" latinLnBrk="0" hangingPunct="1">
+              <a:defRPr sz="1800" kern="1200">
+                <a:solidFill>
+                  <a:schemeClr val="dk1"/>
+                </a:solidFill>
+                <a:latin typeface="+mn-lt"/>
+                <a:ea typeface="+mn-ea"/>
+                <a:cs typeface="+mn-cs"/>
+              </a:defRPr>
+            </a:lvl2pPr>
+            <a:lvl3pPr marL="914400" algn="l" defTabSz="914400" rtl="0" eaLnBrk="1" latinLnBrk="0" hangingPunct="1">
+              <a:defRPr sz="1800" kern="1200">
+                <a:solidFill>
+                  <a:schemeClr val="dk1"/>
+                </a:solidFill>
+                <a:latin typeface="+mn-lt"/>
+                <a:ea typeface="+mn-ea"/>
+                <a:cs typeface="+mn-cs"/>
+              </a:defRPr>
+            </a:lvl3pPr>
+            <a:lvl4pPr marL="1371600" algn="l" defTabSz="914400" rtl="0" eaLnBrk="1" latinLnBrk="0" hangingPunct="1">
+              <a:defRPr sz="1800" kern="1200">
+                <a:solidFill>
+                  <a:schemeClr val="dk1"/>
+                </a:solidFill>
+                <a:latin typeface="+mn-lt"/>
+                <a:ea typeface="+mn-ea"/>
+                <a:cs typeface="+mn-cs"/>
+              </a:defRPr>
+            </a:lvl4pPr>
+            <a:lvl5pPr marL="1828800" algn="l" defTabSz="914400" rtl="0" eaLnBrk="1" latinLnBrk="0" hangingPunct="1">
+              <a:defRPr sz="1800" kern="1200">
+                <a:solidFill>
+                  <a:schemeClr val="dk1"/>
+                </a:solidFill>
+                <a:latin typeface="+mn-lt"/>
+                <a:ea typeface="+mn-ea"/>
+                <a:cs typeface="+mn-cs"/>
+              </a:defRPr>
+            </a:lvl5pPr>
+            <a:lvl6pPr marL="2286000" algn="l" defTabSz="914400" rtl="0" eaLnBrk="1" latinLnBrk="0" hangingPunct="1">
+              <a:defRPr sz="1800" kern="1200">
+                <a:solidFill>
+                  <a:schemeClr val="dk1"/>
+                </a:solidFill>
+                <a:latin typeface="+mn-lt"/>
+                <a:ea typeface="+mn-ea"/>
+                <a:cs typeface="+mn-cs"/>
+              </a:defRPr>
+            </a:lvl6pPr>
+            <a:lvl7pPr marL="2743200" algn="l" defTabSz="914400" rtl="0" eaLnBrk="1" latinLnBrk="0" hangingPunct="1">
+              <a:defRPr sz="1800" kern="1200">
+                <a:solidFill>
+                  <a:schemeClr val="dk1"/>
+                </a:solidFill>
+                <a:latin typeface="+mn-lt"/>
+                <a:ea typeface="+mn-ea"/>
+                <a:cs typeface="+mn-cs"/>
+              </a:defRPr>
+            </a:lvl7pPr>
+            <a:lvl8pPr marL="3200400" algn="l" defTabSz="914400" rtl="0" eaLnBrk="1" latinLnBrk="0" hangingPunct="1">
+              <a:defRPr sz="1800" kern="1200">
+                <a:solidFill>
+                  <a:schemeClr val="dk1"/>
+                </a:solidFill>
+                <a:latin typeface="+mn-lt"/>
+                <a:ea typeface="+mn-ea"/>
+                <a:cs typeface="+mn-cs"/>
+              </a:defRPr>
+            </a:lvl8pPr>
+            <a:lvl9pPr marL="3657600" algn="l" defTabSz="914400" rtl="0" eaLnBrk="1" latinLnBrk="0" hangingPunct="1">
+              <a:defRPr sz="1800" kern="1200">
+                <a:solidFill>
+                  <a:schemeClr val="dk1"/>
+                </a:solidFill>
+                <a:latin typeface="+mn-lt"/>
+                <a:ea typeface="+mn-ea"/>
+                <a:cs typeface="+mn-cs"/>
+              </a:defRPr>
+            </a:lvl9pPr>
+          </a:lstStyle>
+          <a:p>
+            <a:pPr algn="ctr"/>
+            <a:endParaRPr lang="en-SG" sz="1400"/>
+          </a:p>
+        </p:txBody>
+      </p:sp>
+      <p:sp>
+        <p:nvSpPr>
+          <p:cNvPr id="43" name="Rectangle 42">
+            <a:extLst>
+              <a:ext uri="{FF2B5EF4-FFF2-40B4-BE49-F238E27FC236}">
+                <a16:creationId xmlns:a16="http://schemas.microsoft.com/office/drawing/2014/main" id="{597D2E34-0AB7-40D3-A2FA-A54D85883F22}"/>
+              </a:ext>
+            </a:extLst>
+          </p:cNvPr>
+          <p:cNvSpPr/>
+          <p:nvPr/>
+        </p:nvSpPr>
+        <p:spPr>
+          <a:xfrm>
+            <a:off x="2263330" y="531719"/>
+            <a:ext cx="1717649" cy="461538"/>
+          </a:xfrm>
+          <a:prstGeom prst="rect">
+            <a:avLst/>
+          </a:prstGeom>
+          <a:solidFill>
+            <a:srgbClr val="0070C0"/>
+          </a:solidFill>
+          <a:ln w="19050">
+            <a:solidFill>
+              <a:srgbClr val="0070C0"/>
+            </a:solidFill>
+          </a:ln>
+          <a:effectLst/>
+        </p:spPr>
+        <p:style>
+          <a:lnRef idx="1">
+            <a:schemeClr val="accent2"/>
+          </a:lnRef>
+          <a:fillRef idx="2">
+            <a:schemeClr val="accent2"/>
+          </a:fillRef>
+          <a:effectRef idx="1">
+            <a:schemeClr val="accent2"/>
+          </a:effectRef>
+          <a:fontRef idx="minor">
+            <a:schemeClr val="dk1"/>
+          </a:fontRef>
+        </p:style>
+        <p:txBody>
+          <a:bodyPr rtlCol="0" anchor="ctr"/>
+          <a:lstStyle>
+            <a:defPPr>
+              <a:defRPr lang="en-US"/>
+            </a:defPPr>
+            <a:lvl1pPr marL="0" algn="l" defTabSz="914400" rtl="0" eaLnBrk="1" latinLnBrk="0" hangingPunct="1">
+              <a:defRPr sz="1800" kern="1200">
+                <a:solidFill>
+                  <a:schemeClr val="dk1"/>
+                </a:solidFill>
+                <a:latin typeface="+mn-lt"/>
+                <a:ea typeface="+mn-ea"/>
+                <a:cs typeface="+mn-cs"/>
+              </a:defRPr>
+            </a:lvl1pPr>
+            <a:lvl2pPr marL="457200" algn="l" defTabSz="914400" rtl="0" eaLnBrk="1" latinLnBrk="0" hangingPunct="1">
+              <a:defRPr sz="1800" kern="1200">
+                <a:solidFill>
+                  <a:schemeClr val="dk1"/>
+                </a:solidFill>
+                <a:latin typeface="+mn-lt"/>
+                <a:ea typeface="+mn-ea"/>
+                <a:cs typeface="+mn-cs"/>
+              </a:defRPr>
+            </a:lvl2pPr>
+            <a:lvl3pPr marL="914400" algn="l" defTabSz="914400" rtl="0" eaLnBrk="1" latinLnBrk="0" hangingPunct="1">
+              <a:defRPr sz="1800" kern="1200">
+                <a:solidFill>
+                  <a:schemeClr val="dk1"/>
+                </a:solidFill>
+                <a:latin typeface="+mn-lt"/>
+                <a:ea typeface="+mn-ea"/>
+                <a:cs typeface="+mn-cs"/>
+              </a:defRPr>
+            </a:lvl3pPr>
+            <a:lvl4pPr marL="1371600" algn="l" defTabSz="914400" rtl="0" eaLnBrk="1" latinLnBrk="0" hangingPunct="1">
+              <a:defRPr sz="1800" kern="1200">
+                <a:solidFill>
+                  <a:schemeClr val="dk1"/>
+                </a:solidFill>
+                <a:latin typeface="+mn-lt"/>
+                <a:ea typeface="+mn-ea"/>
+                <a:cs typeface="+mn-cs"/>
+              </a:defRPr>
+            </a:lvl4pPr>
+            <a:lvl5pPr marL="1828800" algn="l" defTabSz="914400" rtl="0" eaLnBrk="1" latinLnBrk="0" hangingPunct="1">
+              <a:defRPr sz="1800" kern="1200">
+                <a:solidFill>
+                  <a:schemeClr val="dk1"/>
+                </a:solidFill>
+                <a:latin typeface="+mn-lt"/>
+                <a:ea typeface="+mn-ea"/>
+                <a:cs typeface="+mn-cs"/>
+              </a:defRPr>
+            </a:lvl5pPr>
+            <a:lvl6pPr marL="2286000" algn="l" defTabSz="914400" rtl="0" eaLnBrk="1" latinLnBrk="0" hangingPunct="1">
+              <a:defRPr sz="1800" kern="1200">
+                <a:solidFill>
+                  <a:schemeClr val="dk1"/>
+                </a:solidFill>
+                <a:latin typeface="+mn-lt"/>
+                <a:ea typeface="+mn-ea"/>
+                <a:cs typeface="+mn-cs"/>
+              </a:defRPr>
+            </a:lvl6pPr>
+            <a:lvl7pPr marL="2743200" algn="l" defTabSz="914400" rtl="0" eaLnBrk="1" latinLnBrk="0" hangingPunct="1">
+              <a:defRPr sz="1800" kern="1200">
+                <a:solidFill>
+                  <a:schemeClr val="dk1"/>
+                </a:solidFill>
+                <a:latin typeface="+mn-lt"/>
+                <a:ea typeface="+mn-ea"/>
+                <a:cs typeface="+mn-cs"/>
+              </a:defRPr>
+            </a:lvl7pPr>
+            <a:lvl8pPr marL="3200400" algn="l" defTabSz="914400" rtl="0" eaLnBrk="1" latinLnBrk="0" hangingPunct="1">
+              <a:defRPr sz="1800" kern="1200">
+                <a:solidFill>
+                  <a:schemeClr val="dk1"/>
+                </a:solidFill>
+                <a:latin typeface="+mn-lt"/>
+                <a:ea typeface="+mn-ea"/>
+                <a:cs typeface="+mn-cs"/>
+              </a:defRPr>
+            </a:lvl8pPr>
+            <a:lvl9pPr marL="3657600" algn="l" defTabSz="914400" rtl="0" eaLnBrk="1" latinLnBrk="0" hangingPunct="1">
+              <a:defRPr sz="1800" kern="1200">
+                <a:solidFill>
+                  <a:schemeClr val="dk1"/>
+                </a:solidFill>
+                <a:latin typeface="+mn-lt"/>
+                <a:ea typeface="+mn-ea"/>
+                <a:cs typeface="+mn-cs"/>
+              </a:defRPr>
+            </a:lvl9pPr>
+          </a:lstStyle>
+          <a:p>
+            <a:pPr algn="ctr"/>
+            <a:r>
+              <a:rPr lang="en-US" sz="1600" dirty="0">
+                <a:solidFill>
+                  <a:schemeClr val="bg1"/>
+                </a:solidFill>
+              </a:rPr>
+              <a:t>:</a:t>
+            </a:r>
+            <a:r>
+              <a:rPr lang="en-US" sz="1600" dirty="0" err="1">
+                <a:solidFill>
+                  <a:schemeClr val="bg1"/>
+                </a:solidFill>
+              </a:rPr>
+              <a:t>PinCommand</a:t>
+            </a:r>
+            <a:endParaRPr lang="en-US" sz="1600" dirty="0">
+              <a:solidFill>
+                <a:schemeClr val="bg1"/>
+              </a:solidFill>
+            </a:endParaRPr>
+          </a:p>
+          <a:p>
+            <a:pPr algn="ctr"/>
+            <a:r>
+              <a:rPr lang="en-US" sz="1600" dirty="0">
+                <a:solidFill>
+                  <a:schemeClr val="bg1"/>
+                </a:solidFill>
+              </a:rPr>
+              <a:t>Parser</a:t>
+            </a:r>
+            <a:endParaRPr lang="en-SG" sz="1600" dirty="0">
+              <a:solidFill>
+                <a:schemeClr val="bg1"/>
+              </a:solidFill>
+            </a:endParaRPr>
+          </a:p>
+        </p:txBody>
+      </p:sp>
+      <p:cxnSp>
+        <p:nvCxnSpPr>
+          <p:cNvPr id="44" name="Straight Connector 43">
+            <a:extLst>
+              <a:ext uri="{FF2B5EF4-FFF2-40B4-BE49-F238E27FC236}">
+                <a16:creationId xmlns:a16="http://schemas.microsoft.com/office/drawing/2014/main" id="{EFC983DD-8393-4FA8-9E73-AC4AF953B2DC}"/>
+              </a:ext>
+            </a:extLst>
+          </p:cNvPr>
+          <p:cNvCxnSpPr>
+            <a:cxnSpLocks/>
+          </p:cNvCxnSpPr>
+          <p:nvPr/>
+        </p:nvCxnSpPr>
+        <p:spPr>
+          <a:xfrm>
+            <a:off x="3122154" y="1009351"/>
+            <a:ext cx="0" cy="1253538"/>
+          </a:xfrm>
+          <a:prstGeom prst="line">
+            <a:avLst/>
+          </a:prstGeom>
+          <a:ln w="19050">
+            <a:solidFill>
+              <a:srgbClr val="0070C0"/>
+            </a:solidFill>
+            <a:prstDash val="sysDash"/>
+          </a:ln>
+          <a:effectLst/>
+        </p:spPr>
+        <p:style>
+          <a:lnRef idx="1">
+            <a:schemeClr val="accent1"/>
+          </a:lnRef>
+          <a:fillRef idx="2">
+            <a:schemeClr val="accent1"/>
+          </a:fillRef>
+          <a:effectRef idx="1">
+            <a:schemeClr val="accent1"/>
+          </a:effectRef>
+          <a:fontRef idx="minor">
+            <a:schemeClr val="dk1"/>
+          </a:fontRef>
+        </p:style>
+      </p:cxnSp>
+      <p:sp>
+        <p:nvSpPr>
+          <p:cNvPr id="45" name="Rectangle 44">
+            <a:extLst>
+              <a:ext uri="{FF2B5EF4-FFF2-40B4-BE49-F238E27FC236}">
+                <a16:creationId xmlns:a16="http://schemas.microsoft.com/office/drawing/2014/main" id="{221F0400-8F38-4ECC-A960-545990C0F18E}"/>
+              </a:ext>
+            </a:extLst>
+          </p:cNvPr>
+          <p:cNvSpPr/>
+          <p:nvPr/>
+        </p:nvSpPr>
+        <p:spPr>
+          <a:xfrm>
+            <a:off x="3041492" y="1291889"/>
+            <a:ext cx="150585" cy="684205"/>
+          </a:xfrm>
+          <a:prstGeom prst="rect">
+            <a:avLst/>
+          </a:prstGeom>
+          <a:solidFill>
+            <a:srgbClr val="0070C0"/>
+          </a:solidFill>
+          <a:ln>
+            <a:solidFill>
+              <a:srgbClr val="0070C0"/>
+            </a:solidFill>
+          </a:ln>
+          <a:effectLst/>
+        </p:spPr>
+        <p:style>
+          <a:lnRef idx="1">
+            <a:schemeClr val="accent3"/>
+          </a:lnRef>
+          <a:fillRef idx="2">
+            <a:schemeClr val="accent3"/>
+          </a:fillRef>
+          <a:effectRef idx="1">
+            <a:schemeClr val="accent3"/>
+          </a:effectRef>
+          <a:fontRef idx="minor">
+            <a:schemeClr val="dk1"/>
+          </a:fontRef>
+        </p:style>
+        <p:txBody>
+          <a:bodyPr rtlCol="0" anchor="ctr"/>
+          <a:lstStyle>
+            <a:defPPr>
+              <a:defRPr lang="en-US"/>
+            </a:defPPr>
+            <a:lvl1pPr marL="0" algn="l" defTabSz="914400" rtl="0" eaLnBrk="1" latinLnBrk="0" hangingPunct="1">
+              <a:defRPr sz="1800" kern="1200">
+                <a:solidFill>
+                  <a:schemeClr val="dk1"/>
+                </a:solidFill>
+                <a:latin typeface="+mn-lt"/>
+                <a:ea typeface="+mn-ea"/>
+                <a:cs typeface="+mn-cs"/>
+              </a:defRPr>
+            </a:lvl1pPr>
+            <a:lvl2pPr marL="457200" algn="l" defTabSz="914400" rtl="0" eaLnBrk="1" latinLnBrk="0" hangingPunct="1">
+              <a:defRPr sz="1800" kern="1200">
+                <a:solidFill>
+                  <a:schemeClr val="dk1"/>
+                </a:solidFill>
+                <a:latin typeface="+mn-lt"/>
+                <a:ea typeface="+mn-ea"/>
+                <a:cs typeface="+mn-cs"/>
+              </a:defRPr>
+            </a:lvl2pPr>
+            <a:lvl3pPr marL="914400" algn="l" defTabSz="914400" rtl="0" eaLnBrk="1" latinLnBrk="0" hangingPunct="1">
+              <a:defRPr sz="1800" kern="1200">
+                <a:solidFill>
+                  <a:schemeClr val="dk1"/>
+                </a:solidFill>
+                <a:latin typeface="+mn-lt"/>
+                <a:ea typeface="+mn-ea"/>
+                <a:cs typeface="+mn-cs"/>
+              </a:defRPr>
+            </a:lvl3pPr>
+            <a:lvl4pPr marL="1371600" algn="l" defTabSz="914400" rtl="0" eaLnBrk="1" latinLnBrk="0" hangingPunct="1">
+              <a:defRPr sz="1800" kern="1200">
+                <a:solidFill>
+                  <a:schemeClr val="dk1"/>
+                </a:solidFill>
+                <a:latin typeface="+mn-lt"/>
+                <a:ea typeface="+mn-ea"/>
+                <a:cs typeface="+mn-cs"/>
+              </a:defRPr>
+            </a:lvl4pPr>
+            <a:lvl5pPr marL="1828800" algn="l" defTabSz="914400" rtl="0" eaLnBrk="1" latinLnBrk="0" hangingPunct="1">
+              <a:defRPr sz="1800" kern="1200">
+                <a:solidFill>
+                  <a:schemeClr val="dk1"/>
+                </a:solidFill>
+                <a:latin typeface="+mn-lt"/>
+                <a:ea typeface="+mn-ea"/>
+                <a:cs typeface="+mn-cs"/>
+              </a:defRPr>
+            </a:lvl5pPr>
+            <a:lvl6pPr marL="2286000" algn="l" defTabSz="914400" rtl="0" eaLnBrk="1" latinLnBrk="0" hangingPunct="1">
+              <a:defRPr sz="1800" kern="1200">
+                <a:solidFill>
+                  <a:schemeClr val="dk1"/>
+                </a:solidFill>
+                <a:latin typeface="+mn-lt"/>
+                <a:ea typeface="+mn-ea"/>
+                <a:cs typeface="+mn-cs"/>
+              </a:defRPr>
+            </a:lvl6pPr>
+            <a:lvl7pPr marL="2743200" algn="l" defTabSz="914400" rtl="0" eaLnBrk="1" latinLnBrk="0" hangingPunct="1">
+              <a:defRPr sz="1800" kern="1200">
+                <a:solidFill>
+                  <a:schemeClr val="dk1"/>
+                </a:solidFill>
+                <a:latin typeface="+mn-lt"/>
+                <a:ea typeface="+mn-ea"/>
+                <a:cs typeface="+mn-cs"/>
+              </a:defRPr>
+            </a:lvl7pPr>
+            <a:lvl8pPr marL="3200400" algn="l" defTabSz="914400" rtl="0" eaLnBrk="1" latinLnBrk="0" hangingPunct="1">
+              <a:defRPr sz="1800" kern="1200">
+                <a:solidFill>
+                  <a:schemeClr val="dk1"/>
+                </a:solidFill>
+                <a:latin typeface="+mn-lt"/>
+                <a:ea typeface="+mn-ea"/>
+                <a:cs typeface="+mn-cs"/>
+              </a:defRPr>
+            </a:lvl8pPr>
+            <a:lvl9pPr marL="3657600" algn="l" defTabSz="914400" rtl="0" eaLnBrk="1" latinLnBrk="0" hangingPunct="1">
+              <a:defRPr sz="1800" kern="1200">
+                <a:solidFill>
+                  <a:schemeClr val="dk1"/>
+                </a:solidFill>
+                <a:latin typeface="+mn-lt"/>
+                <a:ea typeface="+mn-ea"/>
+                <a:cs typeface="+mn-cs"/>
+              </a:defRPr>
+            </a:lvl9pPr>
+          </a:lstStyle>
+          <a:p>
+            <a:pPr algn="ctr"/>
+            <a:endParaRPr lang="en-SG" sz="1400"/>
+          </a:p>
+        </p:txBody>
+      </p:sp>
+      <p:cxnSp>
+        <p:nvCxnSpPr>
+          <p:cNvPr id="46" name="Straight Arrow Connector 45">
+            <a:extLst>
+              <a:ext uri="{FF2B5EF4-FFF2-40B4-BE49-F238E27FC236}">
+                <a16:creationId xmlns:a16="http://schemas.microsoft.com/office/drawing/2014/main" id="{EBBDDBA8-8E44-488E-BEC5-BCA6F9ED932A}"/>
+              </a:ext>
+            </a:extLst>
+          </p:cNvPr>
+          <p:cNvCxnSpPr>
+            <a:cxnSpLocks/>
+          </p:cNvCxnSpPr>
+          <p:nvPr/>
+        </p:nvCxnSpPr>
+        <p:spPr>
+          <a:xfrm flipV="1">
+            <a:off x="1429668" y="1312926"/>
+            <a:ext cx="1606759" cy="9758"/>
+          </a:xfrm>
+          <a:prstGeom prst="straightConnector1">
+            <a:avLst/>
+          </a:prstGeom>
+          <a:ln w="19050">
+            <a:solidFill>
+              <a:srgbClr val="0070C0"/>
+            </a:solidFill>
+            <a:tailEnd type="arrow"/>
+          </a:ln>
+        </p:spPr>
+        <p:style>
+          <a:lnRef idx="1">
+            <a:schemeClr val="accent1"/>
+          </a:lnRef>
+          <a:fillRef idx="0">
+            <a:schemeClr val="accent1"/>
+          </a:fillRef>
+          <a:effectRef idx="0">
+            <a:schemeClr val="accent1"/>
+          </a:effectRef>
+          <a:fontRef idx="minor">
+            <a:schemeClr val="tx1"/>
+          </a:fontRef>
+        </p:style>
+      </p:cxnSp>
+      <p:cxnSp>
+        <p:nvCxnSpPr>
+          <p:cNvPr id="47" name="Straight Arrow Connector 46">
+            <a:extLst>
+              <a:ext uri="{FF2B5EF4-FFF2-40B4-BE49-F238E27FC236}">
+                <a16:creationId xmlns:a16="http://schemas.microsoft.com/office/drawing/2014/main" id="{0378BA22-48A2-45D0-9C5D-809A87210958}"/>
+              </a:ext>
+            </a:extLst>
+          </p:cNvPr>
+          <p:cNvCxnSpPr>
+            <a:cxnSpLocks/>
+            <a:endCxn id="45" idx="2"/>
+          </p:cNvCxnSpPr>
+          <p:nvPr/>
+        </p:nvCxnSpPr>
+        <p:spPr>
+          <a:xfrm>
+            <a:off x="1418671" y="1975596"/>
+            <a:ext cx="1698114" cy="498"/>
+          </a:xfrm>
+          <a:prstGeom prst="straightConnector1">
+            <a:avLst/>
+          </a:prstGeom>
+          <a:ln w="19050">
+            <a:solidFill>
+              <a:srgbClr val="0070C0"/>
+            </a:solidFill>
+            <a:prstDash val="sysDash"/>
+            <a:headEnd type="arrow" w="med" len="med"/>
+            <a:tailEnd type="none" w="med" len="med"/>
+          </a:ln>
+        </p:spPr>
+        <p:style>
+          <a:lnRef idx="1">
+            <a:schemeClr val="accent1"/>
+          </a:lnRef>
+          <a:fillRef idx="0">
+            <a:schemeClr val="accent1"/>
+          </a:fillRef>
+          <a:effectRef idx="0">
+            <a:schemeClr val="accent1"/>
+          </a:effectRef>
+          <a:fontRef idx="minor">
+            <a:schemeClr val="tx1"/>
+          </a:fontRef>
+        </p:style>
+      </p:cxnSp>
+      <p:sp>
+        <p:nvSpPr>
+          <p:cNvPr id="48" name="TextBox 69">
+            <a:extLst>
+              <a:ext uri="{FF2B5EF4-FFF2-40B4-BE49-F238E27FC236}">
+                <a16:creationId xmlns:a16="http://schemas.microsoft.com/office/drawing/2014/main" id="{222B76FD-F912-4E94-8258-CBFBFAAF159A}"/>
+              </a:ext>
+            </a:extLst>
+          </p:cNvPr>
+          <p:cNvSpPr txBox="1"/>
+          <p:nvPr/>
+        </p:nvSpPr>
+        <p:spPr>
+          <a:xfrm>
+            <a:off x="1524000" y="1323724"/>
+            <a:ext cx="1409365" cy="276999"/>
+          </a:xfrm>
+          <a:prstGeom prst="rect">
+            <a:avLst/>
+          </a:prstGeom>
+          <a:noFill/>
+        </p:spPr>
+        <p:txBody>
+          <a:bodyPr wrap="square" lIns="0" tIns="0" rIns="0" bIns="0" rtlCol="0">
+            <a:spAutoFit/>
+          </a:bodyPr>
+          <a:lstStyle>
+            <a:defPPr>
+              <a:defRPr lang="en-US"/>
+            </a:defPPr>
+            <a:lvl1pPr marL="0" algn="l" defTabSz="914400" rtl="0" eaLnBrk="1" latinLnBrk="0" hangingPunct="1">
+              <a:defRPr sz="1800" kern="1200">
+                <a:solidFill>
+                  <a:schemeClr val="tx1"/>
+                </a:solidFill>
+                <a:latin typeface="+mn-lt"/>
+                <a:ea typeface="+mn-ea"/>
+                <a:cs typeface="+mn-cs"/>
+              </a:defRPr>
+            </a:lvl1pPr>
+            <a:lvl2pPr marL="457200" algn="l" defTabSz="914400" rtl="0" eaLnBrk="1" latinLnBrk="0" hangingPunct="1">
+              <a:defRPr sz="1800" kern="1200">
+                <a:solidFill>
+                  <a:schemeClr val="tx1"/>
+                </a:solidFill>
+                <a:latin typeface="+mn-lt"/>
+                <a:ea typeface="+mn-ea"/>
+                <a:cs typeface="+mn-cs"/>
+              </a:defRPr>
+            </a:lvl2pPr>
+            <a:lvl3pPr marL="914400" algn="l" defTabSz="914400" rtl="0" eaLnBrk="1" latinLnBrk="0" hangingPunct="1">
+              <a:defRPr sz="1800" kern="1200">
+                <a:solidFill>
+                  <a:schemeClr val="tx1"/>
+                </a:solidFill>
+                <a:latin typeface="+mn-lt"/>
+                <a:ea typeface="+mn-ea"/>
+                <a:cs typeface="+mn-cs"/>
+              </a:defRPr>
+            </a:lvl3pPr>
+            <a:lvl4pPr marL="1371600" algn="l" defTabSz="914400" rtl="0" eaLnBrk="1" latinLnBrk="0" hangingPunct="1">
+              <a:defRPr sz="1800" kern="1200">
+                <a:solidFill>
+                  <a:schemeClr val="tx1"/>
+                </a:solidFill>
+                <a:latin typeface="+mn-lt"/>
+                <a:ea typeface="+mn-ea"/>
+                <a:cs typeface="+mn-cs"/>
+              </a:defRPr>
+            </a:lvl4pPr>
+            <a:lvl5pPr marL="1828800" algn="l" defTabSz="914400" rtl="0" eaLnBrk="1" latinLnBrk="0" hangingPunct="1">
+              <a:defRPr sz="1800" kern="1200">
+                <a:solidFill>
+                  <a:schemeClr val="tx1"/>
+                </a:solidFill>
+                <a:latin typeface="+mn-lt"/>
+                <a:ea typeface="+mn-ea"/>
+                <a:cs typeface="+mn-cs"/>
+              </a:defRPr>
+            </a:lvl5pPr>
+            <a:lvl6pPr marL="2286000" algn="l" defTabSz="914400" rtl="0" eaLnBrk="1" latinLnBrk="0" hangingPunct="1">
+              <a:defRPr sz="1800" kern="1200">
+                <a:solidFill>
+                  <a:schemeClr val="tx1"/>
+                </a:solidFill>
+                <a:latin typeface="+mn-lt"/>
+                <a:ea typeface="+mn-ea"/>
+                <a:cs typeface="+mn-cs"/>
+              </a:defRPr>
+            </a:lvl6pPr>
+            <a:lvl7pPr marL="2743200" algn="l" defTabSz="914400" rtl="0" eaLnBrk="1" latinLnBrk="0" hangingPunct="1">
+              <a:defRPr sz="1800" kern="1200">
+                <a:solidFill>
+                  <a:schemeClr val="tx1"/>
+                </a:solidFill>
+                <a:latin typeface="+mn-lt"/>
+                <a:ea typeface="+mn-ea"/>
+                <a:cs typeface="+mn-cs"/>
+              </a:defRPr>
+            </a:lvl7pPr>
+            <a:lvl8pPr marL="3200400" algn="l" defTabSz="914400" rtl="0" eaLnBrk="1" latinLnBrk="0" hangingPunct="1">
+              <a:defRPr sz="1800" kern="1200">
+                <a:solidFill>
+                  <a:schemeClr val="tx1"/>
+                </a:solidFill>
+                <a:latin typeface="+mn-lt"/>
+                <a:ea typeface="+mn-ea"/>
+                <a:cs typeface="+mn-cs"/>
+              </a:defRPr>
+            </a:lvl8pPr>
+            <a:lvl9pPr marL="3657600" algn="l" defTabSz="914400" rtl="0" eaLnBrk="1" latinLnBrk="0" hangingPunct="1">
+              <a:defRPr sz="1800" kern="1200">
+                <a:solidFill>
+                  <a:schemeClr val="tx1"/>
+                </a:solidFill>
+                <a:latin typeface="+mn-lt"/>
+                <a:ea typeface="+mn-ea"/>
+                <a:cs typeface="+mn-cs"/>
+              </a:defRPr>
+            </a:lvl9pPr>
+          </a:lstStyle>
+          <a:p>
+            <a:r>
+              <a:rPr lang="en-US" dirty="0"/>
+              <a:t>parse(“2”)</a:t>
+            </a:r>
+          </a:p>
+        </p:txBody>
+      </p:sp>
+      <p:cxnSp>
+        <p:nvCxnSpPr>
+          <p:cNvPr id="49" name="Straight Arrow Connector 48">
+            <a:extLst>
+              <a:ext uri="{FF2B5EF4-FFF2-40B4-BE49-F238E27FC236}">
+                <a16:creationId xmlns:a16="http://schemas.microsoft.com/office/drawing/2014/main" id="{AE1F52E7-C044-4370-973D-24A769DC6802}"/>
+              </a:ext>
+            </a:extLst>
+          </p:cNvPr>
+          <p:cNvCxnSpPr>
+            <a:cxnSpLocks/>
+            <a:endCxn id="33" idx="1"/>
+          </p:cNvCxnSpPr>
+          <p:nvPr/>
+        </p:nvCxnSpPr>
+        <p:spPr>
+          <a:xfrm>
+            <a:off x="3192077" y="1389809"/>
+            <a:ext cx="1133199" cy="0"/>
+          </a:xfrm>
+          <a:prstGeom prst="straightConnector1">
+            <a:avLst/>
+          </a:prstGeom>
+          <a:ln w="19050">
+            <a:solidFill>
+              <a:srgbClr val="0070C0"/>
+            </a:solidFill>
+            <a:tailEnd type="arrow"/>
+          </a:ln>
+        </p:spPr>
+        <p:style>
+          <a:lnRef idx="1">
+            <a:schemeClr val="accent1"/>
+          </a:lnRef>
+          <a:fillRef idx="0">
+            <a:schemeClr val="accent1"/>
+          </a:fillRef>
+          <a:effectRef idx="0">
+            <a:schemeClr val="accent1"/>
+          </a:effectRef>
+          <a:fontRef idx="minor">
+            <a:schemeClr val="tx1"/>
+          </a:fontRef>
+        </p:style>
+      </p:cxnSp>
+      <p:cxnSp>
+        <p:nvCxnSpPr>
+          <p:cNvPr id="50" name="Straight Arrow Connector 49">
+            <a:extLst>
+              <a:ext uri="{FF2B5EF4-FFF2-40B4-BE49-F238E27FC236}">
+                <a16:creationId xmlns:a16="http://schemas.microsoft.com/office/drawing/2014/main" id="{6D90075E-4336-4288-ACFF-D504BDF1F791}"/>
+              </a:ext>
+            </a:extLst>
+          </p:cNvPr>
+          <p:cNvCxnSpPr>
+            <a:cxnSpLocks/>
+            <a:endCxn id="13" idx="2"/>
+          </p:cNvCxnSpPr>
+          <p:nvPr/>
+        </p:nvCxnSpPr>
+        <p:spPr>
+          <a:xfrm>
+            <a:off x="3212545" y="1788409"/>
+            <a:ext cx="1678836" cy="0"/>
+          </a:xfrm>
+          <a:prstGeom prst="straightConnector1">
+            <a:avLst/>
+          </a:prstGeom>
+          <a:ln w="19050">
+            <a:solidFill>
+              <a:srgbClr val="0070C0"/>
+            </a:solidFill>
+            <a:prstDash val="sysDash"/>
+            <a:headEnd type="arrow" w="med" len="med"/>
+            <a:tailEnd type="none" w="med" len="med"/>
+          </a:ln>
+        </p:spPr>
+        <p:style>
+          <a:lnRef idx="1">
+            <a:schemeClr val="accent1"/>
+          </a:lnRef>
+          <a:fillRef idx="0">
+            <a:schemeClr val="accent1"/>
+          </a:fillRef>
+          <a:effectRef idx="0">
+            <a:schemeClr val="accent1"/>
+          </a:effectRef>
+          <a:fontRef idx="minor">
+            <a:schemeClr val="tx1"/>
+          </a:fontRef>
+        </p:style>
+      </p:cxnSp>
       <p:grpSp>
         <p:nvGrpSpPr>
-          <p:cNvPr id="110" name="组合 109">
+          <p:cNvPr id="51" name="Group 50">
             <a:extLst>
               <a:ext uri="{FF2B5EF4-FFF2-40B4-BE49-F238E27FC236}">
-                <a16:creationId xmlns:a16="http://schemas.microsoft.com/office/drawing/2014/main" id="{F2772686-0CC1-482F-8AB7-E589D322D462}"/>
+                <a16:creationId xmlns:a16="http://schemas.microsoft.com/office/drawing/2014/main" id="{9948E89E-27F9-4935-B37F-B133DB4CDB5C}"/>
               </a:ext>
             </a:extLst>
           </p:cNvPr>
@@ -3445,1485 +8178,18 @@
         </p:nvGrpSpPr>
         <p:grpSpPr>
           <a:xfrm>
-            <a:off x="25400" y="1600201"/>
-            <a:ext cx="9042400" cy="3276600"/>
-            <a:chOff x="38098" y="254845"/>
-            <a:chExt cx="14032582" cy="4400932"/>
+            <a:off x="3074064" y="2196010"/>
+            <a:ext cx="120311" cy="129018"/>
+            <a:chOff x="6925372" y="3339644"/>
+            <a:chExt cx="120311" cy="129018"/>
           </a:xfrm>
         </p:grpSpPr>
-        <p:sp>
-          <p:nvSpPr>
-            <p:cNvPr id="56" name="Rectangle 65"/>
-            <p:cNvSpPr/>
-            <p:nvPr/>
-          </p:nvSpPr>
-          <p:spPr>
-            <a:xfrm>
-              <a:off x="6870685" y="254845"/>
-              <a:ext cx="7199995" cy="4400932"/>
-            </a:xfrm>
-            <a:prstGeom prst="roundRect">
-              <a:avLst>
-                <a:gd name="adj" fmla="val 3484"/>
-              </a:avLst>
-            </a:prstGeom>
-            <a:solidFill>
-              <a:schemeClr val="accent4">
-                <a:lumMod val="20000"/>
-                <a:lumOff val="80000"/>
-              </a:schemeClr>
-            </a:solidFill>
-            <a:ln w="19050">
-              <a:noFill/>
-            </a:ln>
-            <a:effectLst/>
-          </p:spPr>
-          <p:style>
-            <a:lnRef idx="1">
-              <a:schemeClr val="accent2"/>
-            </a:lnRef>
-            <a:fillRef idx="2">
-              <a:schemeClr val="accent2"/>
-            </a:fillRef>
-            <a:effectRef idx="1">
-              <a:schemeClr val="accent2"/>
-            </a:effectRef>
-            <a:fontRef idx="minor">
-              <a:schemeClr val="dk1"/>
-            </a:fontRef>
-          </p:style>
-          <p:txBody>
-            <a:bodyPr rtlCol="0" anchor="t"/>
-            <a:lstStyle/>
-            <a:p>
-              <a:r>
-                <a:rPr lang="en-US" sz="610" b="1" dirty="0">
-                  <a:solidFill>
-                    <a:srgbClr val="7030A0"/>
-                  </a:solidFill>
-                </a:rPr>
-                <a:t>Model</a:t>
-              </a:r>
-              <a:endParaRPr lang="en-SG" sz="610" b="1" dirty="0">
-                <a:solidFill>
-                  <a:srgbClr val="7030A0"/>
-                </a:solidFill>
-              </a:endParaRPr>
-            </a:p>
-          </p:txBody>
-        </p:sp>
-        <p:sp>
-          <p:nvSpPr>
-            <p:cNvPr id="81" name="Rectangle 65"/>
-            <p:cNvSpPr/>
-            <p:nvPr/>
-          </p:nvSpPr>
-          <p:spPr>
-            <a:xfrm>
-              <a:off x="466872" y="312371"/>
-              <a:ext cx="5863961" cy="4343406"/>
-            </a:xfrm>
-            <a:prstGeom prst="roundRect">
-              <a:avLst>
-                <a:gd name="adj" fmla="val 3484"/>
-              </a:avLst>
-            </a:prstGeom>
-            <a:solidFill>
-              <a:schemeClr val="accent1">
-                <a:lumMod val="20000"/>
-                <a:lumOff val="80000"/>
-              </a:schemeClr>
-            </a:solidFill>
-            <a:ln w="19050">
-              <a:noFill/>
-            </a:ln>
-            <a:effectLst/>
-          </p:spPr>
-          <p:style>
-            <a:lnRef idx="1">
-              <a:schemeClr val="accent2"/>
-            </a:lnRef>
-            <a:fillRef idx="2">
-              <a:schemeClr val="accent2"/>
-            </a:fillRef>
-            <a:effectRef idx="1">
-              <a:schemeClr val="accent2"/>
-            </a:effectRef>
-            <a:fontRef idx="minor">
-              <a:schemeClr val="dk1"/>
-            </a:fontRef>
-          </p:style>
-          <p:txBody>
-            <a:bodyPr rtlCol="0" anchor="t"/>
-            <a:lstStyle/>
-            <a:p>
-              <a:r>
-                <a:rPr lang="en-US" sz="610" b="1" dirty="0">
-                  <a:solidFill>
-                    <a:srgbClr val="0070C0"/>
-                  </a:solidFill>
-                </a:rPr>
-                <a:t>Logic</a:t>
-              </a:r>
-              <a:endParaRPr lang="en-SG" sz="610" b="1" dirty="0">
-                <a:solidFill>
-                  <a:srgbClr val="0070C0"/>
-                </a:solidFill>
-              </a:endParaRPr>
-            </a:p>
-          </p:txBody>
-        </p:sp>
-        <p:sp>
-          <p:nvSpPr>
-            <p:cNvPr id="2" name="Rectangle 62"/>
-            <p:cNvSpPr/>
-            <p:nvPr/>
-          </p:nvSpPr>
-          <p:spPr>
-            <a:xfrm>
-              <a:off x="883144" y="543946"/>
-              <a:ext cx="1455629" cy="346760"/>
-            </a:xfrm>
-            <a:prstGeom prst="rect">
-              <a:avLst/>
-            </a:prstGeom>
-            <a:solidFill>
-              <a:srgbClr val="0070C0"/>
-            </a:solidFill>
-            <a:ln w="19050">
-              <a:solidFill>
-                <a:srgbClr val="0070C0"/>
-              </a:solidFill>
-            </a:ln>
-            <a:effectLst/>
-          </p:spPr>
-          <p:style>
-            <a:lnRef idx="1">
-              <a:schemeClr val="accent2"/>
-            </a:lnRef>
-            <a:fillRef idx="2">
-              <a:schemeClr val="accent2"/>
-            </a:fillRef>
-            <a:effectRef idx="1">
-              <a:schemeClr val="accent2"/>
-            </a:effectRef>
-            <a:fontRef idx="minor">
-              <a:schemeClr val="dk1"/>
-            </a:fontRef>
-          </p:style>
-          <p:txBody>
-            <a:bodyPr rtlCol="0" anchor="ctr"/>
-            <a:lstStyle/>
-            <a:p>
-              <a:pPr algn="ctr"/>
-              <a:r>
-                <a:rPr lang="en-US" sz="813" dirty="0">
-                  <a:solidFill>
-                    <a:schemeClr val="bg1"/>
-                  </a:solidFill>
-                </a:rPr>
-                <a:t>:</a:t>
-              </a:r>
-              <a:r>
-                <a:rPr lang="en-US" sz="813" dirty="0" err="1">
-                  <a:solidFill>
-                    <a:schemeClr val="bg1"/>
-                  </a:solidFill>
-                </a:rPr>
-                <a:t>LogicManager</a:t>
-              </a:r>
-              <a:endParaRPr lang="en-SG" sz="813" dirty="0">
-                <a:solidFill>
-                  <a:schemeClr val="bg1"/>
-                </a:solidFill>
-              </a:endParaRPr>
-            </a:p>
-          </p:txBody>
-        </p:sp>
         <p:cxnSp>
           <p:nvCxnSpPr>
-            <p:cNvPr id="5" name="Straight Connector 4"/>
-            <p:cNvCxnSpPr>
-              <a:cxnSpLocks/>
-            </p:cNvCxnSpPr>
-            <p:nvPr/>
-          </p:nvCxnSpPr>
-          <p:spPr>
-            <a:xfrm>
-              <a:off x="1610957" y="907621"/>
-              <a:ext cx="0" cy="3481403"/>
-            </a:xfrm>
-            <a:prstGeom prst="line">
-              <a:avLst/>
-            </a:prstGeom>
-            <a:ln w="19050">
-              <a:solidFill>
-                <a:srgbClr val="0070C0"/>
-              </a:solidFill>
-              <a:prstDash val="sysDash"/>
-            </a:ln>
-            <a:effectLst/>
-          </p:spPr>
-          <p:style>
-            <a:lnRef idx="1">
-              <a:schemeClr val="accent1"/>
-            </a:lnRef>
-            <a:fillRef idx="2">
-              <a:schemeClr val="accent1"/>
-            </a:fillRef>
-            <a:effectRef idx="1">
-              <a:schemeClr val="accent1"/>
-            </a:effectRef>
-            <a:fontRef idx="minor">
-              <a:schemeClr val="dk1"/>
-            </a:fontRef>
-          </p:style>
-        </p:cxnSp>
-        <p:sp>
-          <p:nvSpPr>
-            <p:cNvPr id="6" name="Rectangle 5"/>
-            <p:cNvSpPr/>
-            <p:nvPr/>
-          </p:nvSpPr>
-          <p:spPr>
-            <a:xfrm>
-              <a:off x="1538948" y="1258316"/>
-              <a:ext cx="152399" cy="2932693"/>
-            </a:xfrm>
-            <a:prstGeom prst="rect">
-              <a:avLst/>
-            </a:prstGeom>
-            <a:solidFill>
-              <a:srgbClr val="0070C0"/>
-            </a:solidFill>
-            <a:ln>
-              <a:solidFill>
-                <a:srgbClr val="0070C0"/>
-              </a:solidFill>
-            </a:ln>
-            <a:effectLst/>
-          </p:spPr>
-          <p:style>
-            <a:lnRef idx="1">
-              <a:schemeClr val="accent3"/>
-            </a:lnRef>
-            <a:fillRef idx="2">
-              <a:schemeClr val="accent3"/>
-            </a:fillRef>
-            <a:effectRef idx="1">
-              <a:schemeClr val="accent3"/>
-            </a:effectRef>
-            <a:fontRef idx="minor">
-              <a:schemeClr val="dk1"/>
-            </a:fontRef>
-          </p:style>
-          <p:txBody>
-            <a:bodyPr rtlCol="0" anchor="ctr"/>
-            <a:lstStyle/>
-            <a:p>
-              <a:pPr algn="ctr"/>
-              <a:endParaRPr lang="en-SG" sz="711"/>
-            </a:p>
-          </p:txBody>
-        </p:sp>
-        <p:sp>
-          <p:nvSpPr>
-            <p:cNvPr id="16" name="Rectangle 62"/>
-            <p:cNvSpPr/>
-            <p:nvPr/>
-          </p:nvSpPr>
-          <p:spPr>
-            <a:xfrm>
-              <a:off x="3437184" y="423022"/>
-              <a:ext cx="1219199" cy="467685"/>
-            </a:xfrm>
-            <a:prstGeom prst="rect">
-              <a:avLst/>
-            </a:prstGeom>
-            <a:solidFill>
-              <a:srgbClr val="0070C0"/>
-            </a:solidFill>
-            <a:ln w="19050">
-              <a:solidFill>
-                <a:srgbClr val="0070C0"/>
-              </a:solidFill>
-            </a:ln>
-            <a:effectLst/>
-          </p:spPr>
-          <p:style>
-            <a:lnRef idx="1">
-              <a:schemeClr val="accent2"/>
-            </a:lnRef>
-            <a:fillRef idx="2">
-              <a:schemeClr val="accent2"/>
-            </a:fillRef>
-            <a:effectRef idx="1">
-              <a:schemeClr val="accent2"/>
-            </a:effectRef>
-            <a:fontRef idx="minor">
-              <a:schemeClr val="dk1"/>
-            </a:fontRef>
-          </p:style>
-          <p:txBody>
-            <a:bodyPr rtlCol="0" anchor="ctr"/>
-            <a:lstStyle/>
-            <a:p>
-              <a:pPr algn="ctr"/>
-              <a:r>
-                <a:rPr lang="en-US" sz="813" dirty="0">
-                  <a:solidFill>
-                    <a:schemeClr val="bg1"/>
-                  </a:solidFill>
-                </a:rPr>
-                <a:t>:Address</a:t>
-              </a:r>
-            </a:p>
-            <a:p>
-              <a:pPr algn="ctr"/>
-              <a:r>
-                <a:rPr lang="en-US" sz="813" dirty="0" err="1">
-                  <a:solidFill>
-                    <a:schemeClr val="bg1"/>
-                  </a:solidFill>
-                </a:rPr>
-                <a:t>BookParser</a:t>
-              </a:r>
-              <a:endParaRPr lang="en-SG" sz="813" dirty="0">
-                <a:solidFill>
-                  <a:schemeClr val="bg1"/>
-                </a:solidFill>
-              </a:endParaRPr>
-            </a:p>
-          </p:txBody>
-        </p:sp>
-        <p:cxnSp>
-          <p:nvCxnSpPr>
-            <p:cNvPr id="17" name="Straight Connector 16"/>
-            <p:cNvCxnSpPr>
-              <a:cxnSpLocks/>
-            </p:cNvCxnSpPr>
-            <p:nvPr/>
-          </p:nvCxnSpPr>
-          <p:spPr>
-            <a:xfrm>
-              <a:off x="4050582" y="907618"/>
-              <a:ext cx="0" cy="1482986"/>
-            </a:xfrm>
-            <a:prstGeom prst="line">
-              <a:avLst/>
-            </a:prstGeom>
-            <a:ln w="19050">
-              <a:solidFill>
-                <a:srgbClr val="0070C0"/>
-              </a:solidFill>
-              <a:prstDash val="sysDash"/>
-            </a:ln>
-            <a:effectLst/>
-          </p:spPr>
-          <p:style>
-            <a:lnRef idx="1">
-              <a:schemeClr val="accent1"/>
-            </a:lnRef>
-            <a:fillRef idx="2">
-              <a:schemeClr val="accent1"/>
-            </a:fillRef>
-            <a:effectRef idx="1">
-              <a:schemeClr val="accent1"/>
-            </a:effectRef>
-            <a:fontRef idx="minor">
-              <a:schemeClr val="dk1"/>
-            </a:fontRef>
-          </p:style>
-        </p:cxnSp>
-        <p:sp>
-          <p:nvSpPr>
-            <p:cNvPr id="18" name="Rectangle 17"/>
-            <p:cNvSpPr/>
-            <p:nvPr/>
-          </p:nvSpPr>
-          <p:spPr>
-            <a:xfrm>
-              <a:off x="3978575" y="1365812"/>
-              <a:ext cx="154407" cy="767791"/>
-            </a:xfrm>
-            <a:prstGeom prst="rect">
-              <a:avLst/>
-            </a:prstGeom>
-            <a:solidFill>
-              <a:srgbClr val="0070C0"/>
-            </a:solidFill>
-            <a:ln>
-              <a:solidFill>
-                <a:srgbClr val="0070C0"/>
-              </a:solidFill>
-            </a:ln>
-            <a:effectLst/>
-          </p:spPr>
-          <p:style>
-            <a:lnRef idx="1">
-              <a:schemeClr val="accent3"/>
-            </a:lnRef>
-            <a:fillRef idx="2">
-              <a:schemeClr val="accent3"/>
-            </a:fillRef>
-            <a:effectRef idx="1">
-              <a:schemeClr val="accent3"/>
-            </a:effectRef>
-            <a:fontRef idx="minor">
-              <a:schemeClr val="dk1"/>
-            </a:fontRef>
-          </p:style>
-          <p:txBody>
-            <a:bodyPr rtlCol="0" anchor="ctr"/>
-            <a:lstStyle/>
-            <a:p>
-              <a:pPr algn="ctr"/>
-              <a:endParaRPr lang="en-SG" sz="711"/>
-            </a:p>
-          </p:txBody>
-        </p:sp>
-        <p:cxnSp>
-          <p:nvCxnSpPr>
-            <p:cNvPr id="20" name="Straight Connector 19"/>
-            <p:cNvCxnSpPr>
-              <a:cxnSpLocks/>
-              <a:stCxn id="21" idx="0"/>
-              <a:endCxn id="4" idx="0"/>
-            </p:cNvCxnSpPr>
-            <p:nvPr/>
-          </p:nvCxnSpPr>
-          <p:spPr>
-            <a:xfrm>
-              <a:off x="5602077" y="1613639"/>
-              <a:ext cx="0" cy="2644579"/>
-            </a:xfrm>
-            <a:prstGeom prst="line">
-              <a:avLst/>
-            </a:prstGeom>
-            <a:ln w="19050">
-              <a:solidFill>
-                <a:srgbClr val="0070C0"/>
-              </a:solidFill>
-              <a:prstDash val="sysDash"/>
-            </a:ln>
-            <a:effectLst/>
-          </p:spPr>
-          <p:style>
-            <a:lnRef idx="1">
-              <a:schemeClr val="accent1"/>
-            </a:lnRef>
-            <a:fillRef idx="2">
-              <a:schemeClr val="accent1"/>
-            </a:fillRef>
-            <a:effectRef idx="1">
-              <a:schemeClr val="accent1"/>
-            </a:effectRef>
-            <a:fontRef idx="minor">
-              <a:schemeClr val="dk1"/>
-            </a:fontRef>
-          </p:style>
-        </p:cxnSp>
-        <p:sp>
-          <p:nvSpPr>
-            <p:cNvPr id="21" name="Rectangle 20"/>
-            <p:cNvSpPr/>
-            <p:nvPr/>
-          </p:nvSpPr>
-          <p:spPr>
-            <a:xfrm>
-              <a:off x="5525877" y="1613639"/>
-              <a:ext cx="152399" cy="276003"/>
-            </a:xfrm>
-            <a:prstGeom prst="rect">
-              <a:avLst/>
-            </a:prstGeom>
-            <a:solidFill>
-              <a:srgbClr val="0070C0"/>
-            </a:solidFill>
-            <a:ln>
-              <a:solidFill>
-                <a:srgbClr val="0070C0"/>
-              </a:solidFill>
-            </a:ln>
-            <a:effectLst/>
-          </p:spPr>
-          <p:style>
-            <a:lnRef idx="1">
-              <a:schemeClr val="accent3"/>
-            </a:lnRef>
-            <a:fillRef idx="2">
-              <a:schemeClr val="accent3"/>
-            </a:fillRef>
-            <a:effectRef idx="1">
-              <a:schemeClr val="accent3"/>
-            </a:effectRef>
-            <a:fontRef idx="minor">
-              <a:schemeClr val="dk1"/>
-            </a:fontRef>
-          </p:style>
-          <p:txBody>
-            <a:bodyPr rtlCol="0" anchor="ctr"/>
-            <a:lstStyle/>
-            <a:p>
-              <a:pPr algn="ctr"/>
-              <a:endParaRPr lang="en-SG" sz="711"/>
-            </a:p>
-          </p:txBody>
-        </p:sp>
-        <p:cxnSp>
-          <p:nvCxnSpPr>
-            <p:cNvPr id="23" name="Straight Arrow Connector 22"/>
-            <p:cNvCxnSpPr>
-              <a:cxnSpLocks/>
-            </p:cNvCxnSpPr>
-            <p:nvPr/>
-          </p:nvCxnSpPr>
-          <p:spPr>
-            <a:xfrm>
-              <a:off x="419101" y="1262000"/>
-              <a:ext cx="1119850" cy="0"/>
-            </a:xfrm>
-            <a:prstGeom prst="straightConnector1">
-              <a:avLst/>
-            </a:prstGeom>
-            <a:ln w="19050">
-              <a:solidFill>
-                <a:srgbClr val="00B050"/>
-              </a:solidFill>
-              <a:tailEnd type="arrow"/>
-            </a:ln>
-          </p:spPr>
-          <p:style>
-            <a:lnRef idx="1">
-              <a:schemeClr val="accent1"/>
-            </a:lnRef>
-            <a:fillRef idx="0">
-              <a:schemeClr val="accent1"/>
-            </a:fillRef>
-            <a:effectRef idx="0">
-              <a:schemeClr val="accent1"/>
-            </a:effectRef>
-            <a:fontRef idx="minor">
-              <a:schemeClr val="tx1"/>
-            </a:fontRef>
-          </p:style>
-        </p:cxnSp>
-        <p:sp>
-          <p:nvSpPr>
-            <p:cNvPr id="26" name="TextBox 25"/>
-            <p:cNvSpPr txBox="1"/>
-            <p:nvPr/>
-          </p:nvSpPr>
-          <p:spPr>
-            <a:xfrm>
-              <a:off x="38098" y="990601"/>
-              <a:ext cx="1424844" cy="160474"/>
-            </a:xfrm>
-            <a:prstGeom prst="rect">
-              <a:avLst/>
-            </a:prstGeom>
-            <a:noFill/>
-          </p:spPr>
-          <p:txBody>
-            <a:bodyPr wrap="square" lIns="0" tIns="0" rIns="0" bIns="0" rtlCol="0">
-              <a:spAutoFit/>
-            </a:bodyPr>
-            <a:lstStyle/>
-            <a:p>
-              <a:pPr algn="r"/>
-              <a:r>
-                <a:rPr lang="en-US" sz="711" dirty="0">
-                  <a:solidFill>
-                    <a:srgbClr val="0070C0"/>
-                  </a:solidFill>
-                </a:rPr>
-                <a:t>execute(“undo”)</a:t>
-              </a:r>
-            </a:p>
-          </p:txBody>
-        </p:sp>
-        <p:cxnSp>
-          <p:nvCxnSpPr>
-            <p:cNvPr id="28" name="Straight Arrow Connector 27"/>
-            <p:cNvCxnSpPr>
-              <a:cxnSpLocks/>
-            </p:cNvCxnSpPr>
-            <p:nvPr/>
-          </p:nvCxnSpPr>
-          <p:spPr>
-            <a:xfrm flipV="1">
-              <a:off x="4135967" y="1512346"/>
-              <a:ext cx="922391" cy="1"/>
-            </a:xfrm>
-            <a:prstGeom prst="straightConnector1">
-              <a:avLst/>
-            </a:prstGeom>
-            <a:ln w="19050">
-              <a:solidFill>
-                <a:srgbClr val="0070C0"/>
-              </a:solidFill>
-              <a:tailEnd type="arrow"/>
-            </a:ln>
-          </p:spPr>
-          <p:style>
-            <a:lnRef idx="1">
-              <a:schemeClr val="accent1"/>
-            </a:lnRef>
-            <a:fillRef idx="0">
-              <a:schemeClr val="accent1"/>
-            </a:fillRef>
-            <a:effectRef idx="0">
-              <a:schemeClr val="accent1"/>
-            </a:effectRef>
-            <a:fontRef idx="minor">
-              <a:schemeClr val="tx1"/>
-            </a:fontRef>
-          </p:style>
-        </p:cxnSp>
-        <p:sp>
-          <p:nvSpPr>
-            <p:cNvPr id="29" name="TextBox 28"/>
-            <p:cNvSpPr txBox="1"/>
-            <p:nvPr/>
-          </p:nvSpPr>
-          <p:spPr>
-            <a:xfrm>
-              <a:off x="4209240" y="2528712"/>
-              <a:ext cx="855808" cy="160474"/>
-            </a:xfrm>
-            <a:prstGeom prst="rect">
-              <a:avLst/>
-            </a:prstGeom>
-            <a:noFill/>
-          </p:spPr>
-          <p:txBody>
-            <a:bodyPr wrap="square" lIns="0" tIns="0" rIns="0" bIns="0" rtlCol="0">
-              <a:spAutoFit/>
-            </a:bodyPr>
-            <a:lstStyle>
-              <a:defPPr>
-                <a:defRPr lang="en-US"/>
-              </a:defPPr>
-              <a:lvl1pPr algn="r">
-                <a:defRPr sz="1400">
-                  <a:solidFill>
-                    <a:srgbClr val="0070C0"/>
-                  </a:solidFill>
-                </a:defRPr>
-              </a:lvl1pPr>
-            </a:lstStyle>
-            <a:p>
-              <a:r>
-                <a:rPr lang="en-US" sz="711" dirty="0"/>
-                <a:t>execute()</a:t>
-              </a:r>
-            </a:p>
-          </p:txBody>
-        </p:sp>
-        <p:cxnSp>
-          <p:nvCxnSpPr>
-            <p:cNvPr id="34" name="Straight Arrow Connector 33"/>
-            <p:cNvCxnSpPr>
-              <a:cxnSpLocks/>
-            </p:cNvCxnSpPr>
-            <p:nvPr/>
-          </p:nvCxnSpPr>
-          <p:spPr>
-            <a:xfrm>
-              <a:off x="4109104" y="1878235"/>
-              <a:ext cx="1492973" cy="0"/>
-            </a:xfrm>
-            <a:prstGeom prst="straightConnector1">
-              <a:avLst/>
-            </a:prstGeom>
-            <a:ln w="19050">
-              <a:solidFill>
-                <a:srgbClr val="0070C0"/>
-              </a:solidFill>
-              <a:prstDash val="sysDash"/>
-              <a:headEnd type="arrow" w="med" len="med"/>
-              <a:tailEnd type="none" w="med" len="med"/>
-            </a:ln>
-          </p:spPr>
-          <p:style>
-            <a:lnRef idx="1">
-              <a:schemeClr val="accent1"/>
-            </a:lnRef>
-            <a:fillRef idx="0">
-              <a:schemeClr val="accent1"/>
-            </a:fillRef>
-            <a:effectRef idx="0">
-              <a:schemeClr val="accent1"/>
-            </a:effectRef>
-            <a:fontRef idx="minor">
-              <a:schemeClr val="tx1"/>
-            </a:fontRef>
-          </p:style>
-        </p:cxnSp>
-        <p:cxnSp>
-          <p:nvCxnSpPr>
-            <p:cNvPr id="35" name="Straight Arrow Connector 34"/>
-            <p:cNvCxnSpPr>
-              <a:cxnSpLocks/>
-            </p:cNvCxnSpPr>
-            <p:nvPr/>
-          </p:nvCxnSpPr>
-          <p:spPr>
-            <a:xfrm>
-              <a:off x="1691353" y="2133603"/>
-              <a:ext cx="2348066" cy="0"/>
-            </a:xfrm>
-            <a:prstGeom prst="straightConnector1">
-              <a:avLst/>
-            </a:prstGeom>
-            <a:ln w="19050">
-              <a:solidFill>
-                <a:srgbClr val="0070C0"/>
-              </a:solidFill>
-              <a:prstDash val="sysDash"/>
-              <a:headEnd type="arrow" w="med" len="med"/>
-              <a:tailEnd type="none" w="med" len="med"/>
-            </a:ln>
-          </p:spPr>
-          <p:style>
-            <a:lnRef idx="1">
-              <a:schemeClr val="accent1"/>
-            </a:lnRef>
-            <a:fillRef idx="0">
-              <a:schemeClr val="accent1"/>
-            </a:fillRef>
-            <a:effectRef idx="0">
-              <a:schemeClr val="accent1"/>
-            </a:effectRef>
-            <a:fontRef idx="minor">
-              <a:schemeClr val="tx1"/>
-            </a:fontRef>
-          </p:style>
-        </p:cxnSp>
-        <p:cxnSp>
-          <p:nvCxnSpPr>
-            <p:cNvPr id="37" name="Straight Arrow Connector 36"/>
-            <p:cNvCxnSpPr>
-              <a:cxnSpLocks/>
-            </p:cNvCxnSpPr>
-            <p:nvPr/>
-          </p:nvCxnSpPr>
-          <p:spPr>
-            <a:xfrm>
-              <a:off x="381001" y="4191006"/>
-              <a:ext cx="1196050" cy="0"/>
-            </a:xfrm>
-            <a:prstGeom prst="straightConnector1">
-              <a:avLst/>
-            </a:prstGeom>
-            <a:ln w="19050">
-              <a:solidFill>
-                <a:schemeClr val="accent1"/>
-              </a:solidFill>
-              <a:prstDash val="sysDash"/>
-              <a:headEnd type="arrow" w="med" len="med"/>
-              <a:tailEnd type="none" w="med" len="med"/>
-            </a:ln>
-          </p:spPr>
-          <p:style>
-            <a:lnRef idx="1">
-              <a:schemeClr val="accent1"/>
-            </a:lnRef>
-            <a:fillRef idx="0">
-              <a:schemeClr val="accent1"/>
-            </a:fillRef>
-            <a:effectRef idx="0">
-              <a:schemeClr val="accent1"/>
-            </a:effectRef>
-            <a:fontRef idx="minor">
-              <a:schemeClr val="tx1"/>
-            </a:fontRef>
-          </p:style>
-        </p:cxnSp>
-        <p:sp>
-          <p:nvSpPr>
-            <p:cNvPr id="65" name="Rectangle 64"/>
-            <p:cNvSpPr/>
-            <p:nvPr/>
-          </p:nvSpPr>
-          <p:spPr>
-            <a:xfrm>
-              <a:off x="5523511" y="2731321"/>
-              <a:ext cx="164295" cy="1383489"/>
-            </a:xfrm>
-            <a:prstGeom prst="rect">
-              <a:avLst/>
-            </a:prstGeom>
-            <a:solidFill>
-              <a:srgbClr val="0070C0"/>
-            </a:solidFill>
-            <a:ln>
-              <a:solidFill>
-                <a:srgbClr val="0070C0"/>
-              </a:solidFill>
-            </a:ln>
-            <a:effectLst/>
-          </p:spPr>
-          <p:style>
-            <a:lnRef idx="1">
-              <a:schemeClr val="accent3"/>
-            </a:lnRef>
-            <a:fillRef idx="2">
-              <a:schemeClr val="accent3"/>
-            </a:fillRef>
-            <a:effectRef idx="1">
-              <a:schemeClr val="accent3"/>
-            </a:effectRef>
-            <a:fontRef idx="minor">
-              <a:schemeClr val="dk1"/>
-            </a:fontRef>
-          </p:style>
-          <p:txBody>
-            <a:bodyPr rtlCol="0" anchor="ctr"/>
-            <a:lstStyle/>
-            <a:p>
-              <a:pPr algn="ctr"/>
-              <a:endParaRPr lang="en-SG" sz="711"/>
-            </a:p>
-          </p:txBody>
-        </p:sp>
-        <p:sp>
-          <p:nvSpPr>
-            <p:cNvPr id="79" name="TextBox 78"/>
-            <p:cNvSpPr txBox="1"/>
-            <p:nvPr/>
-          </p:nvSpPr>
-          <p:spPr>
-            <a:xfrm>
-              <a:off x="5651543" y="2748251"/>
-              <a:ext cx="1298074" cy="137710"/>
-            </a:xfrm>
-            <a:prstGeom prst="rect">
-              <a:avLst/>
-            </a:prstGeom>
-            <a:noFill/>
-          </p:spPr>
-          <p:txBody>
-            <a:bodyPr wrap="square" lIns="0" tIns="0" rIns="0" bIns="0" rtlCol="0">
-              <a:spAutoFit/>
-            </a:bodyPr>
-            <a:lstStyle>
-              <a:defPPr>
-                <a:defRPr lang="en-US"/>
-              </a:defPPr>
-              <a:lvl1pPr algn="r">
-                <a:defRPr sz="1400">
-                  <a:solidFill>
-                    <a:srgbClr val="0070C0"/>
-                  </a:solidFill>
-                </a:defRPr>
-              </a:lvl1pPr>
-            </a:lstStyle>
-            <a:p>
-              <a:r>
-                <a:rPr lang="en-US" sz="610" dirty="0" err="1">
-                  <a:solidFill>
-                    <a:schemeClr val="accent4">
-                      <a:lumMod val="75000"/>
-                    </a:schemeClr>
-                  </a:solidFill>
-                </a:rPr>
-                <a:t>undo</a:t>
-              </a:r>
-              <a:r>
-                <a:rPr lang="en-US" sz="610" dirty="0" err="1">
-                  <a:solidFill>
-                    <a:srgbClr val="7030A0"/>
-                  </a:solidFill>
-                </a:rPr>
-                <a:t>AddressBook</a:t>
-              </a:r>
-              <a:r>
-                <a:rPr lang="en-US" sz="610" dirty="0">
-                  <a:solidFill>
-                    <a:srgbClr val="7030A0"/>
-                  </a:solidFill>
-                </a:rPr>
-                <a:t>()</a:t>
-              </a:r>
-              <a:endParaRPr lang="en-US" sz="610" dirty="0"/>
-            </a:p>
-          </p:txBody>
-        </p:sp>
-        <p:sp>
-          <p:nvSpPr>
-            <p:cNvPr id="80" name="TextBox 79"/>
-            <p:cNvSpPr txBox="1"/>
-            <p:nvPr/>
-          </p:nvSpPr>
-          <p:spPr>
-            <a:xfrm>
-              <a:off x="1885191" y="1106152"/>
-              <a:ext cx="1899549" cy="160474"/>
-            </a:xfrm>
-            <a:prstGeom prst="rect">
-              <a:avLst/>
-            </a:prstGeom>
-            <a:noFill/>
-          </p:spPr>
-          <p:txBody>
-            <a:bodyPr wrap="square" lIns="0" tIns="0" rIns="0" bIns="0" rtlCol="0">
-              <a:spAutoFit/>
-            </a:bodyPr>
-            <a:lstStyle>
-              <a:defPPr>
-                <a:defRPr lang="en-US"/>
-              </a:defPPr>
-              <a:lvl1pPr algn="r">
-                <a:defRPr sz="1400">
-                  <a:solidFill>
-                    <a:srgbClr val="0070C0"/>
-                  </a:solidFill>
-                </a:defRPr>
-              </a:lvl1pPr>
-            </a:lstStyle>
-            <a:p>
-              <a:r>
-                <a:rPr lang="en-US" sz="711" dirty="0" err="1"/>
-                <a:t>parseCommand</a:t>
-              </a:r>
-              <a:r>
-                <a:rPr lang="en-US" sz="711" dirty="0"/>
-                <a:t>(“undo”)</a:t>
-              </a:r>
-            </a:p>
-          </p:txBody>
-        </p:sp>
-        <p:sp>
-          <p:nvSpPr>
-            <p:cNvPr id="82" name="TextBox 81"/>
-            <p:cNvSpPr txBox="1"/>
-            <p:nvPr/>
-          </p:nvSpPr>
-          <p:spPr>
-            <a:xfrm>
-              <a:off x="4279315" y="3943237"/>
-              <a:ext cx="621215" cy="160474"/>
-            </a:xfrm>
-            <a:prstGeom prst="rect">
-              <a:avLst/>
-            </a:prstGeom>
-            <a:noFill/>
-          </p:spPr>
-          <p:txBody>
-            <a:bodyPr wrap="square" lIns="0" tIns="0" rIns="0" bIns="0" rtlCol="0">
-              <a:spAutoFit/>
-            </a:bodyPr>
-            <a:lstStyle>
-              <a:defPPr>
-                <a:defRPr lang="en-US"/>
-              </a:defPPr>
-              <a:lvl1pPr algn="r">
-                <a:defRPr sz="1400">
-                  <a:solidFill>
-                    <a:srgbClr val="0070C0"/>
-                  </a:solidFill>
-                </a:defRPr>
-              </a:lvl1pPr>
-            </a:lstStyle>
-            <a:p>
-              <a:r>
-                <a:rPr lang="en-US" sz="711" dirty="0"/>
-                <a:t>result</a:t>
-              </a:r>
-            </a:p>
-          </p:txBody>
-        </p:sp>
-        <p:sp>
-          <p:nvSpPr>
-            <p:cNvPr id="83" name="TextBox 82"/>
-            <p:cNvSpPr txBox="1"/>
-            <p:nvPr/>
-          </p:nvSpPr>
-          <p:spPr>
-            <a:xfrm>
-              <a:off x="657914" y="3999882"/>
-              <a:ext cx="762000" cy="160474"/>
-            </a:xfrm>
-            <a:prstGeom prst="rect">
-              <a:avLst/>
-            </a:prstGeom>
-            <a:noFill/>
-          </p:spPr>
-          <p:txBody>
-            <a:bodyPr wrap="square" lIns="0" tIns="0" rIns="0" bIns="0" rtlCol="0">
-              <a:spAutoFit/>
-            </a:bodyPr>
-            <a:lstStyle>
-              <a:defPPr>
-                <a:defRPr lang="en-US"/>
-              </a:defPPr>
-              <a:lvl1pPr algn="r">
-                <a:defRPr sz="1400">
-                  <a:solidFill>
-                    <a:srgbClr val="0070C0"/>
-                  </a:solidFill>
-                </a:defRPr>
-              </a:lvl1pPr>
-            </a:lstStyle>
-            <a:p>
-              <a:r>
-                <a:rPr lang="en-US" sz="711" dirty="0"/>
-                <a:t>result</a:t>
-              </a:r>
-            </a:p>
-          </p:txBody>
-        </p:sp>
-        <p:sp>
-          <p:nvSpPr>
-            <p:cNvPr id="84" name="Rectangle 62"/>
-            <p:cNvSpPr/>
-            <p:nvPr/>
-          </p:nvSpPr>
-          <p:spPr>
-            <a:xfrm>
-              <a:off x="7497153" y="2331580"/>
-              <a:ext cx="2181775" cy="335427"/>
-            </a:xfrm>
-            <a:prstGeom prst="rect">
-              <a:avLst/>
-            </a:prstGeom>
-            <a:solidFill>
-              <a:srgbClr val="7030A0"/>
-            </a:solidFill>
-            <a:ln w="19050">
-              <a:solidFill>
-                <a:srgbClr val="7030A0"/>
-              </a:solidFill>
-            </a:ln>
-            <a:effectLst/>
-          </p:spPr>
-          <p:style>
-            <a:lnRef idx="1">
-              <a:schemeClr val="accent2"/>
-            </a:lnRef>
-            <a:fillRef idx="2">
-              <a:schemeClr val="accent2"/>
-            </a:fillRef>
-            <a:effectRef idx="1">
-              <a:schemeClr val="accent2"/>
-            </a:effectRef>
-            <a:fontRef idx="minor">
-              <a:schemeClr val="dk1"/>
-            </a:fontRef>
-          </p:style>
-          <p:txBody>
-            <a:bodyPr rtlCol="0" anchor="ctr"/>
-            <a:lstStyle/>
-            <a:p>
-              <a:pPr algn="ctr"/>
-              <a:r>
-                <a:rPr lang="en-US" sz="813" dirty="0">
-                  <a:solidFill>
-                    <a:schemeClr val="bg1"/>
-                  </a:solidFill>
-                </a:rPr>
-                <a:t>:</a:t>
-              </a:r>
-              <a:r>
-                <a:rPr lang="en-US" sz="813" dirty="0" err="1">
-                  <a:solidFill>
-                    <a:schemeClr val="bg1"/>
-                  </a:solidFill>
-                </a:rPr>
-                <a:t>VersionedAddressBook</a:t>
-              </a:r>
-              <a:endParaRPr lang="en-SG" sz="813" dirty="0">
-                <a:solidFill>
-                  <a:schemeClr val="bg1"/>
-                </a:solidFill>
-              </a:endParaRPr>
-            </a:p>
-          </p:txBody>
-        </p:sp>
-        <p:sp>
-          <p:nvSpPr>
-            <p:cNvPr id="86" name="Rectangle 85"/>
-            <p:cNvSpPr/>
-            <p:nvPr/>
-          </p:nvSpPr>
-          <p:spPr>
-            <a:xfrm>
-              <a:off x="8513091" y="3032781"/>
-              <a:ext cx="129932" cy="398563"/>
-            </a:xfrm>
-            <a:prstGeom prst="rect">
-              <a:avLst/>
-            </a:prstGeom>
-            <a:solidFill>
-              <a:srgbClr val="7030A0"/>
-            </a:solidFill>
-            <a:ln>
-              <a:solidFill>
-                <a:srgbClr val="7030A0"/>
-              </a:solidFill>
-            </a:ln>
-            <a:effectLst/>
-          </p:spPr>
-          <p:style>
-            <a:lnRef idx="1">
-              <a:schemeClr val="accent3"/>
-            </a:lnRef>
-            <a:fillRef idx="2">
-              <a:schemeClr val="accent3"/>
-            </a:fillRef>
-            <a:effectRef idx="1">
-              <a:schemeClr val="accent3"/>
-            </a:effectRef>
-            <a:fontRef idx="minor">
-              <a:schemeClr val="dk1"/>
-            </a:fontRef>
-          </p:style>
-          <p:txBody>
-            <a:bodyPr rtlCol="0" anchor="ctr"/>
-            <a:lstStyle/>
-            <a:p>
-              <a:pPr algn="ctr"/>
-              <a:endParaRPr lang="en-SG" sz="711"/>
-            </a:p>
-          </p:txBody>
-        </p:sp>
-        <p:sp>
-          <p:nvSpPr>
-            <p:cNvPr id="93" name="TextBox 92"/>
-            <p:cNvSpPr txBox="1"/>
-            <p:nvPr/>
-          </p:nvSpPr>
-          <p:spPr>
-            <a:xfrm>
-              <a:off x="2724792" y="1905799"/>
-              <a:ext cx="220343" cy="160474"/>
-            </a:xfrm>
-            <a:prstGeom prst="rect">
-              <a:avLst/>
-            </a:prstGeom>
-            <a:noFill/>
-          </p:spPr>
-          <p:txBody>
-            <a:bodyPr wrap="square" lIns="0" tIns="0" rIns="0" bIns="0" rtlCol="0">
-              <a:spAutoFit/>
-            </a:bodyPr>
-            <a:lstStyle>
-              <a:defPPr>
-                <a:defRPr lang="en-US"/>
-              </a:defPPr>
-              <a:lvl1pPr algn="r">
-                <a:defRPr sz="1400">
-                  <a:solidFill>
-                    <a:srgbClr val="0070C0"/>
-                  </a:solidFill>
-                </a:defRPr>
-              </a:lvl1pPr>
-            </a:lstStyle>
-            <a:p>
-              <a:r>
-                <a:rPr lang="en-US" sz="711" dirty="0"/>
-                <a:t>u</a:t>
-              </a:r>
-            </a:p>
-          </p:txBody>
-        </p:sp>
-        <p:sp>
-          <p:nvSpPr>
-            <p:cNvPr id="40" name="Rectangle 62"/>
-            <p:cNvSpPr/>
-            <p:nvPr/>
-          </p:nvSpPr>
-          <p:spPr>
-            <a:xfrm>
-              <a:off x="6549759" y="2362203"/>
-              <a:ext cx="841635" cy="300180"/>
-            </a:xfrm>
-            <a:prstGeom prst="rect">
-              <a:avLst/>
-            </a:prstGeom>
-            <a:solidFill>
-              <a:srgbClr val="7030A0"/>
-            </a:solidFill>
-            <a:ln w="19050">
-              <a:solidFill>
-                <a:srgbClr val="7030A0"/>
-              </a:solidFill>
-            </a:ln>
-            <a:effectLst/>
-          </p:spPr>
-          <p:style>
-            <a:lnRef idx="1">
-              <a:schemeClr val="accent2"/>
-            </a:lnRef>
-            <a:fillRef idx="2">
-              <a:schemeClr val="accent2"/>
-            </a:fillRef>
-            <a:effectRef idx="1">
-              <a:schemeClr val="accent2"/>
-            </a:effectRef>
-            <a:fontRef idx="minor">
-              <a:schemeClr val="dk1"/>
-            </a:fontRef>
-          </p:style>
-          <p:txBody>
-            <a:bodyPr rtlCol="0" anchor="ctr"/>
-            <a:lstStyle/>
-            <a:p>
-              <a:pPr algn="ctr"/>
-              <a:r>
-                <a:rPr lang="en-US" sz="813" dirty="0">
-                  <a:solidFill>
-                    <a:schemeClr val="bg1"/>
-                  </a:solidFill>
-                </a:rPr>
-                <a:t>: Model</a:t>
-              </a:r>
-              <a:endParaRPr lang="en-SG" sz="813" dirty="0">
-                <a:solidFill>
-                  <a:schemeClr val="bg1"/>
-                </a:solidFill>
-              </a:endParaRPr>
-            </a:p>
-          </p:txBody>
-        </p:sp>
-        <p:cxnSp>
-          <p:nvCxnSpPr>
-            <p:cNvPr id="46" name="Straight Connector 45"/>
-            <p:cNvCxnSpPr>
-              <a:cxnSpLocks/>
-            </p:cNvCxnSpPr>
-            <p:nvPr/>
-          </p:nvCxnSpPr>
-          <p:spPr>
-            <a:xfrm flipH="1">
-              <a:off x="6986489" y="2653310"/>
-              <a:ext cx="3959" cy="1735712"/>
-            </a:xfrm>
-            <a:prstGeom prst="line">
-              <a:avLst/>
-            </a:prstGeom>
-            <a:ln w="19050">
-              <a:solidFill>
-                <a:srgbClr val="7030A0"/>
-              </a:solidFill>
-              <a:prstDash val="sysDash"/>
-            </a:ln>
-            <a:effectLst/>
-          </p:spPr>
-          <p:style>
-            <a:lnRef idx="1">
-              <a:schemeClr val="accent1"/>
-            </a:lnRef>
-            <a:fillRef idx="2">
-              <a:schemeClr val="accent1"/>
-            </a:fillRef>
-            <a:effectRef idx="1">
-              <a:schemeClr val="accent1"/>
-            </a:effectRef>
-            <a:fontRef idx="minor">
-              <a:schemeClr val="dk1"/>
-            </a:fontRef>
-          </p:style>
-        </p:cxnSp>
-        <p:sp>
-          <p:nvSpPr>
-            <p:cNvPr id="49" name="Rectangle 48"/>
-            <p:cNvSpPr/>
-            <p:nvPr/>
-          </p:nvSpPr>
-          <p:spPr>
-            <a:xfrm>
-              <a:off x="6903749" y="2958111"/>
-              <a:ext cx="167424" cy="981472"/>
-            </a:xfrm>
-            <a:prstGeom prst="rect">
-              <a:avLst/>
-            </a:prstGeom>
-            <a:solidFill>
-              <a:srgbClr val="7030A0"/>
-            </a:solidFill>
-            <a:ln>
-              <a:solidFill>
-                <a:srgbClr val="7030A0"/>
-              </a:solidFill>
-            </a:ln>
-            <a:effectLst/>
-          </p:spPr>
-          <p:style>
-            <a:lnRef idx="1">
-              <a:schemeClr val="accent3"/>
-            </a:lnRef>
-            <a:fillRef idx="2">
-              <a:schemeClr val="accent3"/>
-            </a:fillRef>
-            <a:effectRef idx="1">
-              <a:schemeClr val="accent3"/>
-            </a:effectRef>
-            <a:fontRef idx="minor">
-              <a:schemeClr val="dk1"/>
-            </a:fontRef>
-          </p:style>
-          <p:txBody>
-            <a:bodyPr rtlCol="0" anchor="ctr"/>
-            <a:lstStyle/>
-            <a:p>
-              <a:pPr algn="ctr"/>
-              <a:endParaRPr lang="en-SG" sz="711"/>
-            </a:p>
-          </p:txBody>
-        </p:sp>
-        <p:cxnSp>
-          <p:nvCxnSpPr>
-            <p:cNvPr id="50" name="Straight Arrow Connector 49"/>
-            <p:cNvCxnSpPr>
-              <a:cxnSpLocks/>
-            </p:cNvCxnSpPr>
-            <p:nvPr/>
-          </p:nvCxnSpPr>
-          <p:spPr>
-            <a:xfrm>
-              <a:off x="5685754" y="2975348"/>
-              <a:ext cx="1210345" cy="0"/>
-            </a:xfrm>
-            <a:prstGeom prst="straightConnector1">
-              <a:avLst/>
-            </a:prstGeom>
-            <a:ln w="19050">
-              <a:solidFill>
-                <a:srgbClr val="0070C0"/>
-              </a:solidFill>
-              <a:tailEnd type="arrow"/>
-            </a:ln>
-          </p:spPr>
-          <p:style>
-            <a:lnRef idx="1">
-              <a:schemeClr val="accent1"/>
-            </a:lnRef>
-            <a:fillRef idx="0">
-              <a:schemeClr val="accent1"/>
-            </a:fillRef>
-            <a:effectRef idx="0">
-              <a:schemeClr val="accent1"/>
-            </a:effectRef>
-            <a:fontRef idx="minor">
-              <a:schemeClr val="tx1"/>
-            </a:fontRef>
-          </p:style>
-        </p:cxnSp>
-        <p:sp>
-          <p:nvSpPr>
-            <p:cNvPr id="4" name="TextBox 3"/>
-            <p:cNvSpPr txBox="1"/>
-            <p:nvPr/>
-          </p:nvSpPr>
-          <p:spPr>
-            <a:xfrm>
-              <a:off x="5472876" y="4258218"/>
-              <a:ext cx="258402" cy="261687"/>
-            </a:xfrm>
-            <a:prstGeom prst="rect">
-              <a:avLst/>
-            </a:prstGeom>
-            <a:noFill/>
-          </p:spPr>
-          <p:txBody>
-            <a:bodyPr wrap="square" rtlCol="0">
-              <a:spAutoFit/>
-            </a:bodyPr>
-            <a:lstStyle/>
-            <a:p>
-              <a:r>
-                <a:rPr lang="en-SG" sz="559" dirty="0">
-                  <a:solidFill>
-                    <a:srgbClr val="002060"/>
-                  </a:solidFill>
-                </a:rPr>
-                <a:t>X</a:t>
-              </a:r>
-            </a:p>
-          </p:txBody>
-        </p:sp>
-        <p:sp>
-          <p:nvSpPr>
-            <p:cNvPr id="19" name="Rectangle 62"/>
-            <p:cNvSpPr/>
-            <p:nvPr/>
-          </p:nvSpPr>
-          <p:spPr>
-            <a:xfrm>
-              <a:off x="5035976" y="1260270"/>
-              <a:ext cx="1093635" cy="461538"/>
-            </a:xfrm>
-            <a:prstGeom prst="rect">
-              <a:avLst/>
-            </a:prstGeom>
-            <a:solidFill>
-              <a:srgbClr val="0070C0"/>
-            </a:solidFill>
-            <a:ln w="19050">
-              <a:solidFill>
-                <a:srgbClr val="0070C0"/>
-              </a:solidFill>
-            </a:ln>
-            <a:effectLst/>
-          </p:spPr>
-          <p:style>
-            <a:lnRef idx="1">
-              <a:schemeClr val="accent2"/>
-            </a:lnRef>
-            <a:fillRef idx="2">
-              <a:schemeClr val="accent2"/>
-            </a:fillRef>
-            <a:effectRef idx="1">
-              <a:schemeClr val="accent2"/>
-            </a:effectRef>
-            <a:fontRef idx="minor">
-              <a:schemeClr val="dk1"/>
-            </a:fontRef>
-          </p:style>
-          <p:txBody>
-            <a:bodyPr rtlCol="0" anchor="ctr"/>
-            <a:lstStyle/>
-            <a:p>
-              <a:pPr algn="ctr"/>
-              <a:r>
-                <a:rPr lang="en-US" sz="813" dirty="0">
-                  <a:solidFill>
-                    <a:schemeClr val="bg1"/>
-                  </a:solidFill>
-                </a:rPr>
-                <a:t>u:Undo</a:t>
-              </a:r>
-              <a:br>
-                <a:rPr lang="en-US" sz="813" dirty="0">
-                  <a:solidFill>
-                    <a:schemeClr val="bg1"/>
-                  </a:solidFill>
-                </a:rPr>
-              </a:br>
-              <a:r>
-                <a:rPr lang="en-US" sz="813" dirty="0">
-                  <a:solidFill>
-                    <a:schemeClr val="bg1"/>
-                  </a:solidFill>
-                </a:rPr>
-                <a:t>Command</a:t>
-              </a:r>
-              <a:endParaRPr lang="en-SG" sz="813" dirty="0">
-                <a:solidFill>
-                  <a:schemeClr val="bg1"/>
-                </a:solidFill>
-              </a:endParaRPr>
-            </a:p>
-          </p:txBody>
-        </p:sp>
-        <p:cxnSp>
-          <p:nvCxnSpPr>
-            <p:cNvPr id="66" name="Straight Arrow Connector 65">
+            <p:cNvPr id="81" name="Straight Connector 80">
               <a:extLst>
                 <a:ext uri="{FF2B5EF4-FFF2-40B4-BE49-F238E27FC236}">
-                  <a16:creationId xmlns:a16="http://schemas.microsoft.com/office/drawing/2014/main" id="{39916E2E-195A-4DC8-B025-B05FA87E6796}"/>
+                  <a16:creationId xmlns:a16="http://schemas.microsoft.com/office/drawing/2014/main" id="{06C5534C-72CA-4234-8F7D-D5040BDE8C8A}"/>
                 </a:ext>
               </a:extLst>
             </p:cNvPr>
@@ -4933,29 +8199,24 @@
             <p:nvPr/>
           </p:nvCxnSpPr>
           <p:spPr>
-            <a:xfrm>
-              <a:off x="1691348" y="2731321"/>
-              <a:ext cx="3832162" cy="1"/>
+            <a:xfrm flipH="1">
+              <a:off x="6941959" y="3339644"/>
+              <a:ext cx="89008" cy="124570"/>
             </a:xfrm>
-            <a:prstGeom prst="straightConnector1">
+            <a:prstGeom prst="line">
               <a:avLst/>
             </a:prstGeom>
-            <a:ln w="19050">
-              <a:solidFill>
-                <a:srgbClr val="0070C0"/>
-              </a:solidFill>
-              <a:tailEnd type="arrow"/>
-            </a:ln>
+            <a:ln w="19050"/>
           </p:spPr>
           <p:style>
             <a:lnRef idx="1">
-              <a:schemeClr val="accent1"/>
+              <a:schemeClr val="dk1"/>
             </a:lnRef>
             <a:fillRef idx="0">
-              <a:schemeClr val="accent1"/>
+              <a:schemeClr val="dk1"/>
             </a:fillRef>
             <a:effectRef idx="0">
-              <a:schemeClr val="accent1"/>
+              <a:schemeClr val="dk1"/>
             </a:effectRef>
             <a:fontRef idx="minor">
               <a:schemeClr val="tx1"/>
@@ -4964,10 +8225,10 @@
         </p:cxnSp>
         <p:cxnSp>
           <p:nvCxnSpPr>
-            <p:cNvPr id="67" name="Straight Arrow Connector 66">
+            <p:cNvPr id="82" name="Straight Connector 81">
               <a:extLst>
                 <a:ext uri="{FF2B5EF4-FFF2-40B4-BE49-F238E27FC236}">
-                  <a16:creationId xmlns:a16="http://schemas.microsoft.com/office/drawing/2014/main" id="{D881596E-177C-4FDC-8E60-CAB90B3D5FAB}"/>
+                  <a16:creationId xmlns:a16="http://schemas.microsoft.com/office/drawing/2014/main" id="{B24098E4-57B8-4441-894B-26BC083E98FC}"/>
                 </a:ext>
               </a:extLst>
             </p:cNvPr>
@@ -4977,41 +8238,57 @@
             <p:nvPr/>
           </p:nvCxnSpPr>
           <p:spPr>
-            <a:xfrm>
-              <a:off x="1708247" y="1363924"/>
-              <a:ext cx="2256703" cy="1"/>
+            <a:xfrm flipH="1" flipV="1">
+              <a:off x="6925372" y="3347264"/>
+              <a:ext cx="120311" cy="121398"/>
             </a:xfrm>
-            <a:prstGeom prst="straightConnector1">
+            <a:prstGeom prst="line">
               <a:avLst/>
             </a:prstGeom>
-            <a:ln w="19050">
-              <a:solidFill>
-                <a:srgbClr val="0070C0"/>
-              </a:solidFill>
-              <a:tailEnd type="arrow"/>
-            </a:ln>
+            <a:ln w="19050"/>
           </p:spPr>
           <p:style>
             <a:lnRef idx="1">
-              <a:schemeClr val="accent1"/>
+              <a:schemeClr val="dk1"/>
             </a:lnRef>
             <a:fillRef idx="0">
-              <a:schemeClr val="accent1"/>
+              <a:schemeClr val="dk1"/>
             </a:fillRef>
             <a:effectRef idx="0">
-              <a:schemeClr val="accent1"/>
+              <a:schemeClr val="dk1"/>
             </a:effectRef>
             <a:fontRef idx="minor">
               <a:schemeClr val="tx1"/>
             </a:fontRef>
           </p:style>
         </p:cxnSp>
+      </p:grpSp>
+      <p:grpSp>
+        <p:nvGrpSpPr>
+          <p:cNvPr id="52" name="Group 51">
+            <a:extLst>
+              <a:ext uri="{FF2B5EF4-FFF2-40B4-BE49-F238E27FC236}">
+                <a16:creationId xmlns:a16="http://schemas.microsoft.com/office/drawing/2014/main" id="{97BB51C5-38E6-4C10-92EE-56BA4A8C11C5}"/>
+              </a:ext>
+            </a:extLst>
+          </p:cNvPr>
+          <p:cNvGrpSpPr/>
+          <p:nvPr/>
+        </p:nvGrpSpPr>
+        <p:grpSpPr>
+          <a:xfrm>
+            <a:off x="4845615" y="6832827"/>
+            <a:ext cx="120311" cy="129018"/>
+            <a:chOff x="6925372" y="3339644"/>
+            <a:chExt cx="120311" cy="129018"/>
+          </a:xfrm>
+        </p:grpSpPr>
         <p:cxnSp>
           <p:nvCxnSpPr>
-            <p:cNvPr id="69" name="Straight Arrow Connector 68">
+            <p:cNvPr id="79" name="Straight Connector 78">
               <a:extLst>
                 <a:ext uri="{FF2B5EF4-FFF2-40B4-BE49-F238E27FC236}">
-                  <a16:creationId xmlns:a16="http://schemas.microsoft.com/office/drawing/2014/main" id="{7C9F21BC-13A9-471F-825A-2621FD36355F}"/>
+                  <a16:creationId xmlns:a16="http://schemas.microsoft.com/office/drawing/2014/main" id="{57CB7328-34D5-4167-B09F-68F84C5610B9}"/>
                 </a:ext>
               </a:extLst>
             </p:cNvPr>
@@ -5021,118 +8298,36 @@
             <p:nvPr/>
           </p:nvCxnSpPr>
           <p:spPr>
-            <a:xfrm>
-              <a:off x="1691999" y="4114805"/>
-              <a:ext cx="3831514" cy="0"/>
+            <a:xfrm flipH="1">
+              <a:off x="6941959" y="3339644"/>
+              <a:ext cx="89008" cy="124570"/>
             </a:xfrm>
-            <a:prstGeom prst="straightConnector1">
+            <a:prstGeom prst="line">
               <a:avLst/>
             </a:prstGeom>
-            <a:ln w="19050">
-              <a:solidFill>
-                <a:srgbClr val="0070C0"/>
-              </a:solidFill>
-              <a:prstDash val="sysDash"/>
-              <a:headEnd type="arrow" w="med" len="med"/>
-              <a:tailEnd type="none" w="med" len="med"/>
-            </a:ln>
+            <a:ln w="19050"/>
           </p:spPr>
           <p:style>
             <a:lnRef idx="1">
-              <a:schemeClr val="accent1"/>
+              <a:schemeClr val="dk1"/>
             </a:lnRef>
             <a:fillRef idx="0">
-              <a:schemeClr val="accent1"/>
+              <a:schemeClr val="dk1"/>
             </a:fillRef>
             <a:effectRef idx="0">
-              <a:schemeClr val="accent1"/>
+              <a:schemeClr val="dk1"/>
             </a:effectRef>
             <a:fontRef idx="minor">
               <a:schemeClr val="tx1"/>
             </a:fontRef>
           </p:style>
         </p:cxnSp>
-        <p:sp>
-          <p:nvSpPr>
-            <p:cNvPr id="88" name="TextBox 87">
+        <p:cxnSp>
+          <p:nvCxnSpPr>
+            <p:cNvPr id="80" name="Straight Connector 79">
               <a:extLst>
                 <a:ext uri="{FF2B5EF4-FFF2-40B4-BE49-F238E27FC236}">
-                  <a16:creationId xmlns:a16="http://schemas.microsoft.com/office/drawing/2014/main" id="{B85C6184-7378-4E89-A338-72B1E5056F4F}"/>
-                </a:ext>
-              </a:extLst>
-            </p:cNvPr>
-            <p:cNvSpPr txBox="1"/>
-            <p:nvPr/>
-          </p:nvSpPr>
-          <p:spPr>
-            <a:xfrm>
-              <a:off x="8446218" y="3121186"/>
-              <a:ext cx="2120785" cy="137709"/>
-            </a:xfrm>
-            <a:prstGeom prst="rect">
-              <a:avLst/>
-            </a:prstGeom>
-            <a:noFill/>
-          </p:spPr>
-          <p:txBody>
-            <a:bodyPr wrap="square" lIns="0" tIns="0" rIns="0" bIns="0" rtlCol="0">
-              <a:spAutoFit/>
-            </a:bodyPr>
-            <a:lstStyle>
-              <a:defPPr>
-                <a:defRPr lang="en-US"/>
-              </a:defPPr>
-              <a:lvl1pPr algn="r">
-                <a:defRPr sz="1400">
-                  <a:solidFill>
-                    <a:srgbClr val="0070C0"/>
-                  </a:solidFill>
-                </a:defRPr>
-              </a:lvl1pPr>
-            </a:lstStyle>
-            <a:p>
-              <a:r>
-                <a:rPr lang="en-US" sz="610" dirty="0" err="1">
-                  <a:solidFill>
-                    <a:srgbClr val="7030A0"/>
-                  </a:solidFill>
-                </a:rPr>
-                <a:t>resetData</a:t>
-              </a:r>
-              <a:r>
-                <a:rPr lang="en-US" sz="610" dirty="0">
-                  <a:solidFill>
-                    <a:srgbClr val="7030A0"/>
-                  </a:solidFill>
-                </a:rPr>
-                <a:t>(</a:t>
-              </a:r>
-              <a:r>
-                <a:rPr lang="en-US" sz="610" dirty="0" err="1">
-                  <a:solidFill>
-                    <a:srgbClr val="7030A0"/>
-                  </a:solidFill>
-                </a:rPr>
-                <a:t>ReadOnlyAddressBook</a:t>
-              </a:r>
-              <a:r>
-                <a:rPr lang="en-US" sz="610" dirty="0">
-                  <a:solidFill>
-                    <a:srgbClr val="7030A0"/>
-                  </a:solidFill>
-                </a:rPr>
-                <a:t>)</a:t>
-              </a:r>
-              <a:endParaRPr lang="en-US" sz="610" dirty="0"/>
-            </a:p>
-          </p:txBody>
-        </p:sp>
-        <p:cxnSp>
-          <p:nvCxnSpPr>
-            <p:cNvPr id="89" name="Straight Connector 88">
-              <a:extLst>
-                <a:ext uri="{FF2B5EF4-FFF2-40B4-BE49-F238E27FC236}">
-                  <a16:creationId xmlns:a16="http://schemas.microsoft.com/office/drawing/2014/main" id="{E4E1C8CA-49DF-45D8-80A5-D5C8282EE927}"/>
+                  <a16:creationId xmlns:a16="http://schemas.microsoft.com/office/drawing/2014/main" id="{8CA319F5-17E4-4027-88A4-18B46CFCEC6B}"/>
                 </a:ext>
               </a:extLst>
             </p:cNvPr>
@@ -5142,810 +8337,2569 @@
             <p:nvPr/>
           </p:nvCxnSpPr>
           <p:spPr>
-            <a:xfrm>
-              <a:off x="8567932" y="2667004"/>
-              <a:ext cx="0" cy="1722018"/>
+            <a:xfrm flipH="1" flipV="1">
+              <a:off x="6925372" y="3347264"/>
+              <a:ext cx="120311" cy="121398"/>
             </a:xfrm>
             <a:prstGeom prst="line">
               <a:avLst/>
             </a:prstGeom>
-            <a:ln w="19050">
-              <a:solidFill>
-                <a:srgbClr val="7030A0"/>
-              </a:solidFill>
-              <a:prstDash val="sysDash"/>
-            </a:ln>
-            <a:effectLst/>
+            <a:ln w="19050"/>
           </p:spPr>
           <p:style>
             <a:lnRef idx="1">
-              <a:schemeClr val="accent1"/>
-            </a:lnRef>
-            <a:fillRef idx="2">
-              <a:schemeClr val="accent1"/>
-            </a:fillRef>
-            <a:effectRef idx="1">
-              <a:schemeClr val="accent1"/>
-            </a:effectRef>
-            <a:fontRef idx="minor">
               <a:schemeClr val="dk1"/>
-            </a:fontRef>
-          </p:style>
-        </p:cxnSp>
-        <p:sp>
-          <p:nvSpPr>
-            <p:cNvPr id="41" name="TextBox 40"/>
-            <p:cNvSpPr txBox="1"/>
-            <p:nvPr/>
-          </p:nvSpPr>
-          <p:spPr>
-            <a:xfrm>
-              <a:off x="7667688" y="2863338"/>
-              <a:ext cx="551686" cy="137710"/>
-            </a:xfrm>
-            <a:prstGeom prst="rect">
-              <a:avLst/>
-            </a:prstGeom>
-            <a:noFill/>
-            <a:ln>
-              <a:noFill/>
-            </a:ln>
-          </p:spPr>
-          <p:txBody>
-            <a:bodyPr wrap="square" lIns="0" tIns="0" rIns="0" bIns="0" rtlCol="0">
-              <a:spAutoFit/>
-            </a:bodyPr>
-            <a:lstStyle>
-              <a:defPPr>
-                <a:defRPr lang="en-US"/>
-              </a:defPPr>
-              <a:lvl1pPr algn="r">
-                <a:defRPr sz="1400">
-                  <a:solidFill>
-                    <a:srgbClr val="0070C0"/>
-                  </a:solidFill>
-                </a:defRPr>
-              </a:lvl1pPr>
-            </a:lstStyle>
-            <a:p>
-              <a:r>
-                <a:rPr lang="en-US" sz="610" dirty="0">
-                  <a:solidFill>
-                    <a:srgbClr val="7030A0"/>
-                  </a:solidFill>
-                </a:rPr>
-                <a:t>undo</a:t>
-              </a:r>
-              <a:r>
-                <a:rPr lang="en-US" sz="610" dirty="0">
-                  <a:solidFill>
-                    <a:schemeClr val="accent4">
-                      <a:lumMod val="75000"/>
-                    </a:schemeClr>
-                  </a:solidFill>
-                </a:rPr>
-                <a:t>()</a:t>
-              </a:r>
-            </a:p>
-          </p:txBody>
-        </p:sp>
-        <p:cxnSp>
-          <p:nvCxnSpPr>
-            <p:cNvPr id="13" name="Curved Connector 12"/>
-            <p:cNvCxnSpPr>
-              <a:cxnSpLocks/>
-            </p:cNvCxnSpPr>
-            <p:nvPr/>
-          </p:nvCxnSpPr>
-          <p:spPr>
-            <a:xfrm rot="16200000" flipH="1">
-              <a:off x="8527574" y="3083842"/>
-              <a:ext cx="156923" cy="76200"/>
-            </a:xfrm>
-            <a:prstGeom prst="curvedConnector4">
-              <a:avLst>
-                <a:gd name="adj1" fmla="val -133663"/>
-                <a:gd name="adj2" fmla="val 400000"/>
-              </a:avLst>
-            </a:prstGeom>
-            <a:ln>
-              <a:solidFill>
-                <a:srgbClr val="7030A0"/>
-              </a:solidFill>
-              <a:tailEnd type="triangle"/>
-            </a:ln>
-          </p:spPr>
-          <p:style>
-            <a:lnRef idx="1">
-              <a:schemeClr val="accent1"/>
             </a:lnRef>
             <a:fillRef idx="0">
-              <a:schemeClr val="accent1"/>
+              <a:schemeClr val="dk1"/>
             </a:fillRef>
             <a:effectRef idx="0">
-              <a:schemeClr val="accent1"/>
+              <a:schemeClr val="dk1"/>
             </a:effectRef>
             <a:fontRef idx="minor">
               <a:schemeClr val="tx1"/>
             </a:fontRef>
           </p:style>
         </p:cxnSp>
-        <p:cxnSp>
-          <p:nvCxnSpPr>
-            <p:cNvPr id="52" name="Straight Arrow Connector 51"/>
-            <p:cNvCxnSpPr>
-              <a:cxnSpLocks/>
-            </p:cNvCxnSpPr>
-            <p:nvPr/>
-          </p:nvCxnSpPr>
-          <p:spPr>
-            <a:xfrm>
-              <a:off x="7043984" y="3048004"/>
-              <a:ext cx="1470215" cy="0"/>
-            </a:xfrm>
-            <a:prstGeom prst="straightConnector1">
-              <a:avLst/>
-            </a:prstGeom>
-            <a:ln w="19050">
+      </p:grpSp>
+      <p:sp>
+        <p:nvSpPr>
+          <p:cNvPr id="53" name="Rectangle 52">
+            <a:extLst>
+              <a:ext uri="{FF2B5EF4-FFF2-40B4-BE49-F238E27FC236}">
+                <a16:creationId xmlns:a16="http://schemas.microsoft.com/office/drawing/2014/main" id="{261D46FD-89E6-44F5-ACBA-67ABE8E821DC}"/>
+              </a:ext>
+            </a:extLst>
+          </p:cNvPr>
+          <p:cNvSpPr/>
+          <p:nvPr/>
+        </p:nvSpPr>
+        <p:spPr>
+          <a:xfrm>
+            <a:off x="6044195" y="6084406"/>
+            <a:ext cx="152400" cy="276003"/>
+          </a:xfrm>
+          <a:prstGeom prst="rect">
+            <a:avLst/>
+          </a:prstGeom>
+          <a:solidFill>
+            <a:srgbClr val="0070C0"/>
+          </a:solidFill>
+          <a:ln>
+            <a:solidFill>
+              <a:srgbClr val="0070C0"/>
+            </a:solidFill>
+          </a:ln>
+          <a:effectLst/>
+        </p:spPr>
+        <p:style>
+          <a:lnRef idx="1">
+            <a:schemeClr val="accent3"/>
+          </a:lnRef>
+          <a:fillRef idx="2">
+            <a:schemeClr val="accent3"/>
+          </a:fillRef>
+          <a:effectRef idx="1">
+            <a:schemeClr val="accent3"/>
+          </a:effectRef>
+          <a:fontRef idx="minor">
+            <a:schemeClr val="dk1"/>
+          </a:fontRef>
+        </p:style>
+        <p:txBody>
+          <a:bodyPr rtlCol="0" anchor="ctr"/>
+          <a:lstStyle>
+            <a:defPPr>
+              <a:defRPr lang="en-US"/>
+            </a:defPPr>
+            <a:lvl1pPr marL="0" algn="l" defTabSz="914400" rtl="0" eaLnBrk="1" latinLnBrk="0" hangingPunct="1">
+              <a:defRPr sz="1800" kern="1200">
+                <a:solidFill>
+                  <a:schemeClr val="dk1"/>
+                </a:solidFill>
+                <a:latin typeface="+mn-lt"/>
+                <a:ea typeface="+mn-ea"/>
+                <a:cs typeface="+mn-cs"/>
+              </a:defRPr>
+            </a:lvl1pPr>
+            <a:lvl2pPr marL="457200" algn="l" defTabSz="914400" rtl="0" eaLnBrk="1" latinLnBrk="0" hangingPunct="1">
+              <a:defRPr sz="1800" kern="1200">
+                <a:solidFill>
+                  <a:schemeClr val="dk1"/>
+                </a:solidFill>
+                <a:latin typeface="+mn-lt"/>
+                <a:ea typeface="+mn-ea"/>
+                <a:cs typeface="+mn-cs"/>
+              </a:defRPr>
+            </a:lvl2pPr>
+            <a:lvl3pPr marL="914400" algn="l" defTabSz="914400" rtl="0" eaLnBrk="1" latinLnBrk="0" hangingPunct="1">
+              <a:defRPr sz="1800" kern="1200">
+                <a:solidFill>
+                  <a:schemeClr val="dk1"/>
+                </a:solidFill>
+                <a:latin typeface="+mn-lt"/>
+                <a:ea typeface="+mn-ea"/>
+                <a:cs typeface="+mn-cs"/>
+              </a:defRPr>
+            </a:lvl3pPr>
+            <a:lvl4pPr marL="1371600" algn="l" defTabSz="914400" rtl="0" eaLnBrk="1" latinLnBrk="0" hangingPunct="1">
+              <a:defRPr sz="1800" kern="1200">
+                <a:solidFill>
+                  <a:schemeClr val="dk1"/>
+                </a:solidFill>
+                <a:latin typeface="+mn-lt"/>
+                <a:ea typeface="+mn-ea"/>
+                <a:cs typeface="+mn-cs"/>
+              </a:defRPr>
+            </a:lvl4pPr>
+            <a:lvl5pPr marL="1828800" algn="l" defTabSz="914400" rtl="0" eaLnBrk="1" latinLnBrk="0" hangingPunct="1">
+              <a:defRPr sz="1800" kern="1200">
+                <a:solidFill>
+                  <a:schemeClr val="dk1"/>
+                </a:solidFill>
+                <a:latin typeface="+mn-lt"/>
+                <a:ea typeface="+mn-ea"/>
+                <a:cs typeface="+mn-cs"/>
+              </a:defRPr>
+            </a:lvl5pPr>
+            <a:lvl6pPr marL="2286000" algn="l" defTabSz="914400" rtl="0" eaLnBrk="1" latinLnBrk="0" hangingPunct="1">
+              <a:defRPr sz="1800" kern="1200">
+                <a:solidFill>
+                  <a:schemeClr val="dk1"/>
+                </a:solidFill>
+                <a:latin typeface="+mn-lt"/>
+                <a:ea typeface="+mn-ea"/>
+                <a:cs typeface="+mn-cs"/>
+              </a:defRPr>
+            </a:lvl6pPr>
+            <a:lvl7pPr marL="2743200" algn="l" defTabSz="914400" rtl="0" eaLnBrk="1" latinLnBrk="0" hangingPunct="1">
+              <a:defRPr sz="1800" kern="1200">
+                <a:solidFill>
+                  <a:schemeClr val="dk1"/>
+                </a:solidFill>
+                <a:latin typeface="+mn-lt"/>
+                <a:ea typeface="+mn-ea"/>
+                <a:cs typeface="+mn-cs"/>
+              </a:defRPr>
+            </a:lvl7pPr>
+            <a:lvl8pPr marL="3200400" algn="l" defTabSz="914400" rtl="0" eaLnBrk="1" latinLnBrk="0" hangingPunct="1">
+              <a:defRPr sz="1800" kern="1200">
+                <a:solidFill>
+                  <a:schemeClr val="dk1"/>
+                </a:solidFill>
+                <a:latin typeface="+mn-lt"/>
+                <a:ea typeface="+mn-ea"/>
+                <a:cs typeface="+mn-cs"/>
+              </a:defRPr>
+            </a:lvl8pPr>
+            <a:lvl9pPr marL="3657600" algn="l" defTabSz="914400" rtl="0" eaLnBrk="1" latinLnBrk="0" hangingPunct="1">
+              <a:defRPr sz="1800" kern="1200">
+                <a:solidFill>
+                  <a:schemeClr val="dk1"/>
+                </a:solidFill>
+                <a:latin typeface="+mn-lt"/>
+                <a:ea typeface="+mn-ea"/>
+                <a:cs typeface="+mn-cs"/>
+              </a:defRPr>
+            </a:lvl9pPr>
+          </a:lstStyle>
+          <a:p>
+            <a:pPr algn="ctr"/>
+            <a:endParaRPr lang="en-SG" sz="1400"/>
+          </a:p>
+        </p:txBody>
+      </p:sp>
+      <p:sp>
+        <p:nvSpPr>
+          <p:cNvPr id="54" name="Rectangle 53">
+            <a:extLst>
+              <a:ext uri="{FF2B5EF4-FFF2-40B4-BE49-F238E27FC236}">
+                <a16:creationId xmlns:a16="http://schemas.microsoft.com/office/drawing/2014/main" id="{2001A431-61C8-49C9-AD24-E08AF2C9497A}"/>
+              </a:ext>
+            </a:extLst>
+          </p:cNvPr>
+          <p:cNvSpPr/>
+          <p:nvPr/>
+        </p:nvSpPr>
+        <p:spPr>
+          <a:xfrm>
+            <a:off x="5261571" y="5731040"/>
+            <a:ext cx="1717649" cy="461538"/>
+          </a:xfrm>
+          <a:prstGeom prst="rect">
+            <a:avLst/>
+          </a:prstGeom>
+          <a:solidFill>
+            <a:srgbClr val="0070C0"/>
+          </a:solidFill>
+          <a:ln w="19050">
+            <a:solidFill>
+              <a:srgbClr val="0070C0"/>
+            </a:solidFill>
+          </a:ln>
+          <a:effectLst/>
+        </p:spPr>
+        <p:style>
+          <a:lnRef idx="1">
+            <a:schemeClr val="accent2"/>
+          </a:lnRef>
+          <a:fillRef idx="2">
+            <a:schemeClr val="accent2"/>
+          </a:fillRef>
+          <a:effectRef idx="1">
+            <a:schemeClr val="accent2"/>
+          </a:effectRef>
+          <a:fontRef idx="minor">
+            <a:schemeClr val="dk1"/>
+          </a:fontRef>
+        </p:style>
+        <p:txBody>
+          <a:bodyPr rtlCol="0" anchor="ctr"/>
+          <a:lstStyle>
+            <a:defPPr>
+              <a:defRPr lang="en-US"/>
+            </a:defPPr>
+            <a:lvl1pPr marL="0" algn="l" defTabSz="914400" rtl="0" eaLnBrk="1" latinLnBrk="0" hangingPunct="1">
+              <a:defRPr sz="1800" kern="1200">
+                <a:solidFill>
+                  <a:schemeClr val="dk1"/>
+                </a:solidFill>
+                <a:latin typeface="+mn-lt"/>
+                <a:ea typeface="+mn-ea"/>
+                <a:cs typeface="+mn-cs"/>
+              </a:defRPr>
+            </a:lvl1pPr>
+            <a:lvl2pPr marL="457200" algn="l" defTabSz="914400" rtl="0" eaLnBrk="1" latinLnBrk="0" hangingPunct="1">
+              <a:defRPr sz="1800" kern="1200">
+                <a:solidFill>
+                  <a:schemeClr val="dk1"/>
+                </a:solidFill>
+                <a:latin typeface="+mn-lt"/>
+                <a:ea typeface="+mn-ea"/>
+                <a:cs typeface="+mn-cs"/>
+              </a:defRPr>
+            </a:lvl2pPr>
+            <a:lvl3pPr marL="914400" algn="l" defTabSz="914400" rtl="0" eaLnBrk="1" latinLnBrk="0" hangingPunct="1">
+              <a:defRPr sz="1800" kern="1200">
+                <a:solidFill>
+                  <a:schemeClr val="dk1"/>
+                </a:solidFill>
+                <a:latin typeface="+mn-lt"/>
+                <a:ea typeface="+mn-ea"/>
+                <a:cs typeface="+mn-cs"/>
+              </a:defRPr>
+            </a:lvl3pPr>
+            <a:lvl4pPr marL="1371600" algn="l" defTabSz="914400" rtl="0" eaLnBrk="1" latinLnBrk="0" hangingPunct="1">
+              <a:defRPr sz="1800" kern="1200">
+                <a:solidFill>
+                  <a:schemeClr val="dk1"/>
+                </a:solidFill>
+                <a:latin typeface="+mn-lt"/>
+                <a:ea typeface="+mn-ea"/>
+                <a:cs typeface="+mn-cs"/>
+              </a:defRPr>
+            </a:lvl4pPr>
+            <a:lvl5pPr marL="1828800" algn="l" defTabSz="914400" rtl="0" eaLnBrk="1" latinLnBrk="0" hangingPunct="1">
+              <a:defRPr sz="1800" kern="1200">
+                <a:solidFill>
+                  <a:schemeClr val="dk1"/>
+                </a:solidFill>
+                <a:latin typeface="+mn-lt"/>
+                <a:ea typeface="+mn-ea"/>
+                <a:cs typeface="+mn-cs"/>
+              </a:defRPr>
+            </a:lvl5pPr>
+            <a:lvl6pPr marL="2286000" algn="l" defTabSz="914400" rtl="0" eaLnBrk="1" latinLnBrk="0" hangingPunct="1">
+              <a:defRPr sz="1800" kern="1200">
+                <a:solidFill>
+                  <a:schemeClr val="dk1"/>
+                </a:solidFill>
+                <a:latin typeface="+mn-lt"/>
+                <a:ea typeface="+mn-ea"/>
+                <a:cs typeface="+mn-cs"/>
+              </a:defRPr>
+            </a:lvl6pPr>
+            <a:lvl7pPr marL="2743200" algn="l" defTabSz="914400" rtl="0" eaLnBrk="1" latinLnBrk="0" hangingPunct="1">
+              <a:defRPr sz="1800" kern="1200">
+                <a:solidFill>
+                  <a:schemeClr val="dk1"/>
+                </a:solidFill>
+                <a:latin typeface="+mn-lt"/>
+                <a:ea typeface="+mn-ea"/>
+                <a:cs typeface="+mn-cs"/>
+              </a:defRPr>
+            </a:lvl7pPr>
+            <a:lvl8pPr marL="3200400" algn="l" defTabSz="914400" rtl="0" eaLnBrk="1" latinLnBrk="0" hangingPunct="1">
+              <a:defRPr sz="1800" kern="1200">
+                <a:solidFill>
+                  <a:schemeClr val="dk1"/>
+                </a:solidFill>
+                <a:latin typeface="+mn-lt"/>
+                <a:ea typeface="+mn-ea"/>
+                <a:cs typeface="+mn-cs"/>
+              </a:defRPr>
+            </a:lvl8pPr>
+            <a:lvl9pPr marL="3657600" algn="l" defTabSz="914400" rtl="0" eaLnBrk="1" latinLnBrk="0" hangingPunct="1">
+              <a:defRPr sz="1800" kern="1200">
+                <a:solidFill>
+                  <a:schemeClr val="dk1"/>
+                </a:solidFill>
+                <a:latin typeface="+mn-lt"/>
+                <a:ea typeface="+mn-ea"/>
+                <a:cs typeface="+mn-cs"/>
+              </a:defRPr>
+            </a:lvl9pPr>
+          </a:lstStyle>
+          <a:p>
+            <a:pPr algn="ctr"/>
+            <a:r>
+              <a:rPr lang="en-US" sz="1600" dirty="0" err="1">
+                <a:solidFill>
+                  <a:schemeClr val="bg1"/>
+                </a:solidFill>
+              </a:rPr>
+              <a:t>result:Command</a:t>
+            </a:r>
+            <a:endParaRPr lang="en-US" sz="1600" dirty="0">
               <a:solidFill>
-                <a:srgbClr val="7030A0"/>
+                <a:schemeClr val="bg1"/>
               </a:solidFill>
-              <a:tailEnd type="arrow"/>
-            </a:ln>
-          </p:spPr>
-          <p:style>
-            <a:lnRef idx="1">
-              <a:schemeClr val="accent1"/>
-            </a:lnRef>
-            <a:fillRef idx="0">
-              <a:schemeClr val="accent1"/>
-            </a:fillRef>
-            <a:effectRef idx="0">
-              <a:schemeClr val="accent1"/>
-            </a:effectRef>
-            <a:fontRef idx="minor">
-              <a:schemeClr val="tx1"/>
-            </a:fontRef>
-          </p:style>
-        </p:cxnSp>
-        <p:cxnSp>
-          <p:nvCxnSpPr>
-            <p:cNvPr id="60" name="Straight Arrow Connector 59">
-              <a:extLst>
-                <a:ext uri="{FF2B5EF4-FFF2-40B4-BE49-F238E27FC236}">
-                  <a16:creationId xmlns:a16="http://schemas.microsoft.com/office/drawing/2014/main" id="{7C9F21BC-13A9-471F-825A-2621FD36355F}"/>
-                </a:ext>
-              </a:extLst>
-            </p:cNvPr>
-            <p:cNvCxnSpPr>
-              <a:cxnSpLocks/>
-            </p:cNvCxnSpPr>
-            <p:nvPr/>
-          </p:nvCxnSpPr>
-          <p:spPr>
-            <a:xfrm flipV="1">
-              <a:off x="7043984" y="3429008"/>
-              <a:ext cx="1470215" cy="6325"/>
-            </a:xfrm>
-            <a:prstGeom prst="straightConnector1">
-              <a:avLst/>
-            </a:prstGeom>
-            <a:ln w="19050">
+            </a:endParaRPr>
+          </a:p>
+          <a:p>
+            <a:pPr algn="ctr"/>
+            <a:r>
+              <a:rPr lang="en-US" sz="1600" dirty="0">
+                <a:solidFill>
+                  <a:schemeClr val="bg1"/>
+                </a:solidFill>
+              </a:rPr>
+              <a:t>Result</a:t>
+            </a:r>
+            <a:endParaRPr lang="en-SG" sz="1600" dirty="0">
               <a:solidFill>
-                <a:srgbClr val="7030A0"/>
+                <a:schemeClr val="bg1"/>
               </a:solidFill>
-              <a:prstDash val="sysDash"/>
-              <a:headEnd type="arrow" w="med" len="med"/>
-              <a:tailEnd type="none" w="med" len="med"/>
-            </a:ln>
-          </p:spPr>
-          <p:style>
-            <a:lnRef idx="1">
-              <a:schemeClr val="accent1"/>
-            </a:lnRef>
-            <a:fillRef idx="0">
-              <a:schemeClr val="accent1"/>
-            </a:fillRef>
-            <a:effectRef idx="0">
-              <a:schemeClr val="accent1"/>
-            </a:effectRef>
-            <a:fontRef idx="minor">
-              <a:schemeClr val="tx1"/>
-            </a:fontRef>
-          </p:style>
-        </p:cxnSp>
-        <p:cxnSp>
-          <p:nvCxnSpPr>
-            <p:cNvPr id="63" name="Straight Arrow Connector 62">
-              <a:extLst>
-                <a:ext uri="{FF2B5EF4-FFF2-40B4-BE49-F238E27FC236}">
-                  <a16:creationId xmlns:a16="http://schemas.microsoft.com/office/drawing/2014/main" id="{7C9F21BC-13A9-471F-825A-2621FD36355F}"/>
-                </a:ext>
-              </a:extLst>
-            </p:cNvPr>
-            <p:cNvCxnSpPr>
-              <a:cxnSpLocks/>
-            </p:cNvCxnSpPr>
-            <p:nvPr/>
-          </p:nvCxnSpPr>
-          <p:spPr>
-            <a:xfrm>
-              <a:off x="5685754" y="3945906"/>
-              <a:ext cx="1288568" cy="0"/>
-            </a:xfrm>
-            <a:prstGeom prst="straightConnector1">
-              <a:avLst/>
-            </a:prstGeom>
-            <a:ln w="19050">
-              <a:solidFill>
-                <a:srgbClr val="7030A0"/>
-              </a:solidFill>
-              <a:prstDash val="sysDash"/>
-              <a:headEnd type="arrow" w="med" len="med"/>
-              <a:tailEnd type="none" w="med" len="med"/>
-            </a:ln>
-          </p:spPr>
-          <p:style>
-            <a:lnRef idx="1">
-              <a:schemeClr val="accent1"/>
-            </a:lnRef>
-            <a:fillRef idx="0">
-              <a:schemeClr val="accent1"/>
-            </a:fillRef>
-            <a:effectRef idx="0">
-              <a:schemeClr val="accent1"/>
-            </a:effectRef>
-            <a:fontRef idx="minor">
-              <a:schemeClr val="tx1"/>
-            </a:fontRef>
-          </p:style>
-        </p:cxnSp>
-        <p:sp>
-          <p:nvSpPr>
-            <p:cNvPr id="51" name="Rectangle 50">
-              <a:extLst>
-                <a:ext uri="{FF2B5EF4-FFF2-40B4-BE49-F238E27FC236}">
-                  <a16:creationId xmlns:a16="http://schemas.microsoft.com/office/drawing/2014/main" id="{09B70282-DE81-FB46-BD10-A833A34B241B}"/>
-                </a:ext>
-              </a:extLst>
-            </p:cNvPr>
-            <p:cNvSpPr/>
-            <p:nvPr/>
-          </p:nvSpPr>
-          <p:spPr>
-            <a:xfrm>
-              <a:off x="11091678" y="2326957"/>
-              <a:ext cx="1862188" cy="335427"/>
-            </a:xfrm>
-            <a:prstGeom prst="rect">
-              <a:avLst/>
-            </a:prstGeom>
+            </a:endParaRPr>
+          </a:p>
+        </p:txBody>
+      </p:sp>
+      <p:cxnSp>
+        <p:nvCxnSpPr>
+          <p:cNvPr id="55" name="Straight Arrow Connector 54">
+            <a:extLst>
+              <a:ext uri="{FF2B5EF4-FFF2-40B4-BE49-F238E27FC236}">
+                <a16:creationId xmlns:a16="http://schemas.microsoft.com/office/drawing/2014/main" id="{53BBC9B5-D4BA-418D-B44C-20B3C89BCDBF}"/>
+              </a:ext>
+            </a:extLst>
+          </p:cNvPr>
+          <p:cNvCxnSpPr>
+            <a:cxnSpLocks/>
+            <a:endCxn id="53" idx="2"/>
+          </p:cNvCxnSpPr>
+          <p:nvPr/>
+        </p:nvCxnSpPr>
+        <p:spPr>
+          <a:xfrm>
+            <a:off x="4992371" y="6352245"/>
+            <a:ext cx="1128024" cy="8164"/>
+          </a:xfrm>
+          <a:prstGeom prst="straightConnector1">
+            <a:avLst/>
+          </a:prstGeom>
+          <a:ln w="19050">
+            <a:solidFill>
+              <a:srgbClr val="0070C0"/>
+            </a:solidFill>
+            <a:prstDash val="sysDash"/>
+            <a:headEnd type="arrow" w="med" len="med"/>
+            <a:tailEnd type="none" w="med" len="med"/>
+          </a:ln>
+        </p:spPr>
+        <p:style>
+          <a:lnRef idx="1">
+            <a:schemeClr val="accent1"/>
+          </a:lnRef>
+          <a:fillRef idx="0">
+            <a:schemeClr val="accent1"/>
+          </a:fillRef>
+          <a:effectRef idx="0">
+            <a:schemeClr val="accent1"/>
+          </a:effectRef>
+          <a:fontRef idx="minor">
+            <a:schemeClr val="tx1"/>
+          </a:fontRef>
+        </p:style>
+      </p:cxnSp>
+      <p:sp>
+        <p:nvSpPr>
+          <p:cNvPr id="56" name="Rectangle 55">
+            <a:extLst>
+              <a:ext uri="{FF2B5EF4-FFF2-40B4-BE49-F238E27FC236}">
+                <a16:creationId xmlns:a16="http://schemas.microsoft.com/office/drawing/2014/main" id="{1D850EE3-0170-4128-AB39-9ADB6E8FBD8F}"/>
+              </a:ext>
+            </a:extLst>
+          </p:cNvPr>
+          <p:cNvSpPr/>
+          <p:nvPr/>
+        </p:nvSpPr>
+        <p:spPr>
+          <a:xfrm>
+            <a:off x="9626195" y="2933695"/>
+            <a:ext cx="2181777" cy="478796"/>
+          </a:xfrm>
+          <a:prstGeom prst="rect">
+            <a:avLst/>
+          </a:prstGeom>
+          <a:solidFill>
+            <a:srgbClr val="7030A0"/>
+          </a:solidFill>
+          <a:ln w="19050">
             <a:solidFill>
               <a:srgbClr val="7030A0"/>
             </a:solidFill>
-            <a:ln w="19050">
+          </a:ln>
+          <a:effectLst/>
+        </p:spPr>
+        <p:style>
+          <a:lnRef idx="1">
+            <a:schemeClr val="accent2"/>
+          </a:lnRef>
+          <a:fillRef idx="2">
+            <a:schemeClr val="accent2"/>
+          </a:fillRef>
+          <a:effectRef idx="1">
+            <a:schemeClr val="accent2"/>
+          </a:effectRef>
+          <a:fontRef idx="minor">
+            <a:schemeClr val="dk1"/>
+          </a:fontRef>
+        </p:style>
+        <p:txBody>
+          <a:bodyPr rtlCol="0" anchor="ctr"/>
+          <a:lstStyle>
+            <a:defPPr>
+              <a:defRPr lang="en-US"/>
+            </a:defPPr>
+            <a:lvl1pPr marL="0" algn="l" defTabSz="914400" rtl="0" eaLnBrk="1" latinLnBrk="0" hangingPunct="1">
+              <a:defRPr sz="1800" kern="1200">
+                <a:solidFill>
+                  <a:schemeClr val="dk1"/>
+                </a:solidFill>
+                <a:latin typeface="+mn-lt"/>
+                <a:ea typeface="+mn-ea"/>
+                <a:cs typeface="+mn-cs"/>
+              </a:defRPr>
+            </a:lvl1pPr>
+            <a:lvl2pPr marL="457200" algn="l" defTabSz="914400" rtl="0" eaLnBrk="1" latinLnBrk="0" hangingPunct="1">
+              <a:defRPr sz="1800" kern="1200">
+                <a:solidFill>
+                  <a:schemeClr val="dk1"/>
+                </a:solidFill>
+                <a:latin typeface="+mn-lt"/>
+                <a:ea typeface="+mn-ea"/>
+                <a:cs typeface="+mn-cs"/>
+              </a:defRPr>
+            </a:lvl2pPr>
+            <a:lvl3pPr marL="914400" algn="l" defTabSz="914400" rtl="0" eaLnBrk="1" latinLnBrk="0" hangingPunct="1">
+              <a:defRPr sz="1800" kern="1200">
+                <a:solidFill>
+                  <a:schemeClr val="dk1"/>
+                </a:solidFill>
+                <a:latin typeface="+mn-lt"/>
+                <a:ea typeface="+mn-ea"/>
+                <a:cs typeface="+mn-cs"/>
+              </a:defRPr>
+            </a:lvl3pPr>
+            <a:lvl4pPr marL="1371600" algn="l" defTabSz="914400" rtl="0" eaLnBrk="1" latinLnBrk="0" hangingPunct="1">
+              <a:defRPr sz="1800" kern="1200">
+                <a:solidFill>
+                  <a:schemeClr val="dk1"/>
+                </a:solidFill>
+                <a:latin typeface="+mn-lt"/>
+                <a:ea typeface="+mn-ea"/>
+                <a:cs typeface="+mn-cs"/>
+              </a:defRPr>
+            </a:lvl4pPr>
+            <a:lvl5pPr marL="1828800" algn="l" defTabSz="914400" rtl="0" eaLnBrk="1" latinLnBrk="0" hangingPunct="1">
+              <a:defRPr sz="1800" kern="1200">
+                <a:solidFill>
+                  <a:schemeClr val="dk1"/>
+                </a:solidFill>
+                <a:latin typeface="+mn-lt"/>
+                <a:ea typeface="+mn-ea"/>
+                <a:cs typeface="+mn-cs"/>
+              </a:defRPr>
+            </a:lvl5pPr>
+            <a:lvl6pPr marL="2286000" algn="l" defTabSz="914400" rtl="0" eaLnBrk="1" latinLnBrk="0" hangingPunct="1">
+              <a:defRPr sz="1800" kern="1200">
+                <a:solidFill>
+                  <a:schemeClr val="dk1"/>
+                </a:solidFill>
+                <a:latin typeface="+mn-lt"/>
+                <a:ea typeface="+mn-ea"/>
+                <a:cs typeface="+mn-cs"/>
+              </a:defRPr>
+            </a:lvl6pPr>
+            <a:lvl7pPr marL="2743200" algn="l" defTabSz="914400" rtl="0" eaLnBrk="1" latinLnBrk="0" hangingPunct="1">
+              <a:defRPr sz="1800" kern="1200">
+                <a:solidFill>
+                  <a:schemeClr val="dk1"/>
+                </a:solidFill>
+                <a:latin typeface="+mn-lt"/>
+                <a:ea typeface="+mn-ea"/>
+                <a:cs typeface="+mn-cs"/>
+              </a:defRPr>
+            </a:lvl7pPr>
+            <a:lvl8pPr marL="3200400" algn="l" defTabSz="914400" rtl="0" eaLnBrk="1" latinLnBrk="0" hangingPunct="1">
+              <a:defRPr sz="1800" kern="1200">
+                <a:solidFill>
+                  <a:schemeClr val="dk1"/>
+                </a:solidFill>
+                <a:latin typeface="+mn-lt"/>
+                <a:ea typeface="+mn-ea"/>
+                <a:cs typeface="+mn-cs"/>
+              </a:defRPr>
+            </a:lvl8pPr>
+            <a:lvl9pPr marL="3657600" algn="l" defTabSz="914400" rtl="0" eaLnBrk="1" latinLnBrk="0" hangingPunct="1">
+              <a:defRPr sz="1800" kern="1200">
+                <a:solidFill>
+                  <a:schemeClr val="dk1"/>
+                </a:solidFill>
+                <a:latin typeface="+mn-lt"/>
+                <a:ea typeface="+mn-ea"/>
+                <a:cs typeface="+mn-cs"/>
+              </a:defRPr>
+            </a:lvl9pPr>
+          </a:lstStyle>
+          <a:p>
+            <a:pPr algn="ctr"/>
+            <a:r>
+              <a:rPr lang="en-US" sz="1600" dirty="0" err="1">
+                <a:solidFill>
+                  <a:schemeClr val="bg1"/>
+                </a:solidFill>
+              </a:rPr>
+              <a:t>versionedAddressBook:VersionedAddressBook</a:t>
+            </a:r>
+            <a:endParaRPr lang="en-SG" sz="1600" dirty="0">
               <a:solidFill>
-                <a:srgbClr val="7030A0"/>
+                <a:schemeClr val="bg1"/>
               </a:solidFill>
-            </a:ln>
-            <a:effectLst/>
-          </p:spPr>
-          <p:style>
-            <a:lnRef idx="1">
-              <a:schemeClr val="accent2"/>
-            </a:lnRef>
-            <a:fillRef idx="2">
-              <a:schemeClr val="accent2"/>
-            </a:fillRef>
-            <a:effectRef idx="1">
-              <a:schemeClr val="accent2"/>
-            </a:effectRef>
-            <a:fontRef idx="minor">
-              <a:schemeClr val="dk1"/>
-            </a:fontRef>
-          </p:style>
-          <p:txBody>
-            <a:bodyPr rtlCol="0" anchor="ctr"/>
-            <a:lstStyle>
-              <a:defPPr>
-                <a:defRPr lang="en-US"/>
-              </a:defPPr>
-              <a:lvl1pPr marL="0" algn="l" defTabSz="914400" rtl="0" eaLnBrk="1" latinLnBrk="0" hangingPunct="1">
-                <a:defRPr sz="1800" kern="1200">
-                  <a:solidFill>
-                    <a:schemeClr val="dk1"/>
-                  </a:solidFill>
-                  <a:latin typeface="+mn-lt"/>
-                  <a:ea typeface="+mn-ea"/>
-                  <a:cs typeface="+mn-cs"/>
-                </a:defRPr>
-              </a:lvl1pPr>
-              <a:lvl2pPr marL="457200" algn="l" defTabSz="914400" rtl="0" eaLnBrk="1" latinLnBrk="0" hangingPunct="1">
-                <a:defRPr sz="1800" kern="1200">
-                  <a:solidFill>
-                    <a:schemeClr val="dk1"/>
-                  </a:solidFill>
-                  <a:latin typeface="+mn-lt"/>
-                  <a:ea typeface="+mn-ea"/>
-                  <a:cs typeface="+mn-cs"/>
-                </a:defRPr>
-              </a:lvl2pPr>
-              <a:lvl3pPr marL="914400" algn="l" defTabSz="914400" rtl="0" eaLnBrk="1" latinLnBrk="0" hangingPunct="1">
-                <a:defRPr sz="1800" kern="1200">
-                  <a:solidFill>
-                    <a:schemeClr val="dk1"/>
-                  </a:solidFill>
-                  <a:latin typeface="+mn-lt"/>
-                  <a:ea typeface="+mn-ea"/>
-                  <a:cs typeface="+mn-cs"/>
-                </a:defRPr>
-              </a:lvl3pPr>
-              <a:lvl4pPr marL="1371600" algn="l" defTabSz="914400" rtl="0" eaLnBrk="1" latinLnBrk="0" hangingPunct="1">
-                <a:defRPr sz="1800" kern="1200">
-                  <a:solidFill>
-                    <a:schemeClr val="dk1"/>
-                  </a:solidFill>
-                  <a:latin typeface="+mn-lt"/>
-                  <a:ea typeface="+mn-ea"/>
-                  <a:cs typeface="+mn-cs"/>
-                </a:defRPr>
-              </a:lvl4pPr>
-              <a:lvl5pPr marL="1828800" algn="l" defTabSz="914400" rtl="0" eaLnBrk="1" latinLnBrk="0" hangingPunct="1">
-                <a:defRPr sz="1800" kern="1200">
-                  <a:solidFill>
-                    <a:schemeClr val="dk1"/>
-                  </a:solidFill>
-                  <a:latin typeface="+mn-lt"/>
-                  <a:ea typeface="+mn-ea"/>
-                  <a:cs typeface="+mn-cs"/>
-                </a:defRPr>
-              </a:lvl5pPr>
-              <a:lvl6pPr marL="2286000" algn="l" defTabSz="914400" rtl="0" eaLnBrk="1" latinLnBrk="0" hangingPunct="1">
-                <a:defRPr sz="1800" kern="1200">
-                  <a:solidFill>
-                    <a:schemeClr val="dk1"/>
-                  </a:solidFill>
-                  <a:latin typeface="+mn-lt"/>
-                  <a:ea typeface="+mn-ea"/>
-                  <a:cs typeface="+mn-cs"/>
-                </a:defRPr>
-              </a:lvl6pPr>
-              <a:lvl7pPr marL="2743200" algn="l" defTabSz="914400" rtl="0" eaLnBrk="1" latinLnBrk="0" hangingPunct="1">
-                <a:defRPr sz="1800" kern="1200">
-                  <a:solidFill>
-                    <a:schemeClr val="dk1"/>
-                  </a:solidFill>
-                  <a:latin typeface="+mn-lt"/>
-                  <a:ea typeface="+mn-ea"/>
-                  <a:cs typeface="+mn-cs"/>
-                </a:defRPr>
-              </a:lvl7pPr>
-              <a:lvl8pPr marL="3200400" algn="l" defTabSz="914400" rtl="0" eaLnBrk="1" latinLnBrk="0" hangingPunct="1">
-                <a:defRPr sz="1800" kern="1200">
-                  <a:solidFill>
-                    <a:schemeClr val="dk1"/>
-                  </a:solidFill>
-                  <a:latin typeface="+mn-lt"/>
-                  <a:ea typeface="+mn-ea"/>
-                  <a:cs typeface="+mn-cs"/>
-                </a:defRPr>
-              </a:lvl8pPr>
-              <a:lvl9pPr marL="3657600" algn="l" defTabSz="914400" rtl="0" eaLnBrk="1" latinLnBrk="0" hangingPunct="1">
-                <a:defRPr sz="1800" kern="1200">
-                  <a:solidFill>
-                    <a:schemeClr val="dk1"/>
-                  </a:solidFill>
-                  <a:latin typeface="+mn-lt"/>
-                  <a:ea typeface="+mn-ea"/>
-                  <a:cs typeface="+mn-cs"/>
-                </a:defRPr>
-              </a:lvl9pPr>
-            </a:lstStyle>
-            <a:p>
-              <a:pPr algn="ctr"/>
-              <a:r>
-                <a:rPr lang="en-US" sz="813" dirty="0">
-                  <a:solidFill>
-                    <a:schemeClr val="bg1"/>
-                  </a:solidFill>
-                </a:rPr>
-                <a:t>:</a:t>
-              </a:r>
-              <a:r>
-                <a:rPr lang="en-US" sz="813" dirty="0" err="1">
-                  <a:solidFill>
-                    <a:schemeClr val="bg1"/>
-                  </a:solidFill>
-                </a:rPr>
-                <a:t>VersionedPinBook</a:t>
-              </a:r>
-              <a:endParaRPr lang="en-SG" sz="813" dirty="0">
-                <a:solidFill>
-                  <a:schemeClr val="bg1"/>
-                </a:solidFill>
-              </a:endParaRPr>
-            </a:p>
-          </p:txBody>
-        </p:sp>
-        <p:cxnSp>
-          <p:nvCxnSpPr>
-            <p:cNvPr id="58" name="Straight Connector 57">
-              <a:extLst>
-                <a:ext uri="{FF2B5EF4-FFF2-40B4-BE49-F238E27FC236}">
-                  <a16:creationId xmlns:a16="http://schemas.microsoft.com/office/drawing/2014/main" id="{BE2689D9-A81B-4744-8D92-41165A3C46E2}"/>
-                </a:ext>
-              </a:extLst>
-            </p:cNvPr>
-            <p:cNvCxnSpPr>
-              <a:cxnSpLocks/>
-            </p:cNvCxnSpPr>
-            <p:nvPr/>
-          </p:nvCxnSpPr>
-          <p:spPr>
-            <a:xfrm>
-              <a:off x="12022773" y="2667004"/>
-              <a:ext cx="0" cy="1722019"/>
-            </a:xfrm>
-            <a:prstGeom prst="line">
-              <a:avLst/>
-            </a:prstGeom>
-            <a:ln w="19050">
-              <a:solidFill>
-                <a:srgbClr val="7030A0"/>
-              </a:solidFill>
-              <a:prstDash val="sysDash"/>
-            </a:ln>
-            <a:effectLst/>
-          </p:spPr>
-          <p:style>
-            <a:lnRef idx="1">
-              <a:schemeClr val="accent1"/>
-            </a:lnRef>
-            <a:fillRef idx="2">
-              <a:schemeClr val="accent1"/>
-            </a:fillRef>
-            <a:effectRef idx="1">
-              <a:schemeClr val="accent1"/>
-            </a:effectRef>
-            <a:fontRef idx="minor">
-              <a:schemeClr val="dk1"/>
-            </a:fontRef>
-          </p:style>
-        </p:cxnSp>
-        <p:cxnSp>
-          <p:nvCxnSpPr>
-            <p:cNvPr id="59" name="Curved Connector 58">
-              <a:extLst>
-                <a:ext uri="{FF2B5EF4-FFF2-40B4-BE49-F238E27FC236}">
-                  <a16:creationId xmlns:a16="http://schemas.microsoft.com/office/drawing/2014/main" id="{F8DDCABC-D5A7-4B48-AE25-18CBAAEBF06D}"/>
-                </a:ext>
-              </a:extLst>
-            </p:cNvPr>
-            <p:cNvCxnSpPr>
-              <a:cxnSpLocks/>
-            </p:cNvCxnSpPr>
-            <p:nvPr/>
-          </p:nvCxnSpPr>
-          <p:spPr>
-            <a:xfrm rot="16200000" flipH="1">
-              <a:off x="11974760" y="3545568"/>
-              <a:ext cx="156923" cy="76200"/>
-            </a:xfrm>
-            <a:prstGeom prst="curvedConnector4">
-              <a:avLst>
-                <a:gd name="adj1" fmla="val -133663"/>
-                <a:gd name="adj2" fmla="val 400000"/>
-              </a:avLst>
-            </a:prstGeom>
-            <a:ln>
-              <a:solidFill>
-                <a:srgbClr val="7030A0"/>
-              </a:solidFill>
-              <a:tailEnd type="triangle"/>
-            </a:ln>
-          </p:spPr>
-          <p:style>
-            <a:lnRef idx="1">
-              <a:schemeClr val="accent1"/>
-            </a:lnRef>
-            <a:fillRef idx="0">
-              <a:schemeClr val="accent1"/>
-            </a:fillRef>
-            <a:effectRef idx="0">
-              <a:schemeClr val="accent1"/>
-            </a:effectRef>
-            <a:fontRef idx="minor">
-              <a:schemeClr val="tx1"/>
-            </a:fontRef>
-          </p:style>
-        </p:cxnSp>
-        <p:sp>
-          <p:nvSpPr>
-            <p:cNvPr id="61" name="Rectangle 60">
-              <a:extLst>
-                <a:ext uri="{FF2B5EF4-FFF2-40B4-BE49-F238E27FC236}">
-                  <a16:creationId xmlns:a16="http://schemas.microsoft.com/office/drawing/2014/main" id="{F4C3511C-4558-1947-9E9D-142752AC8D1C}"/>
-                </a:ext>
-              </a:extLst>
-            </p:cNvPr>
-            <p:cNvSpPr/>
-            <p:nvPr/>
-          </p:nvSpPr>
-          <p:spPr>
-            <a:xfrm>
-              <a:off x="11951486" y="3505205"/>
-              <a:ext cx="139835" cy="385327"/>
-            </a:xfrm>
-            <a:prstGeom prst="rect">
-              <a:avLst/>
-            </a:prstGeom>
+            </a:endParaRPr>
+          </a:p>
+        </p:txBody>
+      </p:sp>
+      <p:sp>
+        <p:nvSpPr>
+          <p:cNvPr id="57" name="Rectangle 56">
+            <a:extLst>
+              <a:ext uri="{FF2B5EF4-FFF2-40B4-BE49-F238E27FC236}">
+                <a16:creationId xmlns:a16="http://schemas.microsoft.com/office/drawing/2014/main" id="{1634C122-ADAD-4E9D-AA59-B31DEA0EC051}"/>
+              </a:ext>
+            </a:extLst>
+          </p:cNvPr>
+          <p:cNvSpPr/>
+          <p:nvPr/>
+        </p:nvSpPr>
+        <p:spPr>
+          <a:xfrm>
+            <a:off x="10643247" y="3691296"/>
+            <a:ext cx="129933" cy="398562"/>
+          </a:xfrm>
+          <a:prstGeom prst="rect">
+            <a:avLst/>
+          </a:prstGeom>
+          <a:solidFill>
+            <a:srgbClr val="7030A0"/>
+          </a:solidFill>
+          <a:ln>
             <a:solidFill>
               <a:srgbClr val="7030A0"/>
             </a:solidFill>
-            <a:ln>
-              <a:solidFill>
-                <a:srgbClr val="7030A0"/>
-              </a:solidFill>
-            </a:ln>
-            <a:effectLst/>
-          </p:spPr>
-          <p:style>
-            <a:lnRef idx="1">
-              <a:schemeClr val="accent3"/>
-            </a:lnRef>
-            <a:fillRef idx="2">
-              <a:schemeClr val="accent3"/>
-            </a:fillRef>
-            <a:effectRef idx="1">
-              <a:schemeClr val="accent3"/>
-            </a:effectRef>
-            <a:fontRef idx="minor">
-              <a:schemeClr val="dk1"/>
-            </a:fontRef>
-          </p:style>
-          <p:txBody>
-            <a:bodyPr rtlCol="0" anchor="ctr"/>
-            <a:lstStyle/>
-            <a:p>
-              <a:pPr algn="ctr"/>
-              <a:endParaRPr lang="en-SG" sz="711"/>
-            </a:p>
-          </p:txBody>
-        </p:sp>
-        <p:cxnSp>
-          <p:nvCxnSpPr>
-            <p:cNvPr id="62" name="Straight Arrow Connector 61">
-              <a:extLst>
-                <a:ext uri="{FF2B5EF4-FFF2-40B4-BE49-F238E27FC236}">
-                  <a16:creationId xmlns:a16="http://schemas.microsoft.com/office/drawing/2014/main" id="{0C770666-75CF-5B4A-A089-0EF65B46CB2A}"/>
-                </a:ext>
-              </a:extLst>
-            </p:cNvPr>
-            <p:cNvCxnSpPr>
-              <a:cxnSpLocks/>
-            </p:cNvCxnSpPr>
-            <p:nvPr/>
-          </p:nvCxnSpPr>
-          <p:spPr>
-            <a:xfrm>
-              <a:off x="7077105" y="3505205"/>
-              <a:ext cx="4886289" cy="0"/>
-            </a:xfrm>
-            <a:prstGeom prst="straightConnector1">
-              <a:avLst/>
-            </a:prstGeom>
-            <a:ln w="19050">
-              <a:solidFill>
-                <a:srgbClr val="7030A0"/>
-              </a:solidFill>
-              <a:tailEnd type="arrow"/>
-            </a:ln>
-          </p:spPr>
-          <p:style>
-            <a:lnRef idx="1">
+          </a:ln>
+          <a:effectLst/>
+        </p:spPr>
+        <p:style>
+          <a:lnRef idx="1">
+            <a:schemeClr val="accent3"/>
+          </a:lnRef>
+          <a:fillRef idx="2">
+            <a:schemeClr val="accent3"/>
+          </a:fillRef>
+          <a:effectRef idx="1">
+            <a:schemeClr val="accent3"/>
+          </a:effectRef>
+          <a:fontRef idx="minor">
+            <a:schemeClr val="dk1"/>
+          </a:fontRef>
+        </p:style>
+        <p:txBody>
+          <a:bodyPr rtlCol="0" anchor="ctr"/>
+          <a:lstStyle>
+            <a:defPPr>
+              <a:defRPr lang="en-US"/>
+            </a:defPPr>
+            <a:lvl1pPr marL="0" algn="l" defTabSz="914400" rtl="0" eaLnBrk="1" latinLnBrk="0" hangingPunct="1">
+              <a:defRPr sz="1800" kern="1200">
+                <a:solidFill>
+                  <a:schemeClr val="dk1"/>
+                </a:solidFill>
+                <a:latin typeface="+mn-lt"/>
+                <a:ea typeface="+mn-ea"/>
+                <a:cs typeface="+mn-cs"/>
+              </a:defRPr>
+            </a:lvl1pPr>
+            <a:lvl2pPr marL="457200" algn="l" defTabSz="914400" rtl="0" eaLnBrk="1" latinLnBrk="0" hangingPunct="1">
+              <a:defRPr sz="1800" kern="1200">
+                <a:solidFill>
+                  <a:schemeClr val="dk1"/>
+                </a:solidFill>
+                <a:latin typeface="+mn-lt"/>
+                <a:ea typeface="+mn-ea"/>
+                <a:cs typeface="+mn-cs"/>
+              </a:defRPr>
+            </a:lvl2pPr>
+            <a:lvl3pPr marL="914400" algn="l" defTabSz="914400" rtl="0" eaLnBrk="1" latinLnBrk="0" hangingPunct="1">
+              <a:defRPr sz="1800" kern="1200">
+                <a:solidFill>
+                  <a:schemeClr val="dk1"/>
+                </a:solidFill>
+                <a:latin typeface="+mn-lt"/>
+                <a:ea typeface="+mn-ea"/>
+                <a:cs typeface="+mn-cs"/>
+              </a:defRPr>
+            </a:lvl3pPr>
+            <a:lvl4pPr marL="1371600" algn="l" defTabSz="914400" rtl="0" eaLnBrk="1" latinLnBrk="0" hangingPunct="1">
+              <a:defRPr sz="1800" kern="1200">
+                <a:solidFill>
+                  <a:schemeClr val="dk1"/>
+                </a:solidFill>
+                <a:latin typeface="+mn-lt"/>
+                <a:ea typeface="+mn-ea"/>
+                <a:cs typeface="+mn-cs"/>
+              </a:defRPr>
+            </a:lvl4pPr>
+            <a:lvl5pPr marL="1828800" algn="l" defTabSz="914400" rtl="0" eaLnBrk="1" latinLnBrk="0" hangingPunct="1">
+              <a:defRPr sz="1800" kern="1200">
+                <a:solidFill>
+                  <a:schemeClr val="dk1"/>
+                </a:solidFill>
+                <a:latin typeface="+mn-lt"/>
+                <a:ea typeface="+mn-ea"/>
+                <a:cs typeface="+mn-cs"/>
+              </a:defRPr>
+            </a:lvl5pPr>
+            <a:lvl6pPr marL="2286000" algn="l" defTabSz="914400" rtl="0" eaLnBrk="1" latinLnBrk="0" hangingPunct="1">
+              <a:defRPr sz="1800" kern="1200">
+                <a:solidFill>
+                  <a:schemeClr val="dk1"/>
+                </a:solidFill>
+                <a:latin typeface="+mn-lt"/>
+                <a:ea typeface="+mn-ea"/>
+                <a:cs typeface="+mn-cs"/>
+              </a:defRPr>
+            </a:lvl6pPr>
+            <a:lvl7pPr marL="2743200" algn="l" defTabSz="914400" rtl="0" eaLnBrk="1" latinLnBrk="0" hangingPunct="1">
+              <a:defRPr sz="1800" kern="1200">
+                <a:solidFill>
+                  <a:schemeClr val="dk1"/>
+                </a:solidFill>
+                <a:latin typeface="+mn-lt"/>
+                <a:ea typeface="+mn-ea"/>
+                <a:cs typeface="+mn-cs"/>
+              </a:defRPr>
+            </a:lvl7pPr>
+            <a:lvl8pPr marL="3200400" algn="l" defTabSz="914400" rtl="0" eaLnBrk="1" latinLnBrk="0" hangingPunct="1">
+              <a:defRPr sz="1800" kern="1200">
+                <a:solidFill>
+                  <a:schemeClr val="dk1"/>
+                </a:solidFill>
+                <a:latin typeface="+mn-lt"/>
+                <a:ea typeface="+mn-ea"/>
+                <a:cs typeface="+mn-cs"/>
+              </a:defRPr>
+            </a:lvl8pPr>
+            <a:lvl9pPr marL="3657600" algn="l" defTabSz="914400" rtl="0" eaLnBrk="1" latinLnBrk="0" hangingPunct="1">
+              <a:defRPr sz="1800" kern="1200">
+                <a:solidFill>
+                  <a:schemeClr val="dk1"/>
+                </a:solidFill>
+                <a:latin typeface="+mn-lt"/>
+                <a:ea typeface="+mn-ea"/>
+                <a:cs typeface="+mn-cs"/>
+              </a:defRPr>
+            </a:lvl9pPr>
+          </a:lstStyle>
+          <a:p>
+            <a:pPr algn="ctr"/>
+            <a:endParaRPr lang="en-SG" sz="1400"/>
+          </a:p>
+        </p:txBody>
+      </p:sp>
+      <p:cxnSp>
+        <p:nvCxnSpPr>
+          <p:cNvPr id="58" name="Straight Connector 57">
+            <a:extLst>
+              <a:ext uri="{FF2B5EF4-FFF2-40B4-BE49-F238E27FC236}">
+                <a16:creationId xmlns:a16="http://schemas.microsoft.com/office/drawing/2014/main" id="{C2E9DA90-CECD-41DC-BC64-C2AB0A1730FE}"/>
+              </a:ext>
+            </a:extLst>
+          </p:cNvPr>
+          <p:cNvCxnSpPr>
+            <a:cxnSpLocks/>
+          </p:cNvCxnSpPr>
+          <p:nvPr/>
+        </p:nvCxnSpPr>
+        <p:spPr>
+          <a:xfrm>
+            <a:off x="10717082" y="3379811"/>
+            <a:ext cx="13839" cy="4027629"/>
+          </a:xfrm>
+          <a:prstGeom prst="line">
+            <a:avLst/>
+          </a:prstGeom>
+          <a:ln w="19050">
+            <a:solidFill>
+              <a:srgbClr val="7030A0"/>
+            </a:solidFill>
+            <a:prstDash val="sysDash"/>
+          </a:ln>
+          <a:effectLst/>
+        </p:spPr>
+        <p:style>
+          <a:lnRef idx="1">
+            <a:schemeClr val="accent1"/>
+          </a:lnRef>
+          <a:fillRef idx="2">
+            <a:schemeClr val="accent1"/>
+          </a:fillRef>
+          <a:effectRef idx="1">
+            <a:schemeClr val="accent1"/>
+          </a:effectRef>
+          <a:fontRef idx="minor">
+            <a:schemeClr val="dk1"/>
+          </a:fontRef>
+        </p:style>
+      </p:cxnSp>
+      <p:sp>
+        <p:nvSpPr>
+          <p:cNvPr id="59" name="TextBox 93">
+            <a:extLst>
+              <a:ext uri="{FF2B5EF4-FFF2-40B4-BE49-F238E27FC236}">
+                <a16:creationId xmlns:a16="http://schemas.microsoft.com/office/drawing/2014/main" id="{56A73D8F-D832-4AE8-B120-0D9A35F5C997}"/>
+              </a:ext>
+            </a:extLst>
+          </p:cNvPr>
+          <p:cNvSpPr txBox="1"/>
+          <p:nvPr/>
+        </p:nvSpPr>
+        <p:spPr>
+          <a:xfrm>
+            <a:off x="8915400" y="3429000"/>
+            <a:ext cx="1660420" cy="276999"/>
+          </a:xfrm>
+          <a:prstGeom prst="rect">
+            <a:avLst/>
+          </a:prstGeom>
+          <a:noFill/>
+          <a:ln>
+            <a:noFill/>
+          </a:ln>
+        </p:spPr>
+        <p:txBody>
+          <a:bodyPr wrap="square" lIns="0" tIns="0" rIns="0" bIns="0" rtlCol="0">
+            <a:spAutoFit/>
+          </a:bodyPr>
+          <a:lstStyle>
+            <a:defPPr>
+              <a:defRPr lang="en-US"/>
+            </a:defPPr>
+            <a:lvl1pPr marL="0" algn="l" defTabSz="914400" rtl="0" eaLnBrk="1" latinLnBrk="0" hangingPunct="1">
+              <a:defRPr sz="1800" kern="1200">
+                <a:solidFill>
+                  <a:schemeClr val="tx1"/>
+                </a:solidFill>
+                <a:latin typeface="+mn-lt"/>
+                <a:ea typeface="+mn-ea"/>
+                <a:cs typeface="+mn-cs"/>
+              </a:defRPr>
+            </a:lvl1pPr>
+            <a:lvl2pPr marL="457200" algn="l" defTabSz="914400" rtl="0" eaLnBrk="1" latinLnBrk="0" hangingPunct="1">
+              <a:defRPr sz="1800" kern="1200">
+                <a:solidFill>
+                  <a:schemeClr val="tx1"/>
+                </a:solidFill>
+                <a:latin typeface="+mn-lt"/>
+                <a:ea typeface="+mn-ea"/>
+                <a:cs typeface="+mn-cs"/>
+              </a:defRPr>
+            </a:lvl2pPr>
+            <a:lvl3pPr marL="914400" algn="l" defTabSz="914400" rtl="0" eaLnBrk="1" latinLnBrk="0" hangingPunct="1">
+              <a:defRPr sz="1800" kern="1200">
+                <a:solidFill>
+                  <a:schemeClr val="tx1"/>
+                </a:solidFill>
+                <a:latin typeface="+mn-lt"/>
+                <a:ea typeface="+mn-ea"/>
+                <a:cs typeface="+mn-cs"/>
+              </a:defRPr>
+            </a:lvl3pPr>
+            <a:lvl4pPr marL="1371600" algn="l" defTabSz="914400" rtl="0" eaLnBrk="1" latinLnBrk="0" hangingPunct="1">
+              <a:defRPr sz="1800" kern="1200">
+                <a:solidFill>
+                  <a:schemeClr val="tx1"/>
+                </a:solidFill>
+                <a:latin typeface="+mn-lt"/>
+                <a:ea typeface="+mn-ea"/>
+                <a:cs typeface="+mn-cs"/>
+              </a:defRPr>
+            </a:lvl4pPr>
+            <a:lvl5pPr marL="1828800" algn="l" defTabSz="914400" rtl="0" eaLnBrk="1" latinLnBrk="0" hangingPunct="1">
+              <a:defRPr sz="1800" kern="1200">
+                <a:solidFill>
+                  <a:schemeClr val="tx1"/>
+                </a:solidFill>
+                <a:latin typeface="+mn-lt"/>
+                <a:ea typeface="+mn-ea"/>
+                <a:cs typeface="+mn-cs"/>
+              </a:defRPr>
+            </a:lvl5pPr>
+            <a:lvl6pPr marL="2286000" algn="l" defTabSz="914400" rtl="0" eaLnBrk="1" latinLnBrk="0" hangingPunct="1">
+              <a:defRPr sz="1800" kern="1200">
+                <a:solidFill>
+                  <a:schemeClr val="tx1"/>
+                </a:solidFill>
+                <a:latin typeface="+mn-lt"/>
+                <a:ea typeface="+mn-ea"/>
+                <a:cs typeface="+mn-cs"/>
+              </a:defRPr>
+            </a:lvl6pPr>
+            <a:lvl7pPr marL="2743200" algn="l" defTabSz="914400" rtl="0" eaLnBrk="1" latinLnBrk="0" hangingPunct="1">
+              <a:defRPr sz="1800" kern="1200">
+                <a:solidFill>
+                  <a:schemeClr val="tx1"/>
+                </a:solidFill>
+                <a:latin typeface="+mn-lt"/>
+                <a:ea typeface="+mn-ea"/>
+                <a:cs typeface="+mn-cs"/>
+              </a:defRPr>
+            </a:lvl7pPr>
+            <a:lvl8pPr marL="3200400" algn="l" defTabSz="914400" rtl="0" eaLnBrk="1" latinLnBrk="0" hangingPunct="1">
+              <a:defRPr sz="1800" kern="1200">
+                <a:solidFill>
+                  <a:schemeClr val="tx1"/>
+                </a:solidFill>
+                <a:latin typeface="+mn-lt"/>
+                <a:ea typeface="+mn-ea"/>
+                <a:cs typeface="+mn-cs"/>
+              </a:defRPr>
+            </a:lvl8pPr>
+            <a:lvl9pPr marL="3657600" algn="l" defTabSz="914400" rtl="0" eaLnBrk="1" latinLnBrk="0" hangingPunct="1">
+              <a:defRPr sz="1800" kern="1200">
+                <a:solidFill>
+                  <a:schemeClr val="tx1"/>
+                </a:solidFill>
+                <a:latin typeface="+mn-lt"/>
+                <a:ea typeface="+mn-ea"/>
+                <a:cs typeface="+mn-cs"/>
+              </a:defRPr>
+            </a:lvl9pPr>
+          </a:lstStyle>
+          <a:p>
+            <a:r>
+              <a:rPr lang="en-US" dirty="0" err="1">
+                <a:solidFill>
+                  <a:srgbClr val="7030A0"/>
+                </a:solidFill>
+              </a:rPr>
+              <a:t>removePerson</a:t>
+            </a:r>
+            <a:r>
+              <a:rPr lang="en-US" dirty="0">
+                <a:solidFill>
+                  <a:schemeClr val="accent4">
+                    <a:lumMod val="75000"/>
+                  </a:schemeClr>
+                </a:solidFill>
+              </a:rPr>
+              <a:t>(p)</a:t>
+            </a:r>
+          </a:p>
+        </p:txBody>
+      </p:sp>
+      <p:cxnSp>
+        <p:nvCxnSpPr>
+          <p:cNvPr id="60" name="Straight Arrow Connector 59">
+            <a:extLst>
+              <a:ext uri="{FF2B5EF4-FFF2-40B4-BE49-F238E27FC236}">
+                <a16:creationId xmlns:a16="http://schemas.microsoft.com/office/drawing/2014/main" id="{B91C85EA-6592-4E1A-8CE4-2BED2BED62F8}"/>
+              </a:ext>
+            </a:extLst>
+          </p:cNvPr>
+          <p:cNvCxnSpPr>
+            <a:cxnSpLocks/>
+          </p:cNvCxnSpPr>
+          <p:nvPr/>
+        </p:nvCxnSpPr>
+        <p:spPr>
+          <a:xfrm>
+            <a:off x="7651781" y="3691295"/>
+            <a:ext cx="2991465" cy="1"/>
+          </a:xfrm>
+          <a:prstGeom prst="straightConnector1">
+            <a:avLst/>
+          </a:prstGeom>
+          <a:ln w="19050">
+            <a:solidFill>
+              <a:srgbClr val="7030A0"/>
+            </a:solidFill>
+            <a:tailEnd type="arrow"/>
+          </a:ln>
+        </p:spPr>
+        <p:style>
+          <a:lnRef idx="1">
+            <a:schemeClr val="accent1"/>
+          </a:lnRef>
+          <a:fillRef idx="0">
+            <a:schemeClr val="accent1"/>
+          </a:fillRef>
+          <a:effectRef idx="0">
+            <a:schemeClr val="accent1"/>
+          </a:effectRef>
+          <a:fontRef idx="minor">
+            <a:schemeClr val="tx1"/>
+          </a:fontRef>
+        </p:style>
+      </p:cxnSp>
+      <p:cxnSp>
+        <p:nvCxnSpPr>
+          <p:cNvPr id="61" name="Straight Arrow Connector 60">
+            <a:extLst>
+              <a:ext uri="{FF2B5EF4-FFF2-40B4-BE49-F238E27FC236}">
+                <a16:creationId xmlns:a16="http://schemas.microsoft.com/office/drawing/2014/main" id="{B8F9DA95-B69E-4D96-A0BB-5CBF89234259}"/>
+              </a:ext>
+            </a:extLst>
+          </p:cNvPr>
+          <p:cNvCxnSpPr>
+            <a:cxnSpLocks/>
+          </p:cNvCxnSpPr>
+          <p:nvPr/>
+        </p:nvCxnSpPr>
+        <p:spPr>
+          <a:xfrm flipV="1">
+            <a:off x="7609565" y="4073374"/>
+            <a:ext cx="3033681" cy="12796"/>
+          </a:xfrm>
+          <a:prstGeom prst="straightConnector1">
+            <a:avLst/>
+          </a:prstGeom>
+          <a:ln w="19050">
+            <a:solidFill>
+              <a:srgbClr val="7030A0"/>
+            </a:solidFill>
+            <a:prstDash val="sysDash"/>
+            <a:headEnd type="arrow" w="med" len="med"/>
+            <a:tailEnd type="none" w="med" len="med"/>
+          </a:ln>
+        </p:spPr>
+        <p:style>
+          <a:lnRef idx="1">
+            <a:schemeClr val="accent1"/>
+          </a:lnRef>
+          <a:fillRef idx="0">
+            <a:schemeClr val="accent1"/>
+          </a:fillRef>
+          <a:effectRef idx="0">
+            <a:schemeClr val="accent1"/>
+          </a:effectRef>
+          <a:fontRef idx="minor">
+            <a:schemeClr val="tx1"/>
+          </a:fontRef>
+        </p:style>
+      </p:cxnSp>
+      <p:sp>
+        <p:nvSpPr>
+          <p:cNvPr id="62" name="Rectangle 61">
+            <a:extLst>
+              <a:ext uri="{FF2B5EF4-FFF2-40B4-BE49-F238E27FC236}">
+                <a16:creationId xmlns:a16="http://schemas.microsoft.com/office/drawing/2014/main" id="{1FA5D892-FC7D-4A2B-8B73-D29CD845BC49}"/>
+              </a:ext>
+            </a:extLst>
+          </p:cNvPr>
+          <p:cNvSpPr/>
+          <p:nvPr/>
+        </p:nvSpPr>
+        <p:spPr>
+          <a:xfrm>
+            <a:off x="7482928" y="4418078"/>
+            <a:ext cx="129933" cy="398562"/>
+          </a:xfrm>
+          <a:prstGeom prst="rect">
+            <a:avLst/>
+          </a:prstGeom>
+          <a:solidFill>
+            <a:srgbClr val="7030A0"/>
+          </a:solidFill>
+          <a:ln>
+            <a:solidFill>
+              <a:srgbClr val="7030A0"/>
+            </a:solidFill>
+          </a:ln>
+          <a:effectLst/>
+        </p:spPr>
+        <p:style>
+          <a:lnRef idx="1">
+            <a:schemeClr val="accent3"/>
+          </a:lnRef>
+          <a:fillRef idx="2">
+            <a:schemeClr val="accent3"/>
+          </a:fillRef>
+          <a:effectRef idx="1">
+            <a:schemeClr val="accent3"/>
+          </a:effectRef>
+          <a:fontRef idx="minor">
+            <a:schemeClr val="dk1"/>
+          </a:fontRef>
+        </p:style>
+        <p:txBody>
+          <a:bodyPr rtlCol="0" anchor="ctr"/>
+          <a:lstStyle>
+            <a:defPPr>
+              <a:defRPr lang="en-US"/>
+            </a:defPPr>
+            <a:lvl1pPr marL="0" algn="l" defTabSz="914400" rtl="0" eaLnBrk="1" latinLnBrk="0" hangingPunct="1">
+              <a:defRPr sz="1800" kern="1200">
+                <a:solidFill>
+                  <a:schemeClr val="dk1"/>
+                </a:solidFill>
+                <a:latin typeface="+mn-lt"/>
+                <a:ea typeface="+mn-ea"/>
+                <a:cs typeface="+mn-cs"/>
+              </a:defRPr>
+            </a:lvl1pPr>
+            <a:lvl2pPr marL="457200" algn="l" defTabSz="914400" rtl="0" eaLnBrk="1" latinLnBrk="0" hangingPunct="1">
+              <a:defRPr sz="1800" kern="1200">
+                <a:solidFill>
+                  <a:schemeClr val="dk1"/>
+                </a:solidFill>
+                <a:latin typeface="+mn-lt"/>
+                <a:ea typeface="+mn-ea"/>
+                <a:cs typeface="+mn-cs"/>
+              </a:defRPr>
+            </a:lvl2pPr>
+            <a:lvl3pPr marL="914400" algn="l" defTabSz="914400" rtl="0" eaLnBrk="1" latinLnBrk="0" hangingPunct="1">
+              <a:defRPr sz="1800" kern="1200">
+                <a:solidFill>
+                  <a:schemeClr val="dk1"/>
+                </a:solidFill>
+                <a:latin typeface="+mn-lt"/>
+                <a:ea typeface="+mn-ea"/>
+                <a:cs typeface="+mn-cs"/>
+              </a:defRPr>
+            </a:lvl3pPr>
+            <a:lvl4pPr marL="1371600" algn="l" defTabSz="914400" rtl="0" eaLnBrk="1" latinLnBrk="0" hangingPunct="1">
+              <a:defRPr sz="1800" kern="1200">
+                <a:solidFill>
+                  <a:schemeClr val="dk1"/>
+                </a:solidFill>
+                <a:latin typeface="+mn-lt"/>
+                <a:ea typeface="+mn-ea"/>
+                <a:cs typeface="+mn-cs"/>
+              </a:defRPr>
+            </a:lvl4pPr>
+            <a:lvl5pPr marL="1828800" algn="l" defTabSz="914400" rtl="0" eaLnBrk="1" latinLnBrk="0" hangingPunct="1">
+              <a:defRPr sz="1800" kern="1200">
+                <a:solidFill>
+                  <a:schemeClr val="dk1"/>
+                </a:solidFill>
+                <a:latin typeface="+mn-lt"/>
+                <a:ea typeface="+mn-ea"/>
+                <a:cs typeface="+mn-cs"/>
+              </a:defRPr>
+            </a:lvl5pPr>
+            <a:lvl6pPr marL="2286000" algn="l" defTabSz="914400" rtl="0" eaLnBrk="1" latinLnBrk="0" hangingPunct="1">
+              <a:defRPr sz="1800" kern="1200">
+                <a:solidFill>
+                  <a:schemeClr val="dk1"/>
+                </a:solidFill>
+                <a:latin typeface="+mn-lt"/>
+                <a:ea typeface="+mn-ea"/>
+                <a:cs typeface="+mn-cs"/>
+              </a:defRPr>
+            </a:lvl6pPr>
+            <a:lvl7pPr marL="2743200" algn="l" defTabSz="914400" rtl="0" eaLnBrk="1" latinLnBrk="0" hangingPunct="1">
+              <a:defRPr sz="1800" kern="1200">
+                <a:solidFill>
+                  <a:schemeClr val="dk1"/>
+                </a:solidFill>
+                <a:latin typeface="+mn-lt"/>
+                <a:ea typeface="+mn-ea"/>
+                <a:cs typeface="+mn-cs"/>
+              </a:defRPr>
+            </a:lvl7pPr>
+            <a:lvl8pPr marL="3200400" algn="l" defTabSz="914400" rtl="0" eaLnBrk="1" latinLnBrk="0" hangingPunct="1">
+              <a:defRPr sz="1800" kern="1200">
+                <a:solidFill>
+                  <a:schemeClr val="dk1"/>
+                </a:solidFill>
+                <a:latin typeface="+mn-lt"/>
+                <a:ea typeface="+mn-ea"/>
+                <a:cs typeface="+mn-cs"/>
+              </a:defRPr>
+            </a:lvl8pPr>
+            <a:lvl9pPr marL="3657600" algn="l" defTabSz="914400" rtl="0" eaLnBrk="1" latinLnBrk="0" hangingPunct="1">
+              <a:defRPr sz="1800" kern="1200">
+                <a:solidFill>
+                  <a:schemeClr val="dk1"/>
+                </a:solidFill>
+                <a:latin typeface="+mn-lt"/>
+                <a:ea typeface="+mn-ea"/>
+                <a:cs typeface="+mn-cs"/>
+              </a:defRPr>
+            </a:lvl9pPr>
+          </a:lstStyle>
+          <a:p>
+            <a:pPr algn="ctr"/>
+            <a:endParaRPr lang="en-SG" sz="1400"/>
+          </a:p>
+        </p:txBody>
+      </p:sp>
+      <p:sp>
+        <p:nvSpPr>
+          <p:cNvPr id="63" name="Rectangle 62">
+            <a:extLst>
+              <a:ext uri="{FF2B5EF4-FFF2-40B4-BE49-F238E27FC236}">
+                <a16:creationId xmlns:a16="http://schemas.microsoft.com/office/drawing/2014/main" id="{5E079CAF-EF3B-4504-B9F8-62D531D2AC9A}"/>
+              </a:ext>
+            </a:extLst>
+          </p:cNvPr>
+          <p:cNvSpPr/>
+          <p:nvPr/>
+        </p:nvSpPr>
+        <p:spPr>
+          <a:xfrm>
+            <a:off x="7482498" y="5027678"/>
+            <a:ext cx="129933" cy="398562"/>
+          </a:xfrm>
+          <a:prstGeom prst="rect">
+            <a:avLst/>
+          </a:prstGeom>
+          <a:solidFill>
+            <a:srgbClr val="7030A0"/>
+          </a:solidFill>
+          <a:ln>
+            <a:solidFill>
+              <a:srgbClr val="7030A0"/>
+            </a:solidFill>
+          </a:ln>
+          <a:effectLst/>
+        </p:spPr>
+        <p:style>
+          <a:lnRef idx="1">
+            <a:schemeClr val="accent3"/>
+          </a:lnRef>
+          <a:fillRef idx="2">
+            <a:schemeClr val="accent3"/>
+          </a:fillRef>
+          <a:effectRef idx="1">
+            <a:schemeClr val="accent3"/>
+          </a:effectRef>
+          <a:fontRef idx="minor">
+            <a:schemeClr val="dk1"/>
+          </a:fontRef>
+        </p:style>
+        <p:txBody>
+          <a:bodyPr rtlCol="0" anchor="ctr"/>
+          <a:lstStyle>
+            <a:defPPr>
+              <a:defRPr lang="en-US"/>
+            </a:defPPr>
+            <a:lvl1pPr marL="0" algn="l" defTabSz="914400" rtl="0" eaLnBrk="1" latinLnBrk="0" hangingPunct="1">
+              <a:defRPr sz="1800" kern="1200">
+                <a:solidFill>
+                  <a:schemeClr val="dk1"/>
+                </a:solidFill>
+                <a:latin typeface="+mn-lt"/>
+                <a:ea typeface="+mn-ea"/>
+                <a:cs typeface="+mn-cs"/>
+              </a:defRPr>
+            </a:lvl1pPr>
+            <a:lvl2pPr marL="457200" algn="l" defTabSz="914400" rtl="0" eaLnBrk="1" latinLnBrk="0" hangingPunct="1">
+              <a:defRPr sz="1800" kern="1200">
+                <a:solidFill>
+                  <a:schemeClr val="dk1"/>
+                </a:solidFill>
+                <a:latin typeface="+mn-lt"/>
+                <a:ea typeface="+mn-ea"/>
+                <a:cs typeface="+mn-cs"/>
+              </a:defRPr>
+            </a:lvl2pPr>
+            <a:lvl3pPr marL="914400" algn="l" defTabSz="914400" rtl="0" eaLnBrk="1" latinLnBrk="0" hangingPunct="1">
+              <a:defRPr sz="1800" kern="1200">
+                <a:solidFill>
+                  <a:schemeClr val="dk1"/>
+                </a:solidFill>
+                <a:latin typeface="+mn-lt"/>
+                <a:ea typeface="+mn-ea"/>
+                <a:cs typeface="+mn-cs"/>
+              </a:defRPr>
+            </a:lvl3pPr>
+            <a:lvl4pPr marL="1371600" algn="l" defTabSz="914400" rtl="0" eaLnBrk="1" latinLnBrk="0" hangingPunct="1">
+              <a:defRPr sz="1800" kern="1200">
+                <a:solidFill>
+                  <a:schemeClr val="dk1"/>
+                </a:solidFill>
+                <a:latin typeface="+mn-lt"/>
+                <a:ea typeface="+mn-ea"/>
+                <a:cs typeface="+mn-cs"/>
+              </a:defRPr>
+            </a:lvl4pPr>
+            <a:lvl5pPr marL="1828800" algn="l" defTabSz="914400" rtl="0" eaLnBrk="1" latinLnBrk="0" hangingPunct="1">
+              <a:defRPr sz="1800" kern="1200">
+                <a:solidFill>
+                  <a:schemeClr val="dk1"/>
+                </a:solidFill>
+                <a:latin typeface="+mn-lt"/>
+                <a:ea typeface="+mn-ea"/>
+                <a:cs typeface="+mn-cs"/>
+              </a:defRPr>
+            </a:lvl5pPr>
+            <a:lvl6pPr marL="2286000" algn="l" defTabSz="914400" rtl="0" eaLnBrk="1" latinLnBrk="0" hangingPunct="1">
+              <a:defRPr sz="1800" kern="1200">
+                <a:solidFill>
+                  <a:schemeClr val="dk1"/>
+                </a:solidFill>
+                <a:latin typeface="+mn-lt"/>
+                <a:ea typeface="+mn-ea"/>
+                <a:cs typeface="+mn-cs"/>
+              </a:defRPr>
+            </a:lvl6pPr>
+            <a:lvl7pPr marL="2743200" algn="l" defTabSz="914400" rtl="0" eaLnBrk="1" latinLnBrk="0" hangingPunct="1">
+              <a:defRPr sz="1800" kern="1200">
+                <a:solidFill>
+                  <a:schemeClr val="dk1"/>
+                </a:solidFill>
+                <a:latin typeface="+mn-lt"/>
+                <a:ea typeface="+mn-ea"/>
+                <a:cs typeface="+mn-cs"/>
+              </a:defRPr>
+            </a:lvl7pPr>
+            <a:lvl8pPr marL="3200400" algn="l" defTabSz="914400" rtl="0" eaLnBrk="1" latinLnBrk="0" hangingPunct="1">
+              <a:defRPr sz="1800" kern="1200">
+                <a:solidFill>
+                  <a:schemeClr val="dk1"/>
+                </a:solidFill>
+                <a:latin typeface="+mn-lt"/>
+                <a:ea typeface="+mn-ea"/>
+                <a:cs typeface="+mn-cs"/>
+              </a:defRPr>
+            </a:lvl8pPr>
+            <a:lvl9pPr marL="3657600" algn="l" defTabSz="914400" rtl="0" eaLnBrk="1" latinLnBrk="0" hangingPunct="1">
+              <a:defRPr sz="1800" kern="1200">
+                <a:solidFill>
+                  <a:schemeClr val="dk1"/>
+                </a:solidFill>
+                <a:latin typeface="+mn-lt"/>
+                <a:ea typeface="+mn-ea"/>
+                <a:cs typeface="+mn-cs"/>
+              </a:defRPr>
+            </a:lvl9pPr>
+          </a:lstStyle>
+          <a:p>
+            <a:pPr algn="ctr"/>
+            <a:endParaRPr lang="en-SG" sz="1400"/>
+          </a:p>
+        </p:txBody>
+      </p:sp>
+      <p:sp>
+        <p:nvSpPr>
+          <p:cNvPr id="64" name="Rectangle 63">
+            <a:extLst>
+              <a:ext uri="{FF2B5EF4-FFF2-40B4-BE49-F238E27FC236}">
+                <a16:creationId xmlns:a16="http://schemas.microsoft.com/office/drawing/2014/main" id="{641F8A51-C67E-4F0F-A141-5086A587C3EE}"/>
+              </a:ext>
+            </a:extLst>
+          </p:cNvPr>
+          <p:cNvSpPr/>
+          <p:nvPr/>
+        </p:nvSpPr>
+        <p:spPr>
+          <a:xfrm>
+            <a:off x="10653186" y="4500437"/>
+            <a:ext cx="127791" cy="240003"/>
+          </a:xfrm>
+          <a:prstGeom prst="rect">
+            <a:avLst/>
+          </a:prstGeom>
+          <a:solidFill>
+            <a:srgbClr val="7030A0"/>
+          </a:solidFill>
+          <a:ln>
+            <a:solidFill>
+              <a:srgbClr val="7030A0"/>
+            </a:solidFill>
+          </a:ln>
+          <a:effectLst/>
+        </p:spPr>
+        <p:style>
+          <a:lnRef idx="1">
+            <a:schemeClr val="accent3"/>
+          </a:lnRef>
+          <a:fillRef idx="2">
+            <a:schemeClr val="accent3"/>
+          </a:fillRef>
+          <a:effectRef idx="1">
+            <a:schemeClr val="accent3"/>
+          </a:effectRef>
+          <a:fontRef idx="minor">
+            <a:schemeClr val="dk1"/>
+          </a:fontRef>
+        </p:style>
+        <p:txBody>
+          <a:bodyPr rtlCol="0" anchor="ctr"/>
+          <a:lstStyle>
+            <a:defPPr>
+              <a:defRPr lang="en-US"/>
+            </a:defPPr>
+            <a:lvl1pPr marL="0" algn="l" defTabSz="914400" rtl="0" eaLnBrk="1" latinLnBrk="0" hangingPunct="1">
+              <a:defRPr sz="1800" kern="1200">
+                <a:solidFill>
+                  <a:schemeClr val="dk1"/>
+                </a:solidFill>
+                <a:latin typeface="+mn-lt"/>
+                <a:ea typeface="+mn-ea"/>
+                <a:cs typeface="+mn-cs"/>
+              </a:defRPr>
+            </a:lvl1pPr>
+            <a:lvl2pPr marL="457200" algn="l" defTabSz="914400" rtl="0" eaLnBrk="1" latinLnBrk="0" hangingPunct="1">
+              <a:defRPr sz="1800" kern="1200">
+                <a:solidFill>
+                  <a:schemeClr val="dk1"/>
+                </a:solidFill>
+                <a:latin typeface="+mn-lt"/>
+                <a:ea typeface="+mn-ea"/>
+                <a:cs typeface="+mn-cs"/>
+              </a:defRPr>
+            </a:lvl2pPr>
+            <a:lvl3pPr marL="914400" algn="l" defTabSz="914400" rtl="0" eaLnBrk="1" latinLnBrk="0" hangingPunct="1">
+              <a:defRPr sz="1800" kern="1200">
+                <a:solidFill>
+                  <a:schemeClr val="dk1"/>
+                </a:solidFill>
+                <a:latin typeface="+mn-lt"/>
+                <a:ea typeface="+mn-ea"/>
+                <a:cs typeface="+mn-cs"/>
+              </a:defRPr>
+            </a:lvl3pPr>
+            <a:lvl4pPr marL="1371600" algn="l" defTabSz="914400" rtl="0" eaLnBrk="1" latinLnBrk="0" hangingPunct="1">
+              <a:defRPr sz="1800" kern="1200">
+                <a:solidFill>
+                  <a:schemeClr val="dk1"/>
+                </a:solidFill>
+                <a:latin typeface="+mn-lt"/>
+                <a:ea typeface="+mn-ea"/>
+                <a:cs typeface="+mn-cs"/>
+              </a:defRPr>
+            </a:lvl4pPr>
+            <a:lvl5pPr marL="1828800" algn="l" defTabSz="914400" rtl="0" eaLnBrk="1" latinLnBrk="0" hangingPunct="1">
+              <a:defRPr sz="1800" kern="1200">
+                <a:solidFill>
+                  <a:schemeClr val="dk1"/>
+                </a:solidFill>
+                <a:latin typeface="+mn-lt"/>
+                <a:ea typeface="+mn-ea"/>
+                <a:cs typeface="+mn-cs"/>
+              </a:defRPr>
+            </a:lvl5pPr>
+            <a:lvl6pPr marL="2286000" algn="l" defTabSz="914400" rtl="0" eaLnBrk="1" latinLnBrk="0" hangingPunct="1">
+              <a:defRPr sz="1800" kern="1200">
+                <a:solidFill>
+                  <a:schemeClr val="dk1"/>
+                </a:solidFill>
+                <a:latin typeface="+mn-lt"/>
+                <a:ea typeface="+mn-ea"/>
+                <a:cs typeface="+mn-cs"/>
+              </a:defRPr>
+            </a:lvl6pPr>
+            <a:lvl7pPr marL="2743200" algn="l" defTabSz="914400" rtl="0" eaLnBrk="1" latinLnBrk="0" hangingPunct="1">
+              <a:defRPr sz="1800" kern="1200">
+                <a:solidFill>
+                  <a:schemeClr val="dk1"/>
+                </a:solidFill>
+                <a:latin typeface="+mn-lt"/>
+                <a:ea typeface="+mn-ea"/>
+                <a:cs typeface="+mn-cs"/>
+              </a:defRPr>
+            </a:lvl7pPr>
+            <a:lvl8pPr marL="3200400" algn="l" defTabSz="914400" rtl="0" eaLnBrk="1" latinLnBrk="0" hangingPunct="1">
+              <a:defRPr sz="1800" kern="1200">
+                <a:solidFill>
+                  <a:schemeClr val="dk1"/>
+                </a:solidFill>
+                <a:latin typeface="+mn-lt"/>
+                <a:ea typeface="+mn-ea"/>
+                <a:cs typeface="+mn-cs"/>
+              </a:defRPr>
+            </a:lvl8pPr>
+            <a:lvl9pPr marL="3657600" algn="l" defTabSz="914400" rtl="0" eaLnBrk="1" latinLnBrk="0" hangingPunct="1">
+              <a:defRPr sz="1800" kern="1200">
+                <a:solidFill>
+                  <a:schemeClr val="dk1"/>
+                </a:solidFill>
+                <a:latin typeface="+mn-lt"/>
+                <a:ea typeface="+mn-ea"/>
+                <a:cs typeface="+mn-cs"/>
+              </a:defRPr>
+            </a:lvl9pPr>
+          </a:lstStyle>
+          <a:p>
+            <a:pPr algn="ctr"/>
+            <a:endParaRPr lang="en-SG" sz="1400"/>
+          </a:p>
+        </p:txBody>
+      </p:sp>
+      <p:sp>
+        <p:nvSpPr>
+          <p:cNvPr id="65" name="TextBox 101">
+            <a:extLst>
+              <a:ext uri="{FF2B5EF4-FFF2-40B4-BE49-F238E27FC236}">
+                <a16:creationId xmlns:a16="http://schemas.microsoft.com/office/drawing/2014/main" id="{1EDC7FF9-D803-4285-A9CA-FB3E2BC81802}"/>
+              </a:ext>
+            </a:extLst>
+          </p:cNvPr>
+          <p:cNvSpPr txBox="1"/>
+          <p:nvPr/>
+        </p:nvSpPr>
+        <p:spPr>
+          <a:xfrm>
+            <a:off x="5069689" y="4250974"/>
+            <a:ext cx="2093111" cy="276999"/>
+          </a:xfrm>
+          <a:prstGeom prst="rect">
+            <a:avLst/>
+          </a:prstGeom>
+          <a:noFill/>
+          <a:ln>
+            <a:noFill/>
+          </a:ln>
+        </p:spPr>
+        <p:txBody>
+          <a:bodyPr wrap="square" lIns="0" tIns="0" rIns="0" bIns="0" rtlCol="0">
+            <a:spAutoFit/>
+          </a:bodyPr>
+          <a:lstStyle>
+            <a:defPPr>
+              <a:defRPr lang="en-US"/>
+            </a:defPPr>
+            <a:lvl1pPr marL="0" algn="l" defTabSz="914400" rtl="0" eaLnBrk="1" latinLnBrk="0" hangingPunct="1">
+              <a:defRPr sz="1800" kern="1200">
+                <a:solidFill>
+                  <a:schemeClr val="tx1"/>
+                </a:solidFill>
+                <a:latin typeface="+mn-lt"/>
+                <a:ea typeface="+mn-ea"/>
+                <a:cs typeface="+mn-cs"/>
+              </a:defRPr>
+            </a:lvl1pPr>
+            <a:lvl2pPr marL="457200" algn="l" defTabSz="914400" rtl="0" eaLnBrk="1" latinLnBrk="0" hangingPunct="1">
+              <a:defRPr sz="1800" kern="1200">
+                <a:solidFill>
+                  <a:schemeClr val="tx1"/>
+                </a:solidFill>
+                <a:latin typeface="+mn-lt"/>
+                <a:ea typeface="+mn-ea"/>
+                <a:cs typeface="+mn-cs"/>
+              </a:defRPr>
+            </a:lvl2pPr>
+            <a:lvl3pPr marL="914400" algn="l" defTabSz="914400" rtl="0" eaLnBrk="1" latinLnBrk="0" hangingPunct="1">
+              <a:defRPr sz="1800" kern="1200">
+                <a:solidFill>
+                  <a:schemeClr val="tx1"/>
+                </a:solidFill>
+                <a:latin typeface="+mn-lt"/>
+                <a:ea typeface="+mn-ea"/>
+                <a:cs typeface="+mn-cs"/>
+              </a:defRPr>
+            </a:lvl3pPr>
+            <a:lvl4pPr marL="1371600" algn="l" defTabSz="914400" rtl="0" eaLnBrk="1" latinLnBrk="0" hangingPunct="1">
+              <a:defRPr sz="1800" kern="1200">
+                <a:solidFill>
+                  <a:schemeClr val="tx1"/>
+                </a:solidFill>
+                <a:latin typeface="+mn-lt"/>
+                <a:ea typeface="+mn-ea"/>
+                <a:cs typeface="+mn-cs"/>
+              </a:defRPr>
+            </a:lvl4pPr>
+            <a:lvl5pPr marL="1828800" algn="l" defTabSz="914400" rtl="0" eaLnBrk="1" latinLnBrk="0" hangingPunct="1">
+              <a:defRPr sz="1800" kern="1200">
+                <a:solidFill>
+                  <a:schemeClr val="tx1"/>
+                </a:solidFill>
+                <a:latin typeface="+mn-lt"/>
+                <a:ea typeface="+mn-ea"/>
+                <a:cs typeface="+mn-cs"/>
+              </a:defRPr>
+            </a:lvl5pPr>
+            <a:lvl6pPr marL="2286000" algn="l" defTabSz="914400" rtl="0" eaLnBrk="1" latinLnBrk="0" hangingPunct="1">
+              <a:defRPr sz="1800" kern="1200">
+                <a:solidFill>
+                  <a:schemeClr val="tx1"/>
+                </a:solidFill>
+                <a:latin typeface="+mn-lt"/>
+                <a:ea typeface="+mn-ea"/>
+                <a:cs typeface="+mn-cs"/>
+              </a:defRPr>
+            </a:lvl6pPr>
+            <a:lvl7pPr marL="2743200" algn="l" defTabSz="914400" rtl="0" eaLnBrk="1" latinLnBrk="0" hangingPunct="1">
+              <a:defRPr sz="1800" kern="1200">
+                <a:solidFill>
+                  <a:schemeClr val="tx1"/>
+                </a:solidFill>
+                <a:latin typeface="+mn-lt"/>
+                <a:ea typeface="+mn-ea"/>
+                <a:cs typeface="+mn-cs"/>
+              </a:defRPr>
+            </a:lvl7pPr>
+            <a:lvl8pPr marL="3200400" algn="l" defTabSz="914400" rtl="0" eaLnBrk="1" latinLnBrk="0" hangingPunct="1">
+              <a:defRPr sz="1800" kern="1200">
+                <a:solidFill>
+                  <a:schemeClr val="tx1"/>
+                </a:solidFill>
+                <a:latin typeface="+mn-lt"/>
+                <a:ea typeface="+mn-ea"/>
+                <a:cs typeface="+mn-cs"/>
+              </a:defRPr>
+            </a:lvl8pPr>
+            <a:lvl9pPr marL="3657600" algn="l" defTabSz="914400" rtl="0" eaLnBrk="1" latinLnBrk="0" hangingPunct="1">
+              <a:defRPr sz="1800" kern="1200">
+                <a:solidFill>
+                  <a:schemeClr val="tx1"/>
+                </a:solidFill>
+                <a:latin typeface="+mn-lt"/>
+                <a:ea typeface="+mn-ea"/>
+                <a:cs typeface="+mn-cs"/>
+              </a:defRPr>
+            </a:lvl9pPr>
+          </a:lstStyle>
+          <a:p>
+            <a:r>
+              <a:rPr lang="en-US" dirty="0" err="1">
+                <a:solidFill>
+                  <a:srgbClr val="7030A0"/>
+                </a:solidFill>
+              </a:rPr>
+              <a:t>commitAddressBook</a:t>
+            </a:r>
+            <a:r>
+              <a:rPr lang="en-US" dirty="0">
+                <a:solidFill>
+                  <a:schemeClr val="accent4">
+                    <a:lumMod val="75000"/>
+                  </a:schemeClr>
+                </a:solidFill>
+              </a:rPr>
+              <a:t>()</a:t>
+            </a:r>
+          </a:p>
+        </p:txBody>
+      </p:sp>
+      <p:cxnSp>
+        <p:nvCxnSpPr>
+          <p:cNvPr id="66" name="Straight Arrow Connector 65">
+            <a:extLst>
+              <a:ext uri="{FF2B5EF4-FFF2-40B4-BE49-F238E27FC236}">
+                <a16:creationId xmlns:a16="http://schemas.microsoft.com/office/drawing/2014/main" id="{F585338B-2C77-4475-8266-ABC9FB4E7735}"/>
+              </a:ext>
+            </a:extLst>
+          </p:cNvPr>
+          <p:cNvCxnSpPr>
+            <a:cxnSpLocks/>
+          </p:cNvCxnSpPr>
+          <p:nvPr/>
+        </p:nvCxnSpPr>
+        <p:spPr>
+          <a:xfrm>
+            <a:off x="4992371" y="4435640"/>
+            <a:ext cx="2520244" cy="0"/>
+          </a:xfrm>
+          <a:prstGeom prst="straightConnector1">
+            <a:avLst/>
+          </a:prstGeom>
+          <a:ln w="19050">
+            <a:solidFill>
               <a:schemeClr val="accent1"/>
-            </a:lnRef>
-            <a:fillRef idx="0">
+            </a:solidFill>
+            <a:tailEnd type="arrow"/>
+          </a:ln>
+        </p:spPr>
+        <p:style>
+          <a:lnRef idx="1">
+            <a:schemeClr val="accent1"/>
+          </a:lnRef>
+          <a:fillRef idx="0">
+            <a:schemeClr val="accent1"/>
+          </a:fillRef>
+          <a:effectRef idx="0">
+            <a:schemeClr val="accent1"/>
+          </a:effectRef>
+          <a:fontRef idx="minor">
+            <a:schemeClr val="tx1"/>
+          </a:fontRef>
+        </p:style>
+      </p:cxnSp>
+      <p:sp>
+        <p:nvSpPr>
+          <p:cNvPr id="67" name="TextBox 103">
+            <a:extLst>
+              <a:ext uri="{FF2B5EF4-FFF2-40B4-BE49-F238E27FC236}">
+                <a16:creationId xmlns:a16="http://schemas.microsoft.com/office/drawing/2014/main" id="{7DA8A504-3F26-412F-9337-A96479F905F6}"/>
+              </a:ext>
+            </a:extLst>
+          </p:cNvPr>
+          <p:cNvSpPr txBox="1"/>
+          <p:nvPr/>
+        </p:nvSpPr>
+        <p:spPr>
+          <a:xfrm>
+            <a:off x="5285659" y="4843012"/>
+            <a:ext cx="1697885" cy="276999"/>
+          </a:xfrm>
+          <a:prstGeom prst="rect">
+            <a:avLst/>
+          </a:prstGeom>
+          <a:noFill/>
+          <a:ln>
+            <a:noFill/>
+          </a:ln>
+        </p:spPr>
+        <p:txBody>
+          <a:bodyPr wrap="square" lIns="0" tIns="0" rIns="0" bIns="0" rtlCol="0">
+            <a:spAutoFit/>
+          </a:bodyPr>
+          <a:lstStyle>
+            <a:defPPr>
+              <a:defRPr lang="en-US"/>
+            </a:defPPr>
+            <a:lvl1pPr marL="0" algn="l" defTabSz="914400" rtl="0" eaLnBrk="1" latinLnBrk="0" hangingPunct="1">
+              <a:defRPr sz="1800" kern="1200">
+                <a:solidFill>
+                  <a:schemeClr val="tx1"/>
+                </a:solidFill>
+                <a:latin typeface="+mn-lt"/>
+                <a:ea typeface="+mn-ea"/>
+                <a:cs typeface="+mn-cs"/>
+              </a:defRPr>
+            </a:lvl1pPr>
+            <a:lvl2pPr marL="457200" algn="l" defTabSz="914400" rtl="0" eaLnBrk="1" latinLnBrk="0" hangingPunct="1">
+              <a:defRPr sz="1800" kern="1200">
+                <a:solidFill>
+                  <a:schemeClr val="tx1"/>
+                </a:solidFill>
+                <a:latin typeface="+mn-lt"/>
+                <a:ea typeface="+mn-ea"/>
+                <a:cs typeface="+mn-cs"/>
+              </a:defRPr>
+            </a:lvl2pPr>
+            <a:lvl3pPr marL="914400" algn="l" defTabSz="914400" rtl="0" eaLnBrk="1" latinLnBrk="0" hangingPunct="1">
+              <a:defRPr sz="1800" kern="1200">
+                <a:solidFill>
+                  <a:schemeClr val="tx1"/>
+                </a:solidFill>
+                <a:latin typeface="+mn-lt"/>
+                <a:ea typeface="+mn-ea"/>
+                <a:cs typeface="+mn-cs"/>
+              </a:defRPr>
+            </a:lvl3pPr>
+            <a:lvl4pPr marL="1371600" algn="l" defTabSz="914400" rtl="0" eaLnBrk="1" latinLnBrk="0" hangingPunct="1">
+              <a:defRPr sz="1800" kern="1200">
+                <a:solidFill>
+                  <a:schemeClr val="tx1"/>
+                </a:solidFill>
+                <a:latin typeface="+mn-lt"/>
+                <a:ea typeface="+mn-ea"/>
+                <a:cs typeface="+mn-cs"/>
+              </a:defRPr>
+            </a:lvl4pPr>
+            <a:lvl5pPr marL="1828800" algn="l" defTabSz="914400" rtl="0" eaLnBrk="1" latinLnBrk="0" hangingPunct="1">
+              <a:defRPr sz="1800" kern="1200">
+                <a:solidFill>
+                  <a:schemeClr val="tx1"/>
+                </a:solidFill>
+                <a:latin typeface="+mn-lt"/>
+                <a:ea typeface="+mn-ea"/>
+                <a:cs typeface="+mn-cs"/>
+              </a:defRPr>
+            </a:lvl5pPr>
+            <a:lvl6pPr marL="2286000" algn="l" defTabSz="914400" rtl="0" eaLnBrk="1" latinLnBrk="0" hangingPunct="1">
+              <a:defRPr sz="1800" kern="1200">
+                <a:solidFill>
+                  <a:schemeClr val="tx1"/>
+                </a:solidFill>
+                <a:latin typeface="+mn-lt"/>
+                <a:ea typeface="+mn-ea"/>
+                <a:cs typeface="+mn-cs"/>
+              </a:defRPr>
+            </a:lvl6pPr>
+            <a:lvl7pPr marL="2743200" algn="l" defTabSz="914400" rtl="0" eaLnBrk="1" latinLnBrk="0" hangingPunct="1">
+              <a:defRPr sz="1800" kern="1200">
+                <a:solidFill>
+                  <a:schemeClr val="tx1"/>
+                </a:solidFill>
+                <a:latin typeface="+mn-lt"/>
+                <a:ea typeface="+mn-ea"/>
+                <a:cs typeface="+mn-cs"/>
+              </a:defRPr>
+            </a:lvl7pPr>
+            <a:lvl8pPr marL="3200400" algn="l" defTabSz="914400" rtl="0" eaLnBrk="1" latinLnBrk="0" hangingPunct="1">
+              <a:defRPr sz="1800" kern="1200">
+                <a:solidFill>
+                  <a:schemeClr val="tx1"/>
+                </a:solidFill>
+                <a:latin typeface="+mn-lt"/>
+                <a:ea typeface="+mn-ea"/>
+                <a:cs typeface="+mn-cs"/>
+              </a:defRPr>
+            </a:lvl8pPr>
+            <a:lvl9pPr marL="3657600" algn="l" defTabSz="914400" rtl="0" eaLnBrk="1" latinLnBrk="0" hangingPunct="1">
+              <a:defRPr sz="1800" kern="1200">
+                <a:solidFill>
+                  <a:schemeClr val="tx1"/>
+                </a:solidFill>
+                <a:latin typeface="+mn-lt"/>
+                <a:ea typeface="+mn-ea"/>
+                <a:cs typeface="+mn-cs"/>
+              </a:defRPr>
+            </a:lvl9pPr>
+          </a:lstStyle>
+          <a:p>
+            <a:r>
+              <a:rPr lang="en-US" dirty="0" err="1">
+                <a:solidFill>
+                  <a:srgbClr val="7030A0"/>
+                </a:solidFill>
+              </a:rPr>
+              <a:t>commitPinBook</a:t>
+            </a:r>
+            <a:r>
+              <a:rPr lang="en-US" dirty="0">
+                <a:solidFill>
+                  <a:schemeClr val="accent4">
+                    <a:lumMod val="75000"/>
+                  </a:schemeClr>
+                </a:solidFill>
+              </a:rPr>
+              <a:t>()</a:t>
+            </a:r>
+          </a:p>
+        </p:txBody>
+      </p:sp>
+      <p:cxnSp>
+        <p:nvCxnSpPr>
+          <p:cNvPr id="68" name="Straight Arrow Connector 67">
+            <a:extLst>
+              <a:ext uri="{FF2B5EF4-FFF2-40B4-BE49-F238E27FC236}">
+                <a16:creationId xmlns:a16="http://schemas.microsoft.com/office/drawing/2014/main" id="{B93D000C-1B92-4367-8C55-B74BD5278B55}"/>
+              </a:ext>
+            </a:extLst>
+          </p:cNvPr>
+          <p:cNvCxnSpPr>
+            <a:cxnSpLocks/>
+          </p:cNvCxnSpPr>
+          <p:nvPr/>
+        </p:nvCxnSpPr>
+        <p:spPr>
+          <a:xfrm>
+            <a:off x="4974823" y="5027678"/>
+            <a:ext cx="2520244" cy="0"/>
+          </a:xfrm>
+          <a:prstGeom prst="straightConnector1">
+            <a:avLst/>
+          </a:prstGeom>
+          <a:ln w="19050">
+            <a:solidFill>
               <a:schemeClr val="accent1"/>
-            </a:fillRef>
-            <a:effectRef idx="0">
-              <a:schemeClr val="accent1"/>
-            </a:effectRef>
-            <a:fontRef idx="minor">
-              <a:schemeClr val="tx1"/>
-            </a:fontRef>
-          </p:style>
-        </p:cxnSp>
-        <p:cxnSp>
-          <p:nvCxnSpPr>
-            <p:cNvPr id="64" name="Straight Arrow Connector 63">
-              <a:extLst>
-                <a:ext uri="{FF2B5EF4-FFF2-40B4-BE49-F238E27FC236}">
-                  <a16:creationId xmlns:a16="http://schemas.microsoft.com/office/drawing/2014/main" id="{D72F23C3-9B3F-BA4B-ACFD-8329D0E2BB2D}"/>
-                </a:ext>
-              </a:extLst>
-            </p:cNvPr>
-            <p:cNvCxnSpPr>
-              <a:cxnSpLocks/>
-              <a:endCxn id="61" idx="2"/>
-            </p:cNvCxnSpPr>
-            <p:nvPr/>
-          </p:nvCxnSpPr>
-          <p:spPr>
-            <a:xfrm>
-              <a:off x="7045358" y="3866487"/>
-              <a:ext cx="4976049" cy="24051"/>
-            </a:xfrm>
-            <a:prstGeom prst="straightConnector1">
-              <a:avLst/>
-            </a:prstGeom>
-            <a:ln w="19050">
-              <a:solidFill>
-                <a:srgbClr val="7030A0"/>
-              </a:solidFill>
-              <a:prstDash val="sysDash"/>
-              <a:headEnd type="arrow" w="med" len="med"/>
-              <a:tailEnd type="none" w="med" len="med"/>
-            </a:ln>
-          </p:spPr>
-          <p:style>
-            <a:lnRef idx="1">
-              <a:schemeClr val="accent1"/>
-            </a:lnRef>
-            <a:fillRef idx="0">
-              <a:schemeClr val="accent1"/>
-            </a:fillRef>
-            <a:effectRef idx="0">
-              <a:schemeClr val="accent1"/>
-            </a:effectRef>
-            <a:fontRef idx="minor">
-              <a:schemeClr val="tx1"/>
-            </a:fontRef>
-          </p:style>
-        </p:cxnSp>
-        <p:sp>
-          <p:nvSpPr>
-            <p:cNvPr id="70" name="TextBox 69">
-              <a:extLst>
-                <a:ext uri="{FF2B5EF4-FFF2-40B4-BE49-F238E27FC236}">
-                  <a16:creationId xmlns:a16="http://schemas.microsoft.com/office/drawing/2014/main" id="{44AE21B9-7582-C346-8514-7608E17A2210}"/>
-                </a:ext>
-              </a:extLst>
-            </p:cNvPr>
-            <p:cNvSpPr txBox="1"/>
-            <p:nvPr/>
-          </p:nvSpPr>
-          <p:spPr>
-            <a:xfrm>
-              <a:off x="11900608" y="3671382"/>
-              <a:ext cx="1862190" cy="137709"/>
-            </a:xfrm>
-            <a:prstGeom prst="rect">
-              <a:avLst/>
-            </a:prstGeom>
+            </a:solidFill>
+            <a:tailEnd type="arrow"/>
+          </a:ln>
+        </p:spPr>
+        <p:style>
+          <a:lnRef idx="1">
+            <a:schemeClr val="accent1"/>
+          </a:lnRef>
+          <a:fillRef idx="0">
+            <a:schemeClr val="accent1"/>
+          </a:fillRef>
+          <a:effectRef idx="0">
+            <a:schemeClr val="accent1"/>
+          </a:effectRef>
+          <a:fontRef idx="minor">
+            <a:schemeClr val="tx1"/>
+          </a:fontRef>
+        </p:style>
+      </p:cxnSp>
+      <p:cxnSp>
+        <p:nvCxnSpPr>
+          <p:cNvPr id="69" name="Straight Arrow Connector 68">
+            <a:extLst>
+              <a:ext uri="{FF2B5EF4-FFF2-40B4-BE49-F238E27FC236}">
+                <a16:creationId xmlns:a16="http://schemas.microsoft.com/office/drawing/2014/main" id="{1981299B-C82B-4CA2-8BF1-4B25681A5608}"/>
+              </a:ext>
+            </a:extLst>
+          </p:cNvPr>
+          <p:cNvCxnSpPr>
+            <a:cxnSpLocks/>
+          </p:cNvCxnSpPr>
+          <p:nvPr/>
+        </p:nvCxnSpPr>
+        <p:spPr>
+          <a:xfrm>
+            <a:off x="4985011" y="4816640"/>
+            <a:ext cx="2507827" cy="0"/>
+          </a:xfrm>
+          <a:prstGeom prst="straightConnector1">
+            <a:avLst/>
+          </a:prstGeom>
+          <a:ln w="19050">
+            <a:solidFill>
+              <a:srgbClr val="7030A0"/>
+            </a:solidFill>
+            <a:prstDash val="sysDash"/>
+            <a:headEnd type="arrow" w="med" len="med"/>
+            <a:tailEnd type="none" w="med" len="med"/>
+          </a:ln>
+        </p:spPr>
+        <p:style>
+          <a:lnRef idx="1">
+            <a:schemeClr val="accent1"/>
+          </a:lnRef>
+          <a:fillRef idx="0">
+            <a:schemeClr val="accent1"/>
+          </a:fillRef>
+          <a:effectRef idx="0">
+            <a:schemeClr val="accent1"/>
+          </a:effectRef>
+          <a:fontRef idx="minor">
+            <a:schemeClr val="tx1"/>
+          </a:fontRef>
+        </p:style>
+      </p:cxnSp>
+      <p:cxnSp>
+        <p:nvCxnSpPr>
+          <p:cNvPr id="70" name="Straight Arrow Connector 69">
+            <a:extLst>
+              <a:ext uri="{FF2B5EF4-FFF2-40B4-BE49-F238E27FC236}">
+                <a16:creationId xmlns:a16="http://schemas.microsoft.com/office/drawing/2014/main" id="{6939362A-C016-41DE-B691-3D1305189272}"/>
+              </a:ext>
+            </a:extLst>
+          </p:cNvPr>
+          <p:cNvCxnSpPr>
+            <a:cxnSpLocks/>
+          </p:cNvCxnSpPr>
+          <p:nvPr/>
+        </p:nvCxnSpPr>
+        <p:spPr>
+          <a:xfrm>
+            <a:off x="4992371" y="5426240"/>
+            <a:ext cx="2507827" cy="0"/>
+          </a:xfrm>
+          <a:prstGeom prst="straightConnector1">
+            <a:avLst/>
+          </a:prstGeom>
+          <a:ln w="19050">
+            <a:solidFill>
+              <a:srgbClr val="7030A0"/>
+            </a:solidFill>
+            <a:prstDash val="sysDash"/>
+            <a:headEnd type="arrow" w="med" len="med"/>
+            <a:tailEnd type="none" w="med" len="med"/>
+          </a:ln>
+        </p:spPr>
+        <p:style>
+          <a:lnRef idx="1">
+            <a:schemeClr val="accent1"/>
+          </a:lnRef>
+          <a:fillRef idx="0">
+            <a:schemeClr val="accent1"/>
+          </a:fillRef>
+          <a:effectRef idx="0">
+            <a:schemeClr val="accent1"/>
+          </a:effectRef>
+          <a:fontRef idx="minor">
+            <a:schemeClr val="tx1"/>
+          </a:fontRef>
+        </p:style>
+      </p:cxnSp>
+      <p:cxnSp>
+        <p:nvCxnSpPr>
+          <p:cNvPr id="71" name="Straight Arrow Connector 70">
+            <a:extLst>
+              <a:ext uri="{FF2B5EF4-FFF2-40B4-BE49-F238E27FC236}">
+                <a16:creationId xmlns:a16="http://schemas.microsoft.com/office/drawing/2014/main" id="{B3FA1948-A028-4BFA-BB9D-3B23C88D0489}"/>
+              </a:ext>
+            </a:extLst>
+          </p:cNvPr>
+          <p:cNvCxnSpPr>
+            <a:cxnSpLocks/>
+            <a:endCxn id="54" idx="1"/>
+          </p:cNvCxnSpPr>
+          <p:nvPr/>
+        </p:nvCxnSpPr>
+        <p:spPr>
+          <a:xfrm>
+            <a:off x="4992371" y="5961809"/>
+            <a:ext cx="269200" cy="0"/>
+          </a:xfrm>
+          <a:prstGeom prst="straightConnector1">
+            <a:avLst/>
+          </a:prstGeom>
+          <a:ln w="19050">
+            <a:solidFill>
+              <a:srgbClr val="0070C0"/>
+            </a:solidFill>
+            <a:tailEnd type="arrow"/>
+          </a:ln>
+        </p:spPr>
+        <p:style>
+          <a:lnRef idx="1">
+            <a:schemeClr val="accent1"/>
+          </a:lnRef>
+          <a:fillRef idx="0">
+            <a:schemeClr val="accent1"/>
+          </a:fillRef>
+          <a:effectRef idx="0">
+            <a:schemeClr val="accent1"/>
+          </a:effectRef>
+          <a:fontRef idx="minor">
+            <a:schemeClr val="tx1"/>
+          </a:fontRef>
+        </p:style>
+      </p:cxnSp>
+      <p:cxnSp>
+        <p:nvCxnSpPr>
+          <p:cNvPr id="72" name="Straight Arrow Connector 71">
+            <a:extLst>
+              <a:ext uri="{FF2B5EF4-FFF2-40B4-BE49-F238E27FC236}">
+                <a16:creationId xmlns:a16="http://schemas.microsoft.com/office/drawing/2014/main" id="{8FD24EAB-03B1-422A-BB98-3D8C6705240E}"/>
+              </a:ext>
+            </a:extLst>
+          </p:cNvPr>
+          <p:cNvCxnSpPr>
+            <a:cxnSpLocks/>
+          </p:cNvCxnSpPr>
+          <p:nvPr/>
+        </p:nvCxnSpPr>
+        <p:spPr>
+          <a:xfrm>
+            <a:off x="7588815" y="4509131"/>
+            <a:ext cx="3054431" cy="0"/>
+          </a:xfrm>
+          <a:prstGeom prst="straightConnector1">
+            <a:avLst/>
+          </a:prstGeom>
+          <a:ln w="19050">
+            <a:solidFill>
+              <a:srgbClr val="7030A0"/>
+            </a:solidFill>
+            <a:tailEnd type="arrow"/>
+          </a:ln>
+        </p:spPr>
+        <p:style>
+          <a:lnRef idx="1">
+            <a:schemeClr val="accent1"/>
+          </a:lnRef>
+          <a:fillRef idx="0">
+            <a:schemeClr val="accent1"/>
+          </a:fillRef>
+          <a:effectRef idx="0">
+            <a:schemeClr val="accent1"/>
+          </a:effectRef>
+          <a:fontRef idx="minor">
+            <a:schemeClr val="tx1"/>
+          </a:fontRef>
+        </p:style>
+      </p:cxnSp>
+      <p:cxnSp>
+        <p:nvCxnSpPr>
+          <p:cNvPr id="73" name="Straight Arrow Connector 72">
+            <a:extLst>
+              <a:ext uri="{FF2B5EF4-FFF2-40B4-BE49-F238E27FC236}">
+                <a16:creationId xmlns:a16="http://schemas.microsoft.com/office/drawing/2014/main" id="{5D2C2F43-3D2A-4613-8090-8CC27E030F08}"/>
+              </a:ext>
+            </a:extLst>
+          </p:cNvPr>
+          <p:cNvCxnSpPr>
+            <a:cxnSpLocks/>
+          </p:cNvCxnSpPr>
+          <p:nvPr/>
+        </p:nvCxnSpPr>
+        <p:spPr>
+          <a:xfrm>
+            <a:off x="7616811" y="4731516"/>
+            <a:ext cx="3096209" cy="1724"/>
+          </a:xfrm>
+          <a:prstGeom prst="straightConnector1">
+            <a:avLst/>
+          </a:prstGeom>
+          <a:ln w="19050">
+            <a:solidFill>
+              <a:srgbClr val="7030A0"/>
+            </a:solidFill>
+            <a:prstDash val="sysDash"/>
+            <a:headEnd type="arrow" w="med" len="med"/>
+            <a:tailEnd type="none" w="med" len="med"/>
+          </a:ln>
+        </p:spPr>
+        <p:style>
+          <a:lnRef idx="1">
+            <a:schemeClr val="accent1"/>
+          </a:lnRef>
+          <a:fillRef idx="0">
+            <a:schemeClr val="accent1"/>
+          </a:fillRef>
+          <a:effectRef idx="0">
+            <a:schemeClr val="accent1"/>
+          </a:effectRef>
+          <a:fontRef idx="minor">
+            <a:schemeClr val="tx1"/>
+          </a:fontRef>
+        </p:style>
+      </p:cxnSp>
+      <p:sp>
+        <p:nvSpPr>
+          <p:cNvPr id="74" name="Rectangle 73">
+            <a:extLst>
+              <a:ext uri="{FF2B5EF4-FFF2-40B4-BE49-F238E27FC236}">
+                <a16:creationId xmlns:a16="http://schemas.microsoft.com/office/drawing/2014/main" id="{5D424BF3-8A64-442C-83C4-7BE650DC8D77}"/>
+              </a:ext>
+            </a:extLst>
+          </p:cNvPr>
+          <p:cNvSpPr/>
+          <p:nvPr/>
+        </p:nvSpPr>
+        <p:spPr>
+          <a:xfrm>
+            <a:off x="9122973" y="5123000"/>
+            <a:ext cx="127791" cy="240003"/>
+          </a:xfrm>
+          <a:prstGeom prst="rect">
+            <a:avLst/>
+          </a:prstGeom>
+          <a:solidFill>
+            <a:srgbClr val="7030A0"/>
+          </a:solidFill>
+          <a:ln>
+            <a:solidFill>
+              <a:srgbClr val="7030A0"/>
+            </a:solidFill>
+          </a:ln>
+          <a:effectLst/>
+        </p:spPr>
+        <p:style>
+          <a:lnRef idx="1">
+            <a:schemeClr val="accent3"/>
+          </a:lnRef>
+          <a:fillRef idx="2">
+            <a:schemeClr val="accent3"/>
+          </a:fillRef>
+          <a:effectRef idx="1">
+            <a:schemeClr val="accent3"/>
+          </a:effectRef>
+          <a:fontRef idx="minor">
+            <a:schemeClr val="dk1"/>
+          </a:fontRef>
+        </p:style>
+        <p:txBody>
+          <a:bodyPr rtlCol="0" anchor="ctr"/>
+          <a:lstStyle>
+            <a:defPPr>
+              <a:defRPr lang="en-US"/>
+            </a:defPPr>
+            <a:lvl1pPr marL="0" algn="l" defTabSz="914400" rtl="0" eaLnBrk="1" latinLnBrk="0" hangingPunct="1">
+              <a:defRPr sz="1800" kern="1200">
+                <a:solidFill>
+                  <a:schemeClr val="dk1"/>
+                </a:solidFill>
+                <a:latin typeface="+mn-lt"/>
+                <a:ea typeface="+mn-ea"/>
+                <a:cs typeface="+mn-cs"/>
+              </a:defRPr>
+            </a:lvl1pPr>
+            <a:lvl2pPr marL="457200" algn="l" defTabSz="914400" rtl="0" eaLnBrk="1" latinLnBrk="0" hangingPunct="1">
+              <a:defRPr sz="1800" kern="1200">
+                <a:solidFill>
+                  <a:schemeClr val="dk1"/>
+                </a:solidFill>
+                <a:latin typeface="+mn-lt"/>
+                <a:ea typeface="+mn-ea"/>
+                <a:cs typeface="+mn-cs"/>
+              </a:defRPr>
+            </a:lvl2pPr>
+            <a:lvl3pPr marL="914400" algn="l" defTabSz="914400" rtl="0" eaLnBrk="1" latinLnBrk="0" hangingPunct="1">
+              <a:defRPr sz="1800" kern="1200">
+                <a:solidFill>
+                  <a:schemeClr val="dk1"/>
+                </a:solidFill>
+                <a:latin typeface="+mn-lt"/>
+                <a:ea typeface="+mn-ea"/>
+                <a:cs typeface="+mn-cs"/>
+              </a:defRPr>
+            </a:lvl3pPr>
+            <a:lvl4pPr marL="1371600" algn="l" defTabSz="914400" rtl="0" eaLnBrk="1" latinLnBrk="0" hangingPunct="1">
+              <a:defRPr sz="1800" kern="1200">
+                <a:solidFill>
+                  <a:schemeClr val="dk1"/>
+                </a:solidFill>
+                <a:latin typeface="+mn-lt"/>
+                <a:ea typeface="+mn-ea"/>
+                <a:cs typeface="+mn-cs"/>
+              </a:defRPr>
+            </a:lvl4pPr>
+            <a:lvl5pPr marL="1828800" algn="l" defTabSz="914400" rtl="0" eaLnBrk="1" latinLnBrk="0" hangingPunct="1">
+              <a:defRPr sz="1800" kern="1200">
+                <a:solidFill>
+                  <a:schemeClr val="dk1"/>
+                </a:solidFill>
+                <a:latin typeface="+mn-lt"/>
+                <a:ea typeface="+mn-ea"/>
+                <a:cs typeface="+mn-cs"/>
+              </a:defRPr>
+            </a:lvl5pPr>
+            <a:lvl6pPr marL="2286000" algn="l" defTabSz="914400" rtl="0" eaLnBrk="1" latinLnBrk="0" hangingPunct="1">
+              <a:defRPr sz="1800" kern="1200">
+                <a:solidFill>
+                  <a:schemeClr val="dk1"/>
+                </a:solidFill>
+                <a:latin typeface="+mn-lt"/>
+                <a:ea typeface="+mn-ea"/>
+                <a:cs typeface="+mn-cs"/>
+              </a:defRPr>
+            </a:lvl6pPr>
+            <a:lvl7pPr marL="2743200" algn="l" defTabSz="914400" rtl="0" eaLnBrk="1" latinLnBrk="0" hangingPunct="1">
+              <a:defRPr sz="1800" kern="1200">
+                <a:solidFill>
+                  <a:schemeClr val="dk1"/>
+                </a:solidFill>
+                <a:latin typeface="+mn-lt"/>
+                <a:ea typeface="+mn-ea"/>
+                <a:cs typeface="+mn-cs"/>
+              </a:defRPr>
+            </a:lvl7pPr>
+            <a:lvl8pPr marL="3200400" algn="l" defTabSz="914400" rtl="0" eaLnBrk="1" latinLnBrk="0" hangingPunct="1">
+              <a:defRPr sz="1800" kern="1200">
+                <a:solidFill>
+                  <a:schemeClr val="dk1"/>
+                </a:solidFill>
+                <a:latin typeface="+mn-lt"/>
+                <a:ea typeface="+mn-ea"/>
+                <a:cs typeface="+mn-cs"/>
+              </a:defRPr>
+            </a:lvl8pPr>
+            <a:lvl9pPr marL="3657600" algn="l" defTabSz="914400" rtl="0" eaLnBrk="1" latinLnBrk="0" hangingPunct="1">
+              <a:defRPr sz="1800" kern="1200">
+                <a:solidFill>
+                  <a:schemeClr val="dk1"/>
+                </a:solidFill>
+                <a:latin typeface="+mn-lt"/>
+                <a:ea typeface="+mn-ea"/>
+                <a:cs typeface="+mn-cs"/>
+              </a:defRPr>
+            </a:lvl9pPr>
+          </a:lstStyle>
+          <a:p>
+            <a:pPr algn="ctr"/>
+            <a:endParaRPr lang="en-SG" sz="1400"/>
+          </a:p>
+        </p:txBody>
+      </p:sp>
+      <p:cxnSp>
+        <p:nvCxnSpPr>
+          <p:cNvPr id="75" name="Straight Arrow Connector 74">
+            <a:extLst>
+              <a:ext uri="{FF2B5EF4-FFF2-40B4-BE49-F238E27FC236}">
+                <a16:creationId xmlns:a16="http://schemas.microsoft.com/office/drawing/2014/main" id="{59061E1E-09D9-489C-9582-5AD5DF33280F}"/>
+              </a:ext>
+            </a:extLst>
+          </p:cNvPr>
+          <p:cNvCxnSpPr>
+            <a:cxnSpLocks/>
+          </p:cNvCxnSpPr>
+          <p:nvPr/>
+        </p:nvCxnSpPr>
+        <p:spPr>
+          <a:xfrm>
+            <a:off x="7620873" y="5123000"/>
+            <a:ext cx="1492160" cy="8694"/>
+          </a:xfrm>
+          <a:prstGeom prst="straightConnector1">
+            <a:avLst/>
+          </a:prstGeom>
+          <a:ln w="19050">
+            <a:solidFill>
+              <a:srgbClr val="7030A0"/>
+            </a:solidFill>
+            <a:tailEnd type="arrow"/>
+          </a:ln>
+        </p:spPr>
+        <p:style>
+          <a:lnRef idx="1">
+            <a:schemeClr val="accent1"/>
+          </a:lnRef>
+          <a:fillRef idx="0">
+            <a:schemeClr val="accent1"/>
+          </a:fillRef>
+          <a:effectRef idx="0">
+            <a:schemeClr val="accent1"/>
+          </a:effectRef>
+          <a:fontRef idx="minor">
+            <a:schemeClr val="tx1"/>
+          </a:fontRef>
+        </p:style>
+      </p:cxnSp>
+      <p:cxnSp>
+        <p:nvCxnSpPr>
+          <p:cNvPr id="76" name="Straight Arrow Connector 75">
+            <a:extLst>
+              <a:ext uri="{FF2B5EF4-FFF2-40B4-BE49-F238E27FC236}">
+                <a16:creationId xmlns:a16="http://schemas.microsoft.com/office/drawing/2014/main" id="{A690029B-76C8-4D0D-B95C-31765B351850}"/>
+              </a:ext>
+            </a:extLst>
+          </p:cNvPr>
+          <p:cNvCxnSpPr>
+            <a:cxnSpLocks/>
+            <a:endCxn id="74" idx="2"/>
+          </p:cNvCxnSpPr>
+          <p:nvPr/>
+        </p:nvCxnSpPr>
+        <p:spPr>
+          <a:xfrm>
+            <a:off x="7628228" y="5363003"/>
+            <a:ext cx="1558641" cy="0"/>
+          </a:xfrm>
+          <a:prstGeom prst="straightConnector1">
+            <a:avLst/>
+          </a:prstGeom>
+          <a:ln w="19050">
+            <a:solidFill>
+              <a:srgbClr val="7030A0"/>
+            </a:solidFill>
+            <a:prstDash val="sysDash"/>
+            <a:headEnd type="arrow" w="med" len="med"/>
+            <a:tailEnd type="none" w="med" len="med"/>
+          </a:ln>
+        </p:spPr>
+        <p:style>
+          <a:lnRef idx="1">
+            <a:schemeClr val="accent1"/>
+          </a:lnRef>
+          <a:fillRef idx="0">
+            <a:schemeClr val="accent1"/>
+          </a:fillRef>
+          <a:effectRef idx="0">
+            <a:schemeClr val="accent1"/>
+          </a:effectRef>
+          <a:fontRef idx="minor">
+            <a:schemeClr val="tx1"/>
+          </a:fontRef>
+        </p:style>
+      </p:cxnSp>
+      <p:sp>
+        <p:nvSpPr>
+          <p:cNvPr id="77" name="TextBox 126">
+            <a:extLst>
+              <a:ext uri="{FF2B5EF4-FFF2-40B4-BE49-F238E27FC236}">
+                <a16:creationId xmlns:a16="http://schemas.microsoft.com/office/drawing/2014/main" id="{B1DC0F45-2019-475E-969B-29E04A69AA66}"/>
+              </a:ext>
+            </a:extLst>
+          </p:cNvPr>
+          <p:cNvSpPr txBox="1"/>
+          <p:nvPr/>
+        </p:nvSpPr>
+        <p:spPr>
+          <a:xfrm>
+            <a:off x="9535816" y="4267200"/>
+            <a:ext cx="903584" cy="276999"/>
+          </a:xfrm>
+          <a:prstGeom prst="rect">
+            <a:avLst/>
+          </a:prstGeom>
+          <a:noFill/>
+          <a:ln>
             <a:noFill/>
-          </p:spPr>
-          <p:txBody>
-            <a:bodyPr wrap="square" lIns="0" tIns="0" rIns="0" bIns="0" rtlCol="0">
-              <a:spAutoFit/>
-            </a:bodyPr>
-            <a:lstStyle>
-              <a:defPPr>
-                <a:defRPr lang="en-US"/>
-              </a:defPPr>
-              <a:lvl1pPr algn="r">
-                <a:defRPr sz="1400">
-                  <a:solidFill>
-                    <a:srgbClr val="0070C0"/>
-                  </a:solidFill>
-                </a:defRPr>
-              </a:lvl1pPr>
-            </a:lstStyle>
-            <a:p>
-              <a:r>
-                <a:rPr lang="en-US" sz="610" dirty="0" err="1">
-                  <a:solidFill>
-                    <a:srgbClr val="7030A0"/>
-                  </a:solidFill>
-                </a:rPr>
-                <a:t>resetData</a:t>
-              </a:r>
-              <a:r>
-                <a:rPr lang="en-US" sz="610" dirty="0">
-                  <a:solidFill>
-                    <a:srgbClr val="7030A0"/>
-                  </a:solidFill>
-                </a:rPr>
-                <a:t>(</a:t>
-              </a:r>
-              <a:r>
-                <a:rPr lang="en-US" sz="610" dirty="0" err="1">
-                  <a:solidFill>
-                    <a:srgbClr val="7030A0"/>
-                  </a:solidFill>
-                </a:rPr>
-                <a:t>ReadOnlyPinBook</a:t>
-              </a:r>
-              <a:r>
-                <a:rPr lang="en-US" sz="610" dirty="0">
-                  <a:solidFill>
-                    <a:srgbClr val="7030A0"/>
-                  </a:solidFill>
-                </a:rPr>
-                <a:t>)</a:t>
-              </a:r>
-              <a:endParaRPr lang="en-US" sz="610" dirty="0"/>
-            </a:p>
-          </p:txBody>
-        </p:sp>
-        <p:sp>
-          <p:nvSpPr>
-            <p:cNvPr id="71" name="TextBox 70">
-              <a:extLst>
-                <a:ext uri="{FF2B5EF4-FFF2-40B4-BE49-F238E27FC236}">
-                  <a16:creationId xmlns:a16="http://schemas.microsoft.com/office/drawing/2014/main" id="{E73CC86F-F11D-4847-855B-3D35F1C4B872}"/>
-                </a:ext>
-              </a:extLst>
-            </p:cNvPr>
-            <p:cNvSpPr txBox="1"/>
-            <p:nvPr/>
-          </p:nvSpPr>
-          <p:spPr>
-            <a:xfrm>
-              <a:off x="11118558" y="3305975"/>
-              <a:ext cx="551686" cy="137710"/>
-            </a:xfrm>
-            <a:prstGeom prst="rect">
-              <a:avLst/>
-            </a:prstGeom>
+          </a:ln>
+        </p:spPr>
+        <p:txBody>
+          <a:bodyPr wrap="square" lIns="0" tIns="0" rIns="0" bIns="0" rtlCol="0">
+            <a:spAutoFit/>
+          </a:bodyPr>
+          <a:lstStyle>
+            <a:defPPr>
+              <a:defRPr lang="en-US"/>
+            </a:defPPr>
+            <a:lvl1pPr marL="0" algn="l" defTabSz="914400" rtl="0" eaLnBrk="1" latinLnBrk="0" hangingPunct="1">
+              <a:defRPr sz="1800" kern="1200">
+                <a:solidFill>
+                  <a:schemeClr val="tx1"/>
+                </a:solidFill>
+                <a:latin typeface="+mn-lt"/>
+                <a:ea typeface="+mn-ea"/>
+                <a:cs typeface="+mn-cs"/>
+              </a:defRPr>
+            </a:lvl1pPr>
+            <a:lvl2pPr marL="457200" algn="l" defTabSz="914400" rtl="0" eaLnBrk="1" latinLnBrk="0" hangingPunct="1">
+              <a:defRPr sz="1800" kern="1200">
+                <a:solidFill>
+                  <a:schemeClr val="tx1"/>
+                </a:solidFill>
+                <a:latin typeface="+mn-lt"/>
+                <a:ea typeface="+mn-ea"/>
+                <a:cs typeface="+mn-cs"/>
+              </a:defRPr>
+            </a:lvl2pPr>
+            <a:lvl3pPr marL="914400" algn="l" defTabSz="914400" rtl="0" eaLnBrk="1" latinLnBrk="0" hangingPunct="1">
+              <a:defRPr sz="1800" kern="1200">
+                <a:solidFill>
+                  <a:schemeClr val="tx1"/>
+                </a:solidFill>
+                <a:latin typeface="+mn-lt"/>
+                <a:ea typeface="+mn-ea"/>
+                <a:cs typeface="+mn-cs"/>
+              </a:defRPr>
+            </a:lvl3pPr>
+            <a:lvl4pPr marL="1371600" algn="l" defTabSz="914400" rtl="0" eaLnBrk="1" latinLnBrk="0" hangingPunct="1">
+              <a:defRPr sz="1800" kern="1200">
+                <a:solidFill>
+                  <a:schemeClr val="tx1"/>
+                </a:solidFill>
+                <a:latin typeface="+mn-lt"/>
+                <a:ea typeface="+mn-ea"/>
+                <a:cs typeface="+mn-cs"/>
+              </a:defRPr>
+            </a:lvl4pPr>
+            <a:lvl5pPr marL="1828800" algn="l" defTabSz="914400" rtl="0" eaLnBrk="1" latinLnBrk="0" hangingPunct="1">
+              <a:defRPr sz="1800" kern="1200">
+                <a:solidFill>
+                  <a:schemeClr val="tx1"/>
+                </a:solidFill>
+                <a:latin typeface="+mn-lt"/>
+                <a:ea typeface="+mn-ea"/>
+                <a:cs typeface="+mn-cs"/>
+              </a:defRPr>
+            </a:lvl5pPr>
+            <a:lvl6pPr marL="2286000" algn="l" defTabSz="914400" rtl="0" eaLnBrk="1" latinLnBrk="0" hangingPunct="1">
+              <a:defRPr sz="1800" kern="1200">
+                <a:solidFill>
+                  <a:schemeClr val="tx1"/>
+                </a:solidFill>
+                <a:latin typeface="+mn-lt"/>
+                <a:ea typeface="+mn-ea"/>
+                <a:cs typeface="+mn-cs"/>
+              </a:defRPr>
+            </a:lvl6pPr>
+            <a:lvl7pPr marL="2743200" algn="l" defTabSz="914400" rtl="0" eaLnBrk="1" latinLnBrk="0" hangingPunct="1">
+              <a:defRPr sz="1800" kern="1200">
+                <a:solidFill>
+                  <a:schemeClr val="tx1"/>
+                </a:solidFill>
+                <a:latin typeface="+mn-lt"/>
+                <a:ea typeface="+mn-ea"/>
+                <a:cs typeface="+mn-cs"/>
+              </a:defRPr>
+            </a:lvl7pPr>
+            <a:lvl8pPr marL="3200400" algn="l" defTabSz="914400" rtl="0" eaLnBrk="1" latinLnBrk="0" hangingPunct="1">
+              <a:defRPr sz="1800" kern="1200">
+                <a:solidFill>
+                  <a:schemeClr val="tx1"/>
+                </a:solidFill>
+                <a:latin typeface="+mn-lt"/>
+                <a:ea typeface="+mn-ea"/>
+                <a:cs typeface="+mn-cs"/>
+              </a:defRPr>
+            </a:lvl8pPr>
+            <a:lvl9pPr marL="3657600" algn="l" defTabSz="914400" rtl="0" eaLnBrk="1" latinLnBrk="0" hangingPunct="1">
+              <a:defRPr sz="1800" kern="1200">
+                <a:solidFill>
+                  <a:schemeClr val="tx1"/>
+                </a:solidFill>
+                <a:latin typeface="+mn-lt"/>
+                <a:ea typeface="+mn-ea"/>
+                <a:cs typeface="+mn-cs"/>
+              </a:defRPr>
+            </a:lvl9pPr>
+          </a:lstStyle>
+          <a:p>
+            <a:r>
+              <a:rPr lang="en-US" dirty="0">
+                <a:solidFill>
+                  <a:srgbClr val="7030A0"/>
+                </a:solidFill>
+              </a:rPr>
+              <a:t>commit</a:t>
+            </a:r>
+            <a:r>
+              <a:rPr lang="en-US" dirty="0">
+                <a:solidFill>
+                  <a:schemeClr val="accent4">
+                    <a:lumMod val="75000"/>
+                  </a:schemeClr>
+                </a:solidFill>
+              </a:rPr>
+              <a:t>()</a:t>
+            </a:r>
+          </a:p>
+        </p:txBody>
+      </p:sp>
+      <p:sp>
+        <p:nvSpPr>
+          <p:cNvPr id="78" name="TextBox 127">
+            <a:extLst>
+              <a:ext uri="{FF2B5EF4-FFF2-40B4-BE49-F238E27FC236}">
+                <a16:creationId xmlns:a16="http://schemas.microsoft.com/office/drawing/2014/main" id="{6FDC5CED-4CAB-40D3-B117-DE6D714C49D8}"/>
+              </a:ext>
+            </a:extLst>
+          </p:cNvPr>
+          <p:cNvSpPr txBox="1"/>
+          <p:nvPr/>
+        </p:nvSpPr>
+        <p:spPr>
+          <a:xfrm>
+            <a:off x="7846985" y="4876800"/>
+            <a:ext cx="916015" cy="276999"/>
+          </a:xfrm>
+          <a:prstGeom prst="rect">
+            <a:avLst/>
+          </a:prstGeom>
+          <a:noFill/>
+          <a:ln>
             <a:noFill/>
-            <a:ln>
-              <a:noFill/>
-            </a:ln>
-          </p:spPr>
-          <p:txBody>
-            <a:bodyPr wrap="square" lIns="0" tIns="0" rIns="0" bIns="0" rtlCol="0">
-              <a:spAutoFit/>
-            </a:bodyPr>
-            <a:lstStyle>
-              <a:defPPr>
-                <a:defRPr lang="en-US"/>
-              </a:defPPr>
-              <a:lvl1pPr algn="r">
-                <a:defRPr sz="1400">
-                  <a:solidFill>
-                    <a:srgbClr val="0070C0"/>
-                  </a:solidFill>
-                </a:defRPr>
-              </a:lvl1pPr>
-            </a:lstStyle>
-            <a:p>
-              <a:r>
-                <a:rPr lang="en-US" sz="610" dirty="0">
-                  <a:solidFill>
-                    <a:srgbClr val="7030A0"/>
-                  </a:solidFill>
-                </a:rPr>
-                <a:t>undo</a:t>
-              </a:r>
-              <a:r>
-                <a:rPr lang="en-US" sz="610" dirty="0">
-                  <a:solidFill>
-                    <a:schemeClr val="accent4">
-                      <a:lumMod val="75000"/>
-                    </a:schemeClr>
-                  </a:solidFill>
-                </a:rPr>
-                <a:t>()</a:t>
-              </a:r>
-            </a:p>
-          </p:txBody>
-        </p:sp>
-      </p:grpSp>
+          </a:ln>
+        </p:spPr>
+        <p:txBody>
+          <a:bodyPr wrap="square" lIns="0" tIns="0" rIns="0" bIns="0" rtlCol="0">
+            <a:spAutoFit/>
+          </a:bodyPr>
+          <a:lstStyle>
+            <a:defPPr>
+              <a:defRPr lang="en-US"/>
+            </a:defPPr>
+            <a:lvl1pPr marL="0" algn="l" defTabSz="914400" rtl="0" eaLnBrk="1" latinLnBrk="0" hangingPunct="1">
+              <a:defRPr sz="1800" kern="1200">
+                <a:solidFill>
+                  <a:schemeClr val="tx1"/>
+                </a:solidFill>
+                <a:latin typeface="+mn-lt"/>
+                <a:ea typeface="+mn-ea"/>
+                <a:cs typeface="+mn-cs"/>
+              </a:defRPr>
+            </a:lvl1pPr>
+            <a:lvl2pPr marL="457200" algn="l" defTabSz="914400" rtl="0" eaLnBrk="1" latinLnBrk="0" hangingPunct="1">
+              <a:defRPr sz="1800" kern="1200">
+                <a:solidFill>
+                  <a:schemeClr val="tx1"/>
+                </a:solidFill>
+                <a:latin typeface="+mn-lt"/>
+                <a:ea typeface="+mn-ea"/>
+                <a:cs typeface="+mn-cs"/>
+              </a:defRPr>
+            </a:lvl2pPr>
+            <a:lvl3pPr marL="914400" algn="l" defTabSz="914400" rtl="0" eaLnBrk="1" latinLnBrk="0" hangingPunct="1">
+              <a:defRPr sz="1800" kern="1200">
+                <a:solidFill>
+                  <a:schemeClr val="tx1"/>
+                </a:solidFill>
+                <a:latin typeface="+mn-lt"/>
+                <a:ea typeface="+mn-ea"/>
+                <a:cs typeface="+mn-cs"/>
+              </a:defRPr>
+            </a:lvl3pPr>
+            <a:lvl4pPr marL="1371600" algn="l" defTabSz="914400" rtl="0" eaLnBrk="1" latinLnBrk="0" hangingPunct="1">
+              <a:defRPr sz="1800" kern="1200">
+                <a:solidFill>
+                  <a:schemeClr val="tx1"/>
+                </a:solidFill>
+                <a:latin typeface="+mn-lt"/>
+                <a:ea typeface="+mn-ea"/>
+                <a:cs typeface="+mn-cs"/>
+              </a:defRPr>
+            </a:lvl4pPr>
+            <a:lvl5pPr marL="1828800" algn="l" defTabSz="914400" rtl="0" eaLnBrk="1" latinLnBrk="0" hangingPunct="1">
+              <a:defRPr sz="1800" kern="1200">
+                <a:solidFill>
+                  <a:schemeClr val="tx1"/>
+                </a:solidFill>
+                <a:latin typeface="+mn-lt"/>
+                <a:ea typeface="+mn-ea"/>
+                <a:cs typeface="+mn-cs"/>
+              </a:defRPr>
+            </a:lvl5pPr>
+            <a:lvl6pPr marL="2286000" algn="l" defTabSz="914400" rtl="0" eaLnBrk="1" latinLnBrk="0" hangingPunct="1">
+              <a:defRPr sz="1800" kern="1200">
+                <a:solidFill>
+                  <a:schemeClr val="tx1"/>
+                </a:solidFill>
+                <a:latin typeface="+mn-lt"/>
+                <a:ea typeface="+mn-ea"/>
+                <a:cs typeface="+mn-cs"/>
+              </a:defRPr>
+            </a:lvl6pPr>
+            <a:lvl7pPr marL="2743200" algn="l" defTabSz="914400" rtl="0" eaLnBrk="1" latinLnBrk="0" hangingPunct="1">
+              <a:defRPr sz="1800" kern="1200">
+                <a:solidFill>
+                  <a:schemeClr val="tx1"/>
+                </a:solidFill>
+                <a:latin typeface="+mn-lt"/>
+                <a:ea typeface="+mn-ea"/>
+                <a:cs typeface="+mn-cs"/>
+              </a:defRPr>
+            </a:lvl7pPr>
+            <a:lvl8pPr marL="3200400" algn="l" defTabSz="914400" rtl="0" eaLnBrk="1" latinLnBrk="0" hangingPunct="1">
+              <a:defRPr sz="1800" kern="1200">
+                <a:solidFill>
+                  <a:schemeClr val="tx1"/>
+                </a:solidFill>
+                <a:latin typeface="+mn-lt"/>
+                <a:ea typeface="+mn-ea"/>
+                <a:cs typeface="+mn-cs"/>
+              </a:defRPr>
+            </a:lvl8pPr>
+            <a:lvl9pPr marL="3657600" algn="l" defTabSz="914400" rtl="0" eaLnBrk="1" latinLnBrk="0" hangingPunct="1">
+              <a:defRPr sz="1800" kern="1200">
+                <a:solidFill>
+                  <a:schemeClr val="tx1"/>
+                </a:solidFill>
+                <a:latin typeface="+mn-lt"/>
+                <a:ea typeface="+mn-ea"/>
+                <a:cs typeface="+mn-cs"/>
+              </a:defRPr>
+            </a:lvl9pPr>
+          </a:lstStyle>
+          <a:p>
+            <a:r>
+              <a:rPr lang="en-US" dirty="0">
+                <a:solidFill>
+                  <a:srgbClr val="7030A0"/>
+                </a:solidFill>
+              </a:rPr>
+              <a:t>commit</a:t>
+            </a:r>
+            <a:r>
+              <a:rPr lang="en-US" dirty="0">
+                <a:solidFill>
+                  <a:schemeClr val="accent4">
+                    <a:lumMod val="75000"/>
+                  </a:schemeClr>
+                </a:solidFill>
+              </a:rPr>
+              <a:t>()</a:t>
+            </a:r>
+          </a:p>
+        </p:txBody>
+      </p:sp>
     </p:spTree>
     <p:extLst>
       <p:ext uri="{BB962C8B-B14F-4D97-AF65-F5344CB8AC3E}">
-        <p14:creationId xmlns:p14="http://schemas.microsoft.com/office/powerpoint/2010/main" val="3945898909"/>
+        <p14:creationId xmlns:p14="http://schemas.microsoft.com/office/powerpoint/2010/main" val="963525257"/>
       </p:ext>
     </p:extLst>
   </p:cSld>
